--- a/Rossmann_Sales_Prediction_ppt.pptx
+++ b/Rossmann_Sales_Prediction_ppt.pptx
@@ -5,65 +5,61 @@
     <p:sldMasterId id="2147483648" r:id="rId1"/>
   </p:sldMasterIdLst>
   <p:notesMasterIdLst>
-    <p:notesMasterId r:id="rId36"/>
+    <p:notesMasterId r:id="rId4"/>
   </p:notesMasterIdLst>
   <p:sldIdLst>
-    <p:sldId id="256" r:id="rId2"/>
-    <p:sldId id="303" r:id="rId3"/>
-    <p:sldId id="304" r:id="rId4"/>
-    <p:sldId id="276" r:id="rId5"/>
-    <p:sldId id="275" r:id="rId6"/>
-    <p:sldId id="274" r:id="rId7"/>
-    <p:sldId id="273" r:id="rId8"/>
-    <p:sldId id="272" r:id="rId9"/>
-    <p:sldId id="271" r:id="rId10"/>
-    <p:sldId id="270" r:id="rId11"/>
-    <p:sldId id="269" r:id="rId12"/>
-    <p:sldId id="268" r:id="rId13"/>
-    <p:sldId id="267" r:id="rId14"/>
-    <p:sldId id="266" r:id="rId15"/>
-    <p:sldId id="265" r:id="rId16"/>
-    <p:sldId id="264" r:id="rId17"/>
-    <p:sldId id="263" r:id="rId18"/>
-    <p:sldId id="261" r:id="rId19"/>
-    <p:sldId id="260" r:id="rId20"/>
-    <p:sldId id="258" r:id="rId21"/>
-    <p:sldId id="277" r:id="rId22"/>
-    <p:sldId id="278" r:id="rId23"/>
-    <p:sldId id="279" r:id="rId24"/>
-    <p:sldId id="280" r:id="rId25"/>
-    <p:sldId id="305" r:id="rId26"/>
-    <p:sldId id="281" r:id="rId27"/>
-    <p:sldId id="282" r:id="rId28"/>
-    <p:sldId id="283" r:id="rId29"/>
-    <p:sldId id="284" r:id="rId30"/>
-    <p:sldId id="307" r:id="rId31"/>
-    <p:sldId id="285" r:id="rId32"/>
-    <p:sldId id="306" r:id="rId33"/>
-    <p:sldId id="286" r:id="rId34"/>
-    <p:sldId id="309" r:id="rId35"/>
+    <p:sldId id="256" r:id="rId3"/>
+    <p:sldId id="336" r:id="rId5"/>
+    <p:sldId id="303" r:id="rId6"/>
+    <p:sldId id="304" r:id="rId7"/>
+    <p:sldId id="276" r:id="rId8"/>
+    <p:sldId id="275" r:id="rId9"/>
+    <p:sldId id="274" r:id="rId10"/>
+    <p:sldId id="278" r:id="rId11"/>
+    <p:sldId id="279" r:id="rId12"/>
+    <p:sldId id="273" r:id="rId13"/>
+    <p:sldId id="272" r:id="rId14"/>
+    <p:sldId id="271" r:id="rId15"/>
+    <p:sldId id="270" r:id="rId16"/>
+    <p:sldId id="269" r:id="rId17"/>
+    <p:sldId id="268" r:id="rId18"/>
+    <p:sldId id="266" r:id="rId19"/>
+    <p:sldId id="264" r:id="rId20"/>
+    <p:sldId id="263" r:id="rId21"/>
+    <p:sldId id="261" r:id="rId22"/>
+    <p:sldId id="260" r:id="rId23"/>
+    <p:sldId id="258" r:id="rId24"/>
+    <p:sldId id="277" r:id="rId25"/>
+    <p:sldId id="280" r:id="rId26"/>
+    <p:sldId id="305" r:id="rId27"/>
+    <p:sldId id="281" r:id="rId28"/>
+    <p:sldId id="307" r:id="rId29"/>
+    <p:sldId id="285" r:id="rId30"/>
+    <p:sldId id="306" r:id="rId31"/>
+    <p:sldId id="286" r:id="rId32"/>
+    <p:sldId id="337" r:id="rId33"/>
+    <p:sldId id="309" r:id="rId34"/>
   </p:sldIdLst>
   <p:sldSz cx="9144000" cy="5143500" type="screen16x9"/>
   <p:notesSz cx="6858000" cy="9144000"/>
   <p:embeddedFontLst>
     <p:embeddedFont>
+      <p:font typeface="Montserrat" panose="00000500000000000000"/>
+      <p:regular r:id="rId38"/>
+      <p:bold r:id="rId39"/>
+      <p:boldItalic r:id="rId40"/>
+    </p:embeddedFont>
+    <p:embeddedFont>
+      <p:font typeface="Bahnschrift SemiBold" panose="020B0502040204020203" pitchFamily="34" charset="0"/>
+      <p:bold r:id="rId41"/>
+    </p:embeddedFont>
+    <p:embeddedFont>
       <p:font typeface="Bahnschrift Light" panose="020B0502040204020203" pitchFamily="34" charset="0"/>
-      <p:regular r:id="rId37"/>
+      <p:regular r:id="rId42"/>
     </p:embeddedFont>
     <p:embeddedFont>
       <p:font typeface="Bahnschrift Light SemiCondensed" panose="020B0502040204020203" pitchFamily="34" charset="0"/>
-      <p:regular r:id="rId38"/>
-    </p:embeddedFont>
-    <p:embeddedFont>
-      <p:font typeface="Bahnschrift SemiBold" panose="020B0502040204020203" pitchFamily="34" charset="0"/>
-      <p:bold r:id="rId39"/>
-    </p:embeddedFont>
-    <p:embeddedFont>
-      <p:font typeface="Montserrat" panose="020B0604020202020204" charset="0"/>
-      <p:regular r:id="rId40"/>
-      <p:bold r:id="rId41"/>
-      <p:italic r:id="rId42"/>
-      <p:boldItalic r:id="rId43"/>
+      <p:regular r:id="rId43"/>
     </p:embeddedFont>
   </p:embeddedFontLst>
   <p:defaultTextStyle>
@@ -295,22 +291,6 @@
       </a:defRPr>
     </a:lvl9pPr>
   </p:defaultTextStyle>
-  <p:extLst>
-    <p:ext uri="{EFAFB233-063F-42B5-8137-9DF3F51BA10A}">
-      <p15:sldGuideLst xmlns:p15="http://schemas.microsoft.com/office/powerpoint/2012/main">
-        <p15:guide id="1" orient="horz" pos="1620">
-          <p15:clr>
-            <a:srgbClr val="A4A3A4"/>
-          </p15:clr>
-        </p15:guide>
-        <p15:guide id="2" pos="2880">
-          <p15:clr>
-            <a:srgbClr val="A4A3A4"/>
-          </p15:clr>
-        </p15:guide>
-      </p15:sldGuideLst>
-    </p:ext>
-  </p:extLst>
 </p:presentation>
 </file>
 
@@ -650,17 +630,10 @@
               </a:defRPr>
             </a:lvl9pPr>
           </a:lstStyle>
-          <a:p>
-            <a:endParaRPr/>
-          </a:p>
+          <a:p/>
         </p:txBody>
       </p:sp>
     </p:spTree>
-    <p:extLst>
-      <p:ext uri="{BB962C8B-B14F-4D97-AF65-F5344CB8AC3E}">
-        <p14:creationId xmlns:p14="http://schemas.microsoft.com/office/powerpoint/2010/main" val="712801707"/>
-      </p:ext>
-    </p:extLst>
   </p:cSld>
   <p:clrMap bg1="lt1" tx1="dk1" bg2="dk2" tx2="lt2" accent1="accent1" accent2="accent2" accent3="accent3" accent4="accent4" accent5="accent5" accent6="accent6" hlink="hlink" folHlink="folHlink"/>
   <p:notesStyle>
@@ -896,7 +869,7 @@
 </file>
 
 <file path=ppt/notesSlides/notesSlide1.xml><?xml version="1.0" encoding="utf-8"?>
-<p:notes xmlns:a="http://schemas.openxmlformats.org/drawingml/2006/main" xmlns:r="http://schemas.openxmlformats.org/officeDocument/2006/relationships" xmlns:p="http://schemas.openxmlformats.org/presentationml/2006/main" showMasterSp="0" showMasterPhAnim="0">
+<p:notes xmlns:a="http://schemas.openxmlformats.org/drawingml/2006/main" xmlns:r="http://schemas.openxmlformats.org/officeDocument/2006/relationships" xmlns:p="http://schemas.openxmlformats.org/presentationml/2006/main" showMasterPhAnim="0" showMasterSp="0">
   <p:cSld>
     <p:spTree>
       <p:nvGrpSpPr>
@@ -1005,16 +978,10 @@
               <a:buSzPts val="1100"/>
               <a:buNone/>
             </a:pPr>
-            <a:endParaRPr/>
           </a:p>
         </p:txBody>
       </p:sp>
     </p:spTree>
-    <p:extLst>
-      <p:ext uri="{BB962C8B-B14F-4D97-AF65-F5344CB8AC3E}">
-        <p14:creationId xmlns:p14="http://schemas.microsoft.com/office/powerpoint/2010/main" val="3736296775"/>
-      </p:ext>
-    </p:extLst>
   </p:cSld>
   <p:clrMapOvr>
     <a:masterClrMapping/>
@@ -1071,11 +1038,6 @@
         </p:txBody>
       </p:sp>
     </p:spTree>
-    <p:extLst>
-      <p:ext uri="{BB962C8B-B14F-4D97-AF65-F5344CB8AC3E}">
-        <p14:creationId xmlns:p14="http://schemas.microsoft.com/office/powerpoint/2010/main" val="123664199"/>
-      </p:ext>
-    </p:extLst>
   </p:cSld>
   <p:clrMapOvr>
     <a:masterClrMapping/>
@@ -1084,7 +1046,7 @@
 </file>
 
 <file path=ppt/slideLayouts/slideLayout1.xml><?xml version="1.0" encoding="utf-8"?>
-<p:sldLayout xmlns:a="http://schemas.openxmlformats.org/drawingml/2006/main" xmlns:r="http://schemas.openxmlformats.org/officeDocument/2006/relationships" xmlns:p="http://schemas.openxmlformats.org/presentationml/2006/main" matchingName="Title slide" type="title">
+<p:sldLayout xmlns:a="http://schemas.openxmlformats.org/drawingml/2006/main" xmlns:r="http://schemas.openxmlformats.org/officeDocument/2006/relationships" xmlns:p="http://schemas.openxmlformats.org/presentationml/2006/main" type="title" matchingName="Title slide">
   <p:cSld name="TITLE">
     <p:spTree>
       <p:nvGrpSpPr>
@@ -1255,9 +1217,7 @@
               <a:defRPr sz="5200"/>
             </a:lvl9pPr>
           </a:lstStyle>
-          <a:p>
-            <a:endParaRPr/>
-          </a:p>
+          <a:p/>
         </p:txBody>
       </p:sp>
       <p:sp>
@@ -1415,9 +1375,7 @@
               <a:defRPr sz="2800"/>
             </a:lvl9pPr>
           </a:lstStyle>
-          <a:p>
-            <a:endParaRPr/>
-          </a:p>
+          <a:p/>
         </p:txBody>
       </p:sp>
       <p:sp>
@@ -1695,7 +1653,6 @@
             </a:pPr>
             <a:fld id="{00000000-1234-1234-1234-123412341234}" type="slidenum">
               <a:rPr lang="en-GB"/>
-              <a:t>‹#›</a:t>
             </a:fld>
             <a:endParaRPr lang="en-GB"/>
           </a:p>
@@ -2043,9 +2000,7 @@
               <a:defRPr/>
             </a:lvl9pPr>
           </a:lstStyle>
-          <a:p>
-            <a:endParaRPr/>
-          </a:p>
+          <a:p/>
         </p:txBody>
       </p:sp>
       <p:sp>
@@ -2323,7 +2278,6 @@
             </a:pPr>
             <a:fld id="{00000000-1234-1234-1234-123412341234}" type="slidenum">
               <a:rPr lang="en-GB"/>
-              <a:t>‹#›</a:t>
             </a:fld>
             <a:endParaRPr lang="en-GB"/>
           </a:p>
@@ -2338,7 +2292,7 @@
 </file>
 
 <file path=ppt/slideLayouts/slideLayout11.xml><?xml version="1.0" encoding="utf-8"?>
-<p:sldLayout xmlns:a="http://schemas.openxmlformats.org/drawingml/2006/main" xmlns:r="http://schemas.openxmlformats.org/officeDocument/2006/relationships" xmlns:p="http://schemas.openxmlformats.org/presentationml/2006/main" matchingName="Blank" type="blank">
+<p:sldLayout xmlns:a="http://schemas.openxmlformats.org/drawingml/2006/main" xmlns:r="http://schemas.openxmlformats.org/officeDocument/2006/relationships" xmlns:p="http://schemas.openxmlformats.org/presentationml/2006/main" type="blank" matchingName="Blank">
   <p:cSld name="BLANK">
     <p:spTree>
       <p:nvGrpSpPr>
@@ -2629,7 +2583,6 @@
             </a:pPr>
             <a:fld id="{00000000-1234-1234-1234-123412341234}" type="slidenum">
               <a:rPr lang="en-GB"/>
-              <a:t>‹#›</a:t>
             </a:fld>
             <a:endParaRPr lang="en-GB"/>
           </a:p>
@@ -2644,7 +2597,7 @@
 </file>
 
 <file path=ppt/slideLayouts/slideLayout2.xml><?xml version="1.0" encoding="utf-8"?>
-<p:sldLayout xmlns:a="http://schemas.openxmlformats.org/drawingml/2006/main" xmlns:r="http://schemas.openxmlformats.org/officeDocument/2006/relationships" xmlns:p="http://schemas.openxmlformats.org/presentationml/2006/main" matchingName="Title and body" type="tx">
+<p:sldLayout xmlns:a="http://schemas.openxmlformats.org/drawingml/2006/main" xmlns:r="http://schemas.openxmlformats.org/officeDocument/2006/relationships" xmlns:p="http://schemas.openxmlformats.org/presentationml/2006/main" type="tx" matchingName="Title and body">
   <p:cSld name="TITLE_AND_BODY">
     <p:spTree>
       <p:nvGrpSpPr>
@@ -2815,9 +2768,7 @@
               <a:defRPr/>
             </a:lvl9pPr>
           </a:lstStyle>
-          <a:p>
-            <a:endParaRPr/>
-          </a:p>
+          <a:p/>
         </p:txBody>
       </p:sp>
       <p:sp>
@@ -2975,9 +2926,7 @@
               <a:defRPr/>
             </a:lvl9pPr>
           </a:lstStyle>
-          <a:p>
-            <a:endParaRPr/>
-          </a:p>
+          <a:p/>
         </p:txBody>
       </p:sp>
       <p:sp>
@@ -3255,7 +3204,6 @@
             </a:pPr>
             <a:fld id="{00000000-1234-1234-1234-123412341234}" type="slidenum">
               <a:rPr lang="en-GB"/>
-              <a:t>‹#›</a:t>
             </a:fld>
             <a:endParaRPr lang="en-GB"/>
           </a:p>
@@ -3270,7 +3218,7 @@
 </file>
 
 <file path=ppt/slideLayouts/slideLayout3.xml><?xml version="1.0" encoding="utf-8"?>
-<p:sldLayout xmlns:a="http://schemas.openxmlformats.org/drawingml/2006/main" xmlns:r="http://schemas.openxmlformats.org/officeDocument/2006/relationships" xmlns:p="http://schemas.openxmlformats.org/presentationml/2006/main" matchingName="Section header" type="secHead">
+<p:sldLayout xmlns:a="http://schemas.openxmlformats.org/drawingml/2006/main" xmlns:r="http://schemas.openxmlformats.org/officeDocument/2006/relationships" xmlns:p="http://schemas.openxmlformats.org/presentationml/2006/main" type="secHead" matchingName="Section header">
   <p:cSld name="SECTION_HEADER">
     <p:spTree>
       <p:nvGrpSpPr>
@@ -3441,9 +3389,7 @@
               <a:defRPr sz="3600"/>
             </a:lvl9pPr>
           </a:lstStyle>
-          <a:p>
-            <a:endParaRPr/>
-          </a:p>
+          <a:p/>
         </p:txBody>
       </p:sp>
       <p:sp>
@@ -3721,7 +3667,6 @@
             </a:pPr>
             <a:fld id="{00000000-1234-1234-1234-123412341234}" type="slidenum">
               <a:rPr lang="en-GB"/>
-              <a:t>‹#›</a:t>
             </a:fld>
             <a:endParaRPr lang="en-GB"/>
           </a:p>
@@ -3736,7 +3681,7 @@
 </file>
 
 <file path=ppt/slideLayouts/slideLayout4.xml><?xml version="1.0" encoding="utf-8"?>
-<p:sldLayout xmlns:a="http://schemas.openxmlformats.org/drawingml/2006/main" xmlns:r="http://schemas.openxmlformats.org/officeDocument/2006/relationships" xmlns:p="http://schemas.openxmlformats.org/presentationml/2006/main" matchingName="Title and two columns" type="twoColTx">
+<p:sldLayout xmlns:a="http://schemas.openxmlformats.org/drawingml/2006/main" xmlns:r="http://schemas.openxmlformats.org/officeDocument/2006/relationships" xmlns:p="http://schemas.openxmlformats.org/presentationml/2006/main" type="twoColTx" matchingName="Title and two columns">
   <p:cSld name="TITLE_AND_TWO_COLUMNS">
     <p:spTree>
       <p:nvGrpSpPr>
@@ -3907,9 +3852,7 @@
               <a:defRPr/>
             </a:lvl9pPr>
           </a:lstStyle>
-          <a:p>
-            <a:endParaRPr/>
-          </a:p>
+          <a:p/>
         </p:txBody>
       </p:sp>
       <p:sp>
@@ -4067,9 +4010,7 @@
               <a:defRPr sz="1200"/>
             </a:lvl9pPr>
           </a:lstStyle>
-          <a:p>
-            <a:endParaRPr/>
-          </a:p>
+          <a:p/>
         </p:txBody>
       </p:sp>
       <p:sp>
@@ -4227,9 +4168,7 @@
               <a:defRPr sz="1200"/>
             </a:lvl9pPr>
           </a:lstStyle>
-          <a:p>
-            <a:endParaRPr/>
-          </a:p>
+          <a:p/>
         </p:txBody>
       </p:sp>
       <p:sp>
@@ -4507,7 +4446,6 @@
             </a:pPr>
             <a:fld id="{00000000-1234-1234-1234-123412341234}" type="slidenum">
               <a:rPr lang="en-GB"/>
-              <a:t>‹#›</a:t>
             </a:fld>
             <a:endParaRPr lang="en-GB"/>
           </a:p>
@@ -4522,7 +4460,7 @@
 </file>
 
 <file path=ppt/slideLayouts/slideLayout5.xml><?xml version="1.0" encoding="utf-8"?>
-<p:sldLayout xmlns:a="http://schemas.openxmlformats.org/drawingml/2006/main" xmlns:r="http://schemas.openxmlformats.org/officeDocument/2006/relationships" xmlns:p="http://schemas.openxmlformats.org/presentationml/2006/main" matchingName="Title only" type="titleOnly">
+<p:sldLayout xmlns:a="http://schemas.openxmlformats.org/drawingml/2006/main" xmlns:r="http://schemas.openxmlformats.org/officeDocument/2006/relationships" xmlns:p="http://schemas.openxmlformats.org/presentationml/2006/main" type="titleOnly" matchingName="Title only">
   <p:cSld name="TITLE_ONLY">
     <p:spTree>
       <p:nvGrpSpPr>
@@ -4693,9 +4631,7 @@
               <a:defRPr/>
             </a:lvl9pPr>
           </a:lstStyle>
-          <a:p>
-            <a:endParaRPr/>
-          </a:p>
+          <a:p/>
         </p:txBody>
       </p:sp>
       <p:sp>
@@ -4973,7 +4909,6 @@
             </a:pPr>
             <a:fld id="{00000000-1234-1234-1234-123412341234}" type="slidenum">
               <a:rPr lang="en-GB"/>
-              <a:t>‹#›</a:t>
             </a:fld>
             <a:endParaRPr lang="en-GB"/>
           </a:p>
@@ -5159,9 +5094,7 @@
               <a:defRPr sz="2400"/>
             </a:lvl9pPr>
           </a:lstStyle>
-          <a:p>
-            <a:endParaRPr/>
-          </a:p>
+          <a:p/>
         </p:txBody>
       </p:sp>
       <p:sp>
@@ -5319,9 +5252,7 @@
               <a:defRPr sz="1200"/>
             </a:lvl9pPr>
           </a:lstStyle>
-          <a:p>
-            <a:endParaRPr/>
-          </a:p>
+          <a:p/>
         </p:txBody>
       </p:sp>
       <p:sp>
@@ -5599,7 +5530,6 @@
             </a:pPr>
             <a:fld id="{00000000-1234-1234-1234-123412341234}" type="slidenum">
               <a:rPr lang="en-GB"/>
-              <a:t>‹#›</a:t>
             </a:fld>
             <a:endParaRPr lang="en-GB"/>
           </a:p>
@@ -5785,9 +5715,7 @@
               <a:defRPr sz="4800"/>
             </a:lvl9pPr>
           </a:lstStyle>
-          <a:p>
-            <a:endParaRPr/>
-          </a:p>
+          <a:p/>
         </p:txBody>
       </p:sp>
       <p:sp>
@@ -6065,7 +5993,6 @@
             </a:pPr>
             <a:fld id="{00000000-1234-1234-1234-123412341234}" type="slidenum">
               <a:rPr lang="en-GB"/>
-              <a:t>‹#›</a:t>
             </a:fld>
             <a:endParaRPr lang="en-GB"/>
           </a:p>
@@ -6307,9 +6234,7 @@
               <a:defRPr sz="4200"/>
             </a:lvl9pPr>
           </a:lstStyle>
-          <a:p>
-            <a:endParaRPr/>
-          </a:p>
+          <a:p/>
         </p:txBody>
       </p:sp>
       <p:sp>
@@ -6467,9 +6392,7 @@
               <a:defRPr sz="2100"/>
             </a:lvl9pPr>
           </a:lstStyle>
-          <a:p>
-            <a:endParaRPr/>
-          </a:p>
+          <a:p/>
         </p:txBody>
       </p:sp>
       <p:sp>
@@ -6627,9 +6550,7 @@
               <a:defRPr/>
             </a:lvl9pPr>
           </a:lstStyle>
-          <a:p>
-            <a:endParaRPr/>
-          </a:p>
+          <a:p/>
         </p:txBody>
       </p:sp>
       <p:sp>
@@ -6907,7 +6828,6 @@
             </a:pPr>
             <a:fld id="{00000000-1234-1234-1234-123412341234}" type="slidenum">
               <a:rPr lang="en-GB"/>
-              <a:t>‹#›</a:t>
             </a:fld>
             <a:endParaRPr lang="en-GB"/>
           </a:p>
@@ -6981,9 +6901,7 @@
               <a:defRPr/>
             </a:lvl1pPr>
           </a:lstStyle>
-          <a:p>
-            <a:endParaRPr/>
-          </a:p>
+          <a:p/>
         </p:txBody>
       </p:sp>
       <p:sp>
@@ -7261,7 +7179,6 @@
             </a:pPr>
             <a:fld id="{00000000-1234-1234-1234-123412341234}" type="slidenum">
               <a:rPr lang="en-GB"/>
-              <a:t>‹#›</a:t>
             </a:fld>
             <a:endParaRPr lang="en-GB"/>
           </a:p>
@@ -7563,9 +7480,7 @@
               </a:defRPr>
             </a:lvl9pPr>
           </a:lstStyle>
-          <a:p>
-            <a:endParaRPr/>
-          </a:p>
+          <a:p/>
         </p:txBody>
       </p:sp>
       <p:sp>
@@ -7831,9 +7746,7 @@
               </a:defRPr>
             </a:lvl9pPr>
           </a:lstStyle>
-          <a:p>
-            <a:endParaRPr/>
-          </a:p>
+          <a:p/>
         </p:txBody>
       </p:sp>
       <p:sp>
@@ -8111,7 +8024,6 @@
             </a:pPr>
             <a:fld id="{00000000-1234-1234-1234-123412341234}" type="slidenum">
               <a:rPr lang="en-GB"/>
-              <a:t>‹#›</a:t>
             </a:fld>
             <a:endParaRPr lang="en-GB"/>
           </a:p>
@@ -8124,7 +8036,7 @@
           <p:nvPr/>
         </p:nvPicPr>
         <p:blipFill rotWithShape="1">
-          <a:blip r:embed="rId13"/>
+          <a:blip r:embed="rId12"/>
           <a:srcRect/>
           <a:stretch>
             <a:fillRect/>
@@ -9023,7 +8935,7 @@
           <p:nvPr/>
         </p:nvPicPr>
         <p:blipFill>
-          <a:blip r:embed="rId3">
+          <a:blip r:embed="rId1">
             <a:extLst>
               <a:ext uri="{28A0092B-C50C-407E-A947-70E740481C1C}">
                 <a14:useLocalDpi xmlns:a14="http://schemas.microsoft.com/office/drawing/2010/main" val="0"/>
@@ -9081,8 +8993,8 @@
         </p:nvSpPr>
         <p:spPr>
           <a:xfrm>
-            <a:off x="1447800" y="202661"/>
-            <a:ext cx="7384500" cy="690957"/>
+            <a:off x="1275598" y="202660"/>
+            <a:ext cx="7577457" cy="822575"/>
           </a:xfrm>
         </p:spPr>
         <p:txBody>
@@ -9093,29 +9005,32 @@
               <a:rPr lang="en-US" dirty="0">
                 <a:latin typeface="Bahnschrift SemiBold" panose="020B0502040204020203" pitchFamily="34" charset="0"/>
               </a:rPr>
-              <a:t>Number of Holidays celebrated by stores</a:t>
+              <a:t>Numbers of stores open on a given Dates</a:t>
             </a:r>
+            <a:endParaRPr lang="en-US" dirty="0">
+              <a:latin typeface="Bahnschrift SemiBold" panose="020B0502040204020203" pitchFamily="34" charset="0"/>
+            </a:endParaRPr>
           </a:p>
         </p:txBody>
       </p:sp>
       <p:pic>
         <p:nvPicPr>
-          <p:cNvPr id="6" name="Picture 5"/>
+          <p:cNvPr id="8" name="Picture 7"/>
           <p:cNvPicPr>
             <a:picLocks noChangeAspect="1"/>
           </p:cNvPicPr>
           <p:nvPr/>
         </p:nvPicPr>
         <p:blipFill>
-          <a:blip r:embed="rId2"/>
+          <a:blip r:embed="rId1"/>
           <a:stretch>
             <a:fillRect/>
           </a:stretch>
         </p:blipFill>
         <p:spPr>
           <a:xfrm>
-            <a:off x="914400" y="893618"/>
-            <a:ext cx="7239000" cy="4047221"/>
+            <a:off x="1275599" y="886691"/>
+            <a:ext cx="6592802" cy="4054147"/>
           </a:xfrm>
           <a:prstGeom prst="rect">
             <a:avLst/>
@@ -9159,8 +9074,8 @@
         </p:nvSpPr>
         <p:spPr>
           <a:xfrm>
-            <a:off x="1835726" y="249382"/>
-            <a:ext cx="6137565" cy="768343"/>
+            <a:off x="477982" y="202661"/>
+            <a:ext cx="8354318" cy="697884"/>
           </a:xfrm>
         </p:spPr>
         <p:txBody>
@@ -9171,8 +9086,11 @@
               <a:rPr lang="en-US" dirty="0">
                 <a:latin typeface="Bahnschrift SemiBold" panose="020B0502040204020203" pitchFamily="34" charset="0"/>
               </a:rPr>
-              <a:t>Number of store data given by Date</a:t>
+              <a:t>Number of stores running promo on given Dates</a:t>
             </a:r>
+            <a:endParaRPr lang="en-US" dirty="0">
+              <a:latin typeface="Bahnschrift SemiBold" panose="020B0502040204020203" pitchFamily="34" charset="0"/>
+            </a:endParaRPr>
           </a:p>
         </p:txBody>
       </p:sp>
@@ -9185,15 +9103,15 @@
           <p:nvPr/>
         </p:nvPicPr>
         <p:blipFill>
-          <a:blip r:embed="rId2"/>
+          <a:blip r:embed="rId1"/>
           <a:stretch>
             <a:fillRect/>
           </a:stretch>
         </p:blipFill>
         <p:spPr>
           <a:xfrm>
-            <a:off x="762000" y="1017725"/>
-            <a:ext cx="7703127" cy="4012034"/>
+            <a:off x="955964" y="962892"/>
+            <a:ext cx="6912437" cy="3977948"/>
           </a:xfrm>
           <a:prstGeom prst="rect">
             <a:avLst/>
@@ -9237,8 +9155,8 @@
         </p:nvSpPr>
         <p:spPr>
           <a:xfrm>
-            <a:off x="1731818" y="235527"/>
-            <a:ext cx="7100481" cy="782198"/>
+            <a:off x="2486891" y="202661"/>
+            <a:ext cx="5230092" cy="1065030"/>
           </a:xfrm>
         </p:spPr>
         <p:txBody>
@@ -9249,8 +9167,11 @@
               <a:rPr lang="en-US" dirty="0">
                 <a:latin typeface="Bahnschrift SemiBold" panose="020B0502040204020203" pitchFamily="34" charset="0"/>
               </a:rPr>
-              <a:t>Number of stores open on Holidays</a:t>
+              <a:t>Number of school Holidays</a:t>
             </a:r>
+            <a:endParaRPr lang="en-US" dirty="0">
+              <a:latin typeface="Bahnschrift SemiBold" panose="020B0502040204020203" pitchFamily="34" charset="0"/>
+            </a:endParaRPr>
           </a:p>
         </p:txBody>
       </p:sp>
@@ -9263,15 +9184,15 @@
           <p:nvPr/>
         </p:nvPicPr>
         <p:blipFill>
-          <a:blip r:embed="rId2"/>
+          <a:blip r:embed="rId1"/>
           <a:stretch>
             <a:fillRect/>
           </a:stretch>
         </p:blipFill>
         <p:spPr>
           <a:xfrm>
-            <a:off x="595744" y="1017725"/>
-            <a:ext cx="7488383" cy="4018386"/>
+            <a:off x="865909" y="879764"/>
+            <a:ext cx="7002492" cy="4061075"/>
           </a:xfrm>
           <a:prstGeom prst="rect">
             <a:avLst/>
@@ -9315,8 +9236,8 @@
         </p:nvSpPr>
         <p:spPr>
           <a:xfrm>
-            <a:off x="1302327" y="166255"/>
-            <a:ext cx="6837217" cy="685801"/>
+            <a:off x="1447800" y="202661"/>
+            <a:ext cx="7384500" cy="690957"/>
           </a:xfrm>
         </p:spPr>
         <p:txBody>
@@ -9327,8 +9248,11 @@
               <a:rPr lang="en-US" dirty="0">
                 <a:latin typeface="Bahnschrift SemiBold" panose="020B0502040204020203" pitchFamily="34" charset="0"/>
               </a:rPr>
-              <a:t>	Distribution of values</a:t>
+              <a:t>Number of Holidays celebrated by stores</a:t>
             </a:r>
+            <a:endParaRPr lang="en-US" dirty="0">
+              <a:latin typeface="Bahnschrift SemiBold" panose="020B0502040204020203" pitchFamily="34" charset="0"/>
+            </a:endParaRPr>
           </a:p>
         </p:txBody>
       </p:sp>
@@ -9341,15 +9265,15 @@
           <p:nvPr/>
         </p:nvPicPr>
         <p:blipFill>
-          <a:blip r:embed="rId2"/>
+          <a:blip r:embed="rId1"/>
           <a:stretch>
             <a:fillRect/>
           </a:stretch>
         </p:blipFill>
         <p:spPr>
           <a:xfrm>
-            <a:off x="311700" y="852056"/>
-            <a:ext cx="8520600" cy="4191000"/>
+            <a:off x="914400" y="893618"/>
+            <a:ext cx="7239000" cy="4047221"/>
           </a:xfrm>
           <a:prstGeom prst="rect">
             <a:avLst/>
@@ -9393,8 +9317,8 @@
         </p:nvSpPr>
         <p:spPr>
           <a:xfrm>
-            <a:off x="1863436" y="138544"/>
-            <a:ext cx="6968864" cy="602673"/>
+            <a:off x="1835726" y="249382"/>
+            <a:ext cx="6137565" cy="768343"/>
           </a:xfrm>
         </p:spPr>
         <p:txBody>
@@ -9405,8 +9329,11 @@
               <a:rPr lang="en-US" dirty="0">
                 <a:latin typeface="Bahnschrift SemiBold" panose="020B0502040204020203" pitchFamily="34" charset="0"/>
               </a:rPr>
-              <a:t>After removing the skewness</a:t>
+              <a:t>Number of store data given by Date</a:t>
             </a:r>
+            <a:endParaRPr lang="en-US" dirty="0">
+              <a:latin typeface="Bahnschrift SemiBold" panose="020B0502040204020203" pitchFamily="34" charset="0"/>
+            </a:endParaRPr>
           </a:p>
         </p:txBody>
       </p:sp>
@@ -9419,15 +9346,15 @@
           <p:nvPr/>
         </p:nvPicPr>
         <p:blipFill>
-          <a:blip r:embed="rId2"/>
+          <a:blip r:embed="rId1"/>
           <a:stretch>
             <a:fillRect/>
           </a:stretch>
         </p:blipFill>
         <p:spPr>
           <a:xfrm>
-            <a:off x="311700" y="741218"/>
-            <a:ext cx="8520600" cy="4402282"/>
+            <a:off x="762000" y="1017725"/>
+            <a:ext cx="7703127" cy="4012034"/>
           </a:xfrm>
           <a:prstGeom prst="rect">
             <a:avLst/>
@@ -9471,8 +9398,8 @@
         </p:nvSpPr>
         <p:spPr>
           <a:xfrm>
-            <a:off x="810490" y="445025"/>
-            <a:ext cx="8021809" cy="572700"/>
+            <a:off x="1731818" y="235527"/>
+            <a:ext cx="7100481" cy="782198"/>
           </a:xfrm>
         </p:spPr>
         <p:txBody>
@@ -9483,8 +9410,11 @@
               <a:rPr lang="en-US" dirty="0">
                 <a:latin typeface="Bahnschrift SemiBold" panose="020B0502040204020203" pitchFamily="34" charset="0"/>
               </a:rPr>
-              <a:t>Relationship between sales and customer data</a:t>
+              <a:t>Number of stores open on Holidays</a:t>
             </a:r>
+            <a:endParaRPr lang="en-US" dirty="0">
+              <a:latin typeface="Bahnschrift SemiBold" panose="020B0502040204020203" pitchFamily="34" charset="0"/>
+            </a:endParaRPr>
           </a:p>
         </p:txBody>
       </p:sp>
@@ -9497,15 +9427,15 @@
           <p:nvPr/>
         </p:nvPicPr>
         <p:blipFill>
-          <a:blip r:embed="rId2"/>
+          <a:blip r:embed="rId1"/>
           <a:stretch>
             <a:fillRect/>
           </a:stretch>
         </p:blipFill>
         <p:spPr>
           <a:xfrm>
-            <a:off x="630381" y="1108364"/>
-            <a:ext cx="7703127" cy="3983181"/>
+            <a:off x="595744" y="1017725"/>
+            <a:ext cx="7488383" cy="4018386"/>
           </a:xfrm>
           <a:prstGeom prst="rect">
             <a:avLst/>
@@ -9549,8 +9479,8 @@
         </p:nvSpPr>
         <p:spPr>
           <a:xfrm>
-            <a:off x="311700" y="152401"/>
-            <a:ext cx="8520600" cy="554182"/>
+            <a:off x="1863436" y="138544"/>
+            <a:ext cx="6968864" cy="602673"/>
           </a:xfrm>
         </p:spPr>
         <p:txBody>
@@ -9558,11 +9488,14 @@
           <a:lstStyle/>
           <a:p>
             <a:r>
-              <a:rPr lang="en-IN" altLang="en-US" dirty="0">
+              <a:rPr lang="en-US" dirty="0">
                 <a:latin typeface="Bahnschrift SemiBold" panose="020B0502040204020203" pitchFamily="34" charset="0"/>
               </a:rPr>
-              <a:t>	Correlation matrix of Rossmann’s Dataset</a:t>
+              <a:t>After removing the skewness</a:t>
             </a:r>
+            <a:endParaRPr lang="en-US" dirty="0">
+              <a:latin typeface="Bahnschrift SemiBold" panose="020B0502040204020203" pitchFamily="34" charset="0"/>
+            </a:endParaRPr>
           </a:p>
         </p:txBody>
       </p:sp>
@@ -9575,15 +9508,15 @@
           <p:nvPr/>
         </p:nvPicPr>
         <p:blipFill>
-          <a:blip r:embed="rId2"/>
+          <a:blip r:embed="rId1"/>
           <a:stretch>
             <a:fillRect/>
           </a:stretch>
         </p:blipFill>
         <p:spPr>
           <a:xfrm>
-            <a:off x="561110" y="706584"/>
-            <a:ext cx="8001000" cy="4436916"/>
+            <a:off x="311700" y="741218"/>
+            <a:ext cx="8520600" cy="4402282"/>
           </a:xfrm>
           <a:prstGeom prst="rect">
             <a:avLst/>
@@ -9627,6 +9560,87 @@
         </p:nvSpPr>
         <p:spPr>
           <a:xfrm>
+            <a:off x="311700" y="152401"/>
+            <a:ext cx="8520600" cy="554182"/>
+          </a:xfrm>
+        </p:spPr>
+        <p:txBody>
+          <a:bodyPr/>
+          <a:lstStyle/>
+          <a:p>
+            <a:r>
+              <a:rPr lang="en-IN" altLang="en-US" dirty="0">
+                <a:latin typeface="Bahnschrift SemiBold" panose="020B0502040204020203" pitchFamily="34" charset="0"/>
+              </a:rPr>
+              <a:t>	Correlation matrix of Rossmann’s Dataset</a:t>
+            </a:r>
+            <a:endParaRPr lang="en-IN" altLang="en-US" dirty="0">
+              <a:latin typeface="Bahnschrift SemiBold" panose="020B0502040204020203" pitchFamily="34" charset="0"/>
+            </a:endParaRPr>
+          </a:p>
+        </p:txBody>
+      </p:sp>
+      <p:pic>
+        <p:nvPicPr>
+          <p:cNvPr id="6" name="Picture 5"/>
+          <p:cNvPicPr>
+            <a:picLocks noChangeAspect="1"/>
+          </p:cNvPicPr>
+          <p:nvPr/>
+        </p:nvPicPr>
+        <p:blipFill>
+          <a:blip r:embed="rId1"/>
+          <a:stretch>
+            <a:fillRect/>
+          </a:stretch>
+        </p:blipFill>
+        <p:spPr>
+          <a:xfrm>
+            <a:off x="561110" y="706584"/>
+            <a:ext cx="8001000" cy="4436916"/>
+          </a:xfrm>
+          <a:prstGeom prst="rect">
+            <a:avLst/>
+          </a:prstGeom>
+        </p:spPr>
+      </p:pic>
+    </p:spTree>
+  </p:cSld>
+  <p:clrMapOvr>
+    <a:masterClrMapping/>
+  </p:clrMapOvr>
+</p:sld>
+</file>
+
+<file path=ppt/slides/slide18.xml><?xml version="1.0" encoding="utf-8"?>
+<p:sld xmlns:a="http://schemas.openxmlformats.org/drawingml/2006/main" xmlns:r="http://schemas.openxmlformats.org/officeDocument/2006/relationships" xmlns:p="http://schemas.openxmlformats.org/presentationml/2006/main">
+  <p:cSld>
+    <p:spTree>
+      <p:nvGrpSpPr>
+        <p:cNvPr id="1" name=""/>
+        <p:cNvGrpSpPr/>
+        <p:nvPr/>
+      </p:nvGrpSpPr>
+      <p:grpSpPr>
+        <a:xfrm>
+          <a:off x="0" y="0"/>
+          <a:ext cx="0" cy="0"/>
+          <a:chOff x="0" y="0"/>
+          <a:chExt cx="0" cy="0"/>
+        </a:xfrm>
+      </p:grpSpPr>
+      <p:sp>
+        <p:nvSpPr>
+          <p:cNvPr id="4" name="Title 3"/>
+          <p:cNvSpPr>
+            <a:spLocks noGrp="1"/>
+          </p:cNvSpPr>
+          <p:nvPr>
+            <p:ph type="title"/>
+          </p:nvPr>
+        </p:nvSpPr>
+        <p:spPr>
+          <a:xfrm>
             <a:off x="311700" y="62345"/>
             <a:ext cx="8520600" cy="519546"/>
           </a:xfrm>
@@ -9641,6 +9655,9 @@
               </a:rPr>
               <a:t>	Correlation after merging the two dataset</a:t>
             </a:r>
+            <a:endParaRPr lang="en-IN" altLang="en-US" dirty="0">
+              <a:latin typeface="Bahnschrift SemiBold" panose="020B0502040204020203" pitchFamily="34" charset="0"/>
+            </a:endParaRPr>
           </a:p>
         </p:txBody>
       </p:sp>
@@ -9653,7 +9670,7 @@
           <p:nvPr/>
         </p:nvPicPr>
         <p:blipFill>
-          <a:blip r:embed="rId3"/>
+          <a:blip r:embed="rId1"/>
           <a:stretch>
             <a:fillRect/>
           </a:stretch>
@@ -9676,7 +9693,7 @@
 </p:sld>
 </file>
 
-<file path=ppt/slides/slide18.xml><?xml version="1.0" encoding="utf-8"?>
+<file path=ppt/slides/slide19.xml><?xml version="1.0" encoding="utf-8"?>
 <p:sld xmlns:a="http://schemas.openxmlformats.org/drawingml/2006/main" xmlns:r="http://schemas.openxmlformats.org/officeDocument/2006/relationships" xmlns:p="http://schemas.openxmlformats.org/presentationml/2006/main">
   <p:cSld>
     <p:spTree>
@@ -9727,33 +9744,12 @@
               </a:rPr>
               <a:t>:</a:t>
             </a:r>
+            <a:endParaRPr lang="en-IN" altLang="en-US" dirty="0">
+              <a:latin typeface="Bahnschrift SemiBold" panose="020B0502040204020203" pitchFamily="34" charset="0"/>
+            </a:endParaRPr>
           </a:p>
         </p:txBody>
       </p:sp>
-      <p:pic>
-        <p:nvPicPr>
-          <p:cNvPr id="6" name="Picture 5"/>
-          <p:cNvPicPr>
-            <a:picLocks noChangeAspect="1"/>
-          </p:cNvPicPr>
-          <p:nvPr/>
-        </p:nvPicPr>
-        <p:blipFill>
-          <a:blip r:embed="rId2"/>
-          <a:stretch>
-            <a:fillRect/>
-          </a:stretch>
-        </p:blipFill>
-        <p:spPr>
-          <a:xfrm>
-            <a:off x="138489" y="1214536"/>
-            <a:ext cx="2195973" cy="3572209"/>
-          </a:xfrm>
-          <a:prstGeom prst="rect">
-            <a:avLst/>
-          </a:prstGeom>
-        </p:spPr>
-      </p:pic>
       <p:pic>
         <p:nvPicPr>
           <p:cNvPr id="8" name="Picture 7"/>
@@ -9763,7 +9759,7 @@
           <p:nvPr/>
         </p:nvPicPr>
         <p:blipFill>
-          <a:blip r:embed="rId3"/>
+          <a:blip r:embed="rId1"/>
           <a:stretch>
             <a:fillRect/>
           </a:stretch>
@@ -9772,251 +9768,6 @@
           <a:xfrm>
             <a:off x="2376027" y="1214536"/>
             <a:ext cx="2195973" cy="3572209"/>
-          </a:xfrm>
-          <a:prstGeom prst="rect">
-            <a:avLst/>
-          </a:prstGeom>
-        </p:spPr>
-      </p:pic>
-      <p:pic>
-        <p:nvPicPr>
-          <p:cNvPr id="10" name="Picture 9"/>
-          <p:cNvPicPr>
-            <a:picLocks noChangeAspect="1"/>
-          </p:cNvPicPr>
-          <p:nvPr/>
-        </p:nvPicPr>
-        <p:blipFill>
-          <a:blip r:embed="rId4"/>
-          <a:stretch>
-            <a:fillRect/>
-          </a:stretch>
-        </p:blipFill>
-        <p:spPr>
-          <a:xfrm>
-            <a:off x="4613565" y="1214536"/>
-            <a:ext cx="2189018" cy="3572209"/>
-          </a:xfrm>
-          <a:prstGeom prst="rect">
-            <a:avLst/>
-          </a:prstGeom>
-        </p:spPr>
-      </p:pic>
-      <p:pic>
-        <p:nvPicPr>
-          <p:cNvPr id="12" name="Picture 11"/>
-          <p:cNvPicPr>
-            <a:picLocks noChangeAspect="1"/>
-          </p:cNvPicPr>
-          <p:nvPr/>
-        </p:nvPicPr>
-        <p:blipFill>
-          <a:blip r:embed="rId5"/>
-          <a:stretch>
-            <a:fillRect/>
-          </a:stretch>
-        </p:blipFill>
-        <p:spPr>
-          <a:xfrm>
-            <a:off x="6844148" y="1214536"/>
-            <a:ext cx="2112845" cy="3572209"/>
-          </a:xfrm>
-          <a:prstGeom prst="rect">
-            <a:avLst/>
-          </a:prstGeom>
-        </p:spPr>
-      </p:pic>
-    </p:spTree>
-  </p:cSld>
-  <p:clrMapOvr>
-    <a:masterClrMapping/>
-  </p:clrMapOvr>
-</p:sld>
-</file>
-
-<file path=ppt/slides/slide19.xml><?xml version="1.0" encoding="utf-8"?>
-<p:sld xmlns:a="http://schemas.openxmlformats.org/drawingml/2006/main" xmlns:r="http://schemas.openxmlformats.org/officeDocument/2006/relationships" xmlns:p="http://schemas.openxmlformats.org/presentationml/2006/main">
-  <p:cSld>
-    <p:spTree>
-      <p:nvGrpSpPr>
-        <p:cNvPr id="1" name=""/>
-        <p:cNvGrpSpPr/>
-        <p:nvPr/>
-      </p:nvGrpSpPr>
-      <p:grpSpPr>
-        <a:xfrm>
-          <a:off x="0" y="0"/>
-          <a:ext cx="0" cy="0"/>
-          <a:chOff x="0" y="0"/>
-          <a:chExt cx="0" cy="0"/>
-        </a:xfrm>
-      </p:grpSpPr>
-      <p:sp>
-        <p:nvSpPr>
-          <p:cNvPr id="4" name="Title 3"/>
-          <p:cNvSpPr>
-            <a:spLocks noGrp="1"/>
-          </p:cNvSpPr>
-          <p:nvPr>
-            <p:ph type="title"/>
-          </p:nvPr>
-        </p:nvSpPr>
-        <p:spPr/>
-        <p:txBody>
-          <a:bodyPr/>
-          <a:lstStyle/>
-          <a:p>
-            <a:r>
-              <a:rPr lang="en-IN" altLang="en-US" dirty="0">
-                <a:latin typeface="Bahnschrift SemiBold" panose="020B0502040204020203" pitchFamily="34" charset="0"/>
-                <a:sym typeface="+mn-ea"/>
-              </a:rPr>
-              <a:t>The scatter plot for sales_log_t with other Variables:</a:t>
-            </a:r>
-            <a:endParaRPr lang="en-US" dirty="0">
-              <a:latin typeface="Bahnschrift SemiBold" panose="020B0502040204020203" pitchFamily="34" charset="0"/>
-            </a:endParaRPr>
-          </a:p>
-        </p:txBody>
-      </p:sp>
-      <p:pic>
-        <p:nvPicPr>
-          <p:cNvPr id="6" name="Picture 5"/>
-          <p:cNvPicPr>
-            <a:picLocks noChangeAspect="1"/>
-          </p:cNvPicPr>
-          <p:nvPr/>
-        </p:nvPicPr>
-        <p:blipFill>
-          <a:blip r:embed="rId2"/>
-          <a:stretch>
-            <a:fillRect/>
-          </a:stretch>
-        </p:blipFill>
-        <p:spPr>
-          <a:xfrm>
-            <a:off x="90055" y="1136072"/>
-            <a:ext cx="2784763" cy="1738745"/>
-          </a:xfrm>
-          <a:prstGeom prst="rect">
-            <a:avLst/>
-          </a:prstGeom>
-        </p:spPr>
-      </p:pic>
-      <p:pic>
-        <p:nvPicPr>
-          <p:cNvPr id="8" name="Picture 7"/>
-          <p:cNvPicPr>
-            <a:picLocks noChangeAspect="1"/>
-          </p:cNvPicPr>
-          <p:nvPr/>
-        </p:nvPicPr>
-        <p:blipFill>
-          <a:blip r:embed="rId3"/>
-          <a:stretch>
-            <a:fillRect/>
-          </a:stretch>
-        </p:blipFill>
-        <p:spPr>
-          <a:xfrm>
-            <a:off x="2874818" y="1136073"/>
-            <a:ext cx="2895599" cy="1738744"/>
-          </a:xfrm>
-          <a:prstGeom prst="rect">
-            <a:avLst/>
-          </a:prstGeom>
-        </p:spPr>
-      </p:pic>
-      <p:pic>
-        <p:nvPicPr>
-          <p:cNvPr id="10" name="Picture 9"/>
-          <p:cNvPicPr>
-            <a:picLocks noChangeAspect="1"/>
-          </p:cNvPicPr>
-          <p:nvPr/>
-        </p:nvPicPr>
-        <p:blipFill>
-          <a:blip r:embed="rId4"/>
-          <a:stretch>
-            <a:fillRect/>
-          </a:stretch>
-        </p:blipFill>
-        <p:spPr>
-          <a:xfrm>
-            <a:off x="5770418" y="1136072"/>
-            <a:ext cx="3061881" cy="1738743"/>
-          </a:xfrm>
-          <a:prstGeom prst="rect">
-            <a:avLst/>
-          </a:prstGeom>
-        </p:spPr>
-      </p:pic>
-      <p:pic>
-        <p:nvPicPr>
-          <p:cNvPr id="12" name="Picture 11"/>
-          <p:cNvPicPr>
-            <a:picLocks noChangeAspect="1"/>
-          </p:cNvPicPr>
-          <p:nvPr/>
-        </p:nvPicPr>
-        <p:blipFill>
-          <a:blip r:embed="rId5"/>
-          <a:stretch>
-            <a:fillRect/>
-          </a:stretch>
-        </p:blipFill>
-        <p:spPr>
-          <a:xfrm>
-            <a:off x="90055" y="2937164"/>
-            <a:ext cx="2784763" cy="2001981"/>
-          </a:xfrm>
-          <a:prstGeom prst="rect">
-            <a:avLst/>
-          </a:prstGeom>
-        </p:spPr>
-      </p:pic>
-      <p:pic>
-        <p:nvPicPr>
-          <p:cNvPr id="14" name="Picture 13"/>
-          <p:cNvPicPr>
-            <a:picLocks noChangeAspect="1"/>
-          </p:cNvPicPr>
-          <p:nvPr/>
-        </p:nvPicPr>
-        <p:blipFill>
-          <a:blip r:embed="rId6"/>
-          <a:stretch>
-            <a:fillRect/>
-          </a:stretch>
-        </p:blipFill>
-        <p:spPr>
-          <a:xfrm>
-            <a:off x="2874818" y="2937164"/>
-            <a:ext cx="2895600" cy="2001981"/>
-          </a:xfrm>
-          <a:prstGeom prst="rect">
-            <a:avLst/>
-          </a:prstGeom>
-        </p:spPr>
-      </p:pic>
-      <p:pic>
-        <p:nvPicPr>
-          <p:cNvPr id="16" name="Picture 15"/>
-          <p:cNvPicPr>
-            <a:picLocks noChangeAspect="1"/>
-          </p:cNvPicPr>
-          <p:nvPr/>
-        </p:nvPicPr>
-        <p:blipFill>
-          <a:blip r:embed="rId7"/>
-          <a:stretch>
-            <a:fillRect/>
-          </a:stretch>
-        </p:blipFill>
-        <p:spPr>
-          <a:xfrm>
-            <a:off x="5770416" y="2937164"/>
-            <a:ext cx="3061881" cy="2001981"/>
           </a:xfrm>
           <a:prstGeom prst="rect">
             <a:avLst/>
@@ -10040,14 +9791,7 @@
         <p:cNvGrpSpPr/>
         <p:nvPr/>
       </p:nvGrpSpPr>
-      <p:grpSpPr>
-        <a:xfrm>
-          <a:off x="0" y="0"/>
-          <a:ext cx="0" cy="0"/>
-          <a:chOff x="0" y="0"/>
-          <a:chExt cx="0" cy="0"/>
-        </a:xfrm>
-      </p:grpSpPr>
+      <p:grpSpPr/>
       <p:sp>
         <p:nvSpPr>
           <p:cNvPr id="2" name="Title 1"/>
@@ -10058,22 +9802,15 @@
             <p:ph type="title"/>
           </p:nvPr>
         </p:nvSpPr>
-        <p:spPr>
-          <a:xfrm>
-            <a:off x="311700" y="477981"/>
-            <a:ext cx="8520600" cy="674493"/>
-          </a:xfrm>
-        </p:spPr>
+        <p:spPr/>
         <p:txBody>
           <a:bodyPr/>
-          <a:lstStyle/>
           <a:p>
             <a:r>
-              <a:rPr lang="en-IN" altLang="en-US" dirty="0">
-                <a:latin typeface="Bahnschrift SemiBold" panose="020B0502040204020203" pitchFamily="34" charset="0"/>
-              </a:rPr>
-              <a:t>Problem Statement:</a:t>
+              <a:rPr lang="en-IN" altLang="en-US"/>
+              <a:t>Name</a:t>
             </a:r>
+            <a:endParaRPr lang="en-IN" altLang="en-US"/>
           </a:p>
         </p:txBody>
       </p:sp>
@@ -10087,95 +9824,14 @@
             <p:ph type="body" idx="1"/>
           </p:nvPr>
         </p:nvSpPr>
-        <p:spPr>
-          <a:xfrm>
-            <a:off x="-48491" y="1094509"/>
-            <a:ext cx="8880791" cy="3474366"/>
-          </a:xfrm>
-        </p:spPr>
+        <p:spPr/>
         <p:txBody>
           <a:bodyPr/>
-          <a:lstStyle/>
           <a:p>
-            <a:r>
-              <a:rPr lang="en-US" sz="2000" dirty="0">
-                <a:solidFill>
-                  <a:schemeClr val="bg1"/>
-                </a:solidFill>
-                <a:latin typeface="Bahnschrift Light" panose="020B0502040204020203" pitchFamily="34" charset="0"/>
-              </a:rPr>
-              <a:t>Rossmann store managers are tasked with predicting their daily sales for up to six weeks in advance. </a:t>
-            </a:r>
-          </a:p>
-          <a:p>
-            <a:endParaRPr lang="en-US" sz="2000" dirty="0">
-              <a:solidFill>
-                <a:schemeClr val="bg1"/>
-              </a:solidFill>
-              <a:latin typeface="Bahnschrift Light" panose="020B0502040204020203" pitchFamily="34" charset="0"/>
-            </a:endParaRPr>
-          </a:p>
-          <a:p>
-            <a:r>
-              <a:rPr lang="en-IN" altLang="en-US" sz="2000" dirty="0">
-                <a:solidFill>
-                  <a:schemeClr val="bg1"/>
-                </a:solidFill>
-                <a:latin typeface="Bahnschrift Light" panose="020B0502040204020203" pitchFamily="34" charset="0"/>
-              </a:rPr>
-              <a:t>We were</a:t>
-            </a:r>
-            <a:r>
-              <a:rPr lang="en-US" sz="2000" dirty="0">
-                <a:solidFill>
-                  <a:schemeClr val="bg1"/>
-                </a:solidFill>
-                <a:latin typeface="Bahnschrift Light" panose="020B0502040204020203" pitchFamily="34" charset="0"/>
-              </a:rPr>
-              <a:t> provided with historical sales data for 1,115 Rossmann stores</a:t>
-            </a:r>
-            <a:r>
-              <a:rPr lang="en-IN" altLang="en-US" sz="2000" dirty="0">
-                <a:solidFill>
-                  <a:schemeClr val="bg1"/>
-                </a:solidFill>
-                <a:latin typeface="Bahnschrift Light" panose="020B0502040204020203" pitchFamily="34" charset="0"/>
-              </a:rPr>
-              <a:t> and were asked to predict the same</a:t>
-            </a:r>
+            <a:endParaRPr lang="en-US"/>
           </a:p>
         </p:txBody>
       </p:sp>
-      <p:pic>
-        <p:nvPicPr>
-          <p:cNvPr id="4" name="Picture 3"/>
-          <p:cNvPicPr>
-            <a:picLocks noChangeAspect="1"/>
-          </p:cNvPicPr>
-          <p:nvPr/>
-        </p:nvPicPr>
-        <p:blipFill>
-          <a:blip r:embed="rId2">
-            <a:extLst>
-              <a:ext uri="{28A0092B-C50C-407E-A947-70E740481C1C}">
-                <a14:useLocalDpi xmlns:a14="http://schemas.microsoft.com/office/drawing/2010/main" val="0"/>
-              </a:ext>
-            </a:extLst>
-          </a:blip>
-          <a:stretch>
-            <a:fillRect/>
-          </a:stretch>
-        </p:blipFill>
-        <p:spPr>
-          <a:xfrm>
-            <a:off x="6048003" y="2888673"/>
-            <a:ext cx="2876764" cy="1927097"/>
-          </a:xfrm>
-          <a:prstGeom prst="rect">
-            <a:avLst/>
-          </a:prstGeom>
-        </p:spPr>
-      </p:pic>
     </p:spTree>
   </p:cSld>
   <p:clrMapOvr>
@@ -10238,7 +9894,204 @@
           <p:nvPr/>
         </p:nvPicPr>
         <p:blipFill>
+          <a:blip r:embed="rId1"/>
+          <a:stretch>
+            <a:fillRect/>
+          </a:stretch>
+        </p:blipFill>
+        <p:spPr>
+          <a:xfrm>
+            <a:off x="90055" y="1136072"/>
+            <a:ext cx="2784763" cy="1738745"/>
+          </a:xfrm>
+          <a:prstGeom prst="rect">
+            <a:avLst/>
+          </a:prstGeom>
+        </p:spPr>
+      </p:pic>
+      <p:pic>
+        <p:nvPicPr>
+          <p:cNvPr id="8" name="Picture 7"/>
+          <p:cNvPicPr>
+            <a:picLocks noChangeAspect="1"/>
+          </p:cNvPicPr>
+          <p:nvPr/>
+        </p:nvPicPr>
+        <p:blipFill>
           <a:blip r:embed="rId2"/>
+          <a:stretch>
+            <a:fillRect/>
+          </a:stretch>
+        </p:blipFill>
+        <p:spPr>
+          <a:xfrm>
+            <a:off x="2874818" y="1136073"/>
+            <a:ext cx="2895599" cy="1738744"/>
+          </a:xfrm>
+          <a:prstGeom prst="rect">
+            <a:avLst/>
+          </a:prstGeom>
+        </p:spPr>
+      </p:pic>
+      <p:pic>
+        <p:nvPicPr>
+          <p:cNvPr id="10" name="Picture 9"/>
+          <p:cNvPicPr>
+            <a:picLocks noChangeAspect="1"/>
+          </p:cNvPicPr>
+          <p:nvPr/>
+        </p:nvPicPr>
+        <p:blipFill>
+          <a:blip r:embed="rId3"/>
+          <a:stretch>
+            <a:fillRect/>
+          </a:stretch>
+        </p:blipFill>
+        <p:spPr>
+          <a:xfrm>
+            <a:off x="5770418" y="1136072"/>
+            <a:ext cx="3061881" cy="1738743"/>
+          </a:xfrm>
+          <a:prstGeom prst="rect">
+            <a:avLst/>
+          </a:prstGeom>
+        </p:spPr>
+      </p:pic>
+      <p:pic>
+        <p:nvPicPr>
+          <p:cNvPr id="12" name="Picture 11"/>
+          <p:cNvPicPr>
+            <a:picLocks noChangeAspect="1"/>
+          </p:cNvPicPr>
+          <p:nvPr/>
+        </p:nvPicPr>
+        <p:blipFill>
+          <a:blip r:embed="rId4"/>
+          <a:stretch>
+            <a:fillRect/>
+          </a:stretch>
+        </p:blipFill>
+        <p:spPr>
+          <a:xfrm>
+            <a:off x="90055" y="2937164"/>
+            <a:ext cx="2784763" cy="2001981"/>
+          </a:xfrm>
+          <a:prstGeom prst="rect">
+            <a:avLst/>
+          </a:prstGeom>
+        </p:spPr>
+      </p:pic>
+      <p:pic>
+        <p:nvPicPr>
+          <p:cNvPr id="14" name="Picture 13"/>
+          <p:cNvPicPr>
+            <a:picLocks noChangeAspect="1"/>
+          </p:cNvPicPr>
+          <p:nvPr/>
+        </p:nvPicPr>
+        <p:blipFill>
+          <a:blip r:embed="rId5"/>
+          <a:stretch>
+            <a:fillRect/>
+          </a:stretch>
+        </p:blipFill>
+        <p:spPr>
+          <a:xfrm>
+            <a:off x="2874818" y="2937164"/>
+            <a:ext cx="2895600" cy="2001981"/>
+          </a:xfrm>
+          <a:prstGeom prst="rect">
+            <a:avLst/>
+          </a:prstGeom>
+        </p:spPr>
+      </p:pic>
+      <p:pic>
+        <p:nvPicPr>
+          <p:cNvPr id="16" name="Picture 15"/>
+          <p:cNvPicPr>
+            <a:picLocks noChangeAspect="1"/>
+          </p:cNvPicPr>
+          <p:nvPr/>
+        </p:nvPicPr>
+        <p:blipFill>
+          <a:blip r:embed="rId6"/>
+          <a:stretch>
+            <a:fillRect/>
+          </a:stretch>
+        </p:blipFill>
+        <p:spPr>
+          <a:xfrm>
+            <a:off x="5770416" y="2937164"/>
+            <a:ext cx="3061881" cy="2001981"/>
+          </a:xfrm>
+          <a:prstGeom prst="rect">
+            <a:avLst/>
+          </a:prstGeom>
+        </p:spPr>
+      </p:pic>
+    </p:spTree>
+  </p:cSld>
+  <p:clrMapOvr>
+    <a:masterClrMapping/>
+  </p:clrMapOvr>
+</p:sld>
+</file>
+
+<file path=ppt/slides/slide21.xml><?xml version="1.0" encoding="utf-8"?>
+<p:sld xmlns:a="http://schemas.openxmlformats.org/drawingml/2006/main" xmlns:r="http://schemas.openxmlformats.org/officeDocument/2006/relationships" xmlns:p="http://schemas.openxmlformats.org/presentationml/2006/main">
+  <p:cSld>
+    <p:spTree>
+      <p:nvGrpSpPr>
+        <p:cNvPr id="1" name=""/>
+        <p:cNvGrpSpPr/>
+        <p:nvPr/>
+      </p:nvGrpSpPr>
+      <p:grpSpPr>
+        <a:xfrm>
+          <a:off x="0" y="0"/>
+          <a:ext cx="0" cy="0"/>
+          <a:chOff x="0" y="0"/>
+          <a:chExt cx="0" cy="0"/>
+        </a:xfrm>
+      </p:grpSpPr>
+      <p:sp>
+        <p:nvSpPr>
+          <p:cNvPr id="4" name="Title 3"/>
+          <p:cNvSpPr>
+            <a:spLocks noGrp="1"/>
+          </p:cNvSpPr>
+          <p:nvPr>
+            <p:ph type="title"/>
+          </p:nvPr>
+        </p:nvSpPr>
+        <p:spPr/>
+        <p:txBody>
+          <a:bodyPr/>
+          <a:lstStyle/>
+          <a:p>
+            <a:r>
+              <a:rPr lang="en-IN" altLang="en-US" dirty="0">
+                <a:latin typeface="Bahnschrift SemiBold" panose="020B0502040204020203" pitchFamily="34" charset="0"/>
+                <a:sym typeface="+mn-ea"/>
+              </a:rPr>
+              <a:t>The scatter plot for sales_log_t with other Variables:</a:t>
+            </a:r>
+            <a:endParaRPr lang="en-US" dirty="0">
+              <a:latin typeface="Bahnschrift SemiBold" panose="020B0502040204020203" pitchFamily="34" charset="0"/>
+            </a:endParaRPr>
+          </a:p>
+        </p:txBody>
+      </p:sp>
+      <p:pic>
+        <p:nvPicPr>
+          <p:cNvPr id="6" name="Picture 5"/>
+          <p:cNvPicPr>
+            <a:picLocks noChangeAspect="1"/>
+          </p:cNvPicPr>
+          <p:nvPr/>
+        </p:nvPicPr>
+        <p:blipFill>
+          <a:blip r:embed="rId1"/>
           <a:stretch>
             <a:fillRect/>
           </a:stretch>
@@ -10262,7 +10115,7 @@
           <p:nvPr/>
         </p:nvPicPr>
         <p:blipFill>
-          <a:blip r:embed="rId3"/>
+          <a:blip r:embed="rId2"/>
           <a:stretch>
             <a:fillRect/>
           </a:stretch>
@@ -10286,7 +10139,7 @@
           <p:nvPr/>
         </p:nvPicPr>
         <p:blipFill>
-          <a:blip r:embed="rId4"/>
+          <a:blip r:embed="rId3"/>
           <a:stretch>
             <a:fillRect/>
           </a:stretch>
@@ -10294,30 +10147,6 @@
         <p:spPr>
           <a:xfrm>
             <a:off x="4495769" y="1343890"/>
-            <a:ext cx="2154439" cy="3408219"/>
-          </a:xfrm>
-          <a:prstGeom prst="rect">
-            <a:avLst/>
-          </a:prstGeom>
-        </p:spPr>
-      </p:pic>
-      <p:pic>
-        <p:nvPicPr>
-          <p:cNvPr id="12" name="Picture 11"/>
-          <p:cNvPicPr>
-            <a:picLocks noChangeAspect="1"/>
-          </p:cNvPicPr>
-          <p:nvPr/>
-        </p:nvPicPr>
-        <p:blipFill>
-          <a:blip r:embed="rId5"/>
-          <a:stretch>
-            <a:fillRect/>
-          </a:stretch>
-        </p:blipFill>
-        <p:spPr>
-          <a:xfrm>
-            <a:off x="6677860" y="1343890"/>
             <a:ext cx="2154439" cy="3408219"/>
           </a:xfrm>
           <a:prstGeom prst="rect">
@@ -10333,7 +10162,7 @@
 </p:sld>
 </file>
 
-<file path=ppt/slides/slide21.xml><?xml version="1.0" encoding="utf-8"?>
+<file path=ppt/slides/slide22.xml><?xml version="1.0" encoding="utf-8"?>
 <p:sld xmlns:a="http://schemas.openxmlformats.org/drawingml/2006/main" xmlns:r="http://schemas.openxmlformats.org/officeDocument/2006/relationships" xmlns:p="http://schemas.openxmlformats.org/presentationml/2006/main">
   <p:cSld>
     <p:spTree>
@@ -10387,7 +10216,7 @@
           <p:nvPr/>
         </p:nvPicPr>
         <p:blipFill>
-          <a:blip r:embed="rId2"/>
+          <a:blip r:embed="rId1"/>
           <a:stretch>
             <a:fillRect/>
           </a:stretch>
@@ -10411,7 +10240,7 @@
           <p:nvPr/>
         </p:nvPicPr>
         <p:blipFill>
-          <a:blip r:embed="rId3"/>
+          <a:blip r:embed="rId2"/>
           <a:stretch>
             <a:fillRect/>
           </a:stretch>
@@ -10435,7 +10264,7 @@
           <p:nvPr/>
         </p:nvPicPr>
         <p:blipFill>
-          <a:blip r:embed="rId4"/>
+          <a:blip r:embed="rId3"/>
           <a:stretch>
             <a:fillRect/>
           </a:stretch>
@@ -10459,7 +10288,7 @@
           <p:nvPr/>
         </p:nvPicPr>
         <p:blipFill>
-          <a:blip r:embed="rId5"/>
+          <a:blip r:embed="rId4"/>
           <a:stretch>
             <a:fillRect/>
           </a:stretch>
@@ -10483,7 +10312,7 @@
           <p:nvPr/>
         </p:nvPicPr>
         <p:blipFill>
-          <a:blip r:embed="rId6"/>
+          <a:blip r:embed="rId5"/>
           <a:stretch>
             <a:fillRect/>
           </a:stretch>
@@ -10507,7 +10336,7 @@
           <p:nvPr/>
         </p:nvPicPr>
         <p:blipFill>
-          <a:blip r:embed="rId7"/>
+          <a:blip r:embed="rId6"/>
           <a:stretch>
             <a:fillRect/>
           </a:stretch>
@@ -10530,589 +10359,7 @@
 </p:sld>
 </file>
 
-<file path=ppt/slides/slide22.xml><?xml version="1.0" encoding="utf-8"?>
-<p:sld xmlns:a="http://schemas.openxmlformats.org/drawingml/2006/main" xmlns:r="http://schemas.openxmlformats.org/officeDocument/2006/relationships" xmlns:p="http://schemas.openxmlformats.org/presentationml/2006/main">
-  <p:cSld>
-    <p:spTree>
-      <p:nvGrpSpPr>
-        <p:cNvPr id="1" name=""/>
-        <p:cNvGrpSpPr/>
-        <p:nvPr/>
-      </p:nvGrpSpPr>
-      <p:grpSpPr>
-        <a:xfrm>
-          <a:off x="0" y="0"/>
-          <a:ext cx="0" cy="0"/>
-          <a:chOff x="0" y="0"/>
-          <a:chExt cx="0" cy="0"/>
-        </a:xfrm>
-      </p:grpSpPr>
-      <p:sp>
-        <p:nvSpPr>
-          <p:cNvPr id="2" name="Title 1"/>
-          <p:cNvSpPr>
-            <a:spLocks noGrp="1"/>
-          </p:cNvSpPr>
-          <p:nvPr>
-            <p:ph type="title"/>
-          </p:nvPr>
-        </p:nvSpPr>
-        <p:spPr/>
-        <p:txBody>
-          <a:bodyPr/>
-          <a:lstStyle/>
-          <a:p>
-            <a:r>
-              <a:rPr lang="en-IN" altLang="en-US" dirty="0">
-                <a:latin typeface="Bahnschrift SemiBold" panose="020B0502040204020203" pitchFamily="34" charset="0"/>
-              </a:rPr>
-              <a:t>Plot of all the variables:</a:t>
-            </a:r>
-          </a:p>
-        </p:txBody>
-      </p:sp>
-      <p:pic>
-        <p:nvPicPr>
-          <p:cNvPr id="4" name="Picture 3"/>
-          <p:cNvPicPr>
-            <a:picLocks noChangeAspect="1"/>
-          </p:cNvPicPr>
-          <p:nvPr/>
-        </p:nvPicPr>
-        <p:blipFill>
-          <a:blip r:embed="rId2"/>
-          <a:stretch>
-            <a:fillRect/>
-          </a:stretch>
-        </p:blipFill>
-        <p:spPr>
-          <a:xfrm>
-            <a:off x="99137" y="1094508"/>
-            <a:ext cx="1801172" cy="1766455"/>
-          </a:xfrm>
-          <a:prstGeom prst="rect">
-            <a:avLst/>
-          </a:prstGeom>
-        </p:spPr>
-      </p:pic>
-      <p:pic>
-        <p:nvPicPr>
-          <p:cNvPr id="6" name="Picture 5"/>
-          <p:cNvPicPr>
-            <a:picLocks noChangeAspect="1"/>
-          </p:cNvPicPr>
-          <p:nvPr/>
-        </p:nvPicPr>
-        <p:blipFill>
-          <a:blip r:embed="rId3"/>
-          <a:stretch>
-            <a:fillRect/>
-          </a:stretch>
-        </p:blipFill>
-        <p:spPr>
-          <a:xfrm>
-            <a:off x="1900310" y="1094507"/>
-            <a:ext cx="1801170" cy="1766455"/>
-          </a:xfrm>
-          <a:prstGeom prst="rect">
-            <a:avLst/>
-          </a:prstGeom>
-        </p:spPr>
-      </p:pic>
-      <p:pic>
-        <p:nvPicPr>
-          <p:cNvPr id="8" name="Picture 7"/>
-          <p:cNvPicPr>
-            <a:picLocks noChangeAspect="1"/>
-          </p:cNvPicPr>
-          <p:nvPr/>
-        </p:nvPicPr>
-        <p:blipFill>
-          <a:blip r:embed="rId4"/>
-          <a:stretch>
-            <a:fillRect/>
-          </a:stretch>
-        </p:blipFill>
-        <p:spPr>
-          <a:xfrm>
-            <a:off x="3701480" y="1094505"/>
-            <a:ext cx="1801170" cy="1766455"/>
-          </a:xfrm>
-          <a:prstGeom prst="rect">
-            <a:avLst/>
-          </a:prstGeom>
-        </p:spPr>
-      </p:pic>
-      <p:pic>
-        <p:nvPicPr>
-          <p:cNvPr id="10" name="Picture 9"/>
-          <p:cNvPicPr>
-            <a:picLocks noChangeAspect="1"/>
-          </p:cNvPicPr>
-          <p:nvPr/>
-        </p:nvPicPr>
-        <p:blipFill>
-          <a:blip r:embed="rId5"/>
-          <a:stretch>
-            <a:fillRect/>
-          </a:stretch>
-        </p:blipFill>
-        <p:spPr>
-          <a:xfrm>
-            <a:off x="5502651" y="1094502"/>
-            <a:ext cx="1801169" cy="1766455"/>
-          </a:xfrm>
-          <a:prstGeom prst="rect">
-            <a:avLst/>
-          </a:prstGeom>
-        </p:spPr>
-      </p:pic>
-      <p:pic>
-        <p:nvPicPr>
-          <p:cNvPr id="12" name="Picture 11"/>
-          <p:cNvPicPr>
-            <a:picLocks noChangeAspect="1"/>
-          </p:cNvPicPr>
-          <p:nvPr/>
-        </p:nvPicPr>
-        <p:blipFill>
-          <a:blip r:embed="rId6"/>
-          <a:stretch>
-            <a:fillRect/>
-          </a:stretch>
-        </p:blipFill>
-        <p:spPr>
-          <a:xfrm>
-            <a:off x="7303820" y="1094498"/>
-            <a:ext cx="1801168" cy="1766455"/>
-          </a:xfrm>
-          <a:prstGeom prst="rect">
-            <a:avLst/>
-          </a:prstGeom>
-        </p:spPr>
-      </p:pic>
-      <p:pic>
-        <p:nvPicPr>
-          <p:cNvPr id="14" name="Picture 13"/>
-          <p:cNvPicPr>
-            <a:picLocks noChangeAspect="1"/>
-          </p:cNvPicPr>
-          <p:nvPr/>
-        </p:nvPicPr>
-        <p:blipFill>
-          <a:blip r:embed="rId7"/>
-          <a:stretch>
-            <a:fillRect/>
-          </a:stretch>
-        </p:blipFill>
-        <p:spPr>
-          <a:xfrm>
-            <a:off x="99138" y="2937734"/>
-            <a:ext cx="1801172" cy="1760741"/>
-          </a:xfrm>
-          <a:prstGeom prst="rect">
-            <a:avLst/>
-          </a:prstGeom>
-        </p:spPr>
-      </p:pic>
-      <p:pic>
-        <p:nvPicPr>
-          <p:cNvPr id="16" name="Picture 15"/>
-          <p:cNvPicPr>
-            <a:picLocks noChangeAspect="1"/>
-          </p:cNvPicPr>
-          <p:nvPr/>
-        </p:nvPicPr>
-        <p:blipFill>
-          <a:blip r:embed="rId8"/>
-          <a:stretch>
-            <a:fillRect/>
-          </a:stretch>
-        </p:blipFill>
-        <p:spPr>
-          <a:xfrm>
-            <a:off x="1900309" y="2946109"/>
-            <a:ext cx="1801171" cy="1760741"/>
-          </a:xfrm>
-          <a:prstGeom prst="rect">
-            <a:avLst/>
-          </a:prstGeom>
-        </p:spPr>
-      </p:pic>
-      <p:pic>
-        <p:nvPicPr>
-          <p:cNvPr id="18" name="Picture 17"/>
-          <p:cNvPicPr>
-            <a:picLocks noChangeAspect="1"/>
-          </p:cNvPicPr>
-          <p:nvPr/>
-        </p:nvPicPr>
-        <p:blipFill>
-          <a:blip r:embed="rId9"/>
-          <a:stretch>
-            <a:fillRect/>
-          </a:stretch>
-        </p:blipFill>
-        <p:spPr>
-          <a:xfrm>
-            <a:off x="3701480" y="2937734"/>
-            <a:ext cx="1801169" cy="1769116"/>
-          </a:xfrm>
-          <a:prstGeom prst="rect">
-            <a:avLst/>
-          </a:prstGeom>
-        </p:spPr>
-      </p:pic>
-      <p:pic>
-        <p:nvPicPr>
-          <p:cNvPr id="20" name="Picture 19"/>
-          <p:cNvPicPr>
-            <a:picLocks noChangeAspect="1"/>
-          </p:cNvPicPr>
-          <p:nvPr/>
-        </p:nvPicPr>
-        <p:blipFill>
-          <a:blip r:embed="rId10"/>
-          <a:stretch>
-            <a:fillRect/>
-          </a:stretch>
-        </p:blipFill>
-        <p:spPr>
-          <a:xfrm>
-            <a:off x="5502648" y="2937734"/>
-            <a:ext cx="1801169" cy="1769116"/>
-          </a:xfrm>
-          <a:prstGeom prst="rect">
-            <a:avLst/>
-          </a:prstGeom>
-        </p:spPr>
-      </p:pic>
-      <p:pic>
-        <p:nvPicPr>
-          <p:cNvPr id="22" name="Picture 21"/>
-          <p:cNvPicPr>
-            <a:picLocks noChangeAspect="1"/>
-          </p:cNvPicPr>
-          <p:nvPr/>
-        </p:nvPicPr>
-        <p:blipFill>
-          <a:blip r:embed="rId11"/>
-          <a:stretch>
-            <a:fillRect/>
-          </a:stretch>
-        </p:blipFill>
-        <p:spPr>
-          <a:xfrm>
-            <a:off x="7303816" y="2937725"/>
-            <a:ext cx="1801172" cy="1769117"/>
-          </a:xfrm>
-          <a:prstGeom prst="rect">
-            <a:avLst/>
-          </a:prstGeom>
-        </p:spPr>
-      </p:pic>
-    </p:spTree>
-  </p:cSld>
-  <p:clrMapOvr>
-    <a:masterClrMapping/>
-  </p:clrMapOvr>
-</p:sld>
-</file>
-
 <file path=ppt/slides/slide23.xml><?xml version="1.0" encoding="utf-8"?>
-<p:sld xmlns:a="http://schemas.openxmlformats.org/drawingml/2006/main" xmlns:r="http://schemas.openxmlformats.org/officeDocument/2006/relationships" xmlns:p="http://schemas.openxmlformats.org/presentationml/2006/main">
-  <p:cSld>
-    <p:spTree>
-      <p:nvGrpSpPr>
-        <p:cNvPr id="1" name=""/>
-        <p:cNvGrpSpPr/>
-        <p:nvPr/>
-      </p:nvGrpSpPr>
-      <p:grpSpPr>
-        <a:xfrm>
-          <a:off x="0" y="0"/>
-          <a:ext cx="0" cy="0"/>
-          <a:chOff x="0" y="0"/>
-          <a:chExt cx="0" cy="0"/>
-        </a:xfrm>
-      </p:grpSpPr>
-      <p:sp>
-        <p:nvSpPr>
-          <p:cNvPr id="2" name="Title 1"/>
-          <p:cNvSpPr>
-            <a:spLocks noGrp="1"/>
-          </p:cNvSpPr>
-          <p:nvPr>
-            <p:ph type="title"/>
-          </p:nvPr>
-        </p:nvSpPr>
-        <p:spPr/>
-        <p:txBody>
-          <a:bodyPr/>
-          <a:lstStyle/>
-          <a:p>
-            <a:r>
-              <a:rPr lang="en-IN" altLang="en-US" dirty="0">
-                <a:latin typeface="Bahnschrift SemiBold" panose="020B0502040204020203" pitchFamily="34" charset="0"/>
-                <a:sym typeface="+mn-ea"/>
-              </a:rPr>
-              <a:t>Plot of all the variables:</a:t>
-            </a:r>
-            <a:endParaRPr lang="en-US" dirty="0">
-              <a:latin typeface="Bahnschrift SemiBold" panose="020B0502040204020203" pitchFamily="34" charset="0"/>
-            </a:endParaRPr>
-          </a:p>
-        </p:txBody>
-      </p:sp>
-      <p:pic>
-        <p:nvPicPr>
-          <p:cNvPr id="4" name="Picture 3"/>
-          <p:cNvPicPr>
-            <a:picLocks noChangeAspect="1"/>
-          </p:cNvPicPr>
-          <p:nvPr/>
-        </p:nvPicPr>
-        <p:blipFill>
-          <a:blip r:embed="rId2"/>
-          <a:stretch>
-            <a:fillRect/>
-          </a:stretch>
-        </p:blipFill>
-        <p:spPr>
-          <a:xfrm>
-            <a:off x="0" y="1017725"/>
-            <a:ext cx="1856509" cy="1850166"/>
-          </a:xfrm>
-          <a:prstGeom prst="rect">
-            <a:avLst/>
-          </a:prstGeom>
-        </p:spPr>
-      </p:pic>
-      <p:pic>
-        <p:nvPicPr>
-          <p:cNvPr id="6" name="Picture 5"/>
-          <p:cNvPicPr>
-            <a:picLocks noChangeAspect="1"/>
-          </p:cNvPicPr>
-          <p:nvPr/>
-        </p:nvPicPr>
-        <p:blipFill>
-          <a:blip r:embed="rId3"/>
-          <a:stretch>
-            <a:fillRect/>
-          </a:stretch>
-        </p:blipFill>
-        <p:spPr>
-          <a:xfrm>
-            <a:off x="1856509" y="1017724"/>
-            <a:ext cx="1856509" cy="1850165"/>
-          </a:xfrm>
-          <a:prstGeom prst="rect">
-            <a:avLst/>
-          </a:prstGeom>
-        </p:spPr>
-      </p:pic>
-      <p:pic>
-        <p:nvPicPr>
-          <p:cNvPr id="8" name="Picture 7"/>
-          <p:cNvPicPr>
-            <a:picLocks noChangeAspect="1"/>
-          </p:cNvPicPr>
-          <p:nvPr/>
-        </p:nvPicPr>
-        <p:blipFill>
-          <a:blip r:embed="rId4"/>
-          <a:stretch>
-            <a:fillRect/>
-          </a:stretch>
-        </p:blipFill>
-        <p:spPr>
-          <a:xfrm>
-            <a:off x="3713018" y="1017725"/>
-            <a:ext cx="1856509" cy="1850164"/>
-          </a:xfrm>
-          <a:prstGeom prst="rect">
-            <a:avLst/>
-          </a:prstGeom>
-        </p:spPr>
-      </p:pic>
-      <p:pic>
-        <p:nvPicPr>
-          <p:cNvPr id="10" name="Picture 9"/>
-          <p:cNvPicPr>
-            <a:picLocks noChangeAspect="1"/>
-          </p:cNvPicPr>
-          <p:nvPr/>
-        </p:nvPicPr>
-        <p:blipFill>
-          <a:blip r:embed="rId5"/>
-          <a:stretch>
-            <a:fillRect/>
-          </a:stretch>
-        </p:blipFill>
-        <p:spPr>
-          <a:xfrm>
-            <a:off x="5569527" y="1017724"/>
-            <a:ext cx="1856509" cy="1850164"/>
-          </a:xfrm>
-          <a:prstGeom prst="rect">
-            <a:avLst/>
-          </a:prstGeom>
-        </p:spPr>
-      </p:pic>
-      <p:pic>
-        <p:nvPicPr>
-          <p:cNvPr id="12" name="Picture 11"/>
-          <p:cNvPicPr>
-            <a:picLocks noChangeAspect="1"/>
-          </p:cNvPicPr>
-          <p:nvPr/>
-        </p:nvPicPr>
-        <p:blipFill>
-          <a:blip r:embed="rId6"/>
-          <a:stretch>
-            <a:fillRect/>
-          </a:stretch>
-        </p:blipFill>
-        <p:spPr>
-          <a:xfrm>
-            <a:off x="7426036" y="1017724"/>
-            <a:ext cx="1655618" cy="1850164"/>
-          </a:xfrm>
-          <a:prstGeom prst="rect">
-            <a:avLst/>
-          </a:prstGeom>
-        </p:spPr>
-      </p:pic>
-      <p:pic>
-        <p:nvPicPr>
-          <p:cNvPr id="14" name="Picture 13"/>
-          <p:cNvPicPr>
-            <a:picLocks noChangeAspect="1"/>
-          </p:cNvPicPr>
-          <p:nvPr/>
-        </p:nvPicPr>
-        <p:blipFill>
-          <a:blip r:embed="rId7"/>
-          <a:stretch>
-            <a:fillRect/>
-          </a:stretch>
-        </p:blipFill>
-        <p:spPr>
-          <a:xfrm>
-            <a:off x="0" y="2992582"/>
-            <a:ext cx="1856509" cy="1850166"/>
-          </a:xfrm>
-          <a:prstGeom prst="rect">
-            <a:avLst/>
-          </a:prstGeom>
-        </p:spPr>
-      </p:pic>
-      <p:pic>
-        <p:nvPicPr>
-          <p:cNvPr id="16" name="Picture 15"/>
-          <p:cNvPicPr>
-            <a:picLocks noChangeAspect="1"/>
-          </p:cNvPicPr>
-          <p:nvPr/>
-        </p:nvPicPr>
-        <p:blipFill>
-          <a:blip r:embed="rId8"/>
-          <a:stretch>
-            <a:fillRect/>
-          </a:stretch>
-        </p:blipFill>
-        <p:spPr>
-          <a:xfrm>
-            <a:off x="1856510" y="2992582"/>
-            <a:ext cx="1856508" cy="1850164"/>
-          </a:xfrm>
-          <a:prstGeom prst="rect">
-            <a:avLst/>
-          </a:prstGeom>
-        </p:spPr>
-      </p:pic>
-      <p:pic>
-        <p:nvPicPr>
-          <p:cNvPr id="18" name="Picture 17"/>
-          <p:cNvPicPr>
-            <a:picLocks noChangeAspect="1"/>
-          </p:cNvPicPr>
-          <p:nvPr/>
-        </p:nvPicPr>
-        <p:blipFill>
-          <a:blip r:embed="rId9"/>
-          <a:stretch>
-            <a:fillRect/>
-          </a:stretch>
-        </p:blipFill>
-        <p:spPr>
-          <a:xfrm>
-            <a:off x="3713019" y="2992582"/>
-            <a:ext cx="1856508" cy="1850164"/>
-          </a:xfrm>
-          <a:prstGeom prst="rect">
-            <a:avLst/>
-          </a:prstGeom>
-        </p:spPr>
-      </p:pic>
-      <p:pic>
-        <p:nvPicPr>
-          <p:cNvPr id="20" name="Picture 19"/>
-          <p:cNvPicPr>
-            <a:picLocks noChangeAspect="1"/>
-          </p:cNvPicPr>
-          <p:nvPr/>
-        </p:nvPicPr>
-        <p:blipFill>
-          <a:blip r:embed="rId10"/>
-          <a:stretch>
-            <a:fillRect/>
-          </a:stretch>
-        </p:blipFill>
-        <p:spPr>
-          <a:xfrm>
-            <a:off x="5569527" y="2992582"/>
-            <a:ext cx="1856508" cy="1850164"/>
-          </a:xfrm>
-          <a:prstGeom prst="rect">
-            <a:avLst/>
-          </a:prstGeom>
-        </p:spPr>
-      </p:pic>
-      <p:pic>
-        <p:nvPicPr>
-          <p:cNvPr id="22" name="Picture 21"/>
-          <p:cNvPicPr>
-            <a:picLocks noChangeAspect="1"/>
-          </p:cNvPicPr>
-          <p:nvPr/>
-        </p:nvPicPr>
-        <p:blipFill>
-          <a:blip r:embed="rId11"/>
-          <a:stretch>
-            <a:fillRect/>
-          </a:stretch>
-        </p:blipFill>
-        <p:spPr>
-          <a:xfrm>
-            <a:off x="7426035" y="2992582"/>
-            <a:ext cx="1655619" cy="1850164"/>
-          </a:xfrm>
-          <a:prstGeom prst="rect">
-            <a:avLst/>
-          </a:prstGeom>
-        </p:spPr>
-      </p:pic>
-    </p:spTree>
-  </p:cSld>
-  <p:clrMapOvr>
-    <a:masterClrMapping/>
-  </p:clrMapOvr>
-</p:sld>
-</file>
-
-<file path=ppt/slides/slide24.xml><?xml version="1.0" encoding="utf-8"?>
 <p:sld xmlns:a="http://schemas.openxmlformats.org/drawingml/2006/main" xmlns:r="http://schemas.openxmlformats.org/officeDocument/2006/relationships" xmlns:p="http://schemas.openxmlformats.org/presentationml/2006/main">
   <p:cSld>
     <p:spTree>
@@ -11156,6 +10403,10 @@
               </a:rPr>
               <a:t>Plot for first 100 observations between actual and predicted after building the linear regression model:</a:t>
             </a:r>
+            <a:endParaRPr lang="en-IN" altLang="en-US" dirty="0">
+              <a:latin typeface="Bahnschrift SemiBold" panose="020B0502040204020203" pitchFamily="34" charset="0"/>
+              <a:sym typeface="+mn-ea"/>
+            </a:endParaRPr>
           </a:p>
         </p:txBody>
       </p:sp>
@@ -11168,7 +10419,7 @@
           <p:nvPr/>
         </p:nvPicPr>
         <p:blipFill>
-          <a:blip r:embed="rId2"/>
+          <a:blip r:embed="rId1"/>
           <a:stretch>
             <a:fillRect/>
           </a:stretch>
@@ -11191,7 +10442,7 @@
 </p:sld>
 </file>
 
-<file path=ppt/slides/slide25.xml><?xml version="1.0" encoding="utf-8"?>
+<file path=ppt/slides/slide24.xml><?xml version="1.0" encoding="utf-8"?>
 <p:sld xmlns:a="http://schemas.openxmlformats.org/drawingml/2006/main" xmlns:r="http://schemas.openxmlformats.org/officeDocument/2006/relationships" xmlns:p="http://schemas.openxmlformats.org/presentationml/2006/main">
   <p:cSld>
     <p:spTree>
@@ -11417,7 +10668,7 @@
 </p:sld>
 </file>
 
-<file path=ppt/slides/slide26.xml><?xml version="1.0" encoding="utf-8"?>
+<file path=ppt/slides/slide25.xml><?xml version="1.0" encoding="utf-8"?>
 <p:sld xmlns:a="http://schemas.openxmlformats.org/drawingml/2006/main" xmlns:r="http://schemas.openxmlformats.org/officeDocument/2006/relationships" xmlns:p="http://schemas.openxmlformats.org/presentationml/2006/main">
   <p:cSld>
     <p:spTree>
@@ -11461,6 +10712,9 @@
               </a:rPr>
               <a:t>assumptions graph:</a:t>
             </a:r>
+            <a:endParaRPr lang="en-IN" altLang="en-US" dirty="0">
+              <a:latin typeface="Bahnschrift SemiBold" panose="020B0502040204020203" pitchFamily="34" charset="0"/>
+            </a:endParaRPr>
           </a:p>
         </p:txBody>
       </p:sp>
@@ -11473,7 +10727,7 @@
           <p:nvPr/>
         </p:nvPicPr>
         <p:blipFill>
-          <a:blip r:embed="rId2"/>
+          <a:blip r:embed="rId1"/>
           <a:stretch>
             <a:fillRect/>
           </a:stretch>
@@ -11497,7 +10751,7 @@
           <p:nvPr/>
         </p:nvPicPr>
         <p:blipFill>
-          <a:blip r:embed="rId3"/>
+          <a:blip r:embed="rId2"/>
           <a:stretch>
             <a:fillRect/>
           </a:stretch>
@@ -11521,7 +10775,7 @@
           <p:nvPr/>
         </p:nvPicPr>
         <p:blipFill>
-          <a:blip r:embed="rId4"/>
+          <a:blip r:embed="rId3"/>
           <a:stretch>
             <a:fillRect/>
           </a:stretch>
@@ -11545,7 +10799,7 @@
           <p:nvPr/>
         </p:nvPicPr>
         <p:blipFill>
-          <a:blip r:embed="rId5"/>
+          <a:blip r:embed="rId4"/>
           <a:stretch>
             <a:fillRect/>
           </a:stretch>
@@ -11568,550 +10822,7 @@
 </p:sld>
 </file>
 
-<file path=ppt/slides/slide27.xml><?xml version="1.0" encoding="utf-8"?>
-<p:sld xmlns:a="http://schemas.openxmlformats.org/drawingml/2006/main" xmlns:r="http://schemas.openxmlformats.org/officeDocument/2006/relationships" xmlns:p="http://schemas.openxmlformats.org/presentationml/2006/main">
-  <p:cSld>
-    <p:spTree>
-      <p:nvGrpSpPr>
-        <p:cNvPr id="1" name=""/>
-        <p:cNvGrpSpPr/>
-        <p:nvPr/>
-      </p:nvGrpSpPr>
-      <p:grpSpPr>
-        <a:xfrm>
-          <a:off x="0" y="0"/>
-          <a:ext cx="0" cy="0"/>
-          <a:chOff x="0" y="0"/>
-          <a:chExt cx="0" cy="0"/>
-        </a:xfrm>
-      </p:grpSpPr>
-      <p:sp>
-        <p:nvSpPr>
-          <p:cNvPr id="2" name="Title 1"/>
-          <p:cNvSpPr>
-            <a:spLocks noGrp="1"/>
-          </p:cNvSpPr>
-          <p:nvPr>
-            <p:ph type="title"/>
-          </p:nvPr>
-        </p:nvSpPr>
-        <p:spPr>
-          <a:xfrm>
-            <a:off x="581891" y="107315"/>
-            <a:ext cx="7086600" cy="924560"/>
-          </a:xfrm>
-        </p:spPr>
-        <p:txBody>
-          <a:bodyPr/>
-          <a:lstStyle/>
-          <a:p>
-            <a:r>
-              <a:rPr lang="en-US" dirty="0">
-                <a:latin typeface="Bahnschrift SemiBold" panose="020B0502040204020203" pitchFamily="34" charset="0"/>
-              </a:rPr>
-              <a:t>Running Grid Search Cross Validation for Lasso Regression</a:t>
-            </a:r>
-          </a:p>
-        </p:txBody>
-      </p:sp>
-      <p:pic>
-        <p:nvPicPr>
-          <p:cNvPr id="4" name="Picture 3"/>
-          <p:cNvPicPr>
-            <a:picLocks noChangeAspect="1"/>
-          </p:cNvPicPr>
-          <p:nvPr/>
-        </p:nvPicPr>
-        <p:blipFill>
-          <a:blip r:embed="rId2"/>
-          <a:stretch>
-            <a:fillRect/>
-          </a:stretch>
-        </p:blipFill>
-        <p:spPr>
-          <a:xfrm>
-            <a:off x="311785" y="1080655"/>
-            <a:ext cx="8520430" cy="3281160"/>
-          </a:xfrm>
-          <a:prstGeom prst="rect">
-            <a:avLst/>
-          </a:prstGeom>
-        </p:spPr>
-      </p:pic>
-      <p:sp>
-        <p:nvSpPr>
-          <p:cNvPr id="3" name="Text Box 2"/>
-          <p:cNvSpPr txBox="1"/>
-          <p:nvPr/>
-        </p:nvSpPr>
-        <p:spPr>
-          <a:xfrm>
-            <a:off x="533400" y="4500880"/>
-            <a:ext cx="8347364" cy="369332"/>
-          </a:xfrm>
-          <a:prstGeom prst="rect">
-            <a:avLst/>
-          </a:prstGeom>
-          <a:noFill/>
-        </p:spPr>
-        <p:txBody>
-          <a:bodyPr wrap="square" rtlCol="0">
-            <a:spAutoFit/>
-          </a:bodyPr>
-          <a:lstStyle/>
-          <a:p>
-            <a:pPr algn="l"/>
-            <a:r>
-              <a:rPr lang="en-IN" altLang="en-US" sz="1800" b="1" dirty="0">
-                <a:solidFill>
-                  <a:schemeClr val="bg1"/>
-                </a:solidFill>
-                <a:latin typeface="Bahnschrift Light" panose="020B0502040204020203" pitchFamily="34" charset="0"/>
-              </a:rPr>
-              <a:t>Note: </a:t>
-            </a:r>
-            <a:r>
-              <a:rPr lang="en-US" sz="1800" dirty="0">
-                <a:solidFill>
-                  <a:schemeClr val="bg1"/>
-                </a:solidFill>
-                <a:latin typeface="Bahnschrift Light" panose="020B0502040204020203" pitchFamily="34" charset="0"/>
-              </a:rPr>
-              <a:t>We can see that tuning the learning rate increases the evaluation scores.</a:t>
-            </a:r>
-          </a:p>
-        </p:txBody>
-      </p:sp>
-    </p:spTree>
-  </p:cSld>
-  <p:clrMapOvr>
-    <a:masterClrMapping/>
-  </p:clrMapOvr>
-</p:sld>
-</file>
-
-<file path=ppt/slides/slide28.xml><?xml version="1.0" encoding="utf-8"?>
-<p:sld xmlns:a="http://schemas.openxmlformats.org/drawingml/2006/main" xmlns:r="http://schemas.openxmlformats.org/officeDocument/2006/relationships" xmlns:p="http://schemas.openxmlformats.org/presentationml/2006/main">
-  <p:cSld>
-    <p:spTree>
-      <p:nvGrpSpPr>
-        <p:cNvPr id="1" name=""/>
-        <p:cNvGrpSpPr/>
-        <p:nvPr/>
-      </p:nvGrpSpPr>
-      <p:grpSpPr>
-        <a:xfrm>
-          <a:off x="0" y="0"/>
-          <a:ext cx="0" cy="0"/>
-          <a:chOff x="0" y="0"/>
-          <a:chExt cx="0" cy="0"/>
-        </a:xfrm>
-      </p:grpSpPr>
-      <p:sp>
-        <p:nvSpPr>
-          <p:cNvPr id="2" name="Title 1"/>
-          <p:cNvSpPr>
-            <a:spLocks noGrp="1"/>
-          </p:cNvSpPr>
-          <p:nvPr>
-            <p:ph type="title"/>
-          </p:nvPr>
-        </p:nvSpPr>
-        <p:spPr>
-          <a:xfrm>
-            <a:off x="554182" y="140335"/>
-            <a:ext cx="7647710" cy="685800"/>
-          </a:xfrm>
-        </p:spPr>
-        <p:txBody>
-          <a:bodyPr/>
-          <a:lstStyle/>
-          <a:p>
-            <a:r>
-              <a:rPr lang="en-US" dirty="0">
-                <a:latin typeface="Bahnschrift SemiBold" panose="020B0502040204020203" pitchFamily="34" charset="0"/>
-              </a:rPr>
-              <a:t>Running Grid Search Cross Validation for Ridge Regression</a:t>
-            </a:r>
-          </a:p>
-        </p:txBody>
-      </p:sp>
-      <p:pic>
-        <p:nvPicPr>
-          <p:cNvPr id="4" name="Picture 3"/>
-          <p:cNvPicPr>
-            <a:picLocks noChangeAspect="1"/>
-          </p:cNvPicPr>
-          <p:nvPr/>
-        </p:nvPicPr>
-        <p:blipFill>
-          <a:blip r:embed="rId2"/>
-          <a:stretch>
-            <a:fillRect/>
-          </a:stretch>
-        </p:blipFill>
-        <p:spPr>
-          <a:xfrm>
-            <a:off x="311700" y="1212273"/>
-            <a:ext cx="8520600" cy="3790892"/>
-          </a:xfrm>
-          <a:prstGeom prst="rect">
-            <a:avLst/>
-          </a:prstGeom>
-        </p:spPr>
-      </p:pic>
-    </p:spTree>
-  </p:cSld>
-  <p:clrMapOvr>
-    <a:masterClrMapping/>
-  </p:clrMapOvr>
-</p:sld>
-</file>
-
-<file path=ppt/slides/slide29.xml><?xml version="1.0" encoding="utf-8"?>
-<p:sld xmlns:a="http://schemas.openxmlformats.org/drawingml/2006/main" xmlns:r="http://schemas.openxmlformats.org/officeDocument/2006/relationships" xmlns:p="http://schemas.openxmlformats.org/presentationml/2006/main">
-  <p:cSld>
-    <p:spTree>
-      <p:nvGrpSpPr>
-        <p:cNvPr id="1" name=""/>
-        <p:cNvGrpSpPr/>
-        <p:nvPr/>
-      </p:nvGrpSpPr>
-      <p:grpSpPr>
-        <a:xfrm>
-          <a:off x="0" y="0"/>
-          <a:ext cx="0" cy="0"/>
-          <a:chOff x="0" y="0"/>
-          <a:chExt cx="0" cy="0"/>
-        </a:xfrm>
-      </p:grpSpPr>
-      <p:sp>
-        <p:nvSpPr>
-          <p:cNvPr id="2" name="Title 1"/>
-          <p:cNvSpPr>
-            <a:spLocks noGrp="1"/>
-          </p:cNvSpPr>
-          <p:nvPr>
-            <p:ph type="title"/>
-          </p:nvPr>
-        </p:nvSpPr>
-        <p:spPr>
-          <a:xfrm>
-            <a:off x="311700" y="55418"/>
-            <a:ext cx="8520600" cy="815622"/>
-          </a:xfrm>
-        </p:spPr>
-        <p:txBody>
-          <a:bodyPr/>
-          <a:lstStyle/>
-          <a:p>
-            <a:r>
-              <a:rPr lang="en-US" dirty="0">
-                <a:latin typeface="Bahnschrift SemiBold" panose="020B0502040204020203" pitchFamily="34" charset="0"/>
-              </a:rPr>
-              <a:t>Running Grid Search Cross Validation for Elastic Net Regression</a:t>
-            </a:r>
-          </a:p>
-        </p:txBody>
-      </p:sp>
-      <p:pic>
-        <p:nvPicPr>
-          <p:cNvPr id="4" name="Picture 3"/>
-          <p:cNvPicPr>
-            <a:picLocks noChangeAspect="1"/>
-          </p:cNvPicPr>
-          <p:nvPr/>
-        </p:nvPicPr>
-        <p:blipFill>
-          <a:blip r:embed="rId2"/>
-          <a:stretch>
-            <a:fillRect/>
-          </a:stretch>
-        </p:blipFill>
-        <p:spPr>
-          <a:xfrm>
-            <a:off x="311785" y="997527"/>
-            <a:ext cx="8520430" cy="2999163"/>
-          </a:xfrm>
-          <a:prstGeom prst="rect">
-            <a:avLst/>
-          </a:prstGeom>
-        </p:spPr>
-      </p:pic>
-      <p:sp>
-        <p:nvSpPr>
-          <p:cNvPr id="3" name="Text Box 2"/>
-          <p:cNvSpPr txBox="1"/>
-          <p:nvPr/>
-        </p:nvSpPr>
-        <p:spPr>
-          <a:xfrm>
-            <a:off x="371475" y="3996690"/>
-            <a:ext cx="8460740" cy="1014730"/>
-          </a:xfrm>
-          <a:prstGeom prst="rect">
-            <a:avLst/>
-          </a:prstGeom>
-          <a:noFill/>
-        </p:spPr>
-        <p:txBody>
-          <a:bodyPr wrap="square" rtlCol="0">
-            <a:spAutoFit/>
-          </a:bodyPr>
-          <a:lstStyle/>
-          <a:p>
-            <a:pPr algn="l"/>
-            <a:r>
-              <a:rPr lang="en-IN" altLang="en-US" sz="1200" b="1" dirty="0">
-                <a:solidFill>
-                  <a:schemeClr val="bg1"/>
-                </a:solidFill>
-                <a:latin typeface="Bahnschrift Light" panose="020B0502040204020203" pitchFamily="34" charset="0"/>
-              </a:rPr>
-              <a:t>Note: </a:t>
-            </a:r>
-            <a:r>
-              <a:rPr lang="en-US" sz="1200" dirty="0">
-                <a:solidFill>
-                  <a:schemeClr val="bg1"/>
-                </a:solidFill>
-                <a:latin typeface="Bahnschrift Light" panose="020B0502040204020203" pitchFamily="34" charset="0"/>
-              </a:rPr>
-              <a:t>We have made 4 models. Sometimes it's useful to predict data on different models to increase accuracy of prediction and raise our confidence level.</a:t>
-            </a:r>
-          </a:p>
-          <a:p>
-            <a:pPr algn="l"/>
-            <a:endParaRPr lang="en-US" sz="1200" dirty="0">
-              <a:solidFill>
-                <a:schemeClr val="bg1"/>
-              </a:solidFill>
-              <a:latin typeface="Bahnschrift Light" panose="020B0502040204020203" pitchFamily="34" charset="0"/>
-            </a:endParaRPr>
-          </a:p>
-          <a:p>
-            <a:pPr algn="l"/>
-            <a:r>
-              <a:rPr lang="en-US" sz="1200" dirty="0">
-                <a:solidFill>
-                  <a:schemeClr val="bg1"/>
-                </a:solidFill>
-                <a:latin typeface="Bahnschrift Light" panose="020B0502040204020203" pitchFamily="34" charset="0"/>
-              </a:rPr>
-              <a:t>Stacking is a good way to combine all the predictions from different models into one. We can adjust weights for each model in stacking.</a:t>
-            </a:r>
-          </a:p>
-        </p:txBody>
-      </p:sp>
-    </p:spTree>
-  </p:cSld>
-  <p:clrMapOvr>
-    <a:masterClrMapping/>
-  </p:clrMapOvr>
-</p:sld>
-</file>
-
-<file path=ppt/slides/slide3.xml><?xml version="1.0" encoding="utf-8"?>
-<p:sld xmlns:a="http://schemas.openxmlformats.org/drawingml/2006/main" xmlns:r="http://schemas.openxmlformats.org/officeDocument/2006/relationships" xmlns:p="http://schemas.openxmlformats.org/presentationml/2006/main">
-  <p:cSld>
-    <p:spTree>
-      <p:nvGrpSpPr>
-        <p:cNvPr id="1" name=""/>
-        <p:cNvGrpSpPr/>
-        <p:nvPr/>
-      </p:nvGrpSpPr>
-      <p:grpSpPr>
-        <a:xfrm>
-          <a:off x="0" y="0"/>
-          <a:ext cx="0" cy="0"/>
-          <a:chOff x="0" y="0"/>
-          <a:chExt cx="0" cy="0"/>
-        </a:xfrm>
-      </p:grpSpPr>
-      <p:sp>
-        <p:nvSpPr>
-          <p:cNvPr id="2" name="Title 1"/>
-          <p:cNvSpPr>
-            <a:spLocks noGrp="1"/>
-          </p:cNvSpPr>
-          <p:nvPr>
-            <p:ph type="title"/>
-          </p:nvPr>
-        </p:nvSpPr>
-        <p:spPr/>
-        <p:txBody>
-          <a:bodyPr/>
-          <a:lstStyle/>
-          <a:p>
-            <a:r>
-              <a:rPr lang="en-IN" altLang="en-US" dirty="0">
-                <a:latin typeface="Bahnschrift SemiBold" panose="020B0502040204020203" pitchFamily="34" charset="0"/>
-              </a:rPr>
-              <a:t>Description of data provided</a:t>
-            </a:r>
-          </a:p>
-        </p:txBody>
-      </p:sp>
-      <p:sp>
-        <p:nvSpPr>
-          <p:cNvPr id="3" name="Text Placeholder 2"/>
-          <p:cNvSpPr>
-            <a:spLocks noGrp="1"/>
-          </p:cNvSpPr>
-          <p:nvPr>
-            <p:ph type="body" idx="1"/>
-          </p:nvPr>
-        </p:nvSpPr>
-        <p:spPr>
-          <a:xfrm>
-            <a:off x="0" y="1152475"/>
-            <a:ext cx="8832300" cy="3416400"/>
-          </a:xfrm>
-        </p:spPr>
-        <p:txBody>
-          <a:bodyPr/>
-          <a:lstStyle/>
-          <a:p>
-            <a:r>
-              <a:rPr lang="en-IN" altLang="en-US" sz="2000" dirty="0">
-                <a:solidFill>
-                  <a:schemeClr val="bg1"/>
-                </a:solidFill>
-                <a:latin typeface="Bahnschrift Light SemiCondensed" panose="020B0502040204020203" pitchFamily="34" charset="0"/>
-              </a:rPr>
-              <a:t>We are provided with 2 data sets:</a:t>
-            </a:r>
-          </a:p>
-          <a:p>
-            <a:r>
-              <a:rPr lang="en-IN" altLang="en-US" sz="2000" b="1" dirty="0">
-                <a:solidFill>
-                  <a:schemeClr val="bg1"/>
-                </a:solidFill>
-                <a:latin typeface="Bahnschrift Light SemiCondensed" panose="020B0502040204020203" pitchFamily="34" charset="0"/>
-              </a:rPr>
-              <a:t>1. Rossmann Stores Data.csv - </a:t>
-            </a:r>
-            <a:r>
-              <a:rPr lang="en-IN" altLang="en-US" sz="2000" dirty="0">
-                <a:solidFill>
-                  <a:schemeClr val="bg1"/>
-                </a:solidFill>
-                <a:latin typeface="Bahnschrift Light SemiCondensed" panose="020B0502040204020203" pitchFamily="34" charset="0"/>
-              </a:rPr>
-              <a:t>This dataset includes the historical data including Sales. This dataset contain features like Sales, Customers,</a:t>
-            </a:r>
-          </a:p>
-          <a:p>
-            <a:r>
-              <a:rPr lang="en-IN" altLang="en-US" sz="2000" dirty="0">
-                <a:solidFill>
-                  <a:schemeClr val="bg1"/>
-                </a:solidFill>
-                <a:latin typeface="Bahnschrift Light SemiCondensed" panose="020B0502040204020203" pitchFamily="34" charset="0"/>
-              </a:rPr>
-              <a:t>Open, StateHoliday, SchoolHoliday.</a:t>
-            </a:r>
-          </a:p>
-          <a:p>
-            <a:endParaRPr lang="en-IN" altLang="en-US" sz="2000" dirty="0">
-              <a:solidFill>
-                <a:schemeClr val="bg1"/>
-              </a:solidFill>
-              <a:latin typeface="Bahnschrift Light SemiCondensed" panose="020B0502040204020203" pitchFamily="34" charset="0"/>
-            </a:endParaRPr>
-          </a:p>
-          <a:p>
-            <a:r>
-              <a:rPr lang="en-IN" altLang="en-US" sz="2000" b="1" dirty="0">
-                <a:solidFill>
-                  <a:schemeClr val="bg1"/>
-                </a:solidFill>
-                <a:latin typeface="Bahnschrift Light SemiCondensed" panose="020B0502040204020203" pitchFamily="34" charset="0"/>
-              </a:rPr>
-              <a:t>2. store.csv - </a:t>
-            </a:r>
-            <a:r>
-              <a:rPr lang="en-IN" altLang="en-US" sz="2000" dirty="0">
-                <a:solidFill>
-                  <a:schemeClr val="bg1"/>
-                </a:solidFill>
-                <a:latin typeface="Bahnschrift Light SemiCondensed" panose="020B0502040204020203" pitchFamily="34" charset="0"/>
-              </a:rPr>
-              <a:t>This includes supplemental information about the stores.</a:t>
-            </a:r>
-            <a:r>
-              <a:rPr lang="en-IN" altLang="en-US" sz="2000" dirty="0">
-                <a:solidFill>
-                  <a:schemeClr val="bg1"/>
-                </a:solidFill>
-                <a:latin typeface="Bahnschrift Light SemiCondensed" panose="020B0502040204020203" pitchFamily="34" charset="0"/>
-                <a:sym typeface="+mn-ea"/>
-              </a:rPr>
-              <a:t> This dataset contain features like Assortment, </a:t>
-            </a:r>
-            <a:r>
-              <a:rPr lang="en-IN" altLang="en-US" sz="2000" dirty="0">
-                <a:solidFill>
-                  <a:schemeClr val="bg1"/>
-                </a:solidFill>
-                <a:latin typeface="Bahnschrift Light SemiCondensed" panose="020B0502040204020203" pitchFamily="34" charset="0"/>
-              </a:rPr>
-              <a:t>CompetitionDistance, CompetitionOpenSince[Month/Year], Promo, Promo2,</a:t>
-            </a:r>
-          </a:p>
-          <a:p>
-            <a:r>
-              <a:rPr lang="en-IN" altLang="en-US" sz="2000" dirty="0">
-                <a:solidFill>
-                  <a:schemeClr val="bg1"/>
-                </a:solidFill>
-                <a:latin typeface="Bahnschrift Light SemiCondensed" panose="020B0502040204020203" pitchFamily="34" charset="0"/>
-              </a:rPr>
-              <a:t>Promo2Since[Year/Week] </a:t>
-            </a:r>
-          </a:p>
-        </p:txBody>
-      </p:sp>
-      <p:pic>
-        <p:nvPicPr>
-          <p:cNvPr id="5" name="Picture 4"/>
-          <p:cNvPicPr>
-            <a:picLocks noChangeAspect="1"/>
-          </p:cNvPicPr>
-          <p:nvPr/>
-        </p:nvPicPr>
-        <p:blipFill>
-          <a:blip r:embed="rId2">
-            <a:extLst>
-              <a:ext uri="{28A0092B-C50C-407E-A947-70E740481C1C}">
-                <a14:useLocalDpi xmlns:a14="http://schemas.microsoft.com/office/drawing/2010/main" val="0"/>
-              </a:ext>
-            </a:extLst>
-          </a:blip>
-          <a:stretch>
-            <a:fillRect/>
-          </a:stretch>
-        </p:blipFill>
-        <p:spPr>
-          <a:xfrm>
-            <a:off x="6123398" y="3667875"/>
-            <a:ext cx="3020602" cy="1372884"/>
-          </a:xfrm>
-          <a:prstGeom prst="rect">
-            <a:avLst/>
-          </a:prstGeom>
-        </p:spPr>
-      </p:pic>
-    </p:spTree>
-  </p:cSld>
-  <p:clrMapOvr>
-    <a:masterClrMapping/>
-  </p:clrMapOvr>
-</p:sld>
-</file>
-
-<file path=ppt/slides/slide30.xml><?xml version="1.0" encoding="utf-8"?>
+<file path=ppt/slides/slide26.xml><?xml version="1.0" encoding="utf-8"?>
 <p:sld xmlns:a="http://schemas.openxmlformats.org/drawingml/2006/main" xmlns:r="http://schemas.openxmlformats.org/officeDocument/2006/relationships" xmlns:p="http://schemas.openxmlformats.org/presentationml/2006/main">
   <p:cSld>
     <p:spTree>
@@ -12200,6 +10911,13 @@
               </a:rPr>
               <a:t>Linear Regression model:</a:t>
             </a:r>
+            <a:endParaRPr lang="en-IN" altLang="en-US" sz="1600" b="1" dirty="0">
+              <a:solidFill>
+                <a:schemeClr val="tx1"/>
+              </a:solidFill>
+              <a:latin typeface="Bahnschrift SemiBold" panose="020B0502040204020203" pitchFamily="34" charset="0"/>
+              <a:sym typeface="+mn-ea"/>
+            </a:endParaRPr>
           </a:p>
           <a:p>
             <a:pPr algn="l"/>
@@ -12361,6 +11079,12 @@
               </a:rPr>
               <a:t>:</a:t>
             </a:r>
+            <a:endParaRPr lang="en-IN" altLang="en-US" sz="1600" b="1" dirty="0">
+              <a:solidFill>
+                <a:schemeClr val="tx1"/>
+              </a:solidFill>
+              <a:latin typeface="Bahnschrift SemiBold" panose="020B0502040204020203" pitchFamily="34" charset="0"/>
+            </a:endParaRPr>
           </a:p>
           <a:p>
             <a:pPr algn="l"/>
@@ -12373,6 +11097,12 @@
               </a:rPr>
               <a:t>Mean Squared Error : 0.11</a:t>
             </a:r>
+            <a:endParaRPr lang="en-US" dirty="0">
+              <a:solidFill>
+                <a:schemeClr val="bg1"/>
+              </a:solidFill>
+              <a:latin typeface="Bahnschrift Light" panose="020B0502040204020203" pitchFamily="34" charset="0"/>
+            </a:endParaRPr>
           </a:p>
           <a:p>
             <a:pPr algn="l"/>
@@ -12385,6 +11115,12 @@
               </a:rPr>
               <a:t>Root Mean Squared Error : 0</a:t>
             </a:r>
+            <a:endParaRPr lang="en-US" dirty="0">
+              <a:solidFill>
+                <a:schemeClr val="bg1"/>
+              </a:solidFill>
+              <a:latin typeface="Bahnschrift Light" panose="020B0502040204020203" pitchFamily="34" charset="0"/>
+            </a:endParaRPr>
           </a:p>
           <a:p>
             <a:pPr algn="l"/>
@@ -12397,6 +11133,12 @@
               </a:rPr>
               <a:t>Mean Absolute Error : 0.25</a:t>
             </a:r>
+            <a:endParaRPr lang="en-US" dirty="0">
+              <a:solidFill>
+                <a:schemeClr val="bg1"/>
+              </a:solidFill>
+              <a:latin typeface="Bahnschrift Light" panose="020B0502040204020203" pitchFamily="34" charset="0"/>
+            </a:endParaRPr>
           </a:p>
           <a:p>
             <a:pPr algn="l"/>
@@ -12409,6 +11151,12 @@
               </a:rPr>
               <a:t>Mean Absolute Percentage Error : 3.41 %</a:t>
             </a:r>
+            <a:endParaRPr lang="en-US" dirty="0">
+              <a:solidFill>
+                <a:schemeClr val="bg1"/>
+              </a:solidFill>
+              <a:latin typeface="Bahnschrift Light" panose="020B0502040204020203" pitchFamily="34" charset="0"/>
+            </a:endParaRPr>
           </a:p>
           <a:p>
             <a:pPr algn="l"/>
@@ -12421,6 +11169,12 @@
               </a:rPr>
               <a:t>R-Square : 0.99</a:t>
             </a:r>
+            <a:endParaRPr lang="en-US" dirty="0">
+              <a:solidFill>
+                <a:schemeClr val="bg1"/>
+              </a:solidFill>
+              <a:latin typeface="Bahnschrift Light" panose="020B0502040204020203" pitchFamily="34" charset="0"/>
+            </a:endParaRPr>
           </a:p>
           <a:p>
             <a:pPr algn="l"/>
@@ -12433,6 +11187,12 @@
               </a:rPr>
               <a:t>Adjusted R-Square :  0.99</a:t>
             </a:r>
+            <a:endParaRPr lang="en-US" dirty="0">
+              <a:solidFill>
+                <a:schemeClr val="bg1"/>
+              </a:solidFill>
+              <a:latin typeface="Bahnschrift Light" panose="020B0502040204020203" pitchFamily="34" charset="0"/>
+            </a:endParaRPr>
           </a:p>
         </p:txBody>
       </p:sp>
@@ -12507,6 +11267,12 @@
               </a:rPr>
               <a:t>Mean Squared Error : 0.11</a:t>
             </a:r>
+            <a:endParaRPr lang="en-US" dirty="0">
+              <a:solidFill>
+                <a:schemeClr val="bg1"/>
+              </a:solidFill>
+              <a:latin typeface="Bahnschrift Light" panose="020B0502040204020203" pitchFamily="34" charset="0"/>
+            </a:endParaRPr>
           </a:p>
           <a:p>
             <a:pPr algn="l"/>
@@ -12519,6 +11285,12 @@
               </a:rPr>
               <a:t>Root Mean Squared Error : 0</a:t>
             </a:r>
+            <a:endParaRPr lang="en-US" dirty="0">
+              <a:solidFill>
+                <a:schemeClr val="bg1"/>
+              </a:solidFill>
+              <a:latin typeface="Bahnschrift Light" panose="020B0502040204020203" pitchFamily="34" charset="0"/>
+            </a:endParaRPr>
           </a:p>
           <a:p>
             <a:pPr algn="l"/>
@@ -12531,6 +11303,12 @@
               </a:rPr>
               <a:t>Mean Absolute Error : 0.25</a:t>
             </a:r>
+            <a:endParaRPr lang="en-US" dirty="0">
+              <a:solidFill>
+                <a:schemeClr val="bg1"/>
+              </a:solidFill>
+              <a:latin typeface="Bahnschrift Light" panose="020B0502040204020203" pitchFamily="34" charset="0"/>
+            </a:endParaRPr>
           </a:p>
           <a:p>
             <a:pPr algn="l"/>
@@ -12543,6 +11321,12 @@
               </a:rPr>
               <a:t>Mean Absolute Percentage Error : 3.41 %</a:t>
             </a:r>
+            <a:endParaRPr lang="en-US" dirty="0">
+              <a:solidFill>
+                <a:schemeClr val="bg1"/>
+              </a:solidFill>
+              <a:latin typeface="Bahnschrift Light" panose="020B0502040204020203" pitchFamily="34" charset="0"/>
+            </a:endParaRPr>
           </a:p>
           <a:p>
             <a:pPr algn="l"/>
@@ -12555,6 +11339,12 @@
               </a:rPr>
               <a:t>R-Square : 0.99</a:t>
             </a:r>
+            <a:endParaRPr lang="en-US" dirty="0">
+              <a:solidFill>
+                <a:schemeClr val="bg1"/>
+              </a:solidFill>
+              <a:latin typeface="Bahnschrift Light" panose="020B0502040204020203" pitchFamily="34" charset="0"/>
+            </a:endParaRPr>
           </a:p>
           <a:p>
             <a:pPr algn="l"/>
@@ -12567,6 +11357,12 @@
               </a:rPr>
               <a:t>Adjusted R-Square :  0.99</a:t>
             </a:r>
+            <a:endParaRPr lang="en-US" dirty="0">
+              <a:solidFill>
+                <a:schemeClr val="bg1"/>
+              </a:solidFill>
+              <a:latin typeface="Bahnschrift Light" panose="020B0502040204020203" pitchFamily="34" charset="0"/>
+            </a:endParaRPr>
           </a:p>
         </p:txBody>
       </p:sp>
@@ -12620,6 +11416,12 @@
               </a:rPr>
               <a:t>Mean Squared Error : 0.11</a:t>
             </a:r>
+            <a:endParaRPr lang="en-US" dirty="0">
+              <a:solidFill>
+                <a:schemeClr val="bg1"/>
+              </a:solidFill>
+              <a:latin typeface="Bahnschrift Light" panose="020B0502040204020203" pitchFamily="34" charset="0"/>
+            </a:endParaRPr>
           </a:p>
           <a:p>
             <a:pPr algn="l"/>
@@ -12632,6 +11434,12 @@
               </a:rPr>
               <a:t>Root Mean Squared Error : 0</a:t>
             </a:r>
+            <a:endParaRPr lang="en-US" dirty="0">
+              <a:solidFill>
+                <a:schemeClr val="bg1"/>
+              </a:solidFill>
+              <a:latin typeface="Bahnschrift Light" panose="020B0502040204020203" pitchFamily="34" charset="0"/>
+            </a:endParaRPr>
           </a:p>
           <a:p>
             <a:pPr algn="l"/>
@@ -12644,6 +11452,12 @@
               </a:rPr>
               <a:t>Mean Absolute Error : 0.25</a:t>
             </a:r>
+            <a:endParaRPr lang="en-US" dirty="0">
+              <a:solidFill>
+                <a:schemeClr val="bg1"/>
+              </a:solidFill>
+              <a:latin typeface="Bahnschrift Light" panose="020B0502040204020203" pitchFamily="34" charset="0"/>
+            </a:endParaRPr>
           </a:p>
           <a:p>
             <a:pPr algn="l"/>
@@ -12656,6 +11470,12 @@
               </a:rPr>
               <a:t>Mean Absolute Percentage Error : 3.41 %</a:t>
             </a:r>
+            <a:endParaRPr lang="en-US" dirty="0">
+              <a:solidFill>
+                <a:schemeClr val="bg1"/>
+              </a:solidFill>
+              <a:latin typeface="Bahnschrift Light" panose="020B0502040204020203" pitchFamily="34" charset="0"/>
+            </a:endParaRPr>
           </a:p>
           <a:p>
             <a:pPr algn="l"/>
@@ -12668,6 +11488,12 @@
               </a:rPr>
               <a:t>R-Square : 0.99</a:t>
             </a:r>
+            <a:endParaRPr lang="en-US" dirty="0">
+              <a:solidFill>
+                <a:schemeClr val="bg1"/>
+              </a:solidFill>
+              <a:latin typeface="Bahnschrift Light" panose="020B0502040204020203" pitchFamily="34" charset="0"/>
+            </a:endParaRPr>
           </a:p>
           <a:p>
             <a:pPr algn="l"/>
@@ -12680,6 +11506,12 @@
               </a:rPr>
               <a:t>Adjusted R-Square :  0.99</a:t>
             </a:r>
+            <a:endParaRPr lang="en-US" dirty="0">
+              <a:solidFill>
+                <a:schemeClr val="bg1"/>
+              </a:solidFill>
+              <a:latin typeface="Bahnschrift Light" panose="020B0502040204020203" pitchFamily="34" charset="0"/>
+            </a:endParaRPr>
           </a:p>
         </p:txBody>
       </p:sp>
@@ -12691,7 +11523,7 @@
 </p:sld>
 </file>
 
-<file path=ppt/slides/slide31.xml><?xml version="1.0" encoding="utf-8"?>
+<file path=ppt/slides/slide27.xml><?xml version="1.0" encoding="utf-8"?>
 <p:sld xmlns:a="http://schemas.openxmlformats.org/drawingml/2006/main" xmlns:r="http://schemas.openxmlformats.org/officeDocument/2006/relationships" xmlns:p="http://schemas.openxmlformats.org/presentationml/2006/main">
   <p:cSld>
     <p:spTree>
@@ -12735,6 +11567,9 @@
               </a:rPr>
               <a:t>:</a:t>
             </a:r>
+            <a:endParaRPr lang="en-IN" altLang="en-US" dirty="0">
+              <a:latin typeface="Bahnschrift SemiBold" panose="020B0502040204020203" pitchFamily="34" charset="0"/>
+            </a:endParaRPr>
           </a:p>
         </p:txBody>
       </p:sp>
@@ -12747,7 +11582,7 @@
           <p:nvPr/>
         </p:nvPicPr>
         <p:blipFill>
-          <a:blip r:embed="rId2"/>
+          <a:blip r:embed="rId1"/>
           <a:stretch>
             <a:fillRect/>
           </a:stretch>
@@ -12770,7 +11605,7 @@
 </p:sld>
 </file>
 
-<file path=ppt/slides/slide32.xml><?xml version="1.0" encoding="utf-8"?>
+<file path=ppt/slides/slide28.xml><?xml version="1.0" encoding="utf-8"?>
 <p:sld xmlns:a="http://schemas.openxmlformats.org/drawingml/2006/main" xmlns:r="http://schemas.openxmlformats.org/officeDocument/2006/relationships" xmlns:p="http://schemas.openxmlformats.org/presentationml/2006/main">
   <p:cSld>
     <p:spTree>
@@ -12868,6 +11703,12 @@
               </a:rPr>
               <a:t>This is what our problem statement states and hence we have considered the last 42 days as our test data.</a:t>
             </a:r>
+            <a:endParaRPr lang="en-IN" altLang="en-US" sz="2000" dirty="0">
+              <a:solidFill>
+                <a:schemeClr val="bg1"/>
+              </a:solidFill>
+              <a:latin typeface="Bahnschrift Light" panose="020B0502040204020203" pitchFamily="34" charset="0"/>
+            </a:endParaRPr>
           </a:p>
         </p:txBody>
       </p:sp>
@@ -12880,7 +11721,7 @@
           <p:nvPr/>
         </p:nvPicPr>
         <p:blipFill>
-          <a:blip r:embed="rId2">
+          <a:blip r:embed="rId1">
             <a:extLst>
               <a:ext uri="{28A0092B-C50C-407E-A947-70E740481C1C}">
                 <a14:useLocalDpi xmlns:a14="http://schemas.microsoft.com/office/drawing/2010/main" val="0"/>
@@ -12909,7 +11750,7 @@
 </p:sld>
 </file>
 
-<file path=ppt/slides/slide33.xml><?xml version="1.0" encoding="utf-8"?>
+<file path=ppt/slides/slide29.xml><?xml version="1.0" encoding="utf-8"?>
 <p:sld xmlns:a="http://schemas.openxmlformats.org/drawingml/2006/main" xmlns:r="http://schemas.openxmlformats.org/officeDocument/2006/relationships" xmlns:p="http://schemas.openxmlformats.org/presentationml/2006/main">
   <p:cSld>
     <p:spTree>
@@ -12976,7 +11817,7 @@
           <p:nvPr/>
         </p:nvPicPr>
         <p:blipFill>
-          <a:blip r:embed="rId2"/>
+          <a:blip r:embed="rId1"/>
           <a:stretch>
             <a:fillRect/>
           </a:stretch>
@@ -12999,7 +11840,7 @@
 </p:sld>
 </file>
 
-<file path=ppt/slides/slide34.xml><?xml version="1.0" encoding="utf-8"?>
+<file path=ppt/slides/slide3.xml><?xml version="1.0" encoding="utf-8"?>
 <p:sld xmlns:a="http://schemas.openxmlformats.org/drawingml/2006/main" xmlns:r="http://schemas.openxmlformats.org/officeDocument/2006/relationships" xmlns:p="http://schemas.openxmlformats.org/presentationml/2006/main">
   <p:cSld>
     <p:spTree>
@@ -13018,13 +11859,215 @@
       </p:grpSpPr>
       <p:sp>
         <p:nvSpPr>
-          <p:cNvPr id="3" name="Title 2">
+          <p:cNvPr id="2" name="Title 1"/>
+          <p:cNvSpPr>
+            <a:spLocks noGrp="1"/>
+          </p:cNvSpPr>
+          <p:nvPr>
+            <p:ph type="title"/>
+          </p:nvPr>
+        </p:nvSpPr>
+        <p:spPr>
+          <a:xfrm>
+            <a:off x="311700" y="477981"/>
+            <a:ext cx="8520600" cy="674493"/>
+          </a:xfrm>
+        </p:spPr>
+        <p:txBody>
+          <a:bodyPr/>
+          <a:lstStyle/>
+          <a:p>
+            <a:r>
+              <a:rPr lang="en-IN" altLang="en-US" dirty="0">
+                <a:latin typeface="Bahnschrift SemiBold" panose="020B0502040204020203" pitchFamily="34" charset="0"/>
+              </a:rPr>
+              <a:t>Problem Statement:</a:t>
+            </a:r>
+            <a:endParaRPr lang="en-IN" altLang="en-US" dirty="0">
+              <a:latin typeface="Bahnschrift SemiBold" panose="020B0502040204020203" pitchFamily="34" charset="0"/>
+            </a:endParaRPr>
+          </a:p>
+        </p:txBody>
+      </p:sp>
+      <p:sp>
+        <p:nvSpPr>
+          <p:cNvPr id="3" name="Text Placeholder 2"/>
+          <p:cNvSpPr>
+            <a:spLocks noGrp="1"/>
+          </p:cNvSpPr>
+          <p:nvPr>
+            <p:ph type="body" idx="1"/>
+          </p:nvPr>
+        </p:nvSpPr>
+        <p:spPr>
+          <a:xfrm>
+            <a:off x="-48491" y="1094509"/>
+            <a:ext cx="8880791" cy="3474366"/>
+          </a:xfrm>
+        </p:spPr>
+        <p:txBody>
+          <a:bodyPr/>
+          <a:lstStyle/>
+          <a:p>
+            <a:r>
+              <a:rPr lang="en-US" sz="2000" dirty="0">
+                <a:solidFill>
+                  <a:schemeClr val="bg1"/>
+                </a:solidFill>
+                <a:latin typeface="Bahnschrift Light" panose="020B0502040204020203" pitchFamily="34" charset="0"/>
+              </a:rPr>
+              <a:t>Rossmann store managers are tasked with predicting their daily sales for up to six weeks in advance. </a:t>
+            </a:r>
+            <a:endParaRPr lang="en-US" sz="2000" dirty="0">
+              <a:solidFill>
+                <a:schemeClr val="bg1"/>
+              </a:solidFill>
+              <a:latin typeface="Bahnschrift Light" panose="020B0502040204020203" pitchFamily="34" charset="0"/>
+            </a:endParaRPr>
+          </a:p>
+          <a:p>
+            <a:endParaRPr lang="en-US" sz="2000" dirty="0">
+              <a:solidFill>
+                <a:schemeClr val="bg1"/>
+              </a:solidFill>
+              <a:latin typeface="Bahnschrift Light" panose="020B0502040204020203" pitchFamily="34" charset="0"/>
+            </a:endParaRPr>
+          </a:p>
+          <a:p>
+            <a:r>
+              <a:rPr lang="en-IN" altLang="en-US" sz="2000" dirty="0">
+                <a:solidFill>
+                  <a:schemeClr val="bg1"/>
+                </a:solidFill>
+                <a:latin typeface="Bahnschrift Light" panose="020B0502040204020203" pitchFamily="34" charset="0"/>
+              </a:rPr>
+              <a:t>We were</a:t>
+            </a:r>
+            <a:r>
+              <a:rPr lang="en-US" sz="2000" dirty="0">
+                <a:solidFill>
+                  <a:schemeClr val="bg1"/>
+                </a:solidFill>
+                <a:latin typeface="Bahnschrift Light" panose="020B0502040204020203" pitchFamily="34" charset="0"/>
+              </a:rPr>
+              <a:t> provided with historical sales data for 1,115 Rossmann stores</a:t>
+            </a:r>
+            <a:r>
+              <a:rPr lang="en-IN" altLang="en-US" sz="2000" dirty="0">
+                <a:solidFill>
+                  <a:schemeClr val="bg1"/>
+                </a:solidFill>
+                <a:latin typeface="Bahnschrift Light" panose="020B0502040204020203" pitchFamily="34" charset="0"/>
+              </a:rPr>
+              <a:t> and were asked to predict the same</a:t>
+            </a:r>
+            <a:endParaRPr lang="en-IN" altLang="en-US" sz="2000" dirty="0">
+              <a:solidFill>
+                <a:schemeClr val="bg1"/>
+              </a:solidFill>
+              <a:latin typeface="Bahnschrift Light" panose="020B0502040204020203" pitchFamily="34" charset="0"/>
+            </a:endParaRPr>
+          </a:p>
+        </p:txBody>
+      </p:sp>
+      <p:pic>
+        <p:nvPicPr>
+          <p:cNvPr id="4" name="Picture 3"/>
+          <p:cNvPicPr>
+            <a:picLocks noChangeAspect="1"/>
+          </p:cNvPicPr>
+          <p:nvPr/>
+        </p:nvPicPr>
+        <p:blipFill>
+          <a:blip r:embed="rId1">
             <a:extLst>
-              <a:ext uri="{FF2B5EF4-FFF2-40B4-BE49-F238E27FC236}">
-                <a16:creationId xmlns:a16="http://schemas.microsoft.com/office/drawing/2014/main" id="{3914BBCB-9AF7-400B-9BDF-22A209DC40FC}"/>
+              <a:ext uri="{28A0092B-C50C-407E-A947-70E740481C1C}">
+                <a14:useLocalDpi xmlns:a14="http://schemas.microsoft.com/office/drawing/2010/main" val="0"/>
               </a:ext>
             </a:extLst>
-          </p:cNvPr>
+          </a:blip>
+          <a:stretch>
+            <a:fillRect/>
+          </a:stretch>
+        </p:blipFill>
+        <p:spPr>
+          <a:xfrm>
+            <a:off x="6048003" y="2888673"/>
+            <a:ext cx="2876764" cy="1927097"/>
+          </a:xfrm>
+          <a:prstGeom prst="rect">
+            <a:avLst/>
+          </a:prstGeom>
+        </p:spPr>
+      </p:pic>
+    </p:spTree>
+  </p:cSld>
+  <p:clrMapOvr>
+    <a:masterClrMapping/>
+  </p:clrMapOvr>
+</p:sld>
+</file>
+
+<file path=ppt/slides/slide30.xml><?xml version="1.0" encoding="utf-8"?>
+<p:sld xmlns:a="http://schemas.openxmlformats.org/drawingml/2006/main" xmlns:r="http://schemas.openxmlformats.org/officeDocument/2006/relationships" xmlns:p="http://schemas.openxmlformats.org/presentationml/2006/main">
+  <p:cSld>
+    <p:spTree>
+      <p:nvGrpSpPr>
+        <p:cNvPr id="1" name=""/>
+        <p:cNvGrpSpPr/>
+        <p:nvPr/>
+      </p:nvGrpSpPr>
+      <p:grpSpPr/>
+      <p:sp>
+        <p:nvSpPr>
+          <p:cNvPr id="2" name="Title 1"/>
+          <p:cNvSpPr>
+            <a:spLocks noGrp="1"/>
+          </p:cNvSpPr>
+          <p:nvPr>
+            <p:ph type="title"/>
+          </p:nvPr>
+        </p:nvSpPr>
+        <p:spPr/>
+        <p:txBody>
+          <a:bodyPr/>
+          <a:p>
+            <a:r>
+              <a:rPr lang="en-IN" altLang="en-US"/>
+              <a:t>Ameen</a:t>
+            </a:r>
+            <a:endParaRPr lang="en-IN" altLang="en-US"/>
+          </a:p>
+        </p:txBody>
+      </p:sp>
+    </p:spTree>
+  </p:cSld>
+  <p:clrMapOvr>
+    <a:masterClrMapping/>
+  </p:clrMapOvr>
+</p:sld>
+</file>
+
+<file path=ppt/slides/slide31.xml><?xml version="1.0" encoding="utf-8"?>
+<p:sld xmlns:a="http://schemas.openxmlformats.org/drawingml/2006/main" xmlns:r="http://schemas.openxmlformats.org/officeDocument/2006/relationships" xmlns:p="http://schemas.openxmlformats.org/presentationml/2006/main">
+  <p:cSld>
+    <p:spTree>
+      <p:nvGrpSpPr>
+        <p:cNvPr id="1" name=""/>
+        <p:cNvGrpSpPr/>
+        <p:nvPr/>
+      </p:nvGrpSpPr>
+      <p:grpSpPr>
+        <a:xfrm>
+          <a:off x="0" y="0"/>
+          <a:ext cx="0" cy="0"/>
+          <a:chOff x="0" y="0"/>
+          <a:chExt cx="0" cy="0"/>
+        </a:xfrm>
+      </p:grpSpPr>
+      <p:sp>
+        <p:nvSpPr>
+          <p:cNvPr id="3" name="Title 2"/>
           <p:cNvSpPr>
             <a:spLocks noGrp="1"/>
           </p:cNvSpPr>
@@ -13049,13 +12092,7 @@
       </p:sp>
       <p:sp>
         <p:nvSpPr>
-          <p:cNvPr id="4" name="Text Placeholder 3">
-            <a:extLst>
-              <a:ext uri="{FF2B5EF4-FFF2-40B4-BE49-F238E27FC236}">
-                <a16:creationId xmlns:a16="http://schemas.microsoft.com/office/drawing/2014/main" id="{4AF89B06-1A02-4C65-B91A-EE3240C64B8A}"/>
-              </a:ext>
-            </a:extLst>
-          </p:cNvPr>
+          <p:cNvPr id="4" name="Text Placeholder 3"/>
           <p:cNvSpPr>
             <a:spLocks noGrp="1"/>
           </p:cNvSpPr>
@@ -13138,20 +12175,14 @@
       </p:sp>
       <p:pic>
         <p:nvPicPr>
-          <p:cNvPr id="5" name="Picture 4">
-            <a:extLst>
-              <a:ext uri="{FF2B5EF4-FFF2-40B4-BE49-F238E27FC236}">
-                <a16:creationId xmlns:a16="http://schemas.microsoft.com/office/drawing/2014/main" id="{7C53DC06-6350-4FA5-BADE-3596FDAF9E95}"/>
-              </a:ext>
-            </a:extLst>
-          </p:cNvPr>
+          <p:cNvPr id="5" name="Picture 4"/>
           <p:cNvPicPr>
             <a:picLocks noChangeAspect="1"/>
           </p:cNvPicPr>
           <p:nvPr/>
         </p:nvPicPr>
         <p:blipFill>
-          <a:blip r:embed="rId2">
+          <a:blip r:embed="rId1">
             <a:extLst>
               <a:ext uri="{28A0092B-C50C-407E-A947-70E740481C1C}">
                 <a14:useLocalDpi xmlns:a14="http://schemas.microsoft.com/office/drawing/2010/main" val="0"/>
@@ -13173,11 +12204,6 @@
         </p:spPr>
       </p:pic>
     </p:spTree>
-    <p:extLst>
-      <p:ext uri="{BB962C8B-B14F-4D97-AF65-F5344CB8AC3E}">
-        <p14:creationId xmlns:p14="http://schemas.microsoft.com/office/powerpoint/2010/main" val="84583551"/>
-      </p:ext>
-    </p:extLst>
   </p:cSld>
   <p:clrMapOvr>
     <a:masterClrMapping/>
@@ -13186,6 +12212,239 @@
 </file>
 
 <file path=ppt/slides/slide4.xml><?xml version="1.0" encoding="utf-8"?>
+<p:sld xmlns:a="http://schemas.openxmlformats.org/drawingml/2006/main" xmlns:r="http://schemas.openxmlformats.org/officeDocument/2006/relationships" xmlns:p="http://schemas.openxmlformats.org/presentationml/2006/main">
+  <p:cSld>
+    <p:spTree>
+      <p:nvGrpSpPr>
+        <p:cNvPr id="1" name=""/>
+        <p:cNvGrpSpPr/>
+        <p:nvPr/>
+      </p:nvGrpSpPr>
+      <p:grpSpPr>
+        <a:xfrm>
+          <a:off x="0" y="0"/>
+          <a:ext cx="0" cy="0"/>
+          <a:chOff x="0" y="0"/>
+          <a:chExt cx="0" cy="0"/>
+        </a:xfrm>
+      </p:grpSpPr>
+      <p:sp>
+        <p:nvSpPr>
+          <p:cNvPr id="2" name="Title 1"/>
+          <p:cNvSpPr>
+            <a:spLocks noGrp="1"/>
+          </p:cNvSpPr>
+          <p:nvPr>
+            <p:ph type="title"/>
+          </p:nvPr>
+        </p:nvSpPr>
+        <p:spPr/>
+        <p:txBody>
+          <a:bodyPr/>
+          <a:lstStyle/>
+          <a:p>
+            <a:r>
+              <a:rPr lang="en-IN" altLang="en-US" dirty="0">
+                <a:latin typeface="Bahnschrift SemiBold" panose="020B0502040204020203" pitchFamily="34" charset="0"/>
+              </a:rPr>
+              <a:t>Description of data provided</a:t>
+            </a:r>
+            <a:endParaRPr lang="en-IN" altLang="en-US" dirty="0">
+              <a:latin typeface="Bahnschrift SemiBold" panose="020B0502040204020203" pitchFamily="34" charset="0"/>
+            </a:endParaRPr>
+          </a:p>
+        </p:txBody>
+      </p:sp>
+      <p:sp>
+        <p:nvSpPr>
+          <p:cNvPr id="3" name="Text Placeholder 2"/>
+          <p:cNvSpPr>
+            <a:spLocks noGrp="1"/>
+          </p:cNvSpPr>
+          <p:nvPr>
+            <p:ph type="body" idx="1"/>
+          </p:nvPr>
+        </p:nvSpPr>
+        <p:spPr>
+          <a:xfrm>
+            <a:off x="0" y="1152475"/>
+            <a:ext cx="8832300" cy="3416400"/>
+          </a:xfrm>
+        </p:spPr>
+        <p:txBody>
+          <a:bodyPr/>
+          <a:lstStyle/>
+          <a:p>
+            <a:r>
+              <a:rPr lang="en-IN" altLang="en-US" sz="2000" dirty="0">
+                <a:solidFill>
+                  <a:schemeClr val="bg1"/>
+                </a:solidFill>
+                <a:latin typeface="Bahnschrift Light SemiCondensed" panose="020B0502040204020203" pitchFamily="34" charset="0"/>
+              </a:rPr>
+              <a:t>We are provided with 2 data sets:</a:t>
+            </a:r>
+            <a:endParaRPr lang="en-IN" altLang="en-US" sz="2000" dirty="0">
+              <a:solidFill>
+                <a:schemeClr val="bg1"/>
+              </a:solidFill>
+              <a:latin typeface="Bahnschrift Light SemiCondensed" panose="020B0502040204020203" pitchFamily="34" charset="0"/>
+            </a:endParaRPr>
+          </a:p>
+          <a:p>
+            <a:r>
+              <a:rPr lang="en-IN" altLang="en-US" sz="2000" b="1" dirty="0">
+                <a:solidFill>
+                  <a:schemeClr val="bg1"/>
+                </a:solidFill>
+                <a:latin typeface="Bahnschrift Light SemiCondensed" panose="020B0502040204020203" pitchFamily="34" charset="0"/>
+              </a:rPr>
+              <a:t>1. Rossmann Stores Data.csv - </a:t>
+            </a:r>
+            <a:r>
+              <a:rPr lang="en-IN" altLang="en-US" sz="2000" dirty="0">
+                <a:solidFill>
+                  <a:schemeClr val="bg1"/>
+                </a:solidFill>
+                <a:latin typeface="Bahnschrift Light SemiCondensed" panose="020B0502040204020203" pitchFamily="34" charset="0"/>
+              </a:rPr>
+              <a:t>This dataset includes the historical data including Sales. This dataset contain features like Sales, Customers,</a:t>
+            </a:r>
+            <a:endParaRPr lang="en-IN" altLang="en-US" sz="2000" dirty="0">
+              <a:solidFill>
+                <a:schemeClr val="bg1"/>
+              </a:solidFill>
+              <a:latin typeface="Bahnschrift Light SemiCondensed" panose="020B0502040204020203" pitchFamily="34" charset="0"/>
+            </a:endParaRPr>
+          </a:p>
+          <a:p>
+            <a:r>
+              <a:rPr lang="en-IN" altLang="en-US" sz="2000" dirty="0">
+                <a:solidFill>
+                  <a:schemeClr val="bg1"/>
+                </a:solidFill>
+                <a:latin typeface="Bahnschrift Light SemiCondensed" panose="020B0502040204020203" pitchFamily="34" charset="0"/>
+              </a:rPr>
+              <a:t>Open, StateHoliday, SchoolHoliday.</a:t>
+            </a:r>
+            <a:endParaRPr lang="en-IN" altLang="en-US" sz="2000" dirty="0">
+              <a:solidFill>
+                <a:schemeClr val="bg1"/>
+              </a:solidFill>
+              <a:latin typeface="Bahnschrift Light SemiCondensed" panose="020B0502040204020203" pitchFamily="34" charset="0"/>
+            </a:endParaRPr>
+          </a:p>
+          <a:p>
+            <a:endParaRPr lang="en-IN" altLang="en-US" sz="2000" dirty="0">
+              <a:solidFill>
+                <a:schemeClr val="bg1"/>
+              </a:solidFill>
+              <a:latin typeface="Bahnschrift Light SemiCondensed" panose="020B0502040204020203" pitchFamily="34" charset="0"/>
+            </a:endParaRPr>
+          </a:p>
+          <a:p>
+            <a:r>
+              <a:rPr lang="en-IN" altLang="en-US" sz="2000" b="1" dirty="0">
+                <a:solidFill>
+                  <a:schemeClr val="bg1"/>
+                </a:solidFill>
+                <a:latin typeface="Bahnschrift Light SemiCondensed" panose="020B0502040204020203" pitchFamily="34" charset="0"/>
+              </a:rPr>
+              <a:t>2. store.csv - </a:t>
+            </a:r>
+            <a:r>
+              <a:rPr lang="en-IN" altLang="en-US" sz="2000" dirty="0">
+                <a:solidFill>
+                  <a:schemeClr val="bg1"/>
+                </a:solidFill>
+                <a:latin typeface="Bahnschrift Light SemiCondensed" panose="020B0502040204020203" pitchFamily="34" charset="0"/>
+              </a:rPr>
+              <a:t>This includes supplemental information about the stores.</a:t>
+            </a:r>
+            <a:r>
+              <a:rPr lang="en-IN" altLang="en-US" sz="2000" dirty="0">
+                <a:solidFill>
+                  <a:schemeClr val="bg1"/>
+                </a:solidFill>
+                <a:latin typeface="Bahnschrift Light SemiCondensed" panose="020B0502040204020203" pitchFamily="34" charset="0"/>
+                <a:sym typeface="+mn-ea"/>
+              </a:rPr>
+              <a:t> This dataset contain features like Assortment, </a:t>
+            </a:r>
+            <a:r>
+              <a:rPr lang="en-IN" altLang="en-US" sz="2000" dirty="0">
+                <a:solidFill>
+                  <a:schemeClr val="bg1"/>
+                </a:solidFill>
+                <a:latin typeface="Bahnschrift Light SemiCondensed" panose="020B0502040204020203" pitchFamily="34" charset="0"/>
+              </a:rPr>
+              <a:t>CompetitionDistance, CompetitionOpenSince[Month/Year], Promo, Promo2,</a:t>
+            </a:r>
+            <a:endParaRPr lang="en-IN" altLang="en-US" sz="2000" dirty="0">
+              <a:solidFill>
+                <a:schemeClr val="bg1"/>
+              </a:solidFill>
+              <a:latin typeface="Bahnschrift Light SemiCondensed" panose="020B0502040204020203" pitchFamily="34" charset="0"/>
+            </a:endParaRPr>
+          </a:p>
+          <a:p>
+            <a:r>
+              <a:rPr lang="en-IN" altLang="en-US" sz="2000" dirty="0">
+                <a:solidFill>
+                  <a:schemeClr val="bg1"/>
+                </a:solidFill>
+                <a:latin typeface="Bahnschrift Light SemiCondensed" panose="020B0502040204020203" pitchFamily="34" charset="0"/>
+              </a:rPr>
+              <a:t>Promo2Since[Year/Week] </a:t>
+            </a:r>
+            <a:endParaRPr lang="en-IN" altLang="en-US" sz="2000" dirty="0">
+              <a:solidFill>
+                <a:schemeClr val="bg1"/>
+              </a:solidFill>
+              <a:latin typeface="Bahnschrift Light SemiCondensed" panose="020B0502040204020203" pitchFamily="34" charset="0"/>
+            </a:endParaRPr>
+          </a:p>
+        </p:txBody>
+      </p:sp>
+      <p:pic>
+        <p:nvPicPr>
+          <p:cNvPr id="5" name="Picture 4"/>
+          <p:cNvPicPr>
+            <a:picLocks noChangeAspect="1"/>
+          </p:cNvPicPr>
+          <p:nvPr/>
+        </p:nvPicPr>
+        <p:blipFill>
+          <a:blip r:embed="rId1">
+            <a:extLst>
+              <a:ext uri="{28A0092B-C50C-407E-A947-70E740481C1C}">
+                <a14:useLocalDpi xmlns:a14="http://schemas.microsoft.com/office/drawing/2010/main" val="0"/>
+              </a:ext>
+            </a:extLst>
+          </a:blip>
+          <a:stretch>
+            <a:fillRect/>
+          </a:stretch>
+        </p:blipFill>
+        <p:spPr>
+          <a:xfrm>
+            <a:off x="6123398" y="3667875"/>
+            <a:ext cx="3020602" cy="1372884"/>
+          </a:xfrm>
+          <a:prstGeom prst="rect">
+            <a:avLst/>
+          </a:prstGeom>
+        </p:spPr>
+      </p:pic>
+    </p:spTree>
+  </p:cSld>
+  <p:clrMapOvr>
+    <a:masterClrMapping/>
+  </p:clrMapOvr>
+</p:sld>
+</file>
+
+<file path=ppt/slides/slide5.xml><?xml version="1.0" encoding="utf-8"?>
 <p:sld xmlns:a="http://schemas.openxmlformats.org/drawingml/2006/main" xmlns:r="http://schemas.openxmlformats.org/officeDocument/2006/relationships" xmlns:p="http://schemas.openxmlformats.org/presentationml/2006/main">
   <p:cSld>
     <p:spTree>
@@ -13228,6 +12487,9 @@
               </a:rPr>
               <a:t>	Missing Values in the Datasets</a:t>
             </a:r>
+            <a:endParaRPr lang="en-US" dirty="0">
+              <a:latin typeface="Bahnschrift SemiBold" panose="020B0502040204020203" pitchFamily="34" charset="0"/>
+            </a:endParaRPr>
           </a:p>
         </p:txBody>
       </p:sp>
@@ -13240,7 +12502,7 @@
           <p:nvPr/>
         </p:nvPicPr>
         <p:blipFill>
-          <a:blip r:embed="rId2"/>
+          <a:blip r:embed="rId1"/>
           <a:stretch>
             <a:fillRect/>
           </a:stretch>
@@ -13263,7 +12525,7 @@
 </p:sld>
 </file>
 
-<file path=ppt/slides/slide5.xml><?xml version="1.0" encoding="utf-8"?>
+<file path=ppt/slides/slide6.xml><?xml version="1.0" encoding="utf-8"?>
 <p:sld xmlns:a="http://schemas.openxmlformats.org/drawingml/2006/main" xmlns:r="http://schemas.openxmlformats.org/officeDocument/2006/relationships" xmlns:p="http://schemas.openxmlformats.org/presentationml/2006/main">
   <p:cSld>
     <p:spTree>
@@ -13306,6 +12568,9 @@
               </a:rPr>
               <a:t>	After filling NaN Values in the Datasets</a:t>
             </a:r>
+            <a:endParaRPr lang="en-US" dirty="0">
+              <a:latin typeface="Bahnschrift SemiBold" panose="020B0502040204020203" pitchFamily="34" charset="0"/>
+            </a:endParaRPr>
           </a:p>
         </p:txBody>
       </p:sp>
@@ -13318,7 +12583,7 @@
           <p:nvPr/>
         </p:nvPicPr>
         <p:blipFill>
-          <a:blip r:embed="rId2"/>
+          <a:blip r:embed="rId1"/>
           <a:stretch>
             <a:fillRect/>
           </a:stretch>
@@ -13327,84 +12592,6 @@
           <a:xfrm>
             <a:off x="595745" y="796636"/>
             <a:ext cx="7987146" cy="4346863"/>
-          </a:xfrm>
-          <a:prstGeom prst="rect">
-            <a:avLst/>
-          </a:prstGeom>
-        </p:spPr>
-      </p:pic>
-    </p:spTree>
-  </p:cSld>
-  <p:clrMapOvr>
-    <a:masterClrMapping/>
-  </p:clrMapOvr>
-</p:sld>
-</file>
-
-<file path=ppt/slides/slide6.xml><?xml version="1.0" encoding="utf-8"?>
-<p:sld xmlns:a="http://schemas.openxmlformats.org/drawingml/2006/main" xmlns:r="http://schemas.openxmlformats.org/officeDocument/2006/relationships" xmlns:p="http://schemas.openxmlformats.org/presentationml/2006/main">
-  <p:cSld>
-    <p:spTree>
-      <p:nvGrpSpPr>
-        <p:cNvPr id="1" name=""/>
-        <p:cNvGrpSpPr/>
-        <p:nvPr/>
-      </p:nvGrpSpPr>
-      <p:grpSpPr>
-        <a:xfrm>
-          <a:off x="0" y="0"/>
-          <a:ext cx="0" cy="0"/>
-          <a:chOff x="0" y="0"/>
-          <a:chExt cx="0" cy="0"/>
-        </a:xfrm>
-      </p:grpSpPr>
-      <p:sp>
-        <p:nvSpPr>
-          <p:cNvPr id="4" name="Title 3"/>
-          <p:cNvSpPr>
-            <a:spLocks noGrp="1"/>
-          </p:cNvSpPr>
-          <p:nvPr>
-            <p:ph type="title"/>
-          </p:nvPr>
-        </p:nvSpPr>
-        <p:spPr>
-          <a:xfrm>
-            <a:off x="1302326" y="76200"/>
-            <a:ext cx="7529973" cy="568036"/>
-          </a:xfrm>
-        </p:spPr>
-        <p:txBody>
-          <a:bodyPr/>
-          <a:lstStyle/>
-          <a:p>
-            <a:r>
-              <a:rPr lang="en-US" dirty="0">
-                <a:latin typeface="Bahnschrift SemiBold" panose="020B0502040204020203" pitchFamily="34" charset="0"/>
-              </a:rPr>
-              <a:t>Correlation of variables with each others</a:t>
-            </a:r>
-          </a:p>
-        </p:txBody>
-      </p:sp>
-      <p:pic>
-        <p:nvPicPr>
-          <p:cNvPr id="6" name="Picture 5"/>
-          <p:cNvPicPr>
-            <a:picLocks noChangeAspect="1"/>
-          </p:cNvPicPr>
-          <p:nvPr/>
-        </p:nvPicPr>
-        <p:blipFill>
-          <a:blip r:embed="rId2"/>
-          <a:stretch>
-            <a:fillRect/>
-          </a:stretch>
-        </p:blipFill>
-        <p:spPr>
-          <a:xfrm>
-            <a:off x="484909" y="692728"/>
-            <a:ext cx="8118764" cy="4450772"/>
           </a:xfrm>
           <a:prstGeom prst="rect">
             <a:avLst/>
@@ -13448,8 +12635,8 @@
         </p:nvSpPr>
         <p:spPr>
           <a:xfrm>
-            <a:off x="1275598" y="202660"/>
-            <a:ext cx="7577457" cy="822575"/>
+            <a:off x="1302326" y="76200"/>
+            <a:ext cx="7529973" cy="568036"/>
           </a:xfrm>
         </p:spPr>
         <p:txBody>
@@ -13460,29 +12647,32 @@
               <a:rPr lang="en-US" dirty="0">
                 <a:latin typeface="Bahnschrift SemiBold" panose="020B0502040204020203" pitchFamily="34" charset="0"/>
               </a:rPr>
-              <a:t>Numbers of stores open on a given Dates</a:t>
+              <a:t>Correlation of variables with each others</a:t>
             </a:r>
+            <a:endParaRPr lang="en-US" dirty="0">
+              <a:latin typeface="Bahnschrift SemiBold" panose="020B0502040204020203" pitchFamily="34" charset="0"/>
+            </a:endParaRPr>
           </a:p>
         </p:txBody>
       </p:sp>
       <p:pic>
         <p:nvPicPr>
-          <p:cNvPr id="8" name="Picture 7"/>
+          <p:cNvPr id="6" name="Picture 5"/>
           <p:cNvPicPr>
             <a:picLocks noChangeAspect="1"/>
           </p:cNvPicPr>
           <p:nvPr/>
         </p:nvPicPr>
         <p:blipFill>
-          <a:blip r:embed="rId2"/>
+          <a:blip r:embed="rId1"/>
           <a:stretch>
             <a:fillRect/>
           </a:stretch>
         </p:blipFill>
         <p:spPr>
           <a:xfrm>
-            <a:off x="1275599" y="886691"/>
-            <a:ext cx="6592802" cy="4054147"/>
+            <a:off x="484909" y="692728"/>
+            <a:ext cx="8118764" cy="4450772"/>
           </a:xfrm>
           <a:prstGeom prst="rect">
             <a:avLst/>
@@ -13516,7 +12706,7 @@
       </p:grpSpPr>
       <p:sp>
         <p:nvSpPr>
-          <p:cNvPr id="4" name="Title 3"/>
+          <p:cNvPr id="2" name="Title 1"/>
           <p:cNvSpPr>
             <a:spLocks noGrp="1"/>
           </p:cNvSpPr>
@@ -13524,25 +12714,47 @@
             <p:ph type="title"/>
           </p:nvPr>
         </p:nvSpPr>
-        <p:spPr>
-          <a:xfrm>
-            <a:off x="477982" y="202661"/>
-            <a:ext cx="8354318" cy="697884"/>
-          </a:xfrm>
-        </p:spPr>
+        <p:spPr/>
         <p:txBody>
           <a:bodyPr/>
           <a:lstStyle/>
           <a:p>
             <a:r>
-              <a:rPr lang="en-US" dirty="0">
+              <a:rPr lang="en-IN" altLang="en-US" dirty="0">
                 <a:latin typeface="Bahnschrift SemiBold" panose="020B0502040204020203" pitchFamily="34" charset="0"/>
               </a:rPr>
-              <a:t>Number of stores running promo on given Dates</a:t>
+              <a:t>Plot of all the variables:</a:t>
             </a:r>
+            <a:endParaRPr lang="en-IN" altLang="en-US" dirty="0">
+              <a:latin typeface="Bahnschrift SemiBold" panose="020B0502040204020203" pitchFamily="34" charset="0"/>
+            </a:endParaRPr>
           </a:p>
         </p:txBody>
       </p:sp>
+      <p:pic>
+        <p:nvPicPr>
+          <p:cNvPr id="4" name="Picture 3"/>
+          <p:cNvPicPr>
+            <a:picLocks noChangeAspect="1"/>
+          </p:cNvPicPr>
+          <p:nvPr/>
+        </p:nvPicPr>
+        <p:blipFill>
+          <a:blip r:embed="rId1"/>
+          <a:stretch>
+            <a:fillRect/>
+          </a:stretch>
+        </p:blipFill>
+        <p:spPr>
+          <a:xfrm>
+            <a:off x="99137" y="1094508"/>
+            <a:ext cx="1801172" cy="1766455"/>
+          </a:xfrm>
+          <a:prstGeom prst="rect">
+            <a:avLst/>
+          </a:prstGeom>
+        </p:spPr>
+      </p:pic>
       <p:pic>
         <p:nvPicPr>
           <p:cNvPr id="6" name="Picture 5"/>
@@ -13559,8 +12771,200 @@
         </p:blipFill>
         <p:spPr>
           <a:xfrm>
-            <a:off x="955964" y="962892"/>
-            <a:ext cx="6912437" cy="3977948"/>
+            <a:off x="1900310" y="1094507"/>
+            <a:ext cx="1801170" cy="1766455"/>
+          </a:xfrm>
+          <a:prstGeom prst="rect">
+            <a:avLst/>
+          </a:prstGeom>
+        </p:spPr>
+      </p:pic>
+      <p:pic>
+        <p:nvPicPr>
+          <p:cNvPr id="8" name="Picture 7"/>
+          <p:cNvPicPr>
+            <a:picLocks noChangeAspect="1"/>
+          </p:cNvPicPr>
+          <p:nvPr/>
+        </p:nvPicPr>
+        <p:blipFill>
+          <a:blip r:embed="rId3"/>
+          <a:stretch>
+            <a:fillRect/>
+          </a:stretch>
+        </p:blipFill>
+        <p:spPr>
+          <a:xfrm>
+            <a:off x="3701480" y="1094505"/>
+            <a:ext cx="1801170" cy="1766455"/>
+          </a:xfrm>
+          <a:prstGeom prst="rect">
+            <a:avLst/>
+          </a:prstGeom>
+        </p:spPr>
+      </p:pic>
+      <p:pic>
+        <p:nvPicPr>
+          <p:cNvPr id="10" name="Picture 9"/>
+          <p:cNvPicPr>
+            <a:picLocks noChangeAspect="1"/>
+          </p:cNvPicPr>
+          <p:nvPr/>
+        </p:nvPicPr>
+        <p:blipFill>
+          <a:blip r:embed="rId4"/>
+          <a:stretch>
+            <a:fillRect/>
+          </a:stretch>
+        </p:blipFill>
+        <p:spPr>
+          <a:xfrm>
+            <a:off x="5502651" y="1094502"/>
+            <a:ext cx="1801169" cy="1766455"/>
+          </a:xfrm>
+          <a:prstGeom prst="rect">
+            <a:avLst/>
+          </a:prstGeom>
+        </p:spPr>
+      </p:pic>
+      <p:pic>
+        <p:nvPicPr>
+          <p:cNvPr id="12" name="Picture 11"/>
+          <p:cNvPicPr>
+            <a:picLocks noChangeAspect="1"/>
+          </p:cNvPicPr>
+          <p:nvPr/>
+        </p:nvPicPr>
+        <p:blipFill>
+          <a:blip r:embed="rId5"/>
+          <a:stretch>
+            <a:fillRect/>
+          </a:stretch>
+        </p:blipFill>
+        <p:spPr>
+          <a:xfrm>
+            <a:off x="7303820" y="1094498"/>
+            <a:ext cx="1801168" cy="1766455"/>
+          </a:xfrm>
+          <a:prstGeom prst="rect">
+            <a:avLst/>
+          </a:prstGeom>
+        </p:spPr>
+      </p:pic>
+      <p:pic>
+        <p:nvPicPr>
+          <p:cNvPr id="14" name="Picture 13"/>
+          <p:cNvPicPr>
+            <a:picLocks noChangeAspect="1"/>
+          </p:cNvPicPr>
+          <p:nvPr/>
+        </p:nvPicPr>
+        <p:blipFill>
+          <a:blip r:embed="rId6"/>
+          <a:stretch>
+            <a:fillRect/>
+          </a:stretch>
+        </p:blipFill>
+        <p:spPr>
+          <a:xfrm>
+            <a:off x="99138" y="2937734"/>
+            <a:ext cx="1801172" cy="1760741"/>
+          </a:xfrm>
+          <a:prstGeom prst="rect">
+            <a:avLst/>
+          </a:prstGeom>
+        </p:spPr>
+      </p:pic>
+      <p:pic>
+        <p:nvPicPr>
+          <p:cNvPr id="16" name="Picture 15"/>
+          <p:cNvPicPr>
+            <a:picLocks noChangeAspect="1"/>
+          </p:cNvPicPr>
+          <p:nvPr/>
+        </p:nvPicPr>
+        <p:blipFill>
+          <a:blip r:embed="rId7"/>
+          <a:stretch>
+            <a:fillRect/>
+          </a:stretch>
+        </p:blipFill>
+        <p:spPr>
+          <a:xfrm>
+            <a:off x="1900309" y="2946109"/>
+            <a:ext cx="1801171" cy="1760741"/>
+          </a:xfrm>
+          <a:prstGeom prst="rect">
+            <a:avLst/>
+          </a:prstGeom>
+        </p:spPr>
+      </p:pic>
+      <p:pic>
+        <p:nvPicPr>
+          <p:cNvPr id="18" name="Picture 17"/>
+          <p:cNvPicPr>
+            <a:picLocks noChangeAspect="1"/>
+          </p:cNvPicPr>
+          <p:nvPr/>
+        </p:nvPicPr>
+        <p:blipFill>
+          <a:blip r:embed="rId8"/>
+          <a:stretch>
+            <a:fillRect/>
+          </a:stretch>
+        </p:blipFill>
+        <p:spPr>
+          <a:xfrm>
+            <a:off x="3701480" y="2937734"/>
+            <a:ext cx="1801169" cy="1769116"/>
+          </a:xfrm>
+          <a:prstGeom prst="rect">
+            <a:avLst/>
+          </a:prstGeom>
+        </p:spPr>
+      </p:pic>
+      <p:pic>
+        <p:nvPicPr>
+          <p:cNvPr id="20" name="Picture 19"/>
+          <p:cNvPicPr>
+            <a:picLocks noChangeAspect="1"/>
+          </p:cNvPicPr>
+          <p:nvPr/>
+        </p:nvPicPr>
+        <p:blipFill>
+          <a:blip r:embed="rId9"/>
+          <a:stretch>
+            <a:fillRect/>
+          </a:stretch>
+        </p:blipFill>
+        <p:spPr>
+          <a:xfrm>
+            <a:off x="5502648" y="2937734"/>
+            <a:ext cx="1801169" cy="1769116"/>
+          </a:xfrm>
+          <a:prstGeom prst="rect">
+            <a:avLst/>
+          </a:prstGeom>
+        </p:spPr>
+      </p:pic>
+      <p:pic>
+        <p:nvPicPr>
+          <p:cNvPr id="22" name="Picture 21"/>
+          <p:cNvPicPr>
+            <a:picLocks noChangeAspect="1"/>
+          </p:cNvPicPr>
+          <p:nvPr/>
+        </p:nvPicPr>
+        <p:blipFill>
+          <a:blip r:embed="rId10"/>
+          <a:stretch>
+            <a:fillRect/>
+          </a:stretch>
+        </p:blipFill>
+        <p:spPr>
+          <a:xfrm>
+            <a:off x="7303816" y="2937725"/>
+            <a:ext cx="1801172" cy="1769117"/>
           </a:xfrm>
           <a:prstGeom prst="rect">
             <a:avLst/>
@@ -13594,7 +12998,7 @@
       </p:grpSpPr>
       <p:sp>
         <p:nvSpPr>
-          <p:cNvPr id="4" name="Title 3"/>
+          <p:cNvPr id="2" name="Title 1"/>
           <p:cNvSpPr>
             <a:spLocks noGrp="1"/>
           </p:cNvSpPr>
@@ -13602,25 +13006,48 @@
             <p:ph type="title"/>
           </p:nvPr>
         </p:nvSpPr>
-        <p:spPr>
-          <a:xfrm>
-            <a:off x="2486891" y="202661"/>
-            <a:ext cx="5230092" cy="1065030"/>
-          </a:xfrm>
-        </p:spPr>
+        <p:spPr/>
         <p:txBody>
           <a:bodyPr/>
           <a:lstStyle/>
           <a:p>
             <a:r>
-              <a:rPr lang="en-US" dirty="0">
+              <a:rPr lang="en-IN" altLang="en-US" dirty="0">
                 <a:latin typeface="Bahnschrift SemiBold" panose="020B0502040204020203" pitchFamily="34" charset="0"/>
+                <a:sym typeface="+mn-ea"/>
               </a:rPr>
-              <a:t>Number of school Holidays</a:t>
+              <a:t>Plot of all the variables:</a:t>
             </a:r>
+            <a:endParaRPr lang="en-US" dirty="0">
+              <a:latin typeface="Bahnschrift SemiBold" panose="020B0502040204020203" pitchFamily="34" charset="0"/>
+            </a:endParaRPr>
           </a:p>
         </p:txBody>
       </p:sp>
+      <p:pic>
+        <p:nvPicPr>
+          <p:cNvPr id="4" name="Picture 3"/>
+          <p:cNvPicPr>
+            <a:picLocks noChangeAspect="1"/>
+          </p:cNvPicPr>
+          <p:nvPr/>
+        </p:nvPicPr>
+        <p:blipFill>
+          <a:blip r:embed="rId1"/>
+          <a:stretch>
+            <a:fillRect/>
+          </a:stretch>
+        </p:blipFill>
+        <p:spPr>
+          <a:xfrm>
+            <a:off x="0" y="1017725"/>
+            <a:ext cx="1856509" cy="1850166"/>
+          </a:xfrm>
+          <a:prstGeom prst="rect">
+            <a:avLst/>
+          </a:prstGeom>
+        </p:spPr>
+      </p:pic>
       <p:pic>
         <p:nvPicPr>
           <p:cNvPr id="6" name="Picture 5"/>
@@ -13637,8 +13064,200 @@
         </p:blipFill>
         <p:spPr>
           <a:xfrm>
-            <a:off x="865909" y="879764"/>
-            <a:ext cx="7002492" cy="4061075"/>
+            <a:off x="1856509" y="1017724"/>
+            <a:ext cx="1856509" cy="1850165"/>
+          </a:xfrm>
+          <a:prstGeom prst="rect">
+            <a:avLst/>
+          </a:prstGeom>
+        </p:spPr>
+      </p:pic>
+      <p:pic>
+        <p:nvPicPr>
+          <p:cNvPr id="8" name="Picture 7"/>
+          <p:cNvPicPr>
+            <a:picLocks noChangeAspect="1"/>
+          </p:cNvPicPr>
+          <p:nvPr/>
+        </p:nvPicPr>
+        <p:blipFill>
+          <a:blip r:embed="rId3"/>
+          <a:stretch>
+            <a:fillRect/>
+          </a:stretch>
+        </p:blipFill>
+        <p:spPr>
+          <a:xfrm>
+            <a:off x="3713018" y="1017725"/>
+            <a:ext cx="1856509" cy="1850164"/>
+          </a:xfrm>
+          <a:prstGeom prst="rect">
+            <a:avLst/>
+          </a:prstGeom>
+        </p:spPr>
+      </p:pic>
+      <p:pic>
+        <p:nvPicPr>
+          <p:cNvPr id="10" name="Picture 9"/>
+          <p:cNvPicPr>
+            <a:picLocks noChangeAspect="1"/>
+          </p:cNvPicPr>
+          <p:nvPr/>
+        </p:nvPicPr>
+        <p:blipFill>
+          <a:blip r:embed="rId4"/>
+          <a:stretch>
+            <a:fillRect/>
+          </a:stretch>
+        </p:blipFill>
+        <p:spPr>
+          <a:xfrm>
+            <a:off x="5569527" y="1017724"/>
+            <a:ext cx="1856509" cy="1850164"/>
+          </a:xfrm>
+          <a:prstGeom prst="rect">
+            <a:avLst/>
+          </a:prstGeom>
+        </p:spPr>
+      </p:pic>
+      <p:pic>
+        <p:nvPicPr>
+          <p:cNvPr id="12" name="Picture 11"/>
+          <p:cNvPicPr>
+            <a:picLocks noChangeAspect="1"/>
+          </p:cNvPicPr>
+          <p:nvPr/>
+        </p:nvPicPr>
+        <p:blipFill>
+          <a:blip r:embed="rId5"/>
+          <a:stretch>
+            <a:fillRect/>
+          </a:stretch>
+        </p:blipFill>
+        <p:spPr>
+          <a:xfrm>
+            <a:off x="7426036" y="1017724"/>
+            <a:ext cx="1655618" cy="1850164"/>
+          </a:xfrm>
+          <a:prstGeom prst="rect">
+            <a:avLst/>
+          </a:prstGeom>
+        </p:spPr>
+      </p:pic>
+      <p:pic>
+        <p:nvPicPr>
+          <p:cNvPr id="14" name="Picture 13"/>
+          <p:cNvPicPr>
+            <a:picLocks noChangeAspect="1"/>
+          </p:cNvPicPr>
+          <p:nvPr/>
+        </p:nvPicPr>
+        <p:blipFill>
+          <a:blip r:embed="rId6"/>
+          <a:stretch>
+            <a:fillRect/>
+          </a:stretch>
+        </p:blipFill>
+        <p:spPr>
+          <a:xfrm>
+            <a:off x="0" y="2992582"/>
+            <a:ext cx="1856509" cy="1850166"/>
+          </a:xfrm>
+          <a:prstGeom prst="rect">
+            <a:avLst/>
+          </a:prstGeom>
+        </p:spPr>
+      </p:pic>
+      <p:pic>
+        <p:nvPicPr>
+          <p:cNvPr id="16" name="Picture 15"/>
+          <p:cNvPicPr>
+            <a:picLocks noChangeAspect="1"/>
+          </p:cNvPicPr>
+          <p:nvPr/>
+        </p:nvPicPr>
+        <p:blipFill>
+          <a:blip r:embed="rId7"/>
+          <a:stretch>
+            <a:fillRect/>
+          </a:stretch>
+        </p:blipFill>
+        <p:spPr>
+          <a:xfrm>
+            <a:off x="1856510" y="2992582"/>
+            <a:ext cx="1856508" cy="1850164"/>
+          </a:xfrm>
+          <a:prstGeom prst="rect">
+            <a:avLst/>
+          </a:prstGeom>
+        </p:spPr>
+      </p:pic>
+      <p:pic>
+        <p:nvPicPr>
+          <p:cNvPr id="18" name="Picture 17"/>
+          <p:cNvPicPr>
+            <a:picLocks noChangeAspect="1"/>
+          </p:cNvPicPr>
+          <p:nvPr/>
+        </p:nvPicPr>
+        <p:blipFill>
+          <a:blip r:embed="rId8"/>
+          <a:stretch>
+            <a:fillRect/>
+          </a:stretch>
+        </p:blipFill>
+        <p:spPr>
+          <a:xfrm>
+            <a:off x="3713019" y="2992582"/>
+            <a:ext cx="1856508" cy="1850164"/>
+          </a:xfrm>
+          <a:prstGeom prst="rect">
+            <a:avLst/>
+          </a:prstGeom>
+        </p:spPr>
+      </p:pic>
+      <p:pic>
+        <p:nvPicPr>
+          <p:cNvPr id="20" name="Picture 19"/>
+          <p:cNvPicPr>
+            <a:picLocks noChangeAspect="1"/>
+          </p:cNvPicPr>
+          <p:nvPr/>
+        </p:nvPicPr>
+        <p:blipFill>
+          <a:blip r:embed="rId9"/>
+          <a:stretch>
+            <a:fillRect/>
+          </a:stretch>
+        </p:blipFill>
+        <p:spPr>
+          <a:xfrm>
+            <a:off x="5569527" y="2992582"/>
+            <a:ext cx="1856508" cy="1850164"/>
+          </a:xfrm>
+          <a:prstGeom prst="rect">
+            <a:avLst/>
+          </a:prstGeom>
+        </p:spPr>
+      </p:pic>
+      <p:pic>
+        <p:nvPicPr>
+          <p:cNvPr id="22" name="Picture 21"/>
+          <p:cNvPicPr>
+            <a:picLocks noChangeAspect="1"/>
+          </p:cNvPicPr>
+          <p:nvPr/>
+        </p:nvPicPr>
+        <p:blipFill>
+          <a:blip r:embed="rId10"/>
+          <a:stretch>
+            <a:fillRect/>
+          </a:stretch>
+        </p:blipFill>
+        <p:spPr>
+          <a:xfrm>
+            <a:off x="7426035" y="2992582"/>
+            <a:ext cx="1655619" cy="1850164"/>
           </a:xfrm>
           <a:prstGeom prst="rect">
             <a:avLst/>
@@ -13929,8 +13548,6 @@
       </a:bgFillStyleLst>
     </a:fmtScheme>
   </a:themeElements>
-  <a:objectDefaults/>
-  <a:extraClrSchemeLst/>
   <a:extLst>
     <a:ext uri="{05A4C25C-085E-4340-85A3-A5531E510DB2}">
       <thm15:themeFamily xmlns:thm15="http://schemas.microsoft.com/office/thememl/2012/main" name="Office Theme" id="{62F939B6-93AF-4DB8-9C6B-D6C7DFDC589F}" vid="{4A3C46E8-61CC-4603-A589-7422A47A8E4A}"/>
@@ -14215,8 +13832,6 @@
       </a:bgFillStyleLst>
     </a:fmtScheme>
   </a:themeElements>
-  <a:objectDefaults/>
-  <a:extraClrSchemeLst/>
   <a:extLst>
     <a:ext uri="{05A4C25C-085E-4340-85A3-A5531E510DB2}">
       <thm15:themeFamily xmlns:thm15="http://schemas.microsoft.com/office/thememl/2012/main" name="Office Theme" id="{62F939B6-93AF-4DB8-9C6B-D6C7DFDC589F}" vid="{4A3C46E8-61CC-4603-A589-7422A47A8E4A}"/>

--- a/Rossmann_Sales_Prediction_ppt.pptx
+++ b/Rossmann_Sales_Prediction_ppt.pptx
@@ -5,61 +5,70 @@
     <p:sldMasterId id="2147483648" r:id="rId1"/>
   </p:sldMasterIdLst>
   <p:notesMasterIdLst>
-    <p:notesMasterId r:id="rId4"/>
+    <p:notesMasterId r:id="rId37"/>
   </p:notesMasterIdLst>
   <p:sldIdLst>
-    <p:sldId id="256" r:id="rId3"/>
-    <p:sldId id="336" r:id="rId5"/>
-    <p:sldId id="303" r:id="rId6"/>
-    <p:sldId id="304" r:id="rId7"/>
-    <p:sldId id="276" r:id="rId8"/>
-    <p:sldId id="275" r:id="rId9"/>
-    <p:sldId id="274" r:id="rId10"/>
-    <p:sldId id="278" r:id="rId11"/>
-    <p:sldId id="279" r:id="rId12"/>
-    <p:sldId id="273" r:id="rId13"/>
-    <p:sldId id="272" r:id="rId14"/>
-    <p:sldId id="271" r:id="rId15"/>
-    <p:sldId id="270" r:id="rId16"/>
-    <p:sldId id="269" r:id="rId17"/>
-    <p:sldId id="268" r:id="rId18"/>
-    <p:sldId id="266" r:id="rId19"/>
-    <p:sldId id="264" r:id="rId20"/>
-    <p:sldId id="263" r:id="rId21"/>
-    <p:sldId id="261" r:id="rId22"/>
-    <p:sldId id="260" r:id="rId23"/>
-    <p:sldId id="258" r:id="rId24"/>
-    <p:sldId id="277" r:id="rId25"/>
-    <p:sldId id="280" r:id="rId26"/>
-    <p:sldId id="305" r:id="rId27"/>
-    <p:sldId id="281" r:id="rId28"/>
+    <p:sldId id="256" r:id="rId2"/>
+    <p:sldId id="336" r:id="rId3"/>
+    <p:sldId id="303" r:id="rId4"/>
+    <p:sldId id="304" r:id="rId5"/>
+    <p:sldId id="276" r:id="rId6"/>
+    <p:sldId id="275" r:id="rId7"/>
+    <p:sldId id="274" r:id="rId8"/>
+    <p:sldId id="278" r:id="rId9"/>
+    <p:sldId id="279" r:id="rId10"/>
+    <p:sldId id="273" r:id="rId11"/>
+    <p:sldId id="272" r:id="rId12"/>
+    <p:sldId id="271" r:id="rId13"/>
+    <p:sldId id="270" r:id="rId14"/>
+    <p:sldId id="269" r:id="rId15"/>
+    <p:sldId id="268" r:id="rId16"/>
+    <p:sldId id="266" r:id="rId17"/>
+    <p:sldId id="264" r:id="rId18"/>
+    <p:sldId id="263" r:id="rId19"/>
+    <p:sldId id="261" r:id="rId20"/>
+    <p:sldId id="260" r:id="rId21"/>
+    <p:sldId id="258" r:id="rId22"/>
+    <p:sldId id="277" r:id="rId23"/>
+    <p:sldId id="280" r:id="rId24"/>
+    <p:sldId id="305" r:id="rId25"/>
+    <p:sldId id="338" r:id="rId26"/>
+    <p:sldId id="342" r:id="rId27"/>
+    <p:sldId id="340" r:id="rId28"/>
     <p:sldId id="307" r:id="rId29"/>
     <p:sldId id="285" r:id="rId30"/>
-    <p:sldId id="306" r:id="rId31"/>
-    <p:sldId id="286" r:id="rId32"/>
-    <p:sldId id="337" r:id="rId33"/>
-    <p:sldId id="309" r:id="rId34"/>
+    <p:sldId id="343" r:id="rId31"/>
+    <p:sldId id="306" r:id="rId32"/>
+    <p:sldId id="286" r:id="rId33"/>
+    <p:sldId id="341" r:id="rId34"/>
+    <p:sldId id="337" r:id="rId35"/>
+    <p:sldId id="309" r:id="rId36"/>
   </p:sldIdLst>
   <p:sldSz cx="9144000" cy="5143500" type="screen16x9"/>
   <p:notesSz cx="6858000" cy="9144000"/>
   <p:embeddedFontLst>
     <p:embeddedFont>
-      <p:font typeface="Montserrat" panose="00000500000000000000"/>
+      <p:font typeface="Montserrat" panose="020B0604020202020204" charset="0"/>
       <p:regular r:id="rId38"/>
       <p:bold r:id="rId39"/>
-      <p:boldItalic r:id="rId40"/>
+      <p:italic r:id="rId40"/>
+      <p:boldItalic r:id="rId41"/>
     </p:embeddedFont>
     <p:embeddedFont>
-      <p:font typeface="Bahnschrift SemiBold" panose="020B0502040204020203" pitchFamily="34" charset="0"/>
-      <p:bold r:id="rId41"/>
+      <p:font typeface="Bahnschrift SemiBold" panose="020B0604020202020204" charset="0"/>
+      <p:bold r:id="rId42"/>
     </p:embeddedFont>
     <p:embeddedFont>
-      <p:font typeface="Bahnschrift Light" panose="020B0502040204020203" pitchFamily="34" charset="0"/>
-      <p:regular r:id="rId42"/>
+      <p:font typeface="Bahnschrift Light SemiCondensed" panose="020B0604020202020204" charset="0"/>
+      <p:regular r:id="rId43"/>
     </p:embeddedFont>
     <p:embeddedFont>
-      <p:font typeface="Bahnschrift Light SemiCondensed" panose="020B0502040204020203" pitchFamily="34" charset="0"/>
-      <p:regular r:id="rId43"/>
+      <p:font typeface="Mongolian Baiti" panose="03000500000000000000" pitchFamily="66" charset="0"/>
+      <p:regular r:id="rId44"/>
+    </p:embeddedFont>
+    <p:embeddedFont>
+      <p:font typeface="Bahnschrift Light" panose="020B0604020202020204" charset="0"/>
+      <p:regular r:id="rId45"/>
     </p:embeddedFont>
   </p:embeddedFontLst>
   <p:defaultTextStyle>
@@ -291,6 +300,22 @@
       </a:defRPr>
     </a:lvl9pPr>
   </p:defaultTextStyle>
+  <p:extLst>
+    <p:ext uri="{EFAFB233-063F-42B5-8137-9DF3F51BA10A}">
+      <p15:sldGuideLst xmlns:p15="http://schemas.microsoft.com/office/powerpoint/2012/main">
+        <p15:guide id="1" orient="horz" pos="1620">
+          <p15:clr>
+            <a:srgbClr val="A4A3A4"/>
+          </p15:clr>
+        </p15:guide>
+        <p15:guide id="2" pos="2880">
+          <p15:clr>
+            <a:srgbClr val="A4A3A4"/>
+          </p15:clr>
+        </p15:guide>
+      </p15:sldGuideLst>
+    </p:ext>
+  </p:extLst>
 </p:presentation>
 </file>
 
@@ -630,10 +655,17 @@
               </a:defRPr>
             </a:lvl9pPr>
           </a:lstStyle>
-          <a:p/>
+          <a:p>
+            <a:endParaRPr/>
+          </a:p>
         </p:txBody>
       </p:sp>
     </p:spTree>
+    <p:extLst>
+      <p:ext uri="{BB962C8B-B14F-4D97-AF65-F5344CB8AC3E}">
+        <p14:creationId xmlns:p14="http://schemas.microsoft.com/office/powerpoint/2010/main" val="694532875"/>
+      </p:ext>
+    </p:extLst>
   </p:cSld>
   <p:clrMap bg1="lt1" tx1="dk1" bg2="dk2" tx2="lt2" accent1="accent1" accent2="accent2" accent3="accent3" accent4="accent4" accent5="accent5" accent6="accent6" hlink="hlink" folHlink="folHlink"/>
   <p:notesStyle>
@@ -869,7 +901,7 @@
 </file>
 
 <file path=ppt/notesSlides/notesSlide1.xml><?xml version="1.0" encoding="utf-8"?>
-<p:notes xmlns:a="http://schemas.openxmlformats.org/drawingml/2006/main" xmlns:r="http://schemas.openxmlformats.org/officeDocument/2006/relationships" xmlns:p="http://schemas.openxmlformats.org/presentationml/2006/main" showMasterPhAnim="0" showMasterSp="0">
+<p:notes xmlns:a="http://schemas.openxmlformats.org/drawingml/2006/main" xmlns:r="http://schemas.openxmlformats.org/officeDocument/2006/relationships" xmlns:p="http://schemas.openxmlformats.org/presentationml/2006/main" showMasterSp="0" showMasterPhAnim="0">
   <p:cSld>
     <p:spTree>
       <p:nvGrpSpPr>
@@ -978,10 +1010,16 @@
               <a:buSzPts val="1100"/>
               <a:buNone/>
             </a:pPr>
+            <a:endParaRPr/>
           </a:p>
         </p:txBody>
       </p:sp>
     </p:spTree>
+    <p:extLst>
+      <p:ext uri="{BB962C8B-B14F-4D97-AF65-F5344CB8AC3E}">
+        <p14:creationId xmlns:p14="http://schemas.microsoft.com/office/powerpoint/2010/main" val="905155390"/>
+      </p:ext>
+    </p:extLst>
   </p:cSld>
   <p:clrMapOvr>
     <a:masterClrMapping/>
@@ -1016,7 +1054,12 @@
             <p:ph type="sldImg"/>
           </p:nvPr>
         </p:nvSpPr>
-        <p:spPr/>
+        <p:spPr>
+          <a:xfrm>
+            <a:off x="381000" y="685800"/>
+            <a:ext cx="6096000" cy="3429000"/>
+          </a:xfrm>
+        </p:spPr>
       </p:sp>
       <p:sp>
         <p:nvSpPr>
@@ -1038,6 +1081,11 @@
         </p:txBody>
       </p:sp>
     </p:spTree>
+    <p:extLst>
+      <p:ext uri="{BB962C8B-B14F-4D97-AF65-F5344CB8AC3E}">
+        <p14:creationId xmlns:p14="http://schemas.microsoft.com/office/powerpoint/2010/main" val="2680804024"/>
+      </p:ext>
+    </p:extLst>
   </p:cSld>
   <p:clrMapOvr>
     <a:masterClrMapping/>
@@ -1046,7 +1094,7 @@
 </file>
 
 <file path=ppt/slideLayouts/slideLayout1.xml><?xml version="1.0" encoding="utf-8"?>
-<p:sldLayout xmlns:a="http://schemas.openxmlformats.org/drawingml/2006/main" xmlns:r="http://schemas.openxmlformats.org/officeDocument/2006/relationships" xmlns:p="http://schemas.openxmlformats.org/presentationml/2006/main" type="title" matchingName="Title slide">
+<p:sldLayout xmlns:a="http://schemas.openxmlformats.org/drawingml/2006/main" xmlns:r="http://schemas.openxmlformats.org/officeDocument/2006/relationships" xmlns:p="http://schemas.openxmlformats.org/presentationml/2006/main" matchingName="Title slide" type="title">
   <p:cSld name="TITLE">
     <p:spTree>
       <p:nvGrpSpPr>
@@ -1217,7 +1265,9 @@
               <a:defRPr sz="5200"/>
             </a:lvl9pPr>
           </a:lstStyle>
-          <a:p/>
+          <a:p>
+            <a:endParaRPr/>
+          </a:p>
         </p:txBody>
       </p:sp>
       <p:sp>
@@ -1375,7 +1425,9 @@
               <a:defRPr sz="2800"/>
             </a:lvl9pPr>
           </a:lstStyle>
-          <a:p/>
+          <a:p>
+            <a:endParaRPr/>
+          </a:p>
         </p:txBody>
       </p:sp>
       <p:sp>
@@ -1653,6 +1705,7 @@
             </a:pPr>
             <a:fld id="{00000000-1234-1234-1234-123412341234}" type="slidenum">
               <a:rPr lang="en-GB"/>
+              <a:t>‹#›</a:t>
             </a:fld>
             <a:endParaRPr lang="en-GB"/>
           </a:p>
@@ -2000,7 +2053,9 @@
               <a:defRPr/>
             </a:lvl9pPr>
           </a:lstStyle>
-          <a:p/>
+          <a:p>
+            <a:endParaRPr/>
+          </a:p>
         </p:txBody>
       </p:sp>
       <p:sp>
@@ -2278,6 +2333,7 @@
             </a:pPr>
             <a:fld id="{00000000-1234-1234-1234-123412341234}" type="slidenum">
               <a:rPr lang="en-GB"/>
+              <a:t>‹#›</a:t>
             </a:fld>
             <a:endParaRPr lang="en-GB"/>
           </a:p>
@@ -2292,7 +2348,7 @@
 </file>
 
 <file path=ppt/slideLayouts/slideLayout11.xml><?xml version="1.0" encoding="utf-8"?>
-<p:sldLayout xmlns:a="http://schemas.openxmlformats.org/drawingml/2006/main" xmlns:r="http://schemas.openxmlformats.org/officeDocument/2006/relationships" xmlns:p="http://schemas.openxmlformats.org/presentationml/2006/main" type="blank" matchingName="Blank">
+<p:sldLayout xmlns:a="http://schemas.openxmlformats.org/drawingml/2006/main" xmlns:r="http://schemas.openxmlformats.org/officeDocument/2006/relationships" xmlns:p="http://schemas.openxmlformats.org/presentationml/2006/main" matchingName="Blank" type="blank">
   <p:cSld name="BLANK">
     <p:spTree>
       <p:nvGrpSpPr>
@@ -2583,6 +2639,7 @@
             </a:pPr>
             <a:fld id="{00000000-1234-1234-1234-123412341234}" type="slidenum">
               <a:rPr lang="en-GB"/>
+              <a:t>‹#›</a:t>
             </a:fld>
             <a:endParaRPr lang="en-GB"/>
           </a:p>
@@ -2597,7 +2654,7 @@
 </file>
 
 <file path=ppt/slideLayouts/slideLayout2.xml><?xml version="1.0" encoding="utf-8"?>
-<p:sldLayout xmlns:a="http://schemas.openxmlformats.org/drawingml/2006/main" xmlns:r="http://schemas.openxmlformats.org/officeDocument/2006/relationships" xmlns:p="http://schemas.openxmlformats.org/presentationml/2006/main" type="tx" matchingName="Title and body">
+<p:sldLayout xmlns:a="http://schemas.openxmlformats.org/drawingml/2006/main" xmlns:r="http://schemas.openxmlformats.org/officeDocument/2006/relationships" xmlns:p="http://schemas.openxmlformats.org/presentationml/2006/main" matchingName="Title and body" type="tx">
   <p:cSld name="TITLE_AND_BODY">
     <p:spTree>
       <p:nvGrpSpPr>
@@ -2768,7 +2825,9 @@
               <a:defRPr/>
             </a:lvl9pPr>
           </a:lstStyle>
-          <a:p/>
+          <a:p>
+            <a:endParaRPr/>
+          </a:p>
         </p:txBody>
       </p:sp>
       <p:sp>
@@ -2926,7 +2985,9 @@
               <a:defRPr/>
             </a:lvl9pPr>
           </a:lstStyle>
-          <a:p/>
+          <a:p>
+            <a:endParaRPr/>
+          </a:p>
         </p:txBody>
       </p:sp>
       <p:sp>
@@ -3204,6 +3265,7 @@
             </a:pPr>
             <a:fld id="{00000000-1234-1234-1234-123412341234}" type="slidenum">
               <a:rPr lang="en-GB"/>
+              <a:t>‹#›</a:t>
             </a:fld>
             <a:endParaRPr lang="en-GB"/>
           </a:p>
@@ -3218,7 +3280,7 @@
 </file>
 
 <file path=ppt/slideLayouts/slideLayout3.xml><?xml version="1.0" encoding="utf-8"?>
-<p:sldLayout xmlns:a="http://schemas.openxmlformats.org/drawingml/2006/main" xmlns:r="http://schemas.openxmlformats.org/officeDocument/2006/relationships" xmlns:p="http://schemas.openxmlformats.org/presentationml/2006/main" type="secHead" matchingName="Section header">
+<p:sldLayout xmlns:a="http://schemas.openxmlformats.org/drawingml/2006/main" xmlns:r="http://schemas.openxmlformats.org/officeDocument/2006/relationships" xmlns:p="http://schemas.openxmlformats.org/presentationml/2006/main" matchingName="Section header" type="secHead">
   <p:cSld name="SECTION_HEADER">
     <p:spTree>
       <p:nvGrpSpPr>
@@ -3389,7 +3451,9 @@
               <a:defRPr sz="3600"/>
             </a:lvl9pPr>
           </a:lstStyle>
-          <a:p/>
+          <a:p>
+            <a:endParaRPr/>
+          </a:p>
         </p:txBody>
       </p:sp>
       <p:sp>
@@ -3667,6 +3731,7 @@
             </a:pPr>
             <a:fld id="{00000000-1234-1234-1234-123412341234}" type="slidenum">
               <a:rPr lang="en-GB"/>
+              <a:t>‹#›</a:t>
             </a:fld>
             <a:endParaRPr lang="en-GB"/>
           </a:p>
@@ -3681,7 +3746,7 @@
 </file>
 
 <file path=ppt/slideLayouts/slideLayout4.xml><?xml version="1.0" encoding="utf-8"?>
-<p:sldLayout xmlns:a="http://schemas.openxmlformats.org/drawingml/2006/main" xmlns:r="http://schemas.openxmlformats.org/officeDocument/2006/relationships" xmlns:p="http://schemas.openxmlformats.org/presentationml/2006/main" type="twoColTx" matchingName="Title and two columns">
+<p:sldLayout xmlns:a="http://schemas.openxmlformats.org/drawingml/2006/main" xmlns:r="http://schemas.openxmlformats.org/officeDocument/2006/relationships" xmlns:p="http://schemas.openxmlformats.org/presentationml/2006/main" matchingName="Title and two columns" type="twoColTx">
   <p:cSld name="TITLE_AND_TWO_COLUMNS">
     <p:spTree>
       <p:nvGrpSpPr>
@@ -3852,7 +3917,9 @@
               <a:defRPr/>
             </a:lvl9pPr>
           </a:lstStyle>
-          <a:p/>
+          <a:p>
+            <a:endParaRPr/>
+          </a:p>
         </p:txBody>
       </p:sp>
       <p:sp>
@@ -4010,7 +4077,9 @@
               <a:defRPr sz="1200"/>
             </a:lvl9pPr>
           </a:lstStyle>
-          <a:p/>
+          <a:p>
+            <a:endParaRPr/>
+          </a:p>
         </p:txBody>
       </p:sp>
       <p:sp>
@@ -4168,7 +4237,9 @@
               <a:defRPr sz="1200"/>
             </a:lvl9pPr>
           </a:lstStyle>
-          <a:p/>
+          <a:p>
+            <a:endParaRPr/>
+          </a:p>
         </p:txBody>
       </p:sp>
       <p:sp>
@@ -4446,6 +4517,7 @@
             </a:pPr>
             <a:fld id="{00000000-1234-1234-1234-123412341234}" type="slidenum">
               <a:rPr lang="en-GB"/>
+              <a:t>‹#›</a:t>
             </a:fld>
             <a:endParaRPr lang="en-GB"/>
           </a:p>
@@ -4460,7 +4532,7 @@
 </file>
 
 <file path=ppt/slideLayouts/slideLayout5.xml><?xml version="1.0" encoding="utf-8"?>
-<p:sldLayout xmlns:a="http://schemas.openxmlformats.org/drawingml/2006/main" xmlns:r="http://schemas.openxmlformats.org/officeDocument/2006/relationships" xmlns:p="http://schemas.openxmlformats.org/presentationml/2006/main" type="titleOnly" matchingName="Title only">
+<p:sldLayout xmlns:a="http://schemas.openxmlformats.org/drawingml/2006/main" xmlns:r="http://schemas.openxmlformats.org/officeDocument/2006/relationships" xmlns:p="http://schemas.openxmlformats.org/presentationml/2006/main" matchingName="Title only" type="titleOnly">
   <p:cSld name="TITLE_ONLY">
     <p:spTree>
       <p:nvGrpSpPr>
@@ -4631,7 +4703,9 @@
               <a:defRPr/>
             </a:lvl9pPr>
           </a:lstStyle>
-          <a:p/>
+          <a:p>
+            <a:endParaRPr/>
+          </a:p>
         </p:txBody>
       </p:sp>
       <p:sp>
@@ -4909,6 +4983,7 @@
             </a:pPr>
             <a:fld id="{00000000-1234-1234-1234-123412341234}" type="slidenum">
               <a:rPr lang="en-GB"/>
+              <a:t>‹#›</a:t>
             </a:fld>
             <a:endParaRPr lang="en-GB"/>
           </a:p>
@@ -5094,7 +5169,9 @@
               <a:defRPr sz="2400"/>
             </a:lvl9pPr>
           </a:lstStyle>
-          <a:p/>
+          <a:p>
+            <a:endParaRPr/>
+          </a:p>
         </p:txBody>
       </p:sp>
       <p:sp>
@@ -5252,7 +5329,9 @@
               <a:defRPr sz="1200"/>
             </a:lvl9pPr>
           </a:lstStyle>
-          <a:p/>
+          <a:p>
+            <a:endParaRPr/>
+          </a:p>
         </p:txBody>
       </p:sp>
       <p:sp>
@@ -5530,6 +5609,7 @@
             </a:pPr>
             <a:fld id="{00000000-1234-1234-1234-123412341234}" type="slidenum">
               <a:rPr lang="en-GB"/>
+              <a:t>‹#›</a:t>
             </a:fld>
             <a:endParaRPr lang="en-GB"/>
           </a:p>
@@ -5715,7 +5795,9 @@
               <a:defRPr sz="4800"/>
             </a:lvl9pPr>
           </a:lstStyle>
-          <a:p/>
+          <a:p>
+            <a:endParaRPr/>
+          </a:p>
         </p:txBody>
       </p:sp>
       <p:sp>
@@ -5993,6 +6075,7 @@
             </a:pPr>
             <a:fld id="{00000000-1234-1234-1234-123412341234}" type="slidenum">
               <a:rPr lang="en-GB"/>
+              <a:t>‹#›</a:t>
             </a:fld>
             <a:endParaRPr lang="en-GB"/>
           </a:p>
@@ -6234,7 +6317,9 @@
               <a:defRPr sz="4200"/>
             </a:lvl9pPr>
           </a:lstStyle>
-          <a:p/>
+          <a:p>
+            <a:endParaRPr/>
+          </a:p>
         </p:txBody>
       </p:sp>
       <p:sp>
@@ -6392,7 +6477,9 @@
               <a:defRPr sz="2100"/>
             </a:lvl9pPr>
           </a:lstStyle>
-          <a:p/>
+          <a:p>
+            <a:endParaRPr/>
+          </a:p>
         </p:txBody>
       </p:sp>
       <p:sp>
@@ -6550,7 +6637,9 @@
               <a:defRPr/>
             </a:lvl9pPr>
           </a:lstStyle>
-          <a:p/>
+          <a:p>
+            <a:endParaRPr/>
+          </a:p>
         </p:txBody>
       </p:sp>
       <p:sp>
@@ -6828,6 +6917,7 @@
             </a:pPr>
             <a:fld id="{00000000-1234-1234-1234-123412341234}" type="slidenum">
               <a:rPr lang="en-GB"/>
+              <a:t>‹#›</a:t>
             </a:fld>
             <a:endParaRPr lang="en-GB"/>
           </a:p>
@@ -6901,7 +6991,9 @@
               <a:defRPr/>
             </a:lvl1pPr>
           </a:lstStyle>
-          <a:p/>
+          <a:p>
+            <a:endParaRPr/>
+          </a:p>
         </p:txBody>
       </p:sp>
       <p:sp>
@@ -7179,6 +7271,7 @@
             </a:pPr>
             <a:fld id="{00000000-1234-1234-1234-123412341234}" type="slidenum">
               <a:rPr lang="en-GB"/>
+              <a:t>‹#›</a:t>
             </a:fld>
             <a:endParaRPr lang="en-GB"/>
           </a:p>
@@ -7480,7 +7573,9 @@
               </a:defRPr>
             </a:lvl9pPr>
           </a:lstStyle>
-          <a:p/>
+          <a:p>
+            <a:endParaRPr/>
+          </a:p>
         </p:txBody>
       </p:sp>
       <p:sp>
@@ -7746,7 +7841,9 @@
               </a:defRPr>
             </a:lvl9pPr>
           </a:lstStyle>
-          <a:p/>
+          <a:p>
+            <a:endParaRPr/>
+          </a:p>
         </p:txBody>
       </p:sp>
       <p:sp>
@@ -8024,6 +8121,7 @@
             </a:pPr>
             <a:fld id="{00000000-1234-1234-1234-123412341234}" type="slidenum">
               <a:rPr lang="en-GB"/>
+              <a:t>‹#›</a:t>
             </a:fld>
             <a:endParaRPr lang="en-GB"/>
           </a:p>
@@ -8036,7 +8134,7 @@
           <p:nvPr/>
         </p:nvPicPr>
         <p:blipFill rotWithShape="1">
-          <a:blip r:embed="rId12"/>
+          <a:blip r:embed="rId13"/>
           <a:srcRect/>
           <a:stretch>
             <a:fillRect/>
@@ -8935,7 +9033,7 @@
           <p:nvPr/>
         </p:nvPicPr>
         <p:blipFill>
-          <a:blip r:embed="rId1">
+          <a:blip r:embed="rId3">
             <a:extLst>
               <a:ext uri="{28A0092B-C50C-407E-A947-70E740481C1C}">
                 <a14:useLocalDpi xmlns:a14="http://schemas.microsoft.com/office/drawing/2010/main" val="0"/>
@@ -9007,9 +9105,6 @@
               </a:rPr>
               <a:t>Numbers of stores open on a given Dates</a:t>
             </a:r>
-            <a:endParaRPr lang="en-US" dirty="0">
-              <a:latin typeface="Bahnschrift SemiBold" panose="020B0502040204020203" pitchFamily="34" charset="0"/>
-            </a:endParaRPr>
           </a:p>
         </p:txBody>
       </p:sp>
@@ -9022,7 +9117,7 @@
           <p:nvPr/>
         </p:nvPicPr>
         <p:blipFill>
-          <a:blip r:embed="rId1"/>
+          <a:blip r:embed="rId2"/>
           <a:stretch>
             <a:fillRect/>
           </a:stretch>
@@ -9088,9 +9183,6 @@
               </a:rPr>
               <a:t>Number of stores running promo on given Dates</a:t>
             </a:r>
-            <a:endParaRPr lang="en-US" dirty="0">
-              <a:latin typeface="Bahnschrift SemiBold" panose="020B0502040204020203" pitchFamily="34" charset="0"/>
-            </a:endParaRPr>
           </a:p>
         </p:txBody>
       </p:sp>
@@ -9103,7 +9195,7 @@
           <p:nvPr/>
         </p:nvPicPr>
         <p:blipFill>
-          <a:blip r:embed="rId1"/>
+          <a:blip r:embed="rId2"/>
           <a:stretch>
             <a:fillRect/>
           </a:stretch>
@@ -9169,9 +9261,6 @@
               </a:rPr>
               <a:t>Number of school Holidays</a:t>
             </a:r>
-            <a:endParaRPr lang="en-US" dirty="0">
-              <a:latin typeface="Bahnschrift SemiBold" panose="020B0502040204020203" pitchFamily="34" charset="0"/>
-            </a:endParaRPr>
           </a:p>
         </p:txBody>
       </p:sp>
@@ -9184,7 +9273,7 @@
           <p:nvPr/>
         </p:nvPicPr>
         <p:blipFill>
-          <a:blip r:embed="rId1"/>
+          <a:blip r:embed="rId2"/>
           <a:stretch>
             <a:fillRect/>
           </a:stretch>
@@ -9250,9 +9339,6 @@
               </a:rPr>
               <a:t>Number of Holidays celebrated by stores</a:t>
             </a:r>
-            <a:endParaRPr lang="en-US" dirty="0">
-              <a:latin typeface="Bahnschrift SemiBold" panose="020B0502040204020203" pitchFamily="34" charset="0"/>
-            </a:endParaRPr>
           </a:p>
         </p:txBody>
       </p:sp>
@@ -9265,7 +9351,7 @@
           <p:nvPr/>
         </p:nvPicPr>
         <p:blipFill>
-          <a:blip r:embed="rId1"/>
+          <a:blip r:embed="rId2"/>
           <a:stretch>
             <a:fillRect/>
           </a:stretch>
@@ -9331,9 +9417,6 @@
               </a:rPr>
               <a:t>Number of store data given by Date</a:t>
             </a:r>
-            <a:endParaRPr lang="en-US" dirty="0">
-              <a:latin typeface="Bahnschrift SemiBold" panose="020B0502040204020203" pitchFamily="34" charset="0"/>
-            </a:endParaRPr>
           </a:p>
         </p:txBody>
       </p:sp>
@@ -9346,7 +9429,7 @@
           <p:nvPr/>
         </p:nvPicPr>
         <p:blipFill>
-          <a:blip r:embed="rId1"/>
+          <a:blip r:embed="rId2"/>
           <a:stretch>
             <a:fillRect/>
           </a:stretch>
@@ -9412,9 +9495,6 @@
               </a:rPr>
               <a:t>Number of stores open on Holidays</a:t>
             </a:r>
-            <a:endParaRPr lang="en-US" dirty="0">
-              <a:latin typeface="Bahnschrift SemiBold" panose="020B0502040204020203" pitchFamily="34" charset="0"/>
-            </a:endParaRPr>
           </a:p>
         </p:txBody>
       </p:sp>
@@ -9427,7 +9507,7 @@
           <p:nvPr/>
         </p:nvPicPr>
         <p:blipFill>
-          <a:blip r:embed="rId1"/>
+          <a:blip r:embed="rId2"/>
           <a:stretch>
             <a:fillRect/>
           </a:stretch>
@@ -9493,9 +9573,6 @@
               </a:rPr>
               <a:t>After removing the skewness</a:t>
             </a:r>
-            <a:endParaRPr lang="en-US" dirty="0">
-              <a:latin typeface="Bahnschrift SemiBold" panose="020B0502040204020203" pitchFamily="34" charset="0"/>
-            </a:endParaRPr>
           </a:p>
         </p:txBody>
       </p:sp>
@@ -9508,7 +9585,7 @@
           <p:nvPr/>
         </p:nvPicPr>
         <p:blipFill>
-          <a:blip r:embed="rId1"/>
+          <a:blip r:embed="rId2"/>
           <a:stretch>
             <a:fillRect/>
           </a:stretch>
@@ -9574,9 +9651,6 @@
               </a:rPr>
               <a:t>	Correlation matrix of Rossmann’s Dataset</a:t>
             </a:r>
-            <a:endParaRPr lang="en-IN" altLang="en-US" dirty="0">
-              <a:latin typeface="Bahnschrift SemiBold" panose="020B0502040204020203" pitchFamily="34" charset="0"/>
-            </a:endParaRPr>
           </a:p>
         </p:txBody>
       </p:sp>
@@ -9589,7 +9663,7 @@
           <p:nvPr/>
         </p:nvPicPr>
         <p:blipFill>
-          <a:blip r:embed="rId1"/>
+          <a:blip r:embed="rId2"/>
           <a:stretch>
             <a:fillRect/>
           </a:stretch>
@@ -9655,9 +9729,6 @@
               </a:rPr>
               <a:t>	Correlation after merging the two dataset</a:t>
             </a:r>
-            <a:endParaRPr lang="en-IN" altLang="en-US" dirty="0">
-              <a:latin typeface="Bahnschrift SemiBold" panose="020B0502040204020203" pitchFamily="34" charset="0"/>
-            </a:endParaRPr>
           </a:p>
         </p:txBody>
       </p:sp>
@@ -9670,7 +9741,7 @@
           <p:nvPr/>
         </p:nvPicPr>
         <p:blipFill>
-          <a:blip r:embed="rId1"/>
+          <a:blip r:embed="rId3"/>
           <a:stretch>
             <a:fillRect/>
           </a:stretch>
@@ -9744,9 +9815,6 @@
               </a:rPr>
               <a:t>:</a:t>
             </a:r>
-            <a:endParaRPr lang="en-IN" altLang="en-US" dirty="0">
-              <a:latin typeface="Bahnschrift SemiBold" panose="020B0502040204020203" pitchFamily="34" charset="0"/>
-            </a:endParaRPr>
           </a:p>
         </p:txBody>
       </p:sp>
@@ -9759,7 +9827,7 @@
           <p:nvPr/>
         </p:nvPicPr>
         <p:blipFill>
-          <a:blip r:embed="rId1"/>
+          <a:blip r:embed="rId2"/>
           <a:stretch>
             <a:fillRect/>
           </a:stretch>
@@ -9791,29 +9859,14 @@
         <p:cNvGrpSpPr/>
         <p:nvPr/>
       </p:nvGrpSpPr>
-      <p:grpSpPr/>
-      <p:sp>
-        <p:nvSpPr>
-          <p:cNvPr id="2" name="Title 1"/>
-          <p:cNvSpPr>
-            <a:spLocks noGrp="1"/>
-          </p:cNvSpPr>
-          <p:nvPr>
-            <p:ph type="title"/>
-          </p:nvPr>
-        </p:nvSpPr>
-        <p:spPr/>
-        <p:txBody>
-          <a:bodyPr/>
-          <a:p>
-            <a:r>
-              <a:rPr lang="en-IN" altLang="en-US"/>
-              <a:t>Name</a:t>
-            </a:r>
-            <a:endParaRPr lang="en-IN" altLang="en-US"/>
-          </a:p>
-        </p:txBody>
-      </p:sp>
+      <p:grpSpPr>
+        <a:xfrm>
+          <a:off x="0" y="0"/>
+          <a:ext cx="0" cy="0"/>
+          <a:chOff x="0" y="0"/>
+          <a:chExt cx="0" cy="0"/>
+        </a:xfrm>
+      </p:grpSpPr>
       <p:sp>
         <p:nvSpPr>
           <p:cNvPr id="3" name="Text Placeholder 2"/>
@@ -9821,17 +9874,277 @@
             <a:spLocks noGrp="1"/>
           </p:cNvSpPr>
           <p:nvPr>
-            <p:ph type="body" idx="1"/>
+            <p:ph type="body" idx="4294967295"/>
           </p:nvPr>
         </p:nvSpPr>
-        <p:spPr/>
+        <p:spPr>
+          <a:xfrm>
+            <a:off x="0" y="1152525"/>
+            <a:ext cx="8521700" cy="3416300"/>
+          </a:xfrm>
+        </p:spPr>
         <p:txBody>
           <a:bodyPr/>
+          <a:lstStyle/>
           <a:p>
-            <a:endParaRPr lang="en-US"/>
+            <a:r>
+              <a:rPr lang="en-US" sz="2400" b="1" dirty="0">
+                <a:solidFill>
+                  <a:schemeClr val="tx1"/>
+                </a:solidFill>
+                <a:latin typeface="Bahnschrift SemiBold" panose="020B0502040204020203" pitchFamily="34" charset="0"/>
+                <a:cs typeface="Mongolian Baiti" panose="03000500000000000000" pitchFamily="66" charset="0"/>
+              </a:rPr>
+              <a:t/>
+            </a:r>
+            <a:br>
+              <a:rPr lang="en-US" sz="2400" b="1" dirty="0">
+                <a:solidFill>
+                  <a:schemeClr val="tx1"/>
+                </a:solidFill>
+                <a:latin typeface="Bahnschrift SemiBold" panose="020B0502040204020203" pitchFamily="34" charset="0"/>
+                <a:cs typeface="Mongolian Baiti" panose="03000500000000000000" pitchFamily="66" charset="0"/>
+              </a:rPr>
+            </a:br>
+            <a:r>
+              <a:rPr lang="en-US" sz="2400" b="1" dirty="0">
+                <a:solidFill>
+                  <a:schemeClr val="tx1"/>
+                </a:solidFill>
+                <a:latin typeface="Bahnschrift SemiBold" panose="020B0502040204020203" pitchFamily="34" charset="0"/>
+                <a:cs typeface="Mongolian Baiti" panose="03000500000000000000" pitchFamily="66" charset="0"/>
+              </a:rPr>
+              <a:t>Team Consists of:</a:t>
+            </a:r>
+            <a:r>
+              <a:rPr lang="en-US" sz="2400" b="1" dirty="0">
+                <a:solidFill>
+                  <a:schemeClr val="tx1"/>
+                </a:solidFill>
+                <a:latin typeface="Mongolian Baiti" panose="03000500000000000000" pitchFamily="66" charset="0"/>
+                <a:cs typeface="Mongolian Baiti" panose="03000500000000000000" pitchFamily="66" charset="0"/>
+              </a:rPr>
+              <a:t/>
+            </a:r>
+            <a:br>
+              <a:rPr lang="en-US" sz="2400" b="1" dirty="0">
+                <a:solidFill>
+                  <a:schemeClr val="tx1"/>
+                </a:solidFill>
+                <a:latin typeface="Mongolian Baiti" panose="03000500000000000000" pitchFamily="66" charset="0"/>
+                <a:cs typeface="Mongolian Baiti" panose="03000500000000000000" pitchFamily="66" charset="0"/>
+              </a:rPr>
+            </a:br>
+            <a:r>
+              <a:rPr lang="en-US" sz="2400" b="1" dirty="0">
+                <a:solidFill>
+                  <a:schemeClr val="tx1"/>
+                </a:solidFill>
+                <a:latin typeface="Bahnschrift SemiBold" panose="020B0502040204020203" pitchFamily="34" charset="0"/>
+                <a:cs typeface="Mongolian Baiti" panose="03000500000000000000" pitchFamily="66" charset="0"/>
+              </a:rPr>
+              <a:t>1. Ameen Attar</a:t>
+            </a:r>
+            <a:br>
+              <a:rPr lang="en-US" sz="2400" b="1" dirty="0">
+                <a:solidFill>
+                  <a:schemeClr val="tx1"/>
+                </a:solidFill>
+                <a:latin typeface="Bahnschrift SemiBold" panose="020B0502040204020203" pitchFamily="34" charset="0"/>
+                <a:cs typeface="Mongolian Baiti" panose="03000500000000000000" pitchFamily="66" charset="0"/>
+              </a:rPr>
+            </a:br>
+            <a:r>
+              <a:rPr lang="en-US" sz="2400" b="1" dirty="0">
+                <a:solidFill>
+                  <a:schemeClr val="tx1"/>
+                </a:solidFill>
+                <a:latin typeface="Bahnschrift SemiBold" panose="020B0502040204020203" pitchFamily="34" charset="0"/>
+                <a:cs typeface="Mongolian Baiti" panose="03000500000000000000" pitchFamily="66" charset="0"/>
+              </a:rPr>
+              <a:t>2. </a:t>
+            </a:r>
+            <a:r>
+              <a:rPr lang="en-US" sz="2400" b="1" dirty="0" err="1">
+                <a:solidFill>
+                  <a:schemeClr val="tx1"/>
+                </a:solidFill>
+                <a:latin typeface="Bahnschrift SemiBold" panose="020B0502040204020203" pitchFamily="34" charset="0"/>
+                <a:cs typeface="Mongolian Baiti" panose="03000500000000000000" pitchFamily="66" charset="0"/>
+              </a:rPr>
+              <a:t>Pradip</a:t>
+            </a:r>
+            <a:r>
+              <a:rPr lang="en-US" sz="2400" b="1" dirty="0">
+                <a:solidFill>
+                  <a:schemeClr val="tx1"/>
+                </a:solidFill>
+                <a:latin typeface="Bahnschrift SemiBold" panose="020B0502040204020203" pitchFamily="34" charset="0"/>
+                <a:cs typeface="Mongolian Baiti" panose="03000500000000000000" pitchFamily="66" charset="0"/>
+              </a:rPr>
+              <a:t> Solanki</a:t>
+            </a:r>
+            <a:br>
+              <a:rPr lang="en-US" sz="2400" b="1" dirty="0">
+                <a:solidFill>
+                  <a:schemeClr val="tx1"/>
+                </a:solidFill>
+                <a:latin typeface="Bahnschrift SemiBold" panose="020B0502040204020203" pitchFamily="34" charset="0"/>
+                <a:cs typeface="Mongolian Baiti" panose="03000500000000000000" pitchFamily="66" charset="0"/>
+              </a:rPr>
+            </a:br>
+            <a:r>
+              <a:rPr lang="en-US" sz="2400" b="1" dirty="0">
+                <a:solidFill>
+                  <a:schemeClr val="tx1"/>
+                </a:solidFill>
+                <a:latin typeface="Bahnschrift SemiBold" panose="020B0502040204020203" pitchFamily="34" charset="0"/>
+                <a:cs typeface="Mongolian Baiti" panose="03000500000000000000" pitchFamily="66" charset="0"/>
+              </a:rPr>
+              <a:t>3. </a:t>
+            </a:r>
+            <a:r>
+              <a:rPr lang="en-US" sz="2400" b="1" dirty="0" err="1">
+                <a:solidFill>
+                  <a:schemeClr val="tx1"/>
+                </a:solidFill>
+                <a:latin typeface="Bahnschrift SemiBold" panose="020B0502040204020203" pitchFamily="34" charset="0"/>
+                <a:cs typeface="Mongolian Baiti" panose="03000500000000000000" pitchFamily="66" charset="0"/>
+              </a:rPr>
+              <a:t>Hrithik</a:t>
+            </a:r>
+            <a:r>
+              <a:rPr lang="en-US" sz="2400" b="1" dirty="0">
+                <a:solidFill>
+                  <a:schemeClr val="tx1"/>
+                </a:solidFill>
+                <a:latin typeface="Bahnschrift SemiBold" panose="020B0502040204020203" pitchFamily="34" charset="0"/>
+                <a:cs typeface="Mongolian Baiti" panose="03000500000000000000" pitchFamily="66" charset="0"/>
+              </a:rPr>
+              <a:t> </a:t>
+            </a:r>
+            <a:r>
+              <a:rPr lang="en-US" sz="2400" b="1" dirty="0" err="1">
+                <a:solidFill>
+                  <a:schemeClr val="tx1"/>
+                </a:solidFill>
+                <a:latin typeface="Bahnschrift SemiBold" panose="020B0502040204020203" pitchFamily="34" charset="0"/>
+                <a:cs typeface="Mongolian Baiti" panose="03000500000000000000" pitchFamily="66" charset="0"/>
+              </a:rPr>
+              <a:t>Chourasia</a:t>
+            </a:r>
+            <a:r>
+              <a:rPr lang="en-US" sz="2400" b="1" dirty="0">
+                <a:solidFill>
+                  <a:schemeClr val="tx1"/>
+                </a:solidFill>
+                <a:latin typeface="Bahnschrift SemiBold" panose="020B0502040204020203" pitchFamily="34" charset="0"/>
+                <a:cs typeface="Mongolian Baiti" panose="03000500000000000000" pitchFamily="66" charset="0"/>
+              </a:rPr>
+              <a:t/>
+            </a:r>
+            <a:br>
+              <a:rPr lang="en-US" sz="2400" b="1" dirty="0">
+                <a:solidFill>
+                  <a:schemeClr val="tx1"/>
+                </a:solidFill>
+                <a:latin typeface="Bahnschrift SemiBold" panose="020B0502040204020203" pitchFamily="34" charset="0"/>
+                <a:cs typeface="Mongolian Baiti" panose="03000500000000000000" pitchFamily="66" charset="0"/>
+              </a:rPr>
+            </a:br>
+            <a:r>
+              <a:rPr lang="en-US" sz="2400" b="1" dirty="0">
+                <a:solidFill>
+                  <a:schemeClr val="tx1"/>
+                </a:solidFill>
+                <a:latin typeface="Bahnschrift SemiBold" panose="020B0502040204020203" pitchFamily="34" charset="0"/>
+                <a:cs typeface="Mongolian Baiti" panose="03000500000000000000" pitchFamily="66" charset="0"/>
+              </a:rPr>
+              <a:t>4. </a:t>
+            </a:r>
+            <a:r>
+              <a:rPr lang="en-US" sz="2400" b="1" dirty="0" err="1">
+                <a:solidFill>
+                  <a:schemeClr val="tx1"/>
+                </a:solidFill>
+                <a:latin typeface="Bahnschrift SemiBold" panose="020B0502040204020203" pitchFamily="34" charset="0"/>
+                <a:cs typeface="Mongolian Baiti" panose="03000500000000000000" pitchFamily="66" charset="0"/>
+              </a:rPr>
+              <a:t>Vridhi</a:t>
+            </a:r>
+            <a:r>
+              <a:rPr lang="en-US" sz="2400" b="1" dirty="0">
+                <a:solidFill>
+                  <a:schemeClr val="tx1"/>
+                </a:solidFill>
+                <a:latin typeface="Bahnschrift SemiBold" panose="020B0502040204020203" pitchFamily="34" charset="0"/>
+                <a:cs typeface="Mongolian Baiti" panose="03000500000000000000" pitchFamily="66" charset="0"/>
+              </a:rPr>
+              <a:t> </a:t>
+            </a:r>
+            <a:r>
+              <a:rPr lang="en-US" sz="2400" b="1" dirty="0" err="1">
+                <a:solidFill>
+                  <a:schemeClr val="tx1"/>
+                </a:solidFill>
+                <a:latin typeface="Bahnschrift SemiBold" panose="020B0502040204020203" pitchFamily="34" charset="0"/>
+                <a:cs typeface="Mongolian Baiti" panose="03000500000000000000" pitchFamily="66" charset="0"/>
+              </a:rPr>
+              <a:t>Parmar</a:t>
+            </a:r>
+            <a:r>
+              <a:rPr lang="en-US" sz="2400" dirty="0">
+                <a:solidFill>
+                  <a:schemeClr val="tx1"/>
+                </a:solidFill>
+              </a:rPr>
+              <a:t/>
+            </a:r>
+            <a:br>
+              <a:rPr lang="en-US" sz="2400" dirty="0">
+                <a:solidFill>
+                  <a:schemeClr val="tx1"/>
+                </a:solidFill>
+              </a:rPr>
+            </a:br>
+            <a:endParaRPr lang="en-US" sz="2400" dirty="0">
+              <a:solidFill>
+                <a:schemeClr val="tx1"/>
+              </a:solidFill>
+            </a:endParaRPr>
           </a:p>
         </p:txBody>
       </p:sp>
+      <p:pic>
+        <p:nvPicPr>
+          <p:cNvPr id="6" name="Picture 5"/>
+          <p:cNvPicPr>
+            <a:picLocks noChangeAspect="1"/>
+          </p:cNvPicPr>
+          <p:nvPr/>
+        </p:nvPicPr>
+        <p:blipFill>
+          <a:blip r:embed="rId2">
+            <a:extLst>
+              <a:ext uri="{28A0092B-C50C-407E-A947-70E740481C1C}">
+                <a14:useLocalDpi xmlns:a14="http://schemas.microsoft.com/office/drawing/2010/main" val="0"/>
+              </a:ext>
+            </a:extLst>
+          </a:blip>
+          <a:stretch>
+            <a:fillRect/>
+          </a:stretch>
+        </p:blipFill>
+        <p:spPr>
+          <a:xfrm>
+            <a:off x="7109716" y="3253056"/>
+            <a:ext cx="1890444" cy="1890444"/>
+          </a:xfrm>
+          <a:prstGeom prst="rect">
+            <a:avLst/>
+          </a:prstGeom>
+        </p:spPr>
+      </p:pic>
     </p:spTree>
   </p:cSld>
   <p:clrMapOvr>
@@ -9894,7 +10207,7 @@
           <p:nvPr/>
         </p:nvPicPr>
         <p:blipFill>
-          <a:blip r:embed="rId1"/>
+          <a:blip r:embed="rId2"/>
           <a:stretch>
             <a:fillRect/>
           </a:stretch>
@@ -9918,7 +10231,7 @@
           <p:nvPr/>
         </p:nvPicPr>
         <p:blipFill>
-          <a:blip r:embed="rId2"/>
+          <a:blip r:embed="rId3"/>
           <a:stretch>
             <a:fillRect/>
           </a:stretch>
@@ -9942,7 +10255,7 @@
           <p:nvPr/>
         </p:nvPicPr>
         <p:blipFill>
-          <a:blip r:embed="rId3"/>
+          <a:blip r:embed="rId4"/>
           <a:stretch>
             <a:fillRect/>
           </a:stretch>
@@ -9966,7 +10279,7 @@
           <p:nvPr/>
         </p:nvPicPr>
         <p:blipFill>
-          <a:blip r:embed="rId4"/>
+          <a:blip r:embed="rId5"/>
           <a:stretch>
             <a:fillRect/>
           </a:stretch>
@@ -9990,7 +10303,7 @@
           <p:nvPr/>
         </p:nvPicPr>
         <p:blipFill>
-          <a:blip r:embed="rId5"/>
+          <a:blip r:embed="rId6"/>
           <a:stretch>
             <a:fillRect/>
           </a:stretch>
@@ -10014,7 +10327,7 @@
           <p:nvPr/>
         </p:nvPicPr>
         <p:blipFill>
-          <a:blip r:embed="rId6"/>
+          <a:blip r:embed="rId7"/>
           <a:stretch>
             <a:fillRect/>
           </a:stretch>
@@ -10091,7 +10404,7 @@
           <p:nvPr/>
         </p:nvPicPr>
         <p:blipFill>
-          <a:blip r:embed="rId1"/>
+          <a:blip r:embed="rId2"/>
           <a:stretch>
             <a:fillRect/>
           </a:stretch>
@@ -10115,7 +10428,7 @@
           <p:nvPr/>
         </p:nvPicPr>
         <p:blipFill>
-          <a:blip r:embed="rId2"/>
+          <a:blip r:embed="rId3"/>
           <a:stretch>
             <a:fillRect/>
           </a:stretch>
@@ -10139,7 +10452,7 @@
           <p:nvPr/>
         </p:nvPicPr>
         <p:blipFill>
-          <a:blip r:embed="rId3"/>
+          <a:blip r:embed="rId4"/>
           <a:stretch>
             <a:fillRect/>
           </a:stretch>
@@ -10216,7 +10529,7 @@
           <p:nvPr/>
         </p:nvPicPr>
         <p:blipFill>
-          <a:blip r:embed="rId1"/>
+          <a:blip r:embed="rId2"/>
           <a:stretch>
             <a:fillRect/>
           </a:stretch>
@@ -10240,7 +10553,7 @@
           <p:nvPr/>
         </p:nvPicPr>
         <p:blipFill>
-          <a:blip r:embed="rId2"/>
+          <a:blip r:embed="rId3"/>
           <a:stretch>
             <a:fillRect/>
           </a:stretch>
@@ -10264,7 +10577,7 @@
           <p:nvPr/>
         </p:nvPicPr>
         <p:blipFill>
-          <a:blip r:embed="rId3"/>
+          <a:blip r:embed="rId4"/>
           <a:stretch>
             <a:fillRect/>
           </a:stretch>
@@ -10288,7 +10601,7 @@
           <p:nvPr/>
         </p:nvPicPr>
         <p:blipFill>
-          <a:blip r:embed="rId4"/>
+          <a:blip r:embed="rId5"/>
           <a:stretch>
             <a:fillRect/>
           </a:stretch>
@@ -10312,7 +10625,7 @@
           <p:nvPr/>
         </p:nvPicPr>
         <p:blipFill>
-          <a:blip r:embed="rId5"/>
+          <a:blip r:embed="rId6"/>
           <a:stretch>
             <a:fillRect/>
           </a:stretch>
@@ -10336,7 +10649,7 @@
           <p:nvPr/>
         </p:nvPicPr>
         <p:blipFill>
-          <a:blip r:embed="rId6"/>
+          <a:blip r:embed="rId7"/>
           <a:stretch>
             <a:fillRect/>
           </a:stretch>
@@ -10403,10 +10716,6 @@
               </a:rPr>
               <a:t>Plot for first 100 observations between actual and predicted after building the linear regression model:</a:t>
             </a:r>
-            <a:endParaRPr lang="en-IN" altLang="en-US" dirty="0">
-              <a:latin typeface="Bahnschrift SemiBold" panose="020B0502040204020203" pitchFamily="34" charset="0"/>
-              <a:sym typeface="+mn-ea"/>
-            </a:endParaRPr>
           </a:p>
         </p:txBody>
       </p:sp>
@@ -10419,7 +10728,7 @@
           <p:nvPr/>
         </p:nvPicPr>
         <p:blipFill>
-          <a:blip r:embed="rId1"/>
+          <a:blip r:embed="rId2"/>
           <a:stretch>
             <a:fillRect/>
           </a:stretch>
@@ -10485,9 +10794,17 @@
               </a:rPr>
               <a:t>We are using linear regression model so, we need to check 4 basic assumptions of linear regression.</a:t>
             </a:r>
+            <a:r>
+              <a:rPr lang="en-US" dirty="0"/>
+              <a:t/>
+            </a:r>
             <a:br>
               <a:rPr lang="en-US" dirty="0"/>
             </a:br>
+            <a:r>
+              <a:rPr lang="en-US" dirty="0"/>
+              <a:t/>
+            </a:r>
             <a:br>
               <a:rPr lang="en-US" dirty="0"/>
             </a:br>
@@ -10520,6 +10837,16 @@
               </a:rPr>
               <a:t>.</a:t>
             </a:r>
+            <a:r>
+              <a:rPr lang="en-US" sz="2000" dirty="0">
+                <a:solidFill>
+                  <a:schemeClr val="bg1"/>
+                </a:solidFill>
+                <a:latin typeface="Bahnschrift Light" panose="020B0502040204020203" pitchFamily="34" charset="0"/>
+                <a:sym typeface="+mn-ea"/>
+              </a:rPr>
+              <a:t/>
+            </a:r>
             <a:br>
               <a:rPr lang="en-US" sz="2000" dirty="0">
                 <a:solidFill>
@@ -10559,6 +10886,16 @@
               </a:rPr>
               <a:t>.</a:t>
             </a:r>
+            <a:r>
+              <a:rPr lang="en-US" sz="2000" dirty="0">
+                <a:solidFill>
+                  <a:schemeClr val="bg1"/>
+                </a:solidFill>
+                <a:latin typeface="Bahnschrift Light" panose="020B0502040204020203" pitchFamily="34" charset="0"/>
+                <a:sym typeface="+mn-ea"/>
+              </a:rPr>
+              <a:t/>
+            </a:r>
             <a:br>
               <a:rPr lang="en-US" sz="2000" dirty="0">
                 <a:solidFill>
@@ -10598,6 +10935,16 @@
               </a:rPr>
               <a:t>.</a:t>
             </a:r>
+            <a:r>
+              <a:rPr lang="en-US" sz="2000" dirty="0">
+                <a:solidFill>
+                  <a:schemeClr val="bg1"/>
+                </a:solidFill>
+                <a:latin typeface="Bahnschrift Light" panose="020B0502040204020203" pitchFamily="34" charset="0"/>
+                <a:sym typeface="+mn-ea"/>
+              </a:rPr>
+              <a:t/>
+            </a:r>
             <a:br>
               <a:rPr lang="en-US" sz="2000" dirty="0">
                 <a:solidFill>
@@ -10637,6 +10984,14 @@
               </a:rPr>
               <a:t>.</a:t>
             </a:r>
+            <a:r>
+              <a:rPr lang="en-US" dirty="0">
+                <a:solidFill>
+                  <a:schemeClr val="bg1"/>
+                </a:solidFill>
+              </a:rPr>
+              <a:t/>
+            </a:r>
             <a:br>
               <a:rPr lang="en-US" dirty="0">
                 <a:solidFill>
@@ -10644,9 +10999,17 @@
                 </a:solidFill>
               </a:rPr>
             </a:br>
+            <a:r>
+              <a:rPr lang="en-US" dirty="0"/>
+              <a:t/>
+            </a:r>
             <a:br>
               <a:rPr lang="en-US" dirty="0"/>
             </a:br>
+            <a:r>
+              <a:rPr lang="en-US" dirty="0"/>
+              <a:t/>
+            </a:r>
             <a:br>
               <a:rPr lang="en-US" dirty="0"/>
             </a:br>
@@ -10701,50 +11064,201 @@
           <a:lstStyle/>
           <a:p>
             <a:r>
+              <a:rPr lang="en-US" dirty="0" smtClean="0"/>
+              <a:t>Assumptions:</a:t>
+            </a:r>
+            <a:endParaRPr lang="hi-IN" dirty="0"/>
+          </a:p>
+        </p:txBody>
+      </p:sp>
+      <p:sp>
+        <p:nvSpPr>
+          <p:cNvPr id="3" name="Text Placeholder 2"/>
+          <p:cNvSpPr>
+            <a:spLocks noGrp="1"/>
+          </p:cNvSpPr>
+          <p:nvPr>
+            <p:ph type="body" idx="1"/>
+          </p:nvPr>
+        </p:nvSpPr>
+        <p:spPr/>
+        <p:txBody>
+          <a:bodyPr/>
+          <a:lstStyle/>
+          <a:p>
+            <a:pPr marL="114300" indent="0">
+              <a:buNone/>
+            </a:pPr>
+            <a:r>
+              <a:rPr lang="en-US" dirty="0" smtClean="0">
+                <a:solidFill>
+                  <a:schemeClr val="bg1"/>
+                </a:solidFill>
+                <a:latin typeface="Bahnschrift Light" panose="020B0502040204020203" pitchFamily="34" charset="0"/>
+                <a:sym typeface="+mn-ea"/>
+              </a:rPr>
+              <a:t>1. The linear relationship </a:t>
+            </a:r>
+            <a:r>
               <a:rPr lang="en-US" dirty="0">
-                <a:latin typeface="Bahnschrift SemiBold" panose="020B0502040204020203" pitchFamily="34" charset="0"/>
-              </a:rPr>
-              <a:t>Plotting the </a:t>
+                <a:solidFill>
+                  <a:schemeClr val="bg1"/>
+                </a:solidFill>
+                <a:latin typeface="Bahnschrift Light" panose="020B0502040204020203" pitchFamily="34" charset="0"/>
+                <a:sym typeface="+mn-ea"/>
+              </a:rPr>
+              <a:t>between independent and dependent variables</a:t>
+            </a:r>
+            <a:r>
+              <a:rPr lang="en-IN" altLang="en-US" dirty="0" smtClean="0">
+                <a:solidFill>
+                  <a:schemeClr val="bg1"/>
+                </a:solidFill>
+                <a:latin typeface="Bahnschrift Light" panose="020B0502040204020203" pitchFamily="34" charset="0"/>
+                <a:sym typeface="+mn-ea"/>
+              </a:rPr>
+              <a:t>.</a:t>
+            </a:r>
+          </a:p>
+          <a:p>
+            <a:pPr marL="114300" indent="0">
+              <a:buNone/>
+            </a:pPr>
+            <a:endParaRPr lang="en-US" dirty="0" smtClean="0"/>
+          </a:p>
+          <a:p>
+            <a:pPr marL="114300" indent="0">
+              <a:buNone/>
+            </a:pPr>
+            <a:endParaRPr lang="en-US" dirty="0"/>
+          </a:p>
+          <a:p>
+            <a:pPr marL="114300" indent="0">
+              <a:buNone/>
+            </a:pPr>
+            <a:endParaRPr lang="en-US" dirty="0" smtClean="0"/>
+          </a:p>
+          <a:p>
+            <a:pPr marL="114300" indent="0">
+              <a:buNone/>
+            </a:pPr>
+            <a:endParaRPr lang="en-US" dirty="0"/>
+          </a:p>
+          <a:p>
+            <a:pPr marL="114300" indent="0">
+              <a:buNone/>
+            </a:pPr>
+            <a:endParaRPr lang="en-US" dirty="0" smtClean="0"/>
+          </a:p>
+          <a:p>
+            <a:pPr marL="114300" indent="0">
+              <a:buNone/>
+            </a:pPr>
+            <a:endParaRPr lang="en-US" dirty="0"/>
+          </a:p>
+          <a:p>
+            <a:pPr marL="114300" indent="0">
+              <a:buNone/>
+            </a:pPr>
+            <a:endParaRPr lang="en-US" dirty="0" smtClean="0"/>
+          </a:p>
+          <a:p>
+            <a:pPr marL="114300" indent="0">
+              <a:buNone/>
+            </a:pPr>
+            <a:endParaRPr lang="en-IN" altLang="en-US" dirty="0" smtClean="0">
+              <a:solidFill>
+                <a:schemeClr val="bg1"/>
+              </a:solidFill>
+              <a:latin typeface="Bahnschrift Light" panose="020B0502040204020203" pitchFamily="34" charset="0"/>
+              <a:sym typeface="+mn-ea"/>
+            </a:endParaRPr>
+          </a:p>
+          <a:p>
+            <a:pPr marL="114300" indent="0">
+              <a:buNone/>
+            </a:pPr>
+            <a:r>
+              <a:rPr lang="en-IN" altLang="en-US" dirty="0" smtClean="0">
+                <a:solidFill>
+                  <a:schemeClr val="bg1"/>
+                </a:solidFill>
+                <a:latin typeface="Bahnschrift Light" panose="020B0502040204020203" pitchFamily="34" charset="0"/>
+                <a:sym typeface="+mn-ea"/>
+              </a:rPr>
+              <a:t>2</a:t>
             </a:r>
             <a:r>
               <a:rPr lang="en-IN" altLang="en-US" dirty="0">
-                <a:latin typeface="Bahnschrift SemiBold" panose="020B0502040204020203" pitchFamily="34" charset="0"/>
-              </a:rPr>
-              <a:t>assumptions graph:</a:t>
+                <a:solidFill>
+                  <a:schemeClr val="bg1"/>
+                </a:solidFill>
+                <a:latin typeface="Bahnschrift Light" panose="020B0502040204020203" pitchFamily="34" charset="0"/>
+                <a:sym typeface="+mn-ea"/>
+              </a:rPr>
+              <a:t>. </a:t>
+            </a:r>
+            <a:r>
+              <a:rPr lang="en-US" dirty="0">
+                <a:solidFill>
+                  <a:schemeClr val="bg1"/>
+                </a:solidFill>
+                <a:latin typeface="Bahnschrift Light" panose="020B0502040204020203" pitchFamily="34" charset="0"/>
+                <a:sym typeface="+mn-ea"/>
+              </a:rPr>
+              <a:t>The sum of residuals/error should be near to 0</a:t>
+            </a:r>
+            <a:r>
+              <a:rPr lang="en-IN" dirty="0">
+                <a:solidFill>
+                  <a:schemeClr val="bg1"/>
+                </a:solidFill>
+                <a:latin typeface="Bahnschrift Light" panose="020B0502040204020203" pitchFamily="34" charset="0"/>
+                <a:sym typeface="+mn-ea"/>
+              </a:rPr>
+              <a:t>, and the sum of residuals we have got is -</a:t>
+            </a:r>
+            <a:r>
+              <a:rPr lang="en-IN" dirty="0" smtClean="0">
+                <a:solidFill>
+                  <a:schemeClr val="bg1"/>
+                </a:solidFill>
+                <a:latin typeface="Bahnschrift Light" panose="020B0502040204020203" pitchFamily="34" charset="0"/>
+                <a:sym typeface="+mn-ea"/>
+              </a:rPr>
+              <a:t>0.0007.</a:t>
             </a:r>
             <a:endParaRPr lang="en-IN" altLang="en-US" dirty="0">
-              <a:latin typeface="Bahnschrift SemiBold" panose="020B0502040204020203" pitchFamily="34" charset="0"/>
+              <a:solidFill>
+                <a:schemeClr val="bg1"/>
+              </a:solidFill>
+              <a:latin typeface="Bahnschrift Light" panose="020B0502040204020203" pitchFamily="34" charset="0"/>
+              <a:sym typeface="+mn-ea"/>
             </a:endParaRPr>
+          </a:p>
+          <a:p>
+            <a:pPr marL="114300" indent="0">
+              <a:buNone/>
+            </a:pPr>
+            <a:endParaRPr lang="en-US" altLang="en-US" dirty="0">
+              <a:solidFill>
+                <a:schemeClr val="bg1"/>
+              </a:solidFill>
+              <a:latin typeface="Bahnschrift Light" panose="020B0502040204020203" pitchFamily="34" charset="0"/>
+              <a:sym typeface="+mn-ea"/>
+            </a:endParaRPr>
+          </a:p>
+          <a:p>
+            <a:pPr marL="114300" indent="0">
+              <a:buNone/>
+            </a:pPr>
+            <a:endParaRPr lang="hi-IN" dirty="0"/>
           </a:p>
         </p:txBody>
       </p:sp>
       <p:pic>
         <p:nvPicPr>
           <p:cNvPr id="4" name="Picture 3"/>
-          <p:cNvPicPr>
-            <a:picLocks noChangeAspect="1"/>
-          </p:cNvPicPr>
-          <p:nvPr/>
-        </p:nvPicPr>
-        <p:blipFill>
-          <a:blip r:embed="rId1"/>
-          <a:stretch>
-            <a:fillRect/>
-          </a:stretch>
-        </p:blipFill>
-        <p:spPr>
-          <a:xfrm>
-            <a:off x="311700" y="1233828"/>
-            <a:ext cx="2147480" cy="3340861"/>
-          </a:xfrm>
-          <a:prstGeom prst="rect">
-            <a:avLst/>
-          </a:prstGeom>
-        </p:spPr>
-      </p:pic>
-      <p:pic>
-        <p:nvPicPr>
-          <p:cNvPr id="6" name="Picture 5"/>
           <p:cNvPicPr>
             <a:picLocks noChangeAspect="1"/>
           </p:cNvPicPr>
@@ -10758,56 +11272,8 @@
         </p:blipFill>
         <p:spPr>
           <a:xfrm>
-            <a:off x="2459180" y="1233827"/>
-            <a:ext cx="2147480" cy="3340861"/>
-          </a:xfrm>
-          <a:prstGeom prst="rect">
-            <a:avLst/>
-          </a:prstGeom>
-        </p:spPr>
-      </p:pic>
-      <p:pic>
-        <p:nvPicPr>
-          <p:cNvPr id="8" name="Picture 7"/>
-          <p:cNvPicPr>
-            <a:picLocks noChangeAspect="1"/>
-          </p:cNvPicPr>
-          <p:nvPr/>
-        </p:nvPicPr>
-        <p:blipFill>
-          <a:blip r:embed="rId3"/>
-          <a:stretch>
-            <a:fillRect/>
-          </a:stretch>
-        </p:blipFill>
-        <p:spPr>
-          <a:xfrm>
-            <a:off x="4606660" y="1233825"/>
-            <a:ext cx="2147480" cy="3340861"/>
-          </a:xfrm>
-          <a:prstGeom prst="rect">
-            <a:avLst/>
-          </a:prstGeom>
-        </p:spPr>
-      </p:pic>
-      <p:pic>
-        <p:nvPicPr>
-          <p:cNvPr id="10" name="Picture 9"/>
-          <p:cNvPicPr>
-            <a:picLocks noChangeAspect="1"/>
-          </p:cNvPicPr>
-          <p:nvPr/>
-        </p:nvPicPr>
-        <p:blipFill>
-          <a:blip r:embed="rId4"/>
-          <a:stretch>
-            <a:fillRect/>
-          </a:stretch>
-        </p:blipFill>
-        <p:spPr>
-          <a:xfrm>
-            <a:off x="6754140" y="1233822"/>
-            <a:ext cx="2147480" cy="3130359"/>
+            <a:off x="996594" y="1576608"/>
+            <a:ext cx="5712431" cy="2378943"/>
           </a:xfrm>
           <a:prstGeom prst="rect">
             <a:avLst/>
@@ -10815,6 +11281,11 @@
         </p:spPr>
       </p:pic>
     </p:spTree>
+    <p:extLst>
+      <p:ext uri="{BB962C8B-B14F-4D97-AF65-F5344CB8AC3E}">
+        <p14:creationId xmlns:p14="http://schemas.microsoft.com/office/powerpoint/2010/main" val="4009438609"/>
+      </p:ext>
+    </p:extLst>
   </p:cSld>
   <p:clrMapOvr>
     <a:masterClrMapping/>
@@ -10839,9 +11310,33 @@
           <a:chExt cx="0" cy="0"/>
         </a:xfrm>
       </p:grpSpPr>
+      <p:pic>
+        <p:nvPicPr>
+          <p:cNvPr id="4" name="Picture 3"/>
+          <p:cNvPicPr>
+            <a:picLocks noChangeAspect="1"/>
+          </p:cNvPicPr>
+          <p:nvPr/>
+        </p:nvPicPr>
+        <p:blipFill>
+          <a:blip r:embed="rId2"/>
+          <a:stretch>
+            <a:fillRect/>
+          </a:stretch>
+        </p:blipFill>
+        <p:spPr>
+          <a:xfrm>
+            <a:off x="396134" y="1058239"/>
+            <a:ext cx="8213992" cy="3832260"/>
+          </a:xfrm>
+          <a:prstGeom prst="rect">
+            <a:avLst/>
+          </a:prstGeom>
+        </p:spPr>
+      </p:pic>
       <p:sp>
         <p:nvSpPr>
-          <p:cNvPr id="2" name="Title 1"/>
+          <p:cNvPr id="10" name="Title 9"/>
           <p:cNvSpPr>
             <a:spLocks noGrp="1"/>
           </p:cNvSpPr>
@@ -10849,673 +11344,70 @@
             <p:ph type="title"/>
           </p:nvPr>
         </p:nvSpPr>
-        <p:spPr>
-          <a:xfrm>
-            <a:off x="311785" y="235527"/>
-            <a:ext cx="8520430" cy="967798"/>
-          </a:xfrm>
-        </p:spPr>
+        <p:spPr/>
         <p:txBody>
           <a:bodyPr/>
           <a:lstStyle/>
           <a:p>
             <a:r>
-              <a:rPr lang="en-IN" altLang="en-US" dirty="0">
-                <a:latin typeface="Bahnschrift SemiBold" panose="020B0502040204020203" pitchFamily="34" charset="0"/>
-              </a:rPr>
-              <a:t>Here are some values of the factors observed in model building:</a:t>
-            </a:r>
-            <a:br>
-              <a:rPr lang="en-IN" altLang="en-US" dirty="0"/>
-            </a:br>
-            <a:endParaRPr lang="en-IN" altLang="en-US" dirty="0">
-              <a:solidFill>
-                <a:schemeClr val="bg2">
-                  <a:lumMod val="10000"/>
-                </a:schemeClr>
-              </a:solidFill>
-            </a:endParaRPr>
-          </a:p>
-        </p:txBody>
-      </p:sp>
-      <p:sp>
-        <p:nvSpPr>
-          <p:cNvPr id="3" name="Text Box 2"/>
-          <p:cNvSpPr txBox="1"/>
-          <p:nvPr/>
-        </p:nvSpPr>
-        <p:spPr>
-          <a:xfrm>
-            <a:off x="311785" y="1418590"/>
-            <a:ext cx="3590290" cy="1846659"/>
-          </a:xfrm>
-          <a:prstGeom prst="rect">
-            <a:avLst/>
-          </a:prstGeom>
-          <a:noFill/>
-        </p:spPr>
-        <p:txBody>
-          <a:bodyPr wrap="square" rtlCol="0">
-            <a:spAutoFit/>
-          </a:bodyPr>
-          <a:lstStyle/>
-          <a:p>
-            <a:pPr algn="l"/>
-            <a:r>
-              <a:rPr lang="en-IN" altLang="en-US" sz="1600" b="1" dirty="0">
-                <a:solidFill>
-                  <a:schemeClr val="tx1"/>
-                </a:solidFill>
-                <a:latin typeface="Bahnschrift SemiBold" panose="020B0502040204020203" pitchFamily="34" charset="0"/>
-                <a:sym typeface="+mn-ea"/>
-              </a:rPr>
-              <a:t>Linear Regression model:</a:t>
-            </a:r>
-            <a:endParaRPr lang="en-IN" altLang="en-US" sz="1600" b="1" dirty="0">
-              <a:solidFill>
-                <a:schemeClr val="tx1"/>
-              </a:solidFill>
-              <a:latin typeface="Bahnschrift SemiBold" panose="020B0502040204020203" pitchFamily="34" charset="0"/>
-              <a:sym typeface="+mn-ea"/>
-            </a:endParaRPr>
-          </a:p>
-          <a:p>
-            <a:pPr algn="l"/>
-            <a:r>
-              <a:rPr lang="en-IN" altLang="en-US" dirty="0">
+              <a:rPr lang="en-IN" altLang="en-US" sz="1800" dirty="0" smtClean="0">
                 <a:solidFill>
                   <a:schemeClr val="bg1"/>
                 </a:solidFill>
                 <a:latin typeface="Bahnschrift Light" panose="020B0502040204020203" pitchFamily="34" charset="0"/>
                 <a:sym typeface="+mn-ea"/>
               </a:rPr>
-              <a:t>Mean Squared Error : 0.11</a:t>
-            </a:r>
-            <a:br>
-              <a:rPr lang="en-IN" altLang="en-US" dirty="0">
+              <a:t>3</a:t>
+            </a:r>
+            <a:r>
+              <a:rPr lang="en-IN" altLang="en-US" sz="1800" dirty="0">
                 <a:solidFill>
                   <a:schemeClr val="bg1"/>
                 </a:solidFill>
                 <a:latin typeface="Bahnschrift Light" panose="020B0502040204020203" pitchFamily="34" charset="0"/>
                 <a:sym typeface="+mn-ea"/>
               </a:rPr>
-            </a:br>
-            <a:r>
-              <a:rPr lang="en-IN" altLang="en-US" dirty="0">
+              <a:t>. </a:t>
+            </a:r>
+            <a:r>
+              <a:rPr lang="en-US" sz="1800" dirty="0">
                 <a:solidFill>
                   <a:schemeClr val="bg1"/>
                 </a:solidFill>
                 <a:latin typeface="Bahnschrift Light" panose="020B0502040204020203" pitchFamily="34" charset="0"/>
                 <a:sym typeface="+mn-ea"/>
               </a:rPr>
-              <a:t>Root Mean Squared Error : 0</a:t>
-            </a:r>
-            <a:br>
-              <a:rPr lang="en-IN" altLang="en-US" dirty="0">
+              <a:t>There should not be multicollinearity</a:t>
+            </a:r>
+            <a:r>
+              <a:rPr lang="en-IN" altLang="en-US" sz="1800" dirty="0">
                 <a:solidFill>
                   <a:schemeClr val="bg1"/>
                 </a:solidFill>
                 <a:latin typeface="Bahnschrift Light" panose="020B0502040204020203" pitchFamily="34" charset="0"/>
                 <a:sym typeface="+mn-ea"/>
               </a:rPr>
-            </a:br>
-            <a:r>
-              <a:rPr lang="en-IN" altLang="en-US" dirty="0">
+              <a:t>.</a:t>
+            </a:r>
+            <a:br>
+              <a:rPr lang="en-IN" altLang="en-US" sz="1800" dirty="0">
                 <a:solidFill>
                   <a:schemeClr val="bg1"/>
                 </a:solidFill>
                 <a:latin typeface="Bahnschrift Light" panose="020B0502040204020203" pitchFamily="34" charset="0"/>
                 <a:sym typeface="+mn-ea"/>
               </a:rPr>
-              <a:t>Mean Absolute Error : 0.25</a:t>
-            </a:r>
-            <a:br>
-              <a:rPr lang="en-IN" altLang="en-US" dirty="0">
-                <a:solidFill>
-                  <a:schemeClr val="bg1"/>
-                </a:solidFill>
-                <a:latin typeface="Bahnschrift Light" panose="020B0502040204020203" pitchFamily="34" charset="0"/>
-                <a:sym typeface="+mn-ea"/>
-              </a:rPr>
             </a:br>
-            <a:r>
-              <a:rPr lang="en-IN" altLang="en-US" dirty="0">
-                <a:solidFill>
-                  <a:schemeClr val="bg1"/>
-                </a:solidFill>
-                <a:latin typeface="Bahnschrift Light" panose="020B0502040204020203" pitchFamily="34" charset="0"/>
-                <a:sym typeface="+mn-ea"/>
-              </a:rPr>
-              <a:t>Mean Absolute Percentage Error : 3.41 %</a:t>
-            </a:r>
-            <a:br>
-              <a:rPr lang="en-IN" altLang="en-US" dirty="0">
-                <a:solidFill>
-                  <a:schemeClr val="bg1"/>
-                </a:solidFill>
-                <a:latin typeface="Bahnschrift Light" panose="020B0502040204020203" pitchFamily="34" charset="0"/>
-                <a:sym typeface="+mn-ea"/>
-              </a:rPr>
-            </a:br>
-            <a:r>
-              <a:rPr lang="en-IN" altLang="en-US" dirty="0">
-                <a:solidFill>
-                  <a:schemeClr val="bg1"/>
-                </a:solidFill>
-                <a:latin typeface="Bahnschrift Light" panose="020B0502040204020203" pitchFamily="34" charset="0"/>
-                <a:sym typeface="+mn-ea"/>
-              </a:rPr>
-              <a:t>R-Square : 0.99</a:t>
-            </a:r>
-            <a:br>
-              <a:rPr lang="en-IN" altLang="en-US" dirty="0">
-                <a:solidFill>
-                  <a:schemeClr val="bg1"/>
-                </a:solidFill>
-                <a:latin typeface="Bahnschrift Light" panose="020B0502040204020203" pitchFamily="34" charset="0"/>
-                <a:sym typeface="+mn-ea"/>
-              </a:rPr>
-            </a:br>
-            <a:r>
-              <a:rPr lang="en-IN" altLang="en-US" dirty="0">
-                <a:solidFill>
-                  <a:schemeClr val="bg1"/>
-                </a:solidFill>
-                <a:latin typeface="Bahnschrift Light" panose="020B0502040204020203" pitchFamily="34" charset="0"/>
-                <a:sym typeface="+mn-ea"/>
-              </a:rPr>
-              <a:t>Adjusted R-Square :  0.99</a:t>
-            </a:r>
-            <a:endParaRPr lang="en-IN" altLang="en-US" dirty="0">
-              <a:solidFill>
-                <a:schemeClr val="bg1"/>
-              </a:solidFill>
-              <a:latin typeface="Bahnschrift Light" panose="020B0502040204020203" pitchFamily="34" charset="0"/>
-            </a:endParaRPr>
-          </a:p>
-          <a:p>
-            <a:endParaRPr lang="en-US" dirty="0"/>
-          </a:p>
-        </p:txBody>
-      </p:sp>
-      <p:sp>
-        <p:nvSpPr>
-          <p:cNvPr id="4" name="Text Box 3"/>
-          <p:cNvSpPr txBox="1"/>
-          <p:nvPr/>
-        </p:nvSpPr>
-        <p:spPr>
-          <a:xfrm>
-            <a:off x="4431030" y="1418590"/>
-            <a:ext cx="4010660" cy="1631216"/>
-          </a:xfrm>
-          <a:prstGeom prst="rect">
-            <a:avLst/>
-          </a:prstGeom>
-          <a:noFill/>
-        </p:spPr>
-        <p:txBody>
-          <a:bodyPr wrap="square" rtlCol="0">
-            <a:spAutoFit/>
-          </a:bodyPr>
-          <a:lstStyle/>
-          <a:p>
-            <a:pPr algn="l"/>
-            <a:r>
-              <a:rPr lang="en-US" sz="1600" b="1" dirty="0">
-                <a:solidFill>
-                  <a:schemeClr val="tx1"/>
-                </a:solidFill>
-                <a:latin typeface="Bahnschrift SemiBold" panose="020B0502040204020203" pitchFamily="34" charset="0"/>
-              </a:rPr>
-              <a:t>Lasso Regression with cross validation</a:t>
-            </a:r>
-            <a:r>
-              <a:rPr lang="en-IN" altLang="en-US" sz="1600" b="1" dirty="0">
-                <a:solidFill>
-                  <a:schemeClr val="tx1"/>
-                </a:solidFill>
-                <a:latin typeface="Bahnschrift SemiBold" panose="020B0502040204020203" pitchFamily="34" charset="0"/>
-              </a:rPr>
-              <a:t>:</a:t>
-            </a:r>
-            <a:endParaRPr lang="en-IN" altLang="en-US" sz="1600" b="1" dirty="0">
-              <a:solidFill>
-                <a:schemeClr val="tx1"/>
-              </a:solidFill>
-              <a:latin typeface="Bahnschrift SemiBold" panose="020B0502040204020203" pitchFamily="34" charset="0"/>
-            </a:endParaRPr>
-          </a:p>
-          <a:p>
-            <a:pPr algn="l"/>
-            <a:r>
-              <a:rPr lang="en-US" dirty="0">
-                <a:solidFill>
-                  <a:schemeClr val="bg1"/>
-                </a:solidFill>
-                <a:latin typeface="Bahnschrift Light" panose="020B0502040204020203" pitchFamily="34" charset="0"/>
-              </a:rPr>
-              <a:t>Mean Squared Error : 0.11</a:t>
-            </a:r>
-            <a:endParaRPr lang="en-US" dirty="0">
-              <a:solidFill>
-                <a:schemeClr val="bg1"/>
-              </a:solidFill>
-              <a:latin typeface="Bahnschrift Light" panose="020B0502040204020203" pitchFamily="34" charset="0"/>
-            </a:endParaRPr>
-          </a:p>
-          <a:p>
-            <a:pPr algn="l"/>
-            <a:r>
-              <a:rPr lang="en-US" dirty="0">
-                <a:solidFill>
-                  <a:schemeClr val="bg1"/>
-                </a:solidFill>
-                <a:latin typeface="Bahnschrift Light" panose="020B0502040204020203" pitchFamily="34" charset="0"/>
-              </a:rPr>
-              <a:t>Root Mean Squared Error : 0</a:t>
-            </a:r>
-            <a:endParaRPr lang="en-US" dirty="0">
-              <a:solidFill>
-                <a:schemeClr val="bg1"/>
-              </a:solidFill>
-              <a:latin typeface="Bahnschrift Light" panose="020B0502040204020203" pitchFamily="34" charset="0"/>
-            </a:endParaRPr>
-          </a:p>
-          <a:p>
-            <a:pPr algn="l"/>
-            <a:r>
-              <a:rPr lang="en-US" dirty="0">
-                <a:solidFill>
-                  <a:schemeClr val="bg1"/>
-                </a:solidFill>
-                <a:latin typeface="Bahnschrift Light" panose="020B0502040204020203" pitchFamily="34" charset="0"/>
-              </a:rPr>
-              <a:t>Mean Absolute Error : 0.25</a:t>
-            </a:r>
-            <a:endParaRPr lang="en-US" dirty="0">
-              <a:solidFill>
-                <a:schemeClr val="bg1"/>
-              </a:solidFill>
-              <a:latin typeface="Bahnschrift Light" panose="020B0502040204020203" pitchFamily="34" charset="0"/>
-            </a:endParaRPr>
-          </a:p>
-          <a:p>
-            <a:pPr algn="l"/>
-            <a:r>
-              <a:rPr lang="en-US" dirty="0">
-                <a:solidFill>
-                  <a:schemeClr val="bg1"/>
-                </a:solidFill>
-                <a:latin typeface="Bahnschrift Light" panose="020B0502040204020203" pitchFamily="34" charset="0"/>
-              </a:rPr>
-              <a:t>Mean Absolute Percentage Error : 3.41 %</a:t>
-            </a:r>
-            <a:endParaRPr lang="en-US" dirty="0">
-              <a:solidFill>
-                <a:schemeClr val="bg1"/>
-              </a:solidFill>
-              <a:latin typeface="Bahnschrift Light" panose="020B0502040204020203" pitchFamily="34" charset="0"/>
-            </a:endParaRPr>
-          </a:p>
-          <a:p>
-            <a:pPr algn="l"/>
-            <a:r>
-              <a:rPr lang="en-US" dirty="0">
-                <a:solidFill>
-                  <a:schemeClr val="bg1"/>
-                </a:solidFill>
-                <a:latin typeface="Bahnschrift Light" panose="020B0502040204020203" pitchFamily="34" charset="0"/>
-              </a:rPr>
-              <a:t>R-Square : 0.99</a:t>
-            </a:r>
-            <a:endParaRPr lang="en-US" dirty="0">
-              <a:solidFill>
-                <a:schemeClr val="bg1"/>
-              </a:solidFill>
-              <a:latin typeface="Bahnschrift Light" panose="020B0502040204020203" pitchFamily="34" charset="0"/>
-            </a:endParaRPr>
-          </a:p>
-          <a:p>
-            <a:pPr algn="l"/>
-            <a:r>
-              <a:rPr lang="en-US" dirty="0">
-                <a:solidFill>
-                  <a:schemeClr val="bg1"/>
-                </a:solidFill>
-                <a:latin typeface="Bahnschrift Light" panose="020B0502040204020203" pitchFamily="34" charset="0"/>
-              </a:rPr>
-              <a:t>Adjusted R-Square :  0.99</a:t>
-            </a:r>
-            <a:endParaRPr lang="en-US" dirty="0">
-              <a:solidFill>
-                <a:schemeClr val="bg1"/>
-              </a:solidFill>
-              <a:latin typeface="Bahnschrift Light" panose="020B0502040204020203" pitchFamily="34" charset="0"/>
-            </a:endParaRPr>
-          </a:p>
-        </p:txBody>
-      </p:sp>
-      <p:sp>
-        <p:nvSpPr>
-          <p:cNvPr id="5" name="Text Box 4"/>
-          <p:cNvSpPr txBox="1"/>
-          <p:nvPr/>
-        </p:nvSpPr>
-        <p:spPr>
-          <a:xfrm>
-            <a:off x="4431030" y="3233420"/>
-            <a:ext cx="3851275" cy="1599565"/>
-          </a:xfrm>
-          <a:prstGeom prst="rect">
-            <a:avLst/>
-          </a:prstGeom>
-          <a:noFill/>
-        </p:spPr>
-        <p:txBody>
-          <a:bodyPr wrap="square" rtlCol="0">
-            <a:spAutoFit/>
-          </a:bodyPr>
-          <a:lstStyle/>
-          <a:p>
-            <a:pPr algn="l"/>
-            <a:r>
-              <a:rPr lang="en-IN" altLang="en-US" b="1" dirty="0">
-                <a:solidFill>
-                  <a:schemeClr val="tx1"/>
-                </a:solidFill>
-                <a:latin typeface="Bahnschrift SemiBold" panose="020B0502040204020203" pitchFamily="34" charset="0"/>
-                <a:sym typeface="+mn-ea"/>
-              </a:rPr>
-              <a:t>Ridge</a:t>
-            </a:r>
-            <a:r>
-              <a:rPr lang="en-US" b="1" dirty="0">
-                <a:solidFill>
-                  <a:schemeClr val="tx1"/>
-                </a:solidFill>
-                <a:latin typeface="Bahnschrift SemiBold" panose="020B0502040204020203" pitchFamily="34" charset="0"/>
-                <a:sym typeface="+mn-ea"/>
-              </a:rPr>
-              <a:t> Regression with cross validation</a:t>
-            </a:r>
-            <a:r>
-              <a:rPr lang="en-IN" altLang="en-US" b="1" dirty="0">
-                <a:solidFill>
-                  <a:schemeClr val="tx1"/>
-                </a:solidFill>
-                <a:latin typeface="Bahnschrift SemiBold" panose="020B0502040204020203" pitchFamily="34" charset="0"/>
-                <a:sym typeface="+mn-ea"/>
-              </a:rPr>
-              <a:t>:</a:t>
-            </a:r>
-            <a:endParaRPr lang="en-IN" altLang="en-US" b="1" dirty="0">
-              <a:solidFill>
-                <a:schemeClr val="tx1"/>
-              </a:solidFill>
-              <a:latin typeface="Bahnschrift SemiBold" panose="020B0502040204020203" pitchFamily="34" charset="0"/>
-            </a:endParaRPr>
-          </a:p>
-          <a:p>
-            <a:pPr algn="l"/>
-            <a:r>
-              <a:rPr lang="en-US" dirty="0">
-                <a:solidFill>
-                  <a:schemeClr val="bg1"/>
-                </a:solidFill>
-                <a:latin typeface="Bahnschrift Light" panose="020B0502040204020203" pitchFamily="34" charset="0"/>
-              </a:rPr>
-              <a:t>Mean Squared Error : 0.11</a:t>
-            </a:r>
-            <a:endParaRPr lang="en-US" dirty="0">
-              <a:solidFill>
-                <a:schemeClr val="bg1"/>
-              </a:solidFill>
-              <a:latin typeface="Bahnschrift Light" panose="020B0502040204020203" pitchFamily="34" charset="0"/>
-            </a:endParaRPr>
-          </a:p>
-          <a:p>
-            <a:pPr algn="l"/>
-            <a:r>
-              <a:rPr lang="en-US" dirty="0">
-                <a:solidFill>
-                  <a:schemeClr val="bg1"/>
-                </a:solidFill>
-                <a:latin typeface="Bahnschrift Light" panose="020B0502040204020203" pitchFamily="34" charset="0"/>
-              </a:rPr>
-              <a:t>Root Mean Squared Error : 0</a:t>
-            </a:r>
-            <a:endParaRPr lang="en-US" dirty="0">
-              <a:solidFill>
-                <a:schemeClr val="bg1"/>
-              </a:solidFill>
-              <a:latin typeface="Bahnschrift Light" panose="020B0502040204020203" pitchFamily="34" charset="0"/>
-            </a:endParaRPr>
-          </a:p>
-          <a:p>
-            <a:pPr algn="l"/>
-            <a:r>
-              <a:rPr lang="en-US" dirty="0">
-                <a:solidFill>
-                  <a:schemeClr val="bg1"/>
-                </a:solidFill>
-                <a:latin typeface="Bahnschrift Light" panose="020B0502040204020203" pitchFamily="34" charset="0"/>
-              </a:rPr>
-              <a:t>Mean Absolute Error : 0.25</a:t>
-            </a:r>
-            <a:endParaRPr lang="en-US" dirty="0">
-              <a:solidFill>
-                <a:schemeClr val="bg1"/>
-              </a:solidFill>
-              <a:latin typeface="Bahnschrift Light" panose="020B0502040204020203" pitchFamily="34" charset="0"/>
-            </a:endParaRPr>
-          </a:p>
-          <a:p>
-            <a:pPr algn="l"/>
-            <a:r>
-              <a:rPr lang="en-US" dirty="0">
-                <a:solidFill>
-                  <a:schemeClr val="bg1"/>
-                </a:solidFill>
-                <a:latin typeface="Bahnschrift Light" panose="020B0502040204020203" pitchFamily="34" charset="0"/>
-              </a:rPr>
-              <a:t>Mean Absolute Percentage Error : 3.41 %</a:t>
-            </a:r>
-            <a:endParaRPr lang="en-US" dirty="0">
-              <a:solidFill>
-                <a:schemeClr val="bg1"/>
-              </a:solidFill>
-              <a:latin typeface="Bahnschrift Light" panose="020B0502040204020203" pitchFamily="34" charset="0"/>
-            </a:endParaRPr>
-          </a:p>
-          <a:p>
-            <a:pPr algn="l"/>
-            <a:r>
-              <a:rPr lang="en-US" dirty="0">
-                <a:solidFill>
-                  <a:schemeClr val="bg1"/>
-                </a:solidFill>
-                <a:latin typeface="Bahnschrift Light" panose="020B0502040204020203" pitchFamily="34" charset="0"/>
-              </a:rPr>
-              <a:t>R-Square : 0.99</a:t>
-            </a:r>
-            <a:endParaRPr lang="en-US" dirty="0">
-              <a:solidFill>
-                <a:schemeClr val="bg1"/>
-              </a:solidFill>
-              <a:latin typeface="Bahnschrift Light" panose="020B0502040204020203" pitchFamily="34" charset="0"/>
-            </a:endParaRPr>
-          </a:p>
-          <a:p>
-            <a:pPr algn="l"/>
-            <a:r>
-              <a:rPr lang="en-US" dirty="0">
-                <a:solidFill>
-                  <a:schemeClr val="bg1"/>
-                </a:solidFill>
-                <a:latin typeface="Bahnschrift Light" panose="020B0502040204020203" pitchFamily="34" charset="0"/>
-              </a:rPr>
-              <a:t>Adjusted R-Square :  0.99</a:t>
-            </a:r>
-            <a:endParaRPr lang="en-US" dirty="0">
-              <a:solidFill>
-                <a:schemeClr val="bg1"/>
-              </a:solidFill>
-              <a:latin typeface="Bahnschrift Light" panose="020B0502040204020203" pitchFamily="34" charset="0"/>
-            </a:endParaRPr>
-          </a:p>
-        </p:txBody>
-      </p:sp>
-      <p:sp>
-        <p:nvSpPr>
-          <p:cNvPr id="6" name="Text Box 5"/>
-          <p:cNvSpPr txBox="1"/>
-          <p:nvPr/>
-        </p:nvSpPr>
-        <p:spPr>
-          <a:xfrm>
-            <a:off x="311785" y="3233420"/>
-            <a:ext cx="3619500" cy="1631216"/>
-          </a:xfrm>
-          <a:prstGeom prst="rect">
-            <a:avLst/>
-          </a:prstGeom>
-          <a:noFill/>
-        </p:spPr>
-        <p:txBody>
-          <a:bodyPr wrap="square" rtlCol="0">
-            <a:spAutoFit/>
-          </a:bodyPr>
-          <a:lstStyle/>
-          <a:p>
-            <a:pPr algn="l"/>
-            <a:r>
-              <a:rPr lang="en-IN" altLang="en-US" sz="1600" b="1" dirty="0">
-                <a:solidFill>
-                  <a:schemeClr val="tx1"/>
-                </a:solidFill>
-                <a:latin typeface="Bahnschrift SemiBold" panose="020B0502040204020203" pitchFamily="34" charset="0"/>
-              </a:rPr>
-              <a:t>ElasticNet Regression:</a:t>
-            </a:r>
-            <a:endParaRPr lang="en-US" sz="1600" b="1" dirty="0">
-              <a:solidFill>
-                <a:schemeClr val="tx1"/>
-              </a:solidFill>
-              <a:latin typeface="Bahnschrift SemiBold" panose="020B0502040204020203" pitchFamily="34" charset="0"/>
-            </a:endParaRPr>
-          </a:p>
-          <a:p>
-            <a:pPr algn="l"/>
-            <a:r>
-              <a:rPr lang="en-US" dirty="0">
-                <a:solidFill>
-                  <a:schemeClr val="bg1"/>
-                </a:solidFill>
-                <a:latin typeface="Bahnschrift Light" panose="020B0502040204020203" pitchFamily="34" charset="0"/>
-              </a:rPr>
-              <a:t>Mean Squared Error : 0.11</a:t>
-            </a:r>
-            <a:endParaRPr lang="en-US" dirty="0">
-              <a:solidFill>
-                <a:schemeClr val="bg1"/>
-              </a:solidFill>
-              <a:latin typeface="Bahnschrift Light" panose="020B0502040204020203" pitchFamily="34" charset="0"/>
-            </a:endParaRPr>
-          </a:p>
-          <a:p>
-            <a:pPr algn="l"/>
-            <a:r>
-              <a:rPr lang="en-US" dirty="0">
-                <a:solidFill>
-                  <a:schemeClr val="bg1"/>
-                </a:solidFill>
-                <a:latin typeface="Bahnschrift Light" panose="020B0502040204020203" pitchFamily="34" charset="0"/>
-              </a:rPr>
-              <a:t>Root Mean Squared Error : 0</a:t>
-            </a:r>
-            <a:endParaRPr lang="en-US" dirty="0">
-              <a:solidFill>
-                <a:schemeClr val="bg1"/>
-              </a:solidFill>
-              <a:latin typeface="Bahnschrift Light" panose="020B0502040204020203" pitchFamily="34" charset="0"/>
-            </a:endParaRPr>
-          </a:p>
-          <a:p>
-            <a:pPr algn="l"/>
-            <a:r>
-              <a:rPr lang="en-US" dirty="0">
-                <a:solidFill>
-                  <a:schemeClr val="bg1"/>
-                </a:solidFill>
-                <a:latin typeface="Bahnschrift Light" panose="020B0502040204020203" pitchFamily="34" charset="0"/>
-              </a:rPr>
-              <a:t>Mean Absolute Error : 0.25</a:t>
-            </a:r>
-            <a:endParaRPr lang="en-US" dirty="0">
-              <a:solidFill>
-                <a:schemeClr val="bg1"/>
-              </a:solidFill>
-              <a:latin typeface="Bahnschrift Light" panose="020B0502040204020203" pitchFamily="34" charset="0"/>
-            </a:endParaRPr>
-          </a:p>
-          <a:p>
-            <a:pPr algn="l"/>
-            <a:r>
-              <a:rPr lang="en-US" dirty="0">
-                <a:solidFill>
-                  <a:schemeClr val="bg1"/>
-                </a:solidFill>
-                <a:latin typeface="Bahnschrift Light" panose="020B0502040204020203" pitchFamily="34" charset="0"/>
-              </a:rPr>
-              <a:t>Mean Absolute Percentage Error : 3.41 %</a:t>
-            </a:r>
-            <a:endParaRPr lang="en-US" dirty="0">
-              <a:solidFill>
-                <a:schemeClr val="bg1"/>
-              </a:solidFill>
-              <a:latin typeface="Bahnschrift Light" panose="020B0502040204020203" pitchFamily="34" charset="0"/>
-            </a:endParaRPr>
-          </a:p>
-          <a:p>
-            <a:pPr algn="l"/>
-            <a:r>
-              <a:rPr lang="en-US" dirty="0">
-                <a:solidFill>
-                  <a:schemeClr val="bg1"/>
-                </a:solidFill>
-                <a:latin typeface="Bahnschrift Light" panose="020B0502040204020203" pitchFamily="34" charset="0"/>
-              </a:rPr>
-              <a:t>R-Square : 0.99</a:t>
-            </a:r>
-            <a:endParaRPr lang="en-US" dirty="0">
-              <a:solidFill>
-                <a:schemeClr val="bg1"/>
-              </a:solidFill>
-              <a:latin typeface="Bahnschrift Light" panose="020B0502040204020203" pitchFamily="34" charset="0"/>
-            </a:endParaRPr>
-          </a:p>
-          <a:p>
-            <a:pPr algn="l"/>
-            <a:r>
-              <a:rPr lang="en-US" dirty="0">
-                <a:solidFill>
-                  <a:schemeClr val="bg1"/>
-                </a:solidFill>
-                <a:latin typeface="Bahnschrift Light" panose="020B0502040204020203" pitchFamily="34" charset="0"/>
-              </a:rPr>
-              <a:t>Adjusted R-Square :  0.99</a:t>
-            </a:r>
-            <a:endParaRPr lang="en-US" dirty="0">
-              <a:solidFill>
-                <a:schemeClr val="bg1"/>
-              </a:solidFill>
-              <a:latin typeface="Bahnschrift Light" panose="020B0502040204020203" pitchFamily="34" charset="0"/>
-            </a:endParaRPr>
+            <a:endParaRPr lang="hi-IN" sz="1800" dirty="0"/>
           </a:p>
         </p:txBody>
       </p:sp>
     </p:spTree>
+    <p:extLst>
+      <p:ext uri="{BB962C8B-B14F-4D97-AF65-F5344CB8AC3E}">
+        <p14:creationId xmlns:p14="http://schemas.microsoft.com/office/powerpoint/2010/main" val="1130767779"/>
+      </p:ext>
+    </p:extLst>
   </p:cSld>
   <p:clrMapOvr>
     <a:masterClrMapping/>
@@ -11556,19 +11448,48 @@
           <a:lstStyle/>
           <a:p>
             <a:r>
-              <a:rPr lang="en-US" dirty="0">
-                <a:latin typeface="Bahnschrift SemiBold" panose="020B0502040204020203" pitchFamily="34" charset="0"/>
-              </a:rPr>
-              <a:t>Stack Model</a:t>
-            </a:r>
-            <a:r>
-              <a:rPr lang="en-IN" altLang="en-US" dirty="0">
-                <a:latin typeface="Bahnschrift SemiBold" panose="020B0502040204020203" pitchFamily="34" charset="0"/>
-              </a:rPr>
-              <a:t>:</a:t>
-            </a:r>
-            <a:endParaRPr lang="en-IN" altLang="en-US" dirty="0">
-              <a:latin typeface="Bahnschrift SemiBold" panose="020B0502040204020203" pitchFamily="34" charset="0"/>
+              <a:rPr lang="en-US" dirty="0"/>
+              <a:t>Assumptions:</a:t>
+            </a:r>
+            <a:endParaRPr lang="hi-IN" dirty="0"/>
+          </a:p>
+        </p:txBody>
+      </p:sp>
+      <p:sp>
+        <p:nvSpPr>
+          <p:cNvPr id="3" name="Text Placeholder 2"/>
+          <p:cNvSpPr>
+            <a:spLocks noGrp="1"/>
+          </p:cNvSpPr>
+          <p:nvPr>
+            <p:ph type="body" idx="1"/>
+          </p:nvPr>
+        </p:nvSpPr>
+        <p:spPr/>
+        <p:txBody>
+          <a:bodyPr/>
+          <a:lstStyle/>
+          <a:p>
+            <a:pPr marL="114300" indent="0">
+              <a:buNone/>
+            </a:pPr>
+            <a:r>
+              <a:rPr lang="en-US" dirty="0" smtClean="0">
+                <a:solidFill>
+                  <a:schemeClr val="bg1"/>
+                </a:solidFill>
+              </a:rPr>
+              <a:t>4. Checking the Heteroscedasticity.</a:t>
+            </a:r>
+          </a:p>
+          <a:p>
+            <a:pPr marL="114300" indent="0">
+              <a:buNone/>
+            </a:pPr>
+            <a:endParaRPr lang="hi-IN" dirty="0">
+              <a:solidFill>
+                <a:schemeClr val="bg1"/>
+              </a:solidFill>
             </a:endParaRPr>
           </a:p>
         </p:txBody>
@@ -11582,15 +11503,15 @@
           <p:nvPr/>
         </p:nvPicPr>
         <p:blipFill>
-          <a:blip r:embed="rId1"/>
+          <a:blip r:embed="rId2"/>
           <a:stretch>
             <a:fillRect/>
           </a:stretch>
         </p:blipFill>
         <p:spPr>
           <a:xfrm>
-            <a:off x="311700" y="1239981"/>
-            <a:ext cx="8520600" cy="3664528"/>
+            <a:off x="1017141" y="1696159"/>
+            <a:ext cx="6318607" cy="3130359"/>
           </a:xfrm>
           <a:prstGeom prst="rect">
             <a:avLst/>
@@ -11598,6 +11519,11 @@
         </p:spPr>
       </p:pic>
     </p:spTree>
+    <p:extLst>
+      <p:ext uri="{BB962C8B-B14F-4D97-AF65-F5344CB8AC3E}">
+        <p14:creationId xmlns:p14="http://schemas.microsoft.com/office/powerpoint/2010/main" val="1617327487"/>
+      </p:ext>
+    </p:extLst>
   </p:cSld>
   <p:clrMapOvr>
     <a:masterClrMapping/>
@@ -11634,8 +11560,8 @@
         </p:nvSpPr>
         <p:spPr>
           <a:xfrm>
-            <a:off x="311700" y="445025"/>
-            <a:ext cx="8520600" cy="725684"/>
+            <a:off x="311785" y="235527"/>
+            <a:ext cx="8520430" cy="967798"/>
           </a:xfrm>
         </p:spPr>
         <p:txBody>
@@ -11643,105 +11569,544 @@
           <a:lstStyle/>
           <a:p>
             <a:r>
-              <a:rPr lang="en-US" dirty="0">
+              <a:rPr lang="en-IN" altLang="en-US" dirty="0" smtClean="0">
                 <a:latin typeface="Bahnschrift SemiBold" panose="020B0502040204020203" pitchFamily="34" charset="0"/>
               </a:rPr>
-              <a:t>Predicting Sales for next six weeks</a:t>
-            </a:r>
-            <a:r>
-              <a:rPr lang="en-IN" altLang="en-US" dirty="0">
-                <a:latin typeface="Bahnschrift SemiBold" panose="020B0502040204020203" pitchFamily="34" charset="0"/>
-              </a:rPr>
-              <a:t>:</a:t>
+              <a:t>Evaluation metrics for our multiple regression models used while model building:</a:t>
+            </a:r>
+            <a:r>
+              <a:rPr lang="en-IN" altLang="en-US" dirty="0"/>
+              <a:t/>
             </a:r>
             <a:br>
               <a:rPr lang="en-IN" altLang="en-US" dirty="0"/>
             </a:br>
+            <a:endParaRPr lang="en-IN" altLang="en-US" dirty="0">
+              <a:solidFill>
+                <a:schemeClr val="bg2">
+                  <a:lumMod val="10000"/>
+                </a:schemeClr>
+              </a:solidFill>
+            </a:endParaRPr>
+          </a:p>
+        </p:txBody>
+      </p:sp>
+      <p:sp>
+        <p:nvSpPr>
+          <p:cNvPr id="3" name="Text Box 2"/>
+          <p:cNvSpPr txBox="1"/>
+          <p:nvPr/>
+        </p:nvSpPr>
+        <p:spPr>
+          <a:xfrm>
+            <a:off x="311785" y="1418590"/>
+            <a:ext cx="3590290" cy="1846659"/>
+          </a:xfrm>
+          <a:prstGeom prst="rect">
+            <a:avLst/>
+          </a:prstGeom>
+          <a:noFill/>
+        </p:spPr>
+        <p:txBody>
+          <a:bodyPr wrap="square" rtlCol="0">
+            <a:spAutoFit/>
+          </a:bodyPr>
+          <a:lstStyle/>
+          <a:p>
+            <a:pPr algn="l"/>
+            <a:r>
+              <a:rPr lang="en-IN" altLang="en-US" sz="1600" b="1" dirty="0">
+                <a:solidFill>
+                  <a:schemeClr val="tx1"/>
+                </a:solidFill>
+                <a:latin typeface="Bahnschrift SemiBold" panose="020B0502040204020203" pitchFamily="34" charset="0"/>
+                <a:sym typeface="+mn-ea"/>
+              </a:rPr>
+              <a:t>Linear Regression model:</a:t>
+            </a:r>
+          </a:p>
+          <a:p>
+            <a:pPr algn="l"/>
+            <a:r>
+              <a:rPr lang="en-IN" altLang="en-US" dirty="0">
+                <a:solidFill>
+                  <a:schemeClr val="bg1"/>
+                </a:solidFill>
+                <a:latin typeface="Bahnschrift Light" panose="020B0502040204020203" pitchFamily="34" charset="0"/>
+                <a:sym typeface="+mn-ea"/>
+              </a:rPr>
+              <a:t>Mean Squared Error : 0.11</a:t>
+            </a:r>
             <a:br>
-              <a:rPr lang="en-US" dirty="0"/>
+              <a:rPr lang="en-IN" altLang="en-US" dirty="0">
+                <a:solidFill>
+                  <a:schemeClr val="bg1"/>
+                </a:solidFill>
+                <a:latin typeface="Bahnschrift Light" panose="020B0502040204020203" pitchFamily="34" charset="0"/>
+                <a:sym typeface="+mn-ea"/>
+              </a:rPr>
             </a:br>
             <a:r>
-              <a:rPr lang="en-US" sz="2000" dirty="0">
+              <a:rPr lang="en-IN" altLang="en-US" dirty="0">
                 <a:solidFill>
                   <a:schemeClr val="bg1"/>
                 </a:solidFill>
                 <a:latin typeface="Bahnschrift Light" panose="020B0502040204020203" pitchFamily="34" charset="0"/>
-              </a:rPr>
-              <a:t>Now that we have linear regression models performing well.</a:t>
+                <a:sym typeface="+mn-ea"/>
+              </a:rPr>
+              <a:t>Root Mean Squared Error : 0</a:t>
             </a:r>
             <a:br>
-              <a:rPr lang="en-US" sz="2000" dirty="0">
+              <a:rPr lang="en-IN" altLang="en-US" dirty="0">
                 <a:solidFill>
                   <a:schemeClr val="bg1"/>
                 </a:solidFill>
                 <a:latin typeface="Bahnschrift Light" panose="020B0502040204020203" pitchFamily="34" charset="0"/>
+                <a:sym typeface="+mn-ea"/>
               </a:rPr>
             </a:br>
             <a:r>
-              <a:rPr lang="en-US" sz="2000" dirty="0">
+              <a:rPr lang="en-IN" altLang="en-US" dirty="0">
                 <a:solidFill>
                   <a:schemeClr val="bg1"/>
                 </a:solidFill>
                 <a:latin typeface="Bahnschrift Light" panose="020B0502040204020203" pitchFamily="34" charset="0"/>
-              </a:rPr>
-              <a:t>we need to predict Sales for next 6 weeks in Advance.</a:t>
+                <a:sym typeface="+mn-ea"/>
+              </a:rPr>
+              <a:t>Mean Absolute Error : 0.25</a:t>
             </a:r>
             <a:br>
-              <a:rPr lang="en-IN" sz="2000" dirty="0">
+              <a:rPr lang="en-IN" altLang="en-US" dirty="0">
                 <a:solidFill>
                   <a:schemeClr val="bg1"/>
                 </a:solidFill>
                 <a:latin typeface="Bahnschrift Light" panose="020B0502040204020203" pitchFamily="34" charset="0"/>
+                <a:sym typeface="+mn-ea"/>
               </a:rPr>
             </a:br>
             <a:r>
-              <a:rPr lang="en-IN" altLang="en-US" sz="2000" dirty="0">
+              <a:rPr lang="en-IN" altLang="en-US" dirty="0">
                 <a:solidFill>
                   <a:schemeClr val="bg1"/>
                 </a:solidFill>
                 <a:latin typeface="Bahnschrift Light" panose="020B0502040204020203" pitchFamily="34" charset="0"/>
-              </a:rPr>
-              <a:t>This is what our problem statement states and hence we have considered the last 42 days as our test data.</a:t>
-            </a:r>
-            <a:endParaRPr lang="en-IN" altLang="en-US" sz="2000" dirty="0">
+                <a:sym typeface="+mn-ea"/>
+              </a:rPr>
+              <a:t>Mean Absolute Percentage Error : 3.41 %</a:t>
+            </a:r>
+            <a:br>
+              <a:rPr lang="en-IN" altLang="en-US" dirty="0">
+                <a:solidFill>
+                  <a:schemeClr val="bg1"/>
+                </a:solidFill>
+                <a:latin typeface="Bahnschrift Light" panose="020B0502040204020203" pitchFamily="34" charset="0"/>
+                <a:sym typeface="+mn-ea"/>
+              </a:rPr>
+            </a:br>
+            <a:r>
+              <a:rPr lang="en-IN" altLang="en-US" dirty="0">
+                <a:solidFill>
+                  <a:schemeClr val="bg1"/>
+                </a:solidFill>
+                <a:latin typeface="Bahnschrift Light" panose="020B0502040204020203" pitchFamily="34" charset="0"/>
+                <a:sym typeface="+mn-ea"/>
+              </a:rPr>
+              <a:t>R-Square : 0.99</a:t>
+            </a:r>
+            <a:br>
+              <a:rPr lang="en-IN" altLang="en-US" dirty="0">
+                <a:solidFill>
+                  <a:schemeClr val="bg1"/>
+                </a:solidFill>
+                <a:latin typeface="Bahnschrift Light" panose="020B0502040204020203" pitchFamily="34" charset="0"/>
+                <a:sym typeface="+mn-ea"/>
+              </a:rPr>
+            </a:br>
+            <a:r>
+              <a:rPr lang="en-IN" altLang="en-US" dirty="0">
+                <a:solidFill>
+                  <a:schemeClr val="bg1"/>
+                </a:solidFill>
+                <a:latin typeface="Bahnschrift Light" panose="020B0502040204020203" pitchFamily="34" charset="0"/>
+                <a:sym typeface="+mn-ea"/>
+              </a:rPr>
+              <a:t>Adjusted R-Square :  0.99</a:t>
+            </a:r>
+            <a:endParaRPr lang="en-IN" altLang="en-US" dirty="0">
               <a:solidFill>
                 <a:schemeClr val="bg1"/>
               </a:solidFill>
               <a:latin typeface="Bahnschrift Light" panose="020B0502040204020203" pitchFamily="34" charset="0"/>
             </a:endParaRPr>
           </a:p>
+          <a:p>
+            <a:endParaRPr lang="en-US" dirty="0"/>
+          </a:p>
         </p:txBody>
       </p:sp>
-      <p:pic>
-        <p:nvPicPr>
-          <p:cNvPr id="3" name="Picture 2"/>
-          <p:cNvPicPr>
-            <a:picLocks noChangeAspect="1"/>
-          </p:cNvPicPr>
+      <p:sp>
+        <p:nvSpPr>
+          <p:cNvPr id="4" name="Text Box 3"/>
+          <p:cNvSpPr txBox="1"/>
           <p:nvPr/>
-        </p:nvPicPr>
-        <p:blipFill>
-          <a:blip r:embed="rId1">
-            <a:extLst>
-              <a:ext uri="{28A0092B-C50C-407E-A947-70E740481C1C}">
-                <a14:useLocalDpi xmlns:a14="http://schemas.microsoft.com/office/drawing/2010/main" val="0"/>
-              </a:ext>
-            </a:extLst>
-          </a:blip>
-          <a:stretch>
-            <a:fillRect/>
-          </a:stretch>
-        </p:blipFill>
+        </p:nvSpPr>
         <p:spPr>
           <a:xfrm>
-            <a:off x="5022273" y="2571750"/>
-            <a:ext cx="3888286" cy="2452313"/>
+            <a:off x="4431030" y="1418590"/>
+            <a:ext cx="4010660" cy="1631216"/>
           </a:xfrm>
           <a:prstGeom prst="rect">
             <a:avLst/>
           </a:prstGeom>
+          <a:noFill/>
         </p:spPr>
-      </p:pic>
+        <p:txBody>
+          <a:bodyPr wrap="square" rtlCol="0">
+            <a:spAutoFit/>
+          </a:bodyPr>
+          <a:lstStyle/>
+          <a:p>
+            <a:pPr algn="l"/>
+            <a:r>
+              <a:rPr lang="en-US" sz="1600" b="1" dirty="0">
+                <a:solidFill>
+                  <a:schemeClr val="tx1"/>
+                </a:solidFill>
+                <a:latin typeface="Bahnschrift SemiBold" panose="020B0502040204020203" pitchFamily="34" charset="0"/>
+              </a:rPr>
+              <a:t>Lasso Regression with cross validation</a:t>
+            </a:r>
+            <a:r>
+              <a:rPr lang="en-IN" altLang="en-US" sz="1600" b="1" dirty="0">
+                <a:solidFill>
+                  <a:schemeClr val="tx1"/>
+                </a:solidFill>
+                <a:latin typeface="Bahnschrift SemiBold" panose="020B0502040204020203" pitchFamily="34" charset="0"/>
+              </a:rPr>
+              <a:t>:</a:t>
+            </a:r>
+          </a:p>
+          <a:p>
+            <a:pPr algn="l"/>
+            <a:r>
+              <a:rPr lang="en-US" dirty="0">
+                <a:solidFill>
+                  <a:schemeClr val="bg1"/>
+                </a:solidFill>
+                <a:latin typeface="Bahnschrift Light" panose="020B0502040204020203" pitchFamily="34" charset="0"/>
+              </a:rPr>
+              <a:t>Mean Squared Error : 0.11</a:t>
+            </a:r>
+          </a:p>
+          <a:p>
+            <a:pPr algn="l"/>
+            <a:r>
+              <a:rPr lang="en-US" dirty="0">
+                <a:solidFill>
+                  <a:schemeClr val="bg1"/>
+                </a:solidFill>
+                <a:latin typeface="Bahnschrift Light" panose="020B0502040204020203" pitchFamily="34" charset="0"/>
+              </a:rPr>
+              <a:t>Root Mean Squared Error : 0</a:t>
+            </a:r>
+          </a:p>
+          <a:p>
+            <a:pPr algn="l"/>
+            <a:r>
+              <a:rPr lang="en-US" dirty="0">
+                <a:solidFill>
+                  <a:schemeClr val="bg1"/>
+                </a:solidFill>
+                <a:latin typeface="Bahnschrift Light" panose="020B0502040204020203" pitchFamily="34" charset="0"/>
+              </a:rPr>
+              <a:t>Mean Absolute Error : 0.25</a:t>
+            </a:r>
+          </a:p>
+          <a:p>
+            <a:pPr algn="l"/>
+            <a:r>
+              <a:rPr lang="en-US" dirty="0">
+                <a:solidFill>
+                  <a:schemeClr val="bg1"/>
+                </a:solidFill>
+                <a:latin typeface="Bahnschrift Light" panose="020B0502040204020203" pitchFamily="34" charset="0"/>
+              </a:rPr>
+              <a:t>Mean Absolute Percentage Error : 3.41 %</a:t>
+            </a:r>
+          </a:p>
+          <a:p>
+            <a:pPr algn="l"/>
+            <a:r>
+              <a:rPr lang="en-US" dirty="0">
+                <a:solidFill>
+                  <a:schemeClr val="bg1"/>
+                </a:solidFill>
+                <a:latin typeface="Bahnschrift Light" panose="020B0502040204020203" pitchFamily="34" charset="0"/>
+              </a:rPr>
+              <a:t>R-Square : 0.99</a:t>
+            </a:r>
+          </a:p>
+          <a:p>
+            <a:pPr algn="l"/>
+            <a:r>
+              <a:rPr lang="en-US" dirty="0">
+                <a:solidFill>
+                  <a:schemeClr val="bg1"/>
+                </a:solidFill>
+                <a:latin typeface="Bahnschrift Light" panose="020B0502040204020203" pitchFamily="34" charset="0"/>
+              </a:rPr>
+              <a:t>Adjusted R-Square :  0.99</a:t>
+            </a:r>
+          </a:p>
+        </p:txBody>
+      </p:sp>
+      <p:sp>
+        <p:nvSpPr>
+          <p:cNvPr id="5" name="Text Box 4"/>
+          <p:cNvSpPr txBox="1"/>
+          <p:nvPr/>
+        </p:nvSpPr>
+        <p:spPr>
+          <a:xfrm>
+            <a:off x="4431030" y="3233420"/>
+            <a:ext cx="3851275" cy="1599565"/>
+          </a:xfrm>
+          <a:prstGeom prst="rect">
+            <a:avLst/>
+          </a:prstGeom>
+          <a:noFill/>
+        </p:spPr>
+        <p:txBody>
+          <a:bodyPr wrap="square" rtlCol="0">
+            <a:spAutoFit/>
+          </a:bodyPr>
+          <a:lstStyle/>
+          <a:p>
+            <a:pPr algn="l"/>
+            <a:r>
+              <a:rPr lang="en-IN" altLang="en-US" b="1" dirty="0">
+                <a:solidFill>
+                  <a:schemeClr val="tx1"/>
+                </a:solidFill>
+                <a:latin typeface="Bahnschrift SemiBold" panose="020B0502040204020203" pitchFamily="34" charset="0"/>
+                <a:sym typeface="+mn-ea"/>
+              </a:rPr>
+              <a:t>Ridge</a:t>
+            </a:r>
+            <a:r>
+              <a:rPr lang="en-US" b="1" dirty="0">
+                <a:solidFill>
+                  <a:schemeClr val="tx1"/>
+                </a:solidFill>
+                <a:latin typeface="Bahnschrift SemiBold" panose="020B0502040204020203" pitchFamily="34" charset="0"/>
+                <a:sym typeface="+mn-ea"/>
+              </a:rPr>
+              <a:t> Regression with cross validation</a:t>
+            </a:r>
+            <a:r>
+              <a:rPr lang="en-IN" altLang="en-US" b="1" dirty="0">
+                <a:solidFill>
+                  <a:schemeClr val="tx1"/>
+                </a:solidFill>
+                <a:latin typeface="Bahnschrift SemiBold" panose="020B0502040204020203" pitchFamily="34" charset="0"/>
+                <a:sym typeface="+mn-ea"/>
+              </a:rPr>
+              <a:t>:</a:t>
+            </a:r>
+            <a:endParaRPr lang="en-IN" altLang="en-US" b="1" dirty="0">
+              <a:solidFill>
+                <a:schemeClr val="tx1"/>
+              </a:solidFill>
+              <a:latin typeface="Bahnschrift SemiBold" panose="020B0502040204020203" pitchFamily="34" charset="0"/>
+            </a:endParaRPr>
+          </a:p>
+          <a:p>
+            <a:pPr algn="l"/>
+            <a:r>
+              <a:rPr lang="en-US" dirty="0">
+                <a:solidFill>
+                  <a:schemeClr val="bg1"/>
+                </a:solidFill>
+                <a:latin typeface="Bahnschrift Light" panose="020B0502040204020203" pitchFamily="34" charset="0"/>
+              </a:rPr>
+              <a:t>Mean Squared Error : 0.11</a:t>
+            </a:r>
+          </a:p>
+          <a:p>
+            <a:pPr algn="l"/>
+            <a:r>
+              <a:rPr lang="en-US" dirty="0">
+                <a:solidFill>
+                  <a:schemeClr val="bg1"/>
+                </a:solidFill>
+                <a:latin typeface="Bahnschrift Light" panose="020B0502040204020203" pitchFamily="34" charset="0"/>
+              </a:rPr>
+              <a:t>Root Mean Squared Error : 0</a:t>
+            </a:r>
+          </a:p>
+          <a:p>
+            <a:pPr algn="l"/>
+            <a:r>
+              <a:rPr lang="en-US" dirty="0">
+                <a:solidFill>
+                  <a:schemeClr val="bg1"/>
+                </a:solidFill>
+                <a:latin typeface="Bahnschrift Light" panose="020B0502040204020203" pitchFamily="34" charset="0"/>
+              </a:rPr>
+              <a:t>Mean Absolute Error : 0.25</a:t>
+            </a:r>
+          </a:p>
+          <a:p>
+            <a:pPr algn="l"/>
+            <a:r>
+              <a:rPr lang="en-US" dirty="0">
+                <a:solidFill>
+                  <a:schemeClr val="bg1"/>
+                </a:solidFill>
+                <a:latin typeface="Bahnschrift Light" panose="020B0502040204020203" pitchFamily="34" charset="0"/>
+              </a:rPr>
+              <a:t>Mean Absolute Percentage Error : 3.41 %</a:t>
+            </a:r>
+          </a:p>
+          <a:p>
+            <a:pPr algn="l"/>
+            <a:r>
+              <a:rPr lang="en-US" dirty="0">
+                <a:solidFill>
+                  <a:schemeClr val="bg1"/>
+                </a:solidFill>
+                <a:latin typeface="Bahnschrift Light" panose="020B0502040204020203" pitchFamily="34" charset="0"/>
+              </a:rPr>
+              <a:t>R-Square : 0.99</a:t>
+            </a:r>
+          </a:p>
+          <a:p>
+            <a:pPr algn="l"/>
+            <a:r>
+              <a:rPr lang="en-US" dirty="0">
+                <a:solidFill>
+                  <a:schemeClr val="bg1"/>
+                </a:solidFill>
+                <a:latin typeface="Bahnschrift Light" panose="020B0502040204020203" pitchFamily="34" charset="0"/>
+              </a:rPr>
+              <a:t>Adjusted R-Square :  0.99</a:t>
+            </a:r>
+          </a:p>
+        </p:txBody>
+      </p:sp>
+      <p:sp>
+        <p:nvSpPr>
+          <p:cNvPr id="6" name="Text Box 5"/>
+          <p:cNvSpPr txBox="1"/>
+          <p:nvPr/>
+        </p:nvSpPr>
+        <p:spPr>
+          <a:xfrm>
+            <a:off x="311785" y="3233420"/>
+            <a:ext cx="3619500" cy="1631216"/>
+          </a:xfrm>
+          <a:prstGeom prst="rect">
+            <a:avLst/>
+          </a:prstGeom>
+          <a:noFill/>
+        </p:spPr>
+        <p:txBody>
+          <a:bodyPr wrap="square" rtlCol="0">
+            <a:spAutoFit/>
+          </a:bodyPr>
+          <a:lstStyle/>
+          <a:p>
+            <a:pPr algn="l"/>
+            <a:r>
+              <a:rPr lang="en-IN" altLang="en-US" sz="1600" b="1" dirty="0">
+                <a:solidFill>
+                  <a:schemeClr val="tx1"/>
+                </a:solidFill>
+                <a:latin typeface="Bahnschrift SemiBold" panose="020B0502040204020203" pitchFamily="34" charset="0"/>
+              </a:rPr>
+              <a:t>ElasticNet Regression:</a:t>
+            </a:r>
+            <a:endParaRPr lang="en-US" sz="1600" b="1" dirty="0">
+              <a:solidFill>
+                <a:schemeClr val="tx1"/>
+              </a:solidFill>
+              <a:latin typeface="Bahnschrift SemiBold" panose="020B0502040204020203" pitchFamily="34" charset="0"/>
+            </a:endParaRPr>
+          </a:p>
+          <a:p>
+            <a:pPr algn="l"/>
+            <a:r>
+              <a:rPr lang="en-US" dirty="0">
+                <a:solidFill>
+                  <a:schemeClr val="bg1"/>
+                </a:solidFill>
+                <a:latin typeface="Bahnschrift Light" panose="020B0502040204020203" pitchFamily="34" charset="0"/>
+              </a:rPr>
+              <a:t>Mean Squared Error : 0.11</a:t>
+            </a:r>
+          </a:p>
+          <a:p>
+            <a:pPr algn="l"/>
+            <a:r>
+              <a:rPr lang="en-US" dirty="0">
+                <a:solidFill>
+                  <a:schemeClr val="bg1"/>
+                </a:solidFill>
+                <a:latin typeface="Bahnschrift Light" panose="020B0502040204020203" pitchFamily="34" charset="0"/>
+              </a:rPr>
+              <a:t>Root Mean Squared Error : 0</a:t>
+            </a:r>
+          </a:p>
+          <a:p>
+            <a:pPr algn="l"/>
+            <a:r>
+              <a:rPr lang="en-US" dirty="0">
+                <a:solidFill>
+                  <a:schemeClr val="bg1"/>
+                </a:solidFill>
+                <a:latin typeface="Bahnschrift Light" panose="020B0502040204020203" pitchFamily="34" charset="0"/>
+              </a:rPr>
+              <a:t>Mean Absolute Error : 0.25</a:t>
+            </a:r>
+          </a:p>
+          <a:p>
+            <a:pPr algn="l"/>
+            <a:r>
+              <a:rPr lang="en-US" dirty="0">
+                <a:solidFill>
+                  <a:schemeClr val="bg1"/>
+                </a:solidFill>
+                <a:latin typeface="Bahnschrift Light" panose="020B0502040204020203" pitchFamily="34" charset="0"/>
+              </a:rPr>
+              <a:t>Mean Absolute Percentage Error : 3.41 %</a:t>
+            </a:r>
+          </a:p>
+          <a:p>
+            <a:pPr algn="l"/>
+            <a:r>
+              <a:rPr lang="en-US" dirty="0">
+                <a:solidFill>
+                  <a:schemeClr val="bg1"/>
+                </a:solidFill>
+                <a:latin typeface="Bahnschrift Light" panose="020B0502040204020203" pitchFamily="34" charset="0"/>
+              </a:rPr>
+              <a:t>R-Square : 0.99</a:t>
+            </a:r>
+          </a:p>
+          <a:p>
+            <a:pPr algn="l"/>
+            <a:r>
+              <a:rPr lang="en-US" dirty="0">
+                <a:solidFill>
+                  <a:schemeClr val="bg1"/>
+                </a:solidFill>
+                <a:latin typeface="Bahnschrift Light" panose="020B0502040204020203" pitchFamily="34" charset="0"/>
+              </a:rPr>
+              <a:t>Adjusted R-Square :  0.99</a:t>
+            </a:r>
+          </a:p>
+        </p:txBody>
+      </p:sp>
     </p:spTree>
   </p:cSld>
   <p:clrMapOvr>
@@ -11785,53 +12150,229 @@
             <a:r>
               <a:rPr lang="en-US" dirty="0">
                 <a:latin typeface="Bahnschrift SemiBold" panose="020B0502040204020203" pitchFamily="34" charset="0"/>
-                <a:sym typeface="+mn-ea"/>
-              </a:rPr>
-              <a:t>Predicting Sales for next six weeks</a:t>
+              </a:rPr>
+              <a:t>Stack Model</a:t>
             </a:r>
             <a:r>
               <a:rPr lang="en-IN" altLang="en-US" dirty="0">
                 <a:latin typeface="Bahnschrift SemiBold" panose="020B0502040204020203" pitchFamily="34" charset="0"/>
-                <a:sym typeface="+mn-ea"/>
               </a:rPr>
               <a:t>:</a:t>
             </a:r>
-            <a:br>
-              <a:rPr lang="en-IN" altLang="en-US" dirty="0">
-                <a:latin typeface="Bahnschrift SemiBold" panose="020B0502040204020203" pitchFamily="34" charset="0"/>
-                <a:sym typeface="+mn-ea"/>
-              </a:rPr>
-            </a:br>
-            <a:endParaRPr lang="en-US" dirty="0">
-              <a:latin typeface="Bahnschrift SemiBold" panose="020B0502040204020203" pitchFamily="34" charset="0"/>
-            </a:endParaRPr>
           </a:p>
         </p:txBody>
       </p:sp>
-      <p:pic>
-        <p:nvPicPr>
-          <p:cNvPr id="4" name="Picture 3"/>
-          <p:cNvPicPr>
-            <a:picLocks noChangeAspect="1"/>
-          </p:cNvPicPr>
-          <p:nvPr/>
-        </p:nvPicPr>
-        <p:blipFill>
-          <a:blip r:embed="rId1"/>
-          <a:stretch>
-            <a:fillRect/>
-          </a:stretch>
-        </p:blipFill>
-        <p:spPr>
-          <a:xfrm>
-            <a:off x="311700" y="1205345"/>
-            <a:ext cx="8520600" cy="3699164"/>
-          </a:xfrm>
-          <a:prstGeom prst="rect">
-            <a:avLst/>
-          </a:prstGeom>
-        </p:spPr>
-      </p:pic>
+      <p:sp>
+        <p:nvSpPr>
+          <p:cNvPr id="3" name="Text Placeholder 2"/>
+          <p:cNvSpPr>
+            <a:spLocks noGrp="1"/>
+          </p:cNvSpPr>
+          <p:nvPr>
+            <p:ph type="body" idx="1"/>
+          </p:nvPr>
+        </p:nvSpPr>
+        <p:spPr/>
+        <p:txBody>
+          <a:bodyPr/>
+          <a:lstStyle/>
+          <a:p>
+            <a:pPr marL="114300" indent="0">
+              <a:buNone/>
+            </a:pPr>
+            <a:r>
+              <a:rPr lang="en-US" dirty="0">
+                <a:solidFill>
+                  <a:schemeClr val="bg1"/>
+                </a:solidFill>
+              </a:rPr>
+              <a:t>Stacking is a good way to combine all the predictions from different models into one. We can adjust weights for each model in stacking</a:t>
+            </a:r>
+            <a:r>
+              <a:rPr lang="en-US" dirty="0" smtClean="0">
+                <a:solidFill>
+                  <a:schemeClr val="bg1"/>
+                </a:solidFill>
+              </a:rPr>
+              <a:t>.</a:t>
+            </a:r>
+          </a:p>
+          <a:p>
+            <a:pPr marL="114300" indent="0">
+              <a:buNone/>
+            </a:pPr>
+            <a:endParaRPr lang="en-US" dirty="0" smtClean="0">
+              <a:solidFill>
+                <a:schemeClr val="tx1"/>
+              </a:solidFill>
+            </a:endParaRPr>
+          </a:p>
+          <a:p>
+            <a:pPr marL="114300" indent="0">
+              <a:buNone/>
+            </a:pPr>
+            <a:r>
+              <a:rPr lang="en-US" b="1" dirty="0" smtClean="0">
+                <a:solidFill>
+                  <a:schemeClr val="tx1"/>
+                </a:solidFill>
+              </a:rPr>
+              <a:t>Evaluation metrics of our Stack model:</a:t>
+            </a:r>
+            <a:endParaRPr lang="en-US" b="1" dirty="0">
+              <a:solidFill>
+                <a:schemeClr val="tx1"/>
+              </a:solidFill>
+            </a:endParaRPr>
+          </a:p>
+          <a:p>
+            <a:pPr marL="114300" indent="0">
+              <a:buNone/>
+            </a:pPr>
+            <a:r>
+              <a:rPr lang="en-US" dirty="0">
+                <a:solidFill>
+                  <a:schemeClr val="bg1"/>
+                </a:solidFill>
+              </a:rPr>
+              <a:t>Mean Squared Error : 0.11 </a:t>
+            </a:r>
+            <a:endParaRPr lang="en-US" dirty="0" smtClean="0">
+              <a:solidFill>
+                <a:schemeClr val="bg1"/>
+              </a:solidFill>
+            </a:endParaRPr>
+          </a:p>
+          <a:p>
+            <a:pPr marL="114300" indent="0">
+              <a:buNone/>
+            </a:pPr>
+            <a:r>
+              <a:rPr lang="en-US" dirty="0" smtClean="0">
+                <a:solidFill>
+                  <a:schemeClr val="bg1"/>
+                </a:solidFill>
+              </a:rPr>
+              <a:t>Root </a:t>
+            </a:r>
+            <a:r>
+              <a:rPr lang="en-US" dirty="0">
+                <a:solidFill>
+                  <a:schemeClr val="bg1"/>
+                </a:solidFill>
+              </a:rPr>
+              <a:t>Mean Squared Error : 0 </a:t>
+            </a:r>
+            <a:endParaRPr lang="en-US" dirty="0" smtClean="0">
+              <a:solidFill>
+                <a:schemeClr val="bg1"/>
+              </a:solidFill>
+            </a:endParaRPr>
+          </a:p>
+          <a:p>
+            <a:pPr marL="114300" indent="0">
+              <a:buNone/>
+            </a:pPr>
+            <a:r>
+              <a:rPr lang="en-US" dirty="0" smtClean="0">
+                <a:solidFill>
+                  <a:schemeClr val="bg1"/>
+                </a:solidFill>
+              </a:rPr>
+              <a:t>Mean </a:t>
+            </a:r>
+            <a:r>
+              <a:rPr lang="en-US" dirty="0">
+                <a:solidFill>
+                  <a:schemeClr val="bg1"/>
+                </a:solidFill>
+              </a:rPr>
+              <a:t>Absolute Error : 0.25 </a:t>
+            </a:r>
+            <a:endParaRPr lang="en-US" dirty="0" smtClean="0">
+              <a:solidFill>
+                <a:schemeClr val="bg1"/>
+              </a:solidFill>
+            </a:endParaRPr>
+          </a:p>
+          <a:p>
+            <a:pPr marL="114300" indent="0">
+              <a:buNone/>
+            </a:pPr>
+            <a:r>
+              <a:rPr lang="en-US" dirty="0" smtClean="0">
+                <a:solidFill>
+                  <a:schemeClr val="bg1"/>
+                </a:solidFill>
+              </a:rPr>
+              <a:t>Mean </a:t>
+            </a:r>
+            <a:r>
+              <a:rPr lang="en-US" dirty="0">
+                <a:solidFill>
+                  <a:schemeClr val="bg1"/>
+                </a:solidFill>
+              </a:rPr>
+              <a:t>Absolute Percentage Error : 3.41 % </a:t>
+            </a:r>
+            <a:endParaRPr lang="en-US" dirty="0" smtClean="0">
+              <a:solidFill>
+                <a:schemeClr val="bg1"/>
+              </a:solidFill>
+            </a:endParaRPr>
+          </a:p>
+          <a:p>
+            <a:pPr marL="114300" indent="0">
+              <a:buNone/>
+            </a:pPr>
+            <a:r>
+              <a:rPr lang="en-US" dirty="0" smtClean="0">
+                <a:solidFill>
+                  <a:schemeClr val="bg1"/>
+                </a:solidFill>
+              </a:rPr>
+              <a:t>R-Square </a:t>
+            </a:r>
+            <a:r>
+              <a:rPr lang="en-US" dirty="0">
+                <a:solidFill>
+                  <a:schemeClr val="bg1"/>
+                </a:solidFill>
+              </a:rPr>
+              <a:t>: 0.99 </a:t>
+            </a:r>
+            <a:endParaRPr lang="en-US" dirty="0" smtClean="0">
+              <a:solidFill>
+                <a:schemeClr val="bg1"/>
+              </a:solidFill>
+            </a:endParaRPr>
+          </a:p>
+          <a:p>
+            <a:pPr marL="114300" indent="0">
+              <a:buNone/>
+            </a:pPr>
+            <a:r>
+              <a:rPr lang="en-US" dirty="0" smtClean="0">
+                <a:solidFill>
+                  <a:schemeClr val="bg1"/>
+                </a:solidFill>
+              </a:rPr>
+              <a:t>Adjusted </a:t>
+            </a:r>
+            <a:r>
+              <a:rPr lang="en-US" dirty="0">
+                <a:solidFill>
+                  <a:schemeClr val="bg1"/>
+                </a:solidFill>
+              </a:rPr>
+              <a:t>R-Square : 0.99</a:t>
+            </a:r>
+          </a:p>
+          <a:p>
+            <a:endParaRPr lang="hi-IN" dirty="0"/>
+          </a:p>
+        </p:txBody>
+      </p:sp>
     </p:spTree>
   </p:cSld>
   <p:clrMapOvr>
@@ -11883,9 +12424,6 @@
               </a:rPr>
               <a:t>Problem Statement:</a:t>
             </a:r>
-            <a:endParaRPr lang="en-IN" altLang="en-US" dirty="0">
-              <a:latin typeface="Bahnschrift SemiBold" panose="020B0502040204020203" pitchFamily="34" charset="0"/>
-            </a:endParaRPr>
           </a:p>
         </p:txBody>
       </p:sp>
@@ -11918,12 +12456,6 @@
               </a:rPr>
               <a:t>Rossmann store managers are tasked with predicting their daily sales for up to six weeks in advance. </a:t>
             </a:r>
-            <a:endParaRPr lang="en-US" sz="2000" dirty="0">
-              <a:solidFill>
-                <a:schemeClr val="bg1"/>
-              </a:solidFill>
-              <a:latin typeface="Bahnschrift Light" panose="020B0502040204020203" pitchFamily="34" charset="0"/>
-            </a:endParaRPr>
           </a:p>
           <a:p>
             <a:endParaRPr lang="en-US" sz="2000" dirty="0">
@@ -11961,12 +12493,6 @@
               </a:rPr>
               <a:t> and were asked to predict the same</a:t>
             </a:r>
-            <a:endParaRPr lang="en-IN" altLang="en-US" sz="2000" dirty="0">
-              <a:solidFill>
-                <a:schemeClr val="bg1"/>
-              </a:solidFill>
-              <a:latin typeface="Bahnschrift Light" panose="020B0502040204020203" pitchFamily="34" charset="0"/>
-            </a:endParaRPr>
           </a:p>
         </p:txBody>
       </p:sp>
@@ -11979,7 +12505,7 @@
           <p:nvPr/>
         </p:nvPicPr>
         <p:blipFill>
-          <a:blip r:embed="rId1">
+          <a:blip r:embed="rId2">
             <a:extLst>
               <a:ext uri="{28A0092B-C50C-407E-A947-70E740481C1C}">
                 <a14:useLocalDpi xmlns:a14="http://schemas.microsoft.com/office/drawing/2010/main" val="0"/>
@@ -12017,7 +12543,14 @@
         <p:cNvGrpSpPr/>
         <p:nvPr/>
       </p:nvGrpSpPr>
-      <p:grpSpPr/>
+      <p:grpSpPr>
+        <a:xfrm>
+          <a:off x="0" y="0"/>
+          <a:ext cx="0" cy="0"/>
+          <a:chOff x="0" y="0"/>
+          <a:chExt cx="0" cy="0"/>
+        </a:xfrm>
+      </p:grpSpPr>
       <p:sp>
         <p:nvSpPr>
           <p:cNvPr id="2" name="Title 1"/>
@@ -12031,15 +12564,248 @@
         <p:spPr/>
         <p:txBody>
           <a:bodyPr/>
+          <a:lstStyle/>
           <a:p>
             <a:r>
-              <a:rPr lang="en-IN" altLang="en-US"/>
-              <a:t>Ameen</a:t>
-            </a:r>
-            <a:endParaRPr lang="en-IN" altLang="en-US"/>
+              <a:rPr lang="en-US" dirty="0" smtClean="0"/>
+              <a:t>Graph for Stack Model:</a:t>
+            </a:r>
+            <a:endParaRPr lang="hi-IN" dirty="0"/>
           </a:p>
         </p:txBody>
       </p:sp>
+      <p:sp>
+        <p:nvSpPr>
+          <p:cNvPr id="7" name="AutoShape 8" descr="data:image/png;base64,iVBORw0KGgoAAAANSUhEUgAAA54AAAFlCAYAAACDRTcUAAAABHNCSVQICAgIfAhkiAAAAAlwSFlzAAALEgAACxIB0t1+/AAAADh0RVh0U29mdHdhcmUAbWF0cGxvdGxpYiB2ZXJzaW9uMy4yLjIsIGh0dHA6Ly9tYXRwbG90bGliLm9yZy+WH4yJAAAgAElEQVR4nOyddVzV1//Hn5+bNNIiBmCC3d04dW4zVurCpdtcfxcufuvu7nRubtPN2oxZs7sVUEJARUJAGm5+fn8cUJD0AiLzPB8PHuLnfu7nnnv53HPOu15vRVVVJBKJRCKRSCQSiUQiaSg0jT0AiUQikUgkEolEIpH8t5GGp0QikUgkEolEIpFIGhRpeEokEolEIpFIJBKJpEGRhqdEIpFIJBKJRCKRSBoUaXhKJBKJRCKRSCQSiaRBkYanRCKRSCQSiUQikUgaFN3FfDFfX181ODj4Yr6kRCKRSCQSiUQikUguEnv27MlQVdXv/OMX1fAMDg5m9+7dF/MlJRKJRCKRSCQSiURykVAUJamy4zWm2iqK8r2iKOmKohwuc8xbUZTViqLElvzrVZ+DlUgkEolEIpFIJBLJf4fa1Hj+CIw779hTwFpVVdsDa0v+L5FIJBKJRCKRSCQSSQVqNDxVVd0IZJ13eCIwp+T3OcCkeh6XRCKRSCQSiUQikUj+IziqahugqmpKye+pQEBVJyqKMlNRlN2Kouw+ffq0gy8nkUgkEolEIpFIJJKmSp3bqaiqqgJqNY9/rapqH1VV+/j5VRA3kkgkEolEIpFIJBLJfxxHDc80RVECAUr+Ta+/IUkkEolEIpFIJBKJ5L+Eo4bnUmBGye8zgCX1MxyJRCKRSCQSiUQikfzXqE07lV+BbUBHRVFOKopyJ/AmMEZRlFggouT/EolEIpFIJBKJRCKRVEBX0wmqqk6r4qHR9TwWiUQikUgkEolEIpH8B6mzuJBEIpFIJBKJRCKRSCTVIQ1PiUQikUgkEolEIpE0KNLwlEgkkgYkt9jCiazCxh6GRCKR1Dsnsgqx2uyNPQyJRNJEkIanRCKRNCAvLo1k4mdbsMjNmUQi+Q9xpsDM6Pc3MHd7UmMPRSKRNBGk4SlpckSn5HI0Na+xhyGR1IjFZmd1VBpZBWa2H8ts7OFIJJJa8tSfB/l6Y3xjD+OSJiolF7PVzsaY0409FIlE0kSQhqekyfHC0kheXRbV2MOQSGpkZ0IWecVWAFYcTm3k0Ugkktpgs6ss2pfMD1sSUVW1sYdzyRKdkgvA7sQzMt1WIpHUCml4SpocBSYrhWZbYw9DIqmR1VFpGHUaRnfyZ1VkKja73MRKJJc6J7IKMVntpOQUE3kqt7GHc8kSVfLZ5JmsRKXIz0kikdSMNDwlTQ6z1Y7ZKr2rkksbVVVZHZXG0Pa+TOoZREa+mT1JZxp7WBKJpAaOpp0r5VgTndaII7m0iUrJJTzQA0CWEkgkklohDU9Jk8Nsk4an5NInOiWP5OwixoQHMLKTPwadhhWHUxp7WBKJpAZiSwzPsEAPaXhWgdlqJ/50PsM6+BHq58qOY1mNPSSJRNIEkIanpMlhttoxy3oSySXOmug0FAVGdQrAzahjWHs//jmc+p+sGVNVla1xGbLOS/KfICYtn6Bmzkzs0YLDybmk5BQ19pAuOeLS87HYVMIC3ekf4sPOhCxZSiCRSGpEGp6SJofZasdkkTWekkub1VFp9GzVDD93IwDjujTnVE4xB0/mNPLI6p8NMaeZ/u0OXlse3dhDkUjqTExaHh0C3IgI8wdgTXR6I4/o0qNUWCg80IMBod6izlPWw0okkhqQhqekyWGSEU/JJU5KThGHknMYE9787LExYQHoNMp/Ut12xSHxnn7YksiygzKdWNJ0sdrsHDtdQIcAd9r6uRHs48JamW5bgeiUXIw6DSG+rgwI9QFgR8LlWed5psDM5tiMBn2NbzcdY8HuE//JjBnJ5YU0PCVNDrPVjknWeEouYUojJGPC/c8e83TRM7CtDysPp/ynNg9Wm51VUalc2bU5PVs3Y/afBzl2Or+xhyWROERiZiFmm50OAe4oikJEWABb4zIpMFkbe2iXFNGpuXRs7o5OqyHAw4kQX9fLVmDot10nuPm7HUSeaphslqTMAl5bHs0TfxzksfkHKDTLe1HSdJGGp6RJoaqqFBeSXPKsjkojxNeVtn5u5Y6P69KcxMzCcqqZdaXYYmPsBxuZv/tEvV3zQtiZmMWZQgtXd2vBp9N7odcqzPplL0Wy5ZGkCVIqLNQhwB2AiPAAzDY7m2JPN+awLilUVSU6JY+w5h5njw0I9WbHZVrnWeqU+HrjsQa5/rwdx9EoCncPDWHR/mQmf7ZVOvckTRZpeEqaFKUptmab/T8VNZL8d8grtrAtPoOIMH8URSn32BXhzVGUc6mp9cHSA6c4mpbHj1sS6+2aF8LKw6k46TUM7+hHUDNnPrixB0fT8nh+yeFGGY9EUhdi0vJRFGjnL5xGfdp44emsZ3WUrPMsJT3PRFaBmbBA97PH+of4kFdsPVv7eTlRui/5+2AKJ7IK6/XaxRYb83efYExYAM9OCGfO7f1Izyvmmk+3sOKQLGuQND2k4SlpUpRGOlUVrJehZ1Vy6bMxJgOLTS1X31mKn7uRvm28WVlPdZ6qqvLTtkQURfTUi6nHSGptsNtVVh5OZXgHP1wMOgBGdPTnwZHtWLDnJPN3NU4UViJxlJi0PFp5ueBs0AKg02oY1cmfdUfSLstoXmVElRiXYYHnIp79Q72By7Ofp9lqx6DVoFHgu80J9XrtFYdTOFNo4eYBbQAY1sGPvx8aSjt/N+77ZS+v/B2FRWpeSJoQ0vCUNCnK1nbKOs/GxW5XiUuX6T7nsyY6DS8XPb1aN6v08XFdmnM0La9eUqX2ncjmcHIuD49uj1ajsHhfcp2veaGvn55nYnyXwHLHH47owOB2Pjy35LBUupQ0KYSirXu5YxFhAZwptLD3+JlGGtWlRWlUs1MZwzPQ05lgHxe2X4b9PE1WGx7Oeib2COK3XcfJKjDX27Xnbksi1NeVQW19zh4LaubM/HsGMmNgG77bnMC0r7eTmlNcb695OfP95gTeWCHV2RsSaXhKmhRlaztlnWfj8uGaGCLe38DMn3ZzKlv2uQOw2OysO5LOqE4B6LSVT6/juohI6MrIukc9525Lws2o466hoQxt78uS/aewX8SozMrDKei1CqPC/Msd12oUPprak2Yuemb9sofcYstFG5NE4ihmq52EjAI6BJSvzR7WwRe9VmFNlFS3BYg6lUtQM2c8nfXljvcP8WFXYtZFnYMuBUxWO0adhnuGhVJssfPTtsR6uW7kqRz2Hs9mev/WaDTlyzYMOg0vTezCR1N7EHkql6s+2cTOhMvP6K9PrDY7n6yL5asNx6STqQGRhqekSSENz0uDxIwCvtxwjPBADzbGnmbM+xv4dtMxrJd5ys/uxDPkFFkYEx5Q5TktmjnTvaVnndNtM/JNLDuYwrW9gnAz6pjcM4jk7CJ2JV6czYeqqqyMTGVwO188nPQVHvd1M/Lp9F6cOFPEkwsOyppsRJZATpE0wi9VEjMLsNrVChFPdyc9A0J9WCPbqgAi4lk2zbaUAW29ySmyEJ16eWU5mEsMz/YB7kSE+TNna2K9KM/+vP04TnoN1/duVeU5E3sEsfSBwRh1Wl5dFlXn17yc2XYskzOFFrQahTeXH5FrVgMhDU/JWaw2O7N+2cP/LT7k8DVOnink+SWHScosqMeRnaNs/05peDYer/wdhV6r8OPtfVn96HD6hnjz6rJoJn62hQMnsht7eI3G6qg0DDoNQ9v7VnveuC6BHDyZQ3IdIsW/7zqB2WbnloGi9mdMeAAuBi2L91+cdNvIU7mcyCpifJeKtayl9A32Zva4jqyMTOX7RhI/upRYdiiFQW+sle0QLlGOpooa6fbnRTxBpNvGny647NVEiy02EjIKCA90r/BY/5CSfp6XWbqtyWrHoBPb6XuGt+VMoYUFu0/W6Zp5xRaW7E/m6m4t8HSp6NgrS/sAd3q18SK/WM4rdWH5oRRcDVqeHt+JnYlZrI2WgmINgTQ8JWd5Y8URlh9KZd6O46TkOLYh/uzfeH7alsS4Dzcxd1tivafclIt42v677Rp2JWZx+w8767VWpL5YG53G2iPpPBLRAX8PJ1p5u/DDbX35bHovTueZmPT5Fl5YcviyS69UVZXV0akMaeeLq1FX7bln020djHpabXZ+2Z7E4HY+tPMXG0AXg46xnZuz7GAKJmvDfzdWHk5Fo1CpiFJZ7h4ayhXhAbyxPJodl6HwSFlOZRdRYLaRJzeIlySxaXloFCq0QQIYXZJOfrlvRo+m5mFXqTTi2aKZM629XS5IYGj/iWxWN/EU5tKIJwhnW+82XnxTxwygRfuSKTTbzjoWa8Kg1UjdizpgsdlZeTiViPAAZgwKJsTXlbdWHpGCYg2ANDwlACzce5LvNicwoWsgdhXm77pwb12ph25MeAB9gr14bkkkt3y/g5Nn6k9evOyGutjy35xki8w2Hpt/gH+PnubjtbGNPZxyFFtsvPRXFO383bhtcPDZ44qiMKFbIGseG86tA9rw0/YkIt7bwLKDKZdNukpMWj4nsoqICKs6zbaUEF9XOjV3Z+Vhx+Tw1x5J51ROMbcMCC53fFLPIHKLrfx7pOF7Dq6MTKV/iA/eroZqz1MUhXeu705rbxfunLObPUmXVzSkLKWOs0s5WyM5u4g3Vxzhzz0niT+d3yD1enHp+aTlXnpiKDFp+QT7uOKk11Z4rKWXC2GBHqy+zNNtS4WFwltUNDxB9PPcWcs6z0Kzlbt/2s29P+9p0iJkJqvtbMQT4J5hoZw8U8QyB9udqKrK3G1JdGvpSbeWlYvUnY+TTsVqubycvfXJtniRZntl10D0Wg1PjO1IbHo+f+6pW+RaUhFpeEo4eDKbpxYeYkCoNx9O7cHQ9r78vuv4BXt6Fu8/RaHZxv0j2/HTHf14Y0pX9h/PZtyHm/ht5/F6MUBMVjtuFOJKUbm02ybHmSSIW1vpQx+tjeV4ViF92njx8/akSyq16+uNxzieVchL13RGX4l4joeTnpcmdmHxrMH4uRu5f95eXlsWfVkYn6ujRPQy4jyhnaoY16U5u5POkJ534RvwuduSaOHpVOG1Brf1wdfN2ODqtnHpecSl5zO+a/XRzlI8nfXMu3sAfu5GZny/67I1Ps0WMy2V0xclIu0oKw6l8OWGeB5bcIDR722gx8uruPX7nby/OoZ/j6Rzph6yMB78dR9Tv95+yaUcx6TnVZpmW8qYMH92J2bVy2fQVIlOycXVoKWVl0uljw8I9SG70MLRWrR2+mFLIqfzTDjrtTy7+FCTFSUSEc9zzoqIsADa+rny1YZjDq19OxOyiE3P5+b+tYh22u2w/1eejL6ed21vXPBrSQSlabbDO/gBML5Lc3q0asb7q2MoMl+683VTRBqelzkZ+SbumbsHPzcjn03vhV6rYXq/1pzKKWZDTO1TilRV5ZftSXRu4UH3lp4oisK0fq1Z+cgwugZ58tTCQ9z+4646S36brXY+0H/BW/pvLumoQY1s/xx+vhZO7i53ODoll282HeO63i354ubeGHUa3lhxpHHGaMqHrGNn/3siq5DP/o1jQtdABrervoaxe6tmLLl/MDMGtuHbzQk8u/hwk91U1JbV0en0aNUMfw+nWp0/vksgqgqrIi8sghKXns/muAym929dQTlXp9VwTfcWrDuSTk5hw3m/S1OEx3auneEJ0NzTiV8vc+OzfdoK1hgex1xw6UZ3StP1/n5wCG9d25UJ3QJJzy3m03Wx3P7jLnq+spqI9zfUSck6t8hCQkYBbzXW3FYJxRYbiRkFFYSFyjI6LAC7Cv8evXzTbaNT8ugU6FFBZbWU/qGizrOmdNszBWa+XB9PRJg/L0/szL7j2czbebzex3sx8DcncW3+L2AVDgmNRuGeYW2JSsllU2zGBV/v5x3H8XDScXX3FtWfeGwDfD0cFt+LuyWDIPXyjsY7isVmZ2VkKmPCA85mOyiKwlPjO5GaW8wPW+u3N2udKToDtkvLaXchSMOzDCey6i8ltClgsdmZ9ctesgrMfHVLb3zcjABEhAfg62Zk3o7aN3/fezybI6l5PNzhDMo3I2HB7bDpfVplbuGXG9vw0tXh7DiWxZgPNvDnnpMOR8DMVjsBShb+ypnGMzxN+XDgd8g95fg1zPmACksfApswEGx2lacXHsLTWc+zV4bh525k1sh2rI5Ku/hNue12+OU6+HwgZIh031eXRaFRFJ6dEFarS+i0Gl4cE8R9I9oyb8dxHl9woGmq3poLoYb7NS23mAMnsitXs907F+ZcA+teFVFuk4gEdAhwI8TXlX8usK3Kz9uTMGg1TO3XutLHJ/cMwmyzs9zBNN7asOJwKr1aNyOgrJFts4r7phoqGp+Xl2S9kykTJ8WCrfgSNjwtwrvfuYUHN/ZtzRtTurHykWEcenEsv949gNsHBxOXnk9MLSJaVb6G1Y5eqzBnWxJb4i58Y94QHDtdgF2lWsOza5An/u7G/4y6rcVmvyCBM1VViU7NJaxUWCgvDb4dA8ufFL8jeky28naucc36fH0c+WYrT4ztxOSeQQxq68NbK484lAFSJVYzHFwAP19XZYZRfTCgaBOTs+fAn3ecXc8n9mxBgIeRrzbGX9C1TueZWHk4het6t8LZUDHlG4D0I/DLDfDTNcIImfItR/zGolctl0V2UX2zLT6T7JI027IMCPVhVCd/vlgff2llOSx9CL4fW+N6e6kiDc8SFuw8xuvvvnlJpTU2NK/+HcXOhEzeu6YtXZwyIGkrRC5Gn3eS6/u0ZN2RtFqLDP2yIwlvo52ImBch+zgk74a1L8Ev16H5oBMztkSwN/gzXnX5nfV/fsGOOMcWbrPNjhELRiwX3/DMPw3rXoMPOsOimbDrW8evZTWBRgfpkbDlI0B8hvtPZPPcVWF4ldTN3TkkhBaeTry2LPriRgz3/ADHt4HdBotnseFIKv9EpvHAqHa0aOZcu2tELUV5O4TZHmt4/IoOLNyXzIO/7mtakerjO+DdDrDq/6o9rXQjWsHwzD4BK56EtMOw6T34eQq82Qa+Go7yzzM82OIIR+MTyC6s3aJWYLLy556TXNm1Ob4ljqLz6RLkQVs/VxY1ULrt8cxCIk/lMr5LmUU6cTO8FQwve8GrAfBWCLzfGT7tC18Ng+/Hwy/Xw7EN5xmfOy8v49NqAsBiuvTqG0sx2YRQiqKUj2i5GnUMbOvDtb1aivPq8D02WW1c26slob6uPLHgwCUhRBabXuoQqtrw1GgURocFsDEm45JOl64t32w6xsh315Ney3rbk2eKyCu2CmEhmxX+uANS9ou18OMesPoFKMxiQIgPOxOqrvNMzi5izrZEHuqUT8e9L6Ose5VXJnbGZLHz6t/RdX9j+emw/i34sAssvAsSNsD8GZAWWfdrV4LWXjJ/R/8FC2eCzYpRp+WOwSFsicvk0MmcWl9r/u4TWGwqNw2oxLGYnw5/PQJfDITj2yHiJXhgN3S7HlXnjFGxNO0SpIamOAe+HwcrnynnTF52MAU3o45hJWm2ZZk9rhMFJiuf/Rt3MUdaNUlbIXopdBgLmqZpwjXNUTcAY81r+MLwEXtW/dLYQ2k4VBW2fgq/30zGR8O5Y89kYlzu5KrlfeGTXvDDeFgwA74ZxU2dnWstMpRdaGbZwRTea74aTVY8XPsdPHIIZifBbcth3FvQcRzO1hyuMf3NJ4ZPUY/+49BbMFvPGZ4XTcEt6xj8/T+xiG18B4KHgM5ZRMIcxWoCn/YQPhE2vM3pxEjeXnmUoe19mdQj6OxpTnotT4zryKHkHJYcuDhtMsg9JTYQIcNh0udwcidHFr5OiK8rdw0Nqd01ziTCkgeEcb36eR5ol8lzV4Wz4nAqM+fupthycTZtOYUW/thz0jFj99R+YSxZi2HbZ3BiV5WnrolKo7W3C+39z6sPW/mU+N7NXA9PHYebF8LQ/4HBDXZ9x5SY2ew03IP9q5FiU1EDi/Ylk2eycsvA4CrPURSFST2C2JmQVad2LVVRGqEtVealMEtstlx9YfhT0G8mdJkCocMhoDO4NQeNVmz65t0ISVvPGp++bobLyvhUbMLwtFnq/+9SX5gs9nJCKedTqt5Zl/nXbLXj6aznvRu6k5pbzEtLG7//YExaHjqNQoiva7XnjQn3J99k/U+0DFlxKBWz1c6S/bXL3ikVFgoL9BCO5aTNcM0n8MAu6HSVcKJ+1J3bLL9jKcwhJr2SqHh+Ont/fZm/tE/yaMJM2PUdbHqXtom/cd+Itiw9cIqNMQ6Ko53aD4vuE87h9a9D865w05/w0D4wuMK8qbWaZy8Urd2ESeMMY16ByIWwZBbYbUzr3xp3o44vaxn1tNlV5u04zuB2PuWVlfNS4d/X4eOesG8u9L1bvKchj4C+JOtEa8DQGA75poLNCgtuEw717Z/BhrcBEfX/JyqViDD/SkXFOjZ359peLflpW1LjZ0Xa7fDPs+DeAgY+0LhjqQPS8CzBY+DtJOuDGRL7NuZCx1OILml2fw+rnqU4+RCxmRZOunZG1+9OGPMyTP4KblkEN/8Jpjxabvgfw9p510pk6M+9ybSxJTEi/RfoPg3ajhQPODeD4MEw4F6Y+Bncs5GMWzcAoJgdSzUzWe0YFIuYYBu6ncqpfWKi+qS3mOy73SgW2Km/gNFdGCSOYjWBzgjj3wG9E1m/3YfVZuXVSV0qRBomdg+iW0tP3ll5tOENNlWFZY+B3QpXfwhdr+eY70huM83jrWH6cgIKVWI1C084wN3roFlrWHA7d/Z0540pXdkQc5rbfthJvqnhaxReXx7N4wsOcMNX2y7MCEuPhrmTwckD7t0EHi1g6YNna3jKUmCysiU+kzHhAeX/djGr4MjfMPwJ8RkY3aHdaBj1f3D7Mnj6BOrtK/lKdxPuuUdh0b3Vps6UKh12buFBr9bVKx1OLHFeLGmAnp4rDqfQuYUHrbxdxP3y10NiM3f9DzDyabjiFZjwnnBaXP8j3DQfbvsbZm4Az5bC+Dy1n+aeTvw2c+BlZXxqSgxPq+kSNjzPE0o5n9LHHN3gqqpa8hoaerb2YtaIdvy59ySrLjDlvL45mppPiK9rtUY3wKC2vjjrtU0+3TYlp4hDySISt7CW2RFRKbkoCnTOXg9bP4Y+d0D3qeDTFq79Bu7bCqHD6RzzGZuMj5C/9l0wF4h5M/ov+HUa6nuduDrtc1zdPOCqD+DJeGh/Bax8mlntswnxdeW5JYdrv9apKkQuFpGsr4dD1BLoNUNEAm/+E9pHiHln+m9QcBp+mw717PjR2c3YFD0MfghGPQcHf4elD+Fh0HLTgDasOJRSq97m/x5JJzm7iFsGtBHvK2GTiNR+0Bk2vAWhI2DWDrjybXD1Kf8x6Jwa1CGfmW9i1LvreW/V0YZL541dLRzW9X19VRWZR/Hr4OqPxT51/euwZw5bS9JsJ3Srup720TEdUBT4YHVM/Y7rQjn8J5zaC6OfA0Pl4l5NAWl4lqLVkzrsdQLJ4OTiFxp7NPVP6mFY+TSmNiMYUfQOT7i+SvgD89GMex0GPywWj7ajoF0EXPEqxK3hKe+NNYoMqarKvO0JfOL6A4qzJ1zxWrXD0DsJb7Ld4pjRdjbiqTSgZ89cKIyOr0dA3Drx+TxyCK75GHzbi3N0xrNpcw5hLRbXcA/gcOcn6Fh8gC/CI2njU9HbrtEoPHtlGKdyivlucwMXuUctgaPLYeQz4B1KSm4xM9KnYtY602///9WuoH3tS5C8R3xegd3ghp+gMBMW3s20PkF8cEMPdiWe4ZbvdpBT1HApdokZBfyx9yQDQ32IS89nwsebWF8bUZDMePhpImgNcOsS8A+DCe/D6WjY8mGF0zfFnsZstZdPs7UUwYonwLcDDHyw8tfRGVHaDCSt+wO8ar0F4tdi3/JxlcPakZDF0bQ8ZgwMruCcOJ/WPi70aePFor3J9bpJSMstZu/xbMaXRjv3/iQ2lKOfgxY9q3+ymx/cuhicPEXK8emYCsbn4n3JdRYgu5RRbMJxYXNw/rsYlO1JWBlGfWnE0zEnmMUm7sdSA++h0e0JD/TgmUWHyMyvw5xaW+w2UaP/1XARoSv5fsSm51WbZluKk17L0Pa+rIlKa9L1dKX9SG8e0JrolFyOpNbsDI5OyWWIVzbGvx+EFr1g3JvlTwgIhxt/hpnrOaLtQJ/Yj+CjHvB+J/j9Zkjewz8e1zJRfR/XWeuF4ersJRzf7oEYF97OW+NakJRZyOe1SW2024WjdMEMkakz9nV4LBomvHturS6lRU+Y8jWc3AVL7q9X40Zrt2DVlLSVGvY4jHga9v8Myx7ljkGt0Wk0fLPpWPUXAX7ekUSou5Ux+Uvgs/4w5yo4th763wsP7hVOb992lT5X0RlFCVIDOad/23WCYxkFfLIujod/21//TvDs4/DHncLJb6vnfcGOL2H3d2Iv13uGiNK3HQ1/P8qxzX/gbtQxtH3Vgoktmjlz2+BgFu1Pbry2P5Yisbdq3g26TW2cMdQT0vAsQ4/BV7JUM5o2MT80WC1Ao2DKhwW3oTo34/6ie8kptvP1LX3O1hFWoO9d0GE8YZHvMtA1pVqRoe3Hshh0ZgkdrUdg7BsVvHDnozeItBC1roZnQ6aUZMULz1i/mfDoYYh4EdzPU+/UGcFWh02SzQw6I3nFFu46GMYBXVdGJH0iUmoqoX+oD1eEB/D5v3GczmugzVnRGVj+BAR2hwGzAHhtWTTpdk9MY98VnrZKDK9yxPwD2z4V91DnSeJYYDfhoY1fBxvfZVLPID6b3ovDyTlM+3o7WQ1UtP/xulh0GoWPpvbgrweH0NzDidt/3MX7q2OqjuJnnxBGp90qjE6ftuJ4x3HQeYpItT59tNxTVkWl0cxFT582XucObv5QpBtf+S7oqu9zeceQYPb4TWa5rR/2tS+zb+uqSs+buy0JT2d9zUqHJUzqGURsej5RKfW3UJZLs82IFanEIcOrNq7Px7Ol+FwVrficzySdNT793Y088vt+Bryxlv6vr2HmT7v57N84tsRlXBI1gPWBxi6+u3ZzwxmesWl5dVKcNYLrELQAACAASURBVFlt1Ruepam2DvZRLjVYSyOnBp2G92/sTm6RlWcXHW44Y85uF5GxzweKGv3cU7D6eZh/K0V52RzPKqy2lUpZIsIDOJVTXK/frYvNmug02vi48L8xHdFpFBbtrTnqmXDqNG9a3wGtXjgUdZXXmdOiJ390+pA7NK+gtugpylOmz2f3lM3cmzaJMcOHld9/uHjDDXOgIJ1++2YzpUdzvtgQT1x6NZobdjssf0wYFIMeEqmnA+8Xjq2qCL8GRr8gIkcb3qrx/dYWnWrGpinzWQyfDUMfgz0/4r/5eab0bMGC3Sf5eG0sW+MzKrbnsNtJjdrKFcfeYKXtHrQrZ4vU4Imfw2NHYOxr59aiKgdhRKOomMz1v55abXZ+3p7EkHa+zB7XiaUHTnHLdzvqT3DHbhPlGqaSWti6ZJOdz9GV8M8zIhV89IviWMn9a2/elanHn+eOkMxK02zLMmt4Ozyc9Ly5spGUuLd/ATknxL3QRGs7S2nao69ntBqFk71nk6O6YFr8cJNVjKrA8schM46YwR+w5ridp6/sVGXzZwAUBSZ+iuLsxSeGT9l65HiVIkPLNu9mtv53bKEjodsNNQ7F6CSEaVQHo4Vmmx1DQ9d4lo6t/RUi1bIydE71EPF04r1VMaTlm9BN/BjFahKGXxU8Nb4TJqudD9c0ULrHqudEZPLqj0GrY2t8Bn8fTOG+EW3x7X8jdJ4M69+s2imTkyzSRQO6Vox895ohUpXXvwHH1jOuS3O+ubUPUSm5/LI9qd7fSlx6Pov3JXPLgDb4ezgR4uvKolmDubZXSz5eG8uM73eScX50JS9VqAQW54q0c/9O5R8f/xboXeCvc3NDTqGFlYdTuSI84Fxrk8x42PwBdLlO1DnWQEsvF5Y+MBT16o9JV3zw++c+Zn69hsPJ5wQp0nKL+ScylRv6tKxa6fA8JnQNRK9V6rWn54pDqbTzd6Odt0GkU+ucYPKXF7YQ+rQVn6+lQBifeak093Ri5SPDWDRrEC9eHc6gtr7Epufzzj9HuenbHXR7cRWj31vPp+ti6+29NAYae8NHPB/+bT9v1WFzZLJWX+NZ+pijIial83bZ1+jU3INHx3RgZWQqi+s7PVxVxebz62EiMgZw/Rx47KjI7jnyN8p3owkluVYRT4BRnfxRFFgT1TTbqhSYrGyNzyQiLABvVwMjOvqxeH9ytWU1eUVm7s3/lBbmRLj2W2jWqtrXGBDqzbrCtsSM/g5u+Am1/RW8tSoOP3cjdwypRCsgqJeYY+PX8YrXctHbc9Ghyh0Rdjsse1SUDw15VJQLaSrOi4VmK3/sOcldc3axo1Rld8ij0H26WIsO/VHte6gNdruKTjVj15QxpBVFpNwOegh2fcOzurl08HfjgzUxTP9mB71eXMbsD79l7bfPkP7VJOxvh9B8/nimaDZhDZsEd/8LM/+FnjeBvnZifpqSWk9LA6Txr4pKIyWnmBmDgrlvRFs+mdaTAydzmPLFVhIzak4hrpGN74ray9YDxf9t9WTQph4S61TzriLaXXadMrqxrf8XpNubcf+ppyGj+gi7p4ue+0e2ZWPM6YuvxJ1/Gja9Dx3GQ8iwi/vaDYA0PM/jmkFded16E8aUXSLk39TZPw8O/ArDZ/NFUgvcjTqu692y5ue5+sLkL/EtSuBp7S+VigydzjMxLP5tjIod7VUfiMm2BnQGMYkqjhqeFgsGxYahQQ1PsSm0KNVEqrSGOtd4ZpsV5mxL5JYBbejctReMmC3UyqL/rvQpoX5u3DygDb/uPE5sHVoZVMqxDeJ+H/QAtOiByWrjucWHaenlzL3DSzytV74n6nYX3VsxFcZmhT/vEsb49T+eEzwoRVFEPY9fR3FebgojOvrjrNeS1wC1nh+tjcVJr+XeEee8xM4GLe9e3523r+3GrsQsrvp4M7sTSwRCCjLhp0miJcDNf4io7/m4+YtUruPbhOovMG/ncQrNNm4bVLKRUlXhPNAahGeylmg0ChP6heF728+00GRz/am3ueqTTTz6+35Onilk3o7j2FSVmwfUoqF4CV6uBkZ09GfpgVM11mnXhqwCMzsSMkWa7bpXIPUgTPxU1L9eKM27CNGP/HSR1l6YhaGk5u+2wSF8cGMP/n18BPufH8NPd/TjsTEd8HEz8u6qmNqlS1+iaEs2VI5mfNSG3GILecWOf6fMVjvGarz/Bm3dIp6lmSrnR1VnDguldxsvnl8SWWs19WpRVYj/F76NgF9vFJk/k7+GWdtENoZGA4MehFsWoxRmstjwPD0LNtfq0r5uRnq2asaqqMatS3WUTbEZmK12IsJEecDkni1JyzWxLb7qFihZG75ginYzx7o8JGrVa2BAST/PHQnimuuOpLMr8QwPj26Pi0FX+ZN63w7dp+G67T0+6pPJjoQs/jw/Emu3w98Pw54fRVRx9Avl9h6qqnLwZDbPLDpE/9fW8viCA6w/epr75+0T2UKKIvQLWg+CxbOqFY2rDaVK+3btefsFRREGcf/7cN//DX+FLiR6xB72tfqQg8a7eCv7MUaf/Iy85CP8nt+TJ6z38kzIAlyu/1IY4ReIUhJ9tpjqXwDnx62JtPRyZlQnfwCu7t6CeXf1J7vQzOTPt9SqJ7PJamNDzGkW7j3JzoQsUnKKxLp0fDtseFM4prtPEyfXYW91tgQgL1XoCTh5wrTfRQT5PJbEWZilPItepxXlH3nV123fOjCYoGbOdXLsOcT618FSKO6n/wDS8DyPll4upIdeyz4lHHX181BQP56N5OwiPl0Xy4pDDddbrwKnY0T9Q/BQMns/zPJDqUzpFVT1pH8+bUfBwAe4RbeG5O1/VNi87lk5hys0u8kZ8AR411LtVKvDomrB5tjEYi1JUTMqVsyWhhGnOX1GRJqeXnqUuMpU+aDOEU/VamLfqWL83Y08MbajODjoIQjoIiLUxZXLrz80uj2uRh2vL68HyflSLEUiiucVIlRJga82HCP+dAGvTOpyLgXF1UcYj6kHhfetLBvehONbxYJeRQ0KBlcRaTAXCC+kzYpRrznbN7C+OJqax98HTzFjUHClLUdu6NuKhbMGYdRrmPr1dub8ewD158lwJkEIULTqV/XFe0wXqaWrX8CcdZIftyYwpJ3vuQyC6KUQvxZGPVsxPbsWGNr0RxPxPGPYwVedDrD8UAqj3t3Ad5sTGN7Br9Ia4OqY3DOItFxTvfSBXR2Vil2FKZ4xsPUT6HMndJrg+AVb9YVp8yAzTqgHmyp+15q5GBjWwY8HR7dn7p39CPVz5YWlkRdNFbm+0aklqbaWhqtlNFntdWr1YbLaMGqr3hrotBp0GsXh1yh1GJbWipai1Si8d313rDaVJ/84WLeU29TD8ONVMHeS2IBe/bEQhut+Y8XIWOhwvgn/kQS1BYEr74K1L4vUvxq4smsgkadySaiPiM9FZk10Gp7OevoEi/KA0WH+uDvpWLivChX7k7tpueNl1tl64Dx6dq1eo5W3C0HNRD9Pm13l7ZVHCfF15ca+1URKFUXU0/uHMyLyGca1NPP68uhzKZ12O/z1oKgtH/aEiCqWGJ05hRbmbE3kyo83c82nW1i49yRjOgcw/56BLHtoKPkmC/+bv1+0eNEZRS2qRwv4bZqoL3QQU0n5T7mIZ9n3M+4NUXqy+3uctn+Il96Cvv9dcOPPFD9ylDN3bCU74j0Kw2/krit6OzwOTUkZk7We0/ijU3LZmZDFrQPboNWcM/D7BHuzaNZgmrkYmPbNDv4+WFEZ+UyBmYV7TzLrlz30enk1M77fyf/mC7G/gW+so89zf5L6w82ka/x50XY7q2NLU20dmx/zTVZ6vbyad/7eh/rrVCjKhum/g0dghXMtNjv/RKbRMbwHyvQFQnhqXuXrUClOei3X9gri4Mmci9eTPP2IcLL0vRP8Olyc12xgammBXF5M7deax+NuZ7XyDMqq52DyFw5dx2S1sToqjd93nWBzXAaqCh5OOhHpqWW6nMNYioQiq94ZpnzDH/tSMNvs3HQBERMARj9PbtRansr+lG0HJjCkZzcA7IXZ9Il8nQRdW0IiHr2woSk6hyOeZUWJ7PVZB1CGgsIC/ICjGWYmfLyZZyeEccuANuUFXXRGYUA5SGFhAaeL4KWpnXF30ouDWr0Q5Pk2Ata8KIy88/B2NfDgqHa8vvwIm2MzGFJNQXytWf+mMLpuXQoGFxIyCvj03zgmdAtkZEf/8ueGXQ1dr4eNb0PH8aJ+M/5fkSrT8+aa0639O8FVH4oaq3WvYNQNrffI9YdrYnA16Jg5NLTKczq38GTpA0P46OeFdPn3TuzaBLTTfq05jaXUW/75QDLnP0Ba7l28ea34TmDKh5VPi1Tjvnc7/gYGPggJmxib8BGbZiznnf16Fu9Prvb9VMWoTv64G7Ws3bmfwcHDaqw3rY6Vh1Pp6mUmeNNs8Osk0hTrSugIESH//RahNjl9QcVoeQlGnZZXJnbhpm938OWGeB6JaHqLsNYuMgXUBpq7AKwWC5Y6OOXMVjuuxmq2BklbeU4/l1TTYw5dv9RgNWjLrIGFWZC8l+DkPaxuvhnj8QOcecOVfe0fZK/7SHKLbeQWW8gpspBbZCG32IrZaqeZix5vVwPeLga8XA34OasMOfUD4cd+wG70QDf+HSEmUlUtYgl7s135x+tt/mq7VPTbPbVPtAVz8a7yOVd1a8Fry6NZuv8UD0e0r/K8Sw2bXWXdkXRGdvRDX+JgcNJrmdA1kKUHTvHqJGt553RBBsy/lRydHy+oD7GxWe3VNPuHerPhqIhyHU3L49PpPc++ZpUYXODGuShfj+AD5QN6Fz3Gk38eZFQHH/ocfJ72p5ayq83dbLJej3nlUSw2O6k5xayOTsNstdM1yJNXJ3Xhmh4t8ChdW4EXru7M0wsP8eXGeGaNaCccqdPni/V23o1wxz9Vl9ZUg9lqx6BYUbVV1Acriqj17zcTPILAeO48J6BPM2HE1RVNSUqu1Vy/qbZztibipNdwQ5+KDoNgX1cW3jeImXN388C8fRzPKmR8l0DWRKWxOjqN3YlZ2FXwdzcysWcQY8ICaO3jwskzRZzMKqDnrsfxy8zkKfd3+fdoPmmFGYwxgM1chCM75OxCM4VmC112PAHa/TDtV7FHqYQtcRnkFFmY0C0QWgaImuV5N4q1aPr8KtdKl5K50WyznyuvaUhWPwcG97NBgf8C0vCshIiwAJ5zCWGl+/VceWBeSZRjaK2ffyQ1l993nWDxvmTOFFpo4enE48MC6OKUycurkvhrfzI39KukOXB9svJpSI+Em/7E7taceTvX0y/Yu9Y1LGfRGXGe/iO2L4bi/c/D0H0taDSkLHyK5mo2UUO+IUR7YbeRGYPDOfxlU9Rs5oaJGpR6DB8e24W58S48vySSdUfSefu6bvi7l2yKdUZRD+kgqtWERm9kbOfzomJBvaH/faLPVNcboM3ACs+dMSiYuduTeHVZFMseGlrOC3nBpBwQ0aueN0PocFRV5f8WH8Ko1fDCVeGVP2f825CwERbfB9N+E6IAvh3E8drQ/UYRHd3yISOMrpisVzg+/vOIPJXDisOpPDS6fdXiWeZCiFyI5+4feD55NyaNgWe1j/BC8GhqVU3jHYo64hkC1zzP7V79GN6+JOq34S3ITYbrfoAL/E6UQ6MRdZNfDMZ/5b28M3M9b0zpWvMiV5Qt6kszY0UUMTMOp8w49mhiMcQUY106Dd2ULx0aUm6xhc1xp1nu9w1KXrboR1pfcu6dJsCkL4Qz4u1Qkc5t9BApUk4e5X4fbHTn3dbZ7N6wkXS3nvj7+Ii6W4Or6I3q5u/Q5vFioVNL5r0GTLX9RH2dzJwQYIhDzzdZ7Xi7VnKvJe+Fda9C/FpmKDAnZzTQ54Kvb7baCVFSaB//IxyNEaJlZxJLHlUI8u3AVrd+NMuLYXTk03jZ2/Oh9jaSXDrj4aTHw1lHgIcTBp2G7EILWQVmYtPyCS08wHS+oq0mhT9tQ3ml6Gbe8xjJ6BqMThBZEr3a+AjHX1AvkS7/9XCRhaJ3EfO9zigyXbQG0DnRXGfkphZpZO4+iOrhi5KfJqKr+emQnyrS9pybwb1bHJ8Pdn0nHHyOpLNXwb7jZ8gqMBNRVoUbkR3x264TrIpMY1LPINECJSteCIgVZPCq+zsEubSoUVG7LANCfVi4N5lX/o6ia5AnV3apGHmqFJ+2MPEznOffwrzWS5gSNZmxsS/RXruRD61T+PDoSDgah0GrwaDT4GrUMrVvK27o04ouQZWLC03t24otcRm8tyqG/iHe9G7jLSJIN8yBn68VzlQHnGki1daMWt19piiizKQB0Z6NeNbfvignM42s/X/zWfNUmi34QmQ7OXuJ9d6nHfi2x8unPXNvDOXJFU68vfIob68U4nthgR48MLIdEeEBdGnhiabMPqWtnxvsXwOZq2HUc7wz7E4Alv1xAg6LdGFHDE+T1c4TuvmM1+7iFcvNBJ8J55Yqzl12MAV3o+6c8779GPH9X3I/fDVM1DAb3cX6U/qvkwed04vppiiYLHZcHPfjVkuxxcap7CIssevoGLuKvR0fZfP2LLIKUsnIN5FVYKZFM2fevb6SkqAmgDQ8K8Gg03Bd75Y8sfkKxvptRrvsf2LxqCFasHJnJBu3bMSScYxQTTrfNMuhY7MM3ApPoOzIBmCtEc6seA01aSRK8BAIHiq+xBcwmdfI4YWiBm3ww9A+gs0xp0nKLOR/YxyLEOgDOrEu5H+MTXiT3H8/xKPdQILifuVnzdXcMKTmWo/zMSuGs/3sLpSyEc+GqpMqVZz0927Gj8O6M3d7Eq8ti2bch5t4c0pXrujcvM7tVLR2oYJX6SI+8hnRomLJLFFTGDqyXBTIqNMye1wnHpi3jwW7TzDVUSeGzSp6U7r4iMbXwOL9yWyJy+SVSV3w96g88oSLN1z9Efw6Fb4cIuoxbl1SaQ1FlYx7C5L38mzqR7xd1Bno4dh7MOVBWhR4BoF7IB+sjsHDScedlYlXpEXC7h/g4HyhnufbAca+wWGvcfz2YzQtNx/jgVG1i1xsD5iKu/17nrR/h8Z0n9hwbv9cGPCt+zv2Xsri6iv64s25BpY/ga6yrIu8VCG1H/+vcATklUl1UrTg1QZ82pHh1Rd71FIMqcfxr3iVWrEx5jRTWUX77C3ib9e8i4NXqoLuNwqDMWGjEHcqzgZTrtjEZ8aJ1PPiXLBbuA64TgusrOQ6Bjd4PObC7sVS7Db4YrCote48uY5vqHL0pYZnXRSxq0FVVVqRitZaxXe3FlQQF0qPFgbnkb/FprPXDNg7x+Gorclq5zP9x3Q4kASerYSh1/t28W9gDxQnDwapKqnZBRTH/UnPDa/xU/6zEHKtUBhvdt58V5wjMkR2f4/dszWZo3+jo88gXOfu4euNxxgdFlDJKM5RYLKSnF3EtH4lEZ3et4mshfm3irKHajhrpiwHFA24+oFbgPhRtMKoNuVWGzmtkqJsWPY/kVkz+KELf34VrI5OQ69VGNbBTxywFEFGLH3zjvCi6yqCVn0OW9KFE0sV0Wn71R+zYnEAU9temFNnQIio88wttjJ7XKdyxkeNhF8Dgx6kx9ZPOBKSiCFlD0WDnuSu4bOZpdWg1yoXZAQrisIbU7py8GQOD/26n2UPDaGZi0H0HfcOESrHDmCy2DBiRdXW7OBoSLQlewSbuQ41nqePQtJW0XLmxE48M2P5Wgtqhga0nUXGU3GOEOI5tv5sLaYT8JHRgxeat+GkVz/8R9xDYJtqDO3MePHdajNEiD2VvocSDRCzqRhHZjBrXiazdEs50XoyicoMvl9yGA8n3dm+1qWYrXb+iUxlTOeA8j2Le94s9CsO/3lu7THliZ+S9zoU6GvQk225C3DQ8kw9JKLflcwLmfkmJn62hVNnClhmeJYT+DHtQHdMiL2Nj5sRH1cDbtVlpVziNN2RNzA39G3FVxuPsaL1Y1x16GHRLHlYJYuQzQIx/5C64VsiUjYwTrGDHlRFi6JrBc1CILSvqJ/zDmHb4VhSDq7lqoRtGCIXiWu4+gm58eAhQkn1/IX1Qsg6Jur1WvYV9Q/Az9uT8HE1iBYIDhI24SFWfrSWMZtfw3ogkFTVl/S+/6ux2XZlWNCfbStwoZRVw20ow9NW0lxaZ3BGURRuHRjMoLY+PPzbfmbO3cPUvq14VTGgq8PmUaeasev0lT9odINJn4mUj1+nijSLDmMhfKLos2pwYULXQOYEJ/LOP0cZ3zUQT+cqrnU+qgp5KZAeJYzblAMi1dHFm+xCM6/+HU2PVs24qSZjtuN4oQx4YJ6onwqoIjpaFXonuGEObh/3ou+ZFYCDtYLr3xTtWwBV0fG8zQvFqw2e/ywV36NmrcFugb1z4eRO0BrF59j7NmgzCBSF3sCY8Cy+3HCMqf1aV1oXej7fbjlOsW4WP5ufFmrAWceEVzSiHov/Q4bB8CdLGocPF4t+4hax4B/7V/wNQTgOQoZDix7g0154or2CzzrKmttV9r6yA8+8fIcNz+KUozyr+wVLaAT6/vfUx7urSMfx4qcqVFU4eyyFzN8azTdrD/PSuDYMauUkotix/4hamKJsxwxPS5Ho1Zoe3WCGp04tEeWqiyJ2NVhsKkYsaFXHVSFFH0+tuKfXvykcNQY30ZtwwCyxQd87x3GBOKudQKWAjNBJ+N46p9JzFEUh0MsN+s6AbteKfptbPxHCawPvF5tVJw84slzoGOSnwoD70Yx8Bh+jGz7AjEFteH35ESJP5dC5RdUtNmJLWna0L5sN1LI3PLxfpABbi8Xfq/Rf27nf88wqN/+exOi+3Xjo6oHlI5u7fxCGp6Np1SXrUJ3ulbQoiFpc4szJgeIcxsclMc2lCI8vZ59z6KCiAW5FS0KBP8VBPXEKu1qk1DfvRqLSkiLLBsICL8zwbOXtTLCPC628XRwrCxn9Ipzcg+H4Vhj5LM7Dn7zwa5TB3UnPp9N7cu0XW3nyj4N8dUtvYbzWQbOhVGkfnePOnvpAZxRGm83RGs8Tu+C7CPG7iw9qUB++zulHqkc3Xrjn5nIpwoCot805ITJsMuJQMmLwOX0En8Qf4IfvRQSxzx1iT1u2rtpqhj/vBI0OpnxV7rFS49nqoDKvtUjUiOa1GMhno3sz4/udPDb/AO5OOkZ1OueA2hKfQW6xlau6VRKB73O7+KlwcTOY8ji66DU6xn2HyVQEOJD1U5ApIqqKVuzrut0o/tUZsdtVHvl9P+l5Jub1iSfs8HGOj/qUDd3H4+WqL28kN2Gk4VkFbf3c6BfizTvHXJgQNhFl4zvQZQp4l9RZpR8RKqAHf4eC02hUL/5yvZarJk5F7xeK4tlK1OydR5cQC3cdCmdrcHPejfCAxM3iJ2ETRC4SntLHHWyXYbcJ0RZFgeu+B62elJwi1h5J5+6hoXW6aVv7uvJGq9n0OjUT/9wT/J/1SV4e0KnmJ1aCVWNA66DRppYR5bA3VMSz5Lp647nEy3b+7iyaNZgP1sTw5YZ4hrhmM85Y7NgXSFXRq5byfb/OJ2QYPB4rIkDRS8SG6/AfIu2r/RUo4dfw0riBTPhqHx+vjeW5KzsKJ4jdIv61WcQG6UyiuFfTo8SGOj36XK8sEI2Iw0W/zTdXHCG7yMLcyV1r55m+6gPodSu0HuDIpwDeoZgUI3p7HWpSCrPAxRdGP8dfG7ajyz3BWDezEPjJKyPk5dNOtHjpMb1SL+PscZ0Y++FGPlkby0sTq4/mxZ/OZ+2RdB4ePRJFvV84pUDUrtbQx/aCGfakmB+WPghLHhB/X61RpGB3u1F46wO6VtvORKNRUHROaGzV9MSrgYDTW3FSLJjGv1O/2RkXgqIIh4XeiSkjB/JjpJ3/bTGz5rEhwvtryhOGp6Mb/dKNZwPWXxpUMyigNFDE02S1YcSC3u644alYCpia+j18uhw0ehFtG/zIue9NaYmBgxv10jHW2jlgdBNiXb1nCOGfze+LtTewB8StBv/OQiimZXlhlhv7tOaD1bH8sCWx2pS0mBKF8AplKFo9uFcfLXUHfPfu4tfoXB64RlterbHUEHH4fhTPMxUX4HAsbeM7ELkQjCJV3aRzw2RR0Qa0hMBAYby7+IqUU79OJNj9Gf3hdv6vTRh3lakpjyoRjgm/QMNTURQW3DsIF0c1LbQ6IfiWcvCCyp2qo1vLZswe14lXl0Xz07YkZgwKLslgcry3uJtiqbGOuKHR6cXr2xwVLssvUWi+6Q9oF8Ga6HTeOLSbzyf2qmh0glhzvNqIn3YR545nnxDiT3t/Eo5zjyCRJdHrFpEyvv51UUN9w0+ir3MZtHUUSCptJaPVO+Gk1/LtjD5M+2Y79/28l7l39qdfiJjDlh1Mwd1Jx5B2frW/uM4AOh+sLn7lXuuCMeWAahetY07uEpkkTs2g82QWWgezKdaZt69ux4BtIoDUeujNjbfmNhDS8KyGaf1a8ejvB9gz7kn6xK8VntWwa2Dfz5C8GzQ6zO3G8n9JPdhs787i+4ajd6/e6+XupGdyryAW7D7JsxPC8ep1q9i8qyr88yzs/NrxAWfGiS/0le+ejZr+tvMEdlVlej3UlF4zsAu3zHuS7tpE1LZjaO3jWI2XVTGgsTvYEL7M4qA2VLpaieFpMJav+DPoNMwe14kRHfw4+sOPWCh07AtUsmGz15SaozNA+wjxM+EDSNoMUUtFpDJqMeGKlhgnLZpdFthdgwKksxf4h0PX68A/TPzuH3Z2M7kzIYvfdp3gnmGh1fd4LYveqdIa1AvBWoe0a3GBYnD2Yo/vNTyU7sdT4zuhLW3/YikWNZfmAtHHq5rJu52/G1P7tuKXHce5bXAIIb5Vb4q/35yAQafhloFtwPA0HF0uNm+9Zjj+PqpCq4Mp34i0JJ92wtBsPbDWvd1KsWmNaK01S95XScn3Tu/uaMy0ftFpNbw6uQtTPt/KR2tieHZC+LmNn6MRotK5pYGikaqqisgIjreThwMkkAAAIABJREFUqgmT1Y4zlnO1pA5whfVf+p9ZKlSLhz9ZUZ251KBy8HtrsggVUOuFRog8W4pefP3uEQ3hEzbAyP8TJSWVlMF4uui5rndLft91gtnjOuHnXvl8G5Oah1GnobW3Y+vZNT1asPZIOruTzpzd2AJ1vh8LigpwBWKTM3A4sd1SKFpD3bMRgJ82HuO15dFsnj4SvCq+37ZA95aeLNybXM7wjE7JRatRaOdfhYBONVT1udcaJ896MzpLuXNICFvjM3ltWTR9gr3oXIeIZ6mqrbWxDc+S/YrDDvnS9+8VDIrCnK2JBHo6cUV49c6XCjRrJRxFw5+EoytE2df610syd0ZA/DqxVoZPrPDU0lRbR9OFbSXCSqXXcXfSM+f2ftzw1Tbu/HEXv84cQIcAd1ZFpnJFeHOHMvY0OnFtS7GDhmfp59xvJnS6ChLWw4Hfse3/jetsPzDCvQU+8R0hP0041P5jRidIw7NaxncJ5IUlkfx02EKfUf8niuzj14FfGIx9HVuX67lzfgI78rP4/Z5+54RnauDmAW34eftx/thzkruHlUzuiiKECOwWEbmspBlyjZSm5niIfHaLzc5vu44zrL2fw0ZiWSLCA3jOtT3z81vzdX/HDVmrYkDrYKptOVGiBop4lkZVDU6V/z37h/pwRGs4q1B5wZRscNXK5NerQqsTk3boCLjyHTixA+LWYi0uZu6uU/h4uDGlTzCKziCiFFqdEMHwbCUMTLeAKicws9XOM4sOEdTM+aKrM1oUx6PfgJjEdU68tyoGXzcDtw4so9qsdxIiFbXk4Yj2LNqXzDv/HOHzmyqXtc8qMPPHnpNM6Rl0LiX3nk0ibaiaqGOd8AwS6nx1wK4xnKsvdISSe1ZTheJsY9CrtRfT+rXi+y2JXNu7JZ3qKcLUUBFPq/2c4dlQNZ4mq51mWERk1UFcbPmi0dq4NyqP4pQc09QhNdGIBZvBwXupZW+4Y6UwqmqImt42WAixzdtxvMq5LSY9n3b+bg6LtEWEBeCs17Jkf/J5hmfd7kdTUSGu1DGzx1pcLgV0dXQanZq707ISo7OUyT2DePGvKI6m5tGxuYgCR6fk0dbP9VxrrSaOoii8e313rvxoEw/O28dqXz1aq2Mq9eYSw9PWyKm2ekNdDc+S5+mMxKXnsTkugyfGdnRcuVWrF3W64deIms69c0TQxq+TmFsqobTPu9XBqG2pom/pdQB83IzMvbM/13+5jRnf7+S+EW3JLbYyoZtjpWelbWscjnie/ZydxD6tXQSnA4ZyXfQ1jDfu4vHAfSjH1kOX66pv7daEkX08q8FJr2VyzyBWHk7lTOfbRGrh3etEA+qB9/P25kw2xWbwyqTO9GztVevrdmruQd9gL37ekSR6SpVy1kNaR49VyXXWRqeTlmu6oKbz1aHXarhraAhhgR5nGwk7glVjQOdgKphS9rNpqMiE1YRF1WI0VO3BtGqMaB1NZyttIu/oQqXRivrE0c/hPOE19GOe57H0caz2uUk0RB9wr+gb1utWESFzb16t1+ybTceIS8/n5Ymda9/jtZ4QToi6GUR5Ni1b4zO5b0S7Oo3f392JmcNCWX4olb3Hz1R6zi/bkzBZ7eXFiwwudWpTcjGwaYwOf+cA/p+9Nw+/5SrLBd811Kp9hswJIScDCTGMIQkQAkZAc4mKCuSieEEFn3j7Nu192mA79aPdt1ta7b4+dkvT2n27tUWlbQ1644BcHG6rOHAVIWJkOkxCEkIGEwIZzjm7hrVW/1G1Vu3f77d31Vqrau+96ux6/1FOftPeu2rV933v+70v6nuil1vvGvBff+OzcNahBP/mdz/WKAiCGc9s7/8dGKZABQAa6OrdhSzLwIlCgsChGNDsh7IV13R9bpHALOYsl0hJYfe5gkCIk1T3yguO4uueeQF+7QP3rMwd/cxDT/i7vS/gSMpx83MuxB989AEUi9l+PRlPU9iGvs/2d9d/x5dP5Ljz7kfx9R0M1quvPQZOyZ5Mz+MPPO693xk7zj0i8PY3XIe7v3QCxx/Je0ltBQqQZLuMp5hVzZYOldouNETv/Ot7IDjFG9oyV31w3pXA1/8E8EOfqtj3FfcuF8YgKaypM/utPN17thw7+xB+7T+7AYQAP/Xe4/4y2wWY4WtwbM2+Ol0qjf/qN/8eD845brn1h8FvfQ/wI/9YOb2fppgazw684YbLkEuF3/2HB6tF6YtfCBCC9/zD/fiFv/gc3viSy/D6F/mzf298ydNwz5dO4q8++0jzj3ZC2v/gAIBf/9t7cNFZM9z0zLAbbBm+92uvxB9+/8t65RcpmoZLwRaZgjWxBijnyJAgbZFhKCrAICtn2ICfD6Ddft0Db3zJ03DVU47ip957HPPCL9T97kdO4Of+9DP45uc9tdP9cR0oaQ/2G1Ue4r2PSVx4Zorv6sHCG/znL3s6zj+a4t/+wfEDAfZZKfHOv7kHX/fMC/YakYwAiqVI0KPZkXPkxNHAaoM454jAj37Ts3DnPV/Gn3/u8eofI2U8s8XGs8c134aiLoYECkjVIb9fglIqCF2gpOnqYZVhPAMHGeZv3BR7/j1fcwUeeTLDez/ywIH/9vi8wAOPzXHVhf4S0kW85tpj+PLJAu9f+jwPu56MwUovWfYC4/m+T/0TlK4Y2jacdzTF1z7jArz77++HVBpfOZnjgcfm3vudY8BLnn4e3vKKq3D3YxJPPBnGeGZFiRkptq4GMYynLvs1RI+XDL/94fvw6muO4TwHoz0vsKR1SGsaTxW442m+L1kS9fX0C47inf/yBpwx47jlumNBMtvqbzRy4AEYTwD/+599Fv/ps1/CT9zy3Ga4c+S86IfZfTA1nh149kVn4tpLz8a7PnSvLUQ/cf/j+JE7/gHXP+0c/Pevem7Qz33l1U/F+UcF/t8P3NP842CM5wx3P3ICf/WZR/AdN1y2mZBbDygmGndHT5BFpmBNzATKrLvxNGxASPNb/91kFaPgiYRR/Pirn4t7Hz2Jd7z/887fp7XGf/fuj9nv3wZknyEEgCeefBKPzAn+y5u+ahAZ2JGU4we+/ip86O4v4//7xEN7/tvv33U/Hnkyw7966dNXfHe80CyFCLzngEpWmYdax68Zr3vBJbj+aefgHR+o4xBiZTyLiukD0E9e3gKzd5QiR16qjq8+CJNJKNvWAChDCR68m21YCSb89pRD8fKrzsdXPeUofvk/ff7AMOkzxljoKf0GSV/7jAtw1qEEv3/XQiRHz0Fyw3j2XUWo6oo/Of4QnnJGiuetyLlcxGtfcDEefHyOD3zuS/jEA9VA53RjPA1u+2dXgSYz5FnYXmFR52Zuu/E0v1+Xgc/Tuu78nY88gpO5xK03Xj7QX+aOZFY1jKFyYZtIkC7/LJ577Cz8zY+9IrhuBxYNkPoznn/92Ufw9j/9NL71+RfjX1w/ELs8AsTVkUSKN7zoUnz6oSfx4Xu/gi+fyPHmX7sTZx1K8O/e+ILgqUnKGV7/okvxp8cfwhe/Ul/AQ+0o8RS/8cF7wSjB64eSSgwIydLgfbNF2VEvU5qO35EjaW3YFe1RVCwMCIbCS686H9/43Avxf7zvs3jwMbfr59133Y+/+ky1x3HhqszONUOxcNk1AJw4cQKSikGv89dffymuvOAIfvqPPmmlc1prvOP9n8eznnoGvuarBnau3QA0TyF6MJ5UzlFEyHgClWvvT/7zq/FoVt+vsTKeC4VKL3l5C0yzkqJYKS1tgzH+aXXcBlD0UCosxlVtAoQQ3Hrj5fjYFx/HnffsldB/+qHK6dnsMoZCcIpvuvqp+I8ffxCn8vp97zlINg16b/M1PkNWSvzFpx7GK559oZNj+c3PvhBnzDh+58NfxPEHqub8dG08GSUAC19FKMwgZdv77wMRF7/6gS/iBZedjedd0j2gGBpJT4Okxhhy9Q7z0ZQH1+0AwPrG1tSfz5dygre86y5cecFR/NRrr/bKpB07psbTAa++9hgOC4Zf/9t7cNvtf49/ejzD//XGFzqbCa3Cd9xwGTSA2//23uofBnJlzJDg39/5BXzDcy7cWkPRhj5GJ2yB8SRr2pMiMkeB9iJbGxlEyCFvGM+Bd0L+zbc8B6XS+Ok/PN76dSfzEv/jez+BH/ytu3DdpWcPtgMcAknDhxAAwFQGzWeD5ltxRvGj3/RsfO7hE/jND30BAPD+zz6CTz74BP7Vy54+ygeEZjMIlFX2WgCozFGQOBlPoCqKX3ltdR2fOhUmmVs341nO1994lrUbZNV4BjKepOh03JZE7DmLfdAwnpt7Nn3rCy7GmTOOX96nCPn0Q0/gUMJw8dn9m+DXXHcMJ3KJP/1krZToyXiaBr3fDnzFeH7gc4/iRC7x9c9x82aYJQzf8ryL8EcfewAfvvfLOP9o2t+dNmJIFq68aZxUt9141rvXPQZvkqW4+9FTVcTMFpCKFEqTPXntPrBReLP+ZpqrYE2cghvP6rX95B9+DieyEv/uu16wcW+NbWNqPB1wNOV4zbXH8Dsf/iLe/1l/M6FVuOScw3jFs56Cd33o3koWNRDj+b5/fAxfPlngu168vYaiDZqnwa6Li6Yc69qTIjJD3lFk6z5GJvUEmwzsgnfpuYfxX7z86fi9u+7HnXcvj874y08/jG/4X/8S//dffR6vf9GleOe/vCHYzXEIKNaPieMqR9HBzoTg5mc/BTdcfi7e/iefxpNZiV/6q8/jgjNSvPraJYHTY0DPaThTWdSNJwBc8dTKUTQLtrlfL+OZLxQqfeTlbSiz6nekpESW+++fG8azq/EsqQh+DaY43KQ08bDg+I4XX4Y//viDuO/LjaTyMw89iasuPOqWW9yBF19xHp5yRtrIbXsznqbx7M94/sknHsKhhOHGK893/tbXPv9inMgl/vCjD+DZF41rp90X1cpH2CqCqs182JbNhawZWOhAvsww1wkuOCPFN129nedcKjhycMtceqNcHoU3JJrYmn7PmQ/cewI/+c+v7mVsNlZMjacjvuOGy0AIgs2EVuGNL3kaHnkyxx99/MEBGM/q+37zrkdwxflHcOOVkUoCWVqxLyHfqpv3Zl17UlQ6FNmsj9S2OnjIGgqvf/11V+Kis2Z463s+vsdc5EtPZviB37wL3/3LH4TgFL/55pfg337rNTjr0Hblk9XuYb7X3dkDXGXt+2iBIITgx775WXjkyRw/+tsfwV98+mHceuPlgzKrG0V9toRKmJjKK8OZiMFrQ4neuzdrYjwX7ffX1XguGl6E7KxlpUSKohmsrfo9NAUPbIhswbbh+Inv/urLQQjB//M3ja/Cpx56Alf13O80YJTgVdccw59/6mE8dqrozXiae7UX41nMofkMf3L8IbzsqvO99uBfdPm5uPjsQ1Aap6Wx0CK0Wf/R/s8hy+CvsdlxAqXIwYPNqJ548kmckBzfecNlvaSofZByigxJ8LDGMKXrHGqJnnuoJ09Wipyvf95leN0LLxns7xoTpsbTEddeejb+8kduwk+8JjjKeSleftUFuOzcw5XJ0ECM54e+cALf9eLLBpnirgO6Zrn2Gz24gG2A8WQussIeUlszzWNrCJw+LDh+7JufjY998XH81p1fgNYav/139+Hmt/0F/sNH7sdb/tlX4Q/e8jK8+OlxDCU0S5GiQC7DJKBc51Braoief9k5+JbnXYT/8JEHMEsovvOG4QZOm4YZcoQaaDCVoVxDgz8kjKFEb7fBdeV4LvxdSQ+jpzbsbTz934fKeTd3azxDX4Mp2DbceF589iG88rlPxbs+eC9OZCW+cjLHw09keOZT+znaLuKW644hlwp//LEHezOe5jkR2uCb3/3wKYIHHpvj5o4Ylf2glOC1z68ywU/X/U4DxVJQaED6X9OmAeHJlhtPAAWS4J3gJ558EplOekXl9UXVeIrw4Z89W9Y3JDV7qDrwvp6fqp7B1181UvXUAJgaTw9ceu7hwZs5Sgne+JLL8MHPP4p7HqtNCXrueGo+w7e9IOJJCp9BEIks9z/k2QJTELpj1AWqMpQdjadlKwP+BmNGQNe0E/Lqay7CDZefi//5jz+F7/7lD+KH/v0/4Irzj+C9b3kZfvAbnhlVCLjmM6SkQFaENZ6JzjtlgX3wI9/4TAhG8S+uvxTnHIm78WoD4dXDMg+UoXKVQ5K4GU9jKNF392ZtO57136VAeu01t2FxCl9k/u9DVlY7nl1RT4pVe/ohSgW94Oq4aXzP11yOx+clfufD91ljoSGjka655Cw87bzD+P1/uL/3INk2nsHRYyWgJT77aAFCENRQfOeLL8NNz7wAL73KXaI7RugeQwJVbn5neRUKIkBCGfI6Ru6Q2F59IDhFppPgqDzrAD1QYsAyGBlvqBzY7qEuiXzZFUyNZwT49hdeCsEp3vPxei8v8EFVZKegNME3Pu+SuIvk+pDPPZkJqTQSXaCgMyiwtcnVuMohabsElfQoKgzzQdfk6kgIwY+/5jn4yskcf3/vV/CTtzwXd3zvjXHuEvA02IETSiFB2cnO9MHl5x/BH//Ay/HffPOz1/Y7NgFSF0VFIOOZ6Bxyje/zEBBCoNQ03BGxvpeLAKbQBYaNPEUOb6TxLHtIbbvYSNVDqWCZgg0zngDwwqedg2suOQu/8td341MPVjEhQ56LhBDccu0x/PU/PoJ/OikBkOBBhmnQExXILNfv8/FHcrzgsnNwfkAm47GzD+FXvueGoO8dFXp4Nuh8/SybK4oepl8mRm62xXUSwfrJhUk5rxjTNRoAkr6mYfkplJoiTSOu0deMqfGMAOccEXjVNRfhvcdN4xkulZhD4Oue5Sep2TSMm2s+9ysQ89JkzKW1uUURvBvYBqbyzjgBkhiprf9nZYLB+Rr3EJ577Czc8a9vxJ/+0NfiTV99ebSyaySHgh04zVR0nYwnAFxx/pGoWOIQmJ2XYMZzzczyEEiTaj8otPE092WwaUQHzC7YnB1BgvVIbfc0ngGSY3PGko4iWjNRKRVC7ttye4U6IQTf8zWX43MPn8Cv/vXdOJpyHDtr2HP4Ndcdg9LAez/6YNVch0q3DTMSar5WP5vueUzi5mfHXRNsHT0YT21Ztu2fjyVJwleQZJ1fnmyvLSCEICciOLuWyBx5RyJBb/RUMqhiXufEj7um6INeVxgh5AcIIR8nhHyMEHI7IWT7WoOR4k0veRq+ktcXYs8L+nDkRTLlYftmVVFUQFIBRQVEj93ANnDdEaAOgJp9joDPStaB0+uW5rzgsnOijNNZBOEpUuTIigCzqS0WsGMDq6/XUOMdoXOoNcqXhkDKGTIkwRKoMh8gvqIFxv0yZ0eRokC5hrNL72k8/Yu3rD5j0bGvZnazQ5QKls3YAuMJAN/yvGO44IwU//jwCVx14dHB45G+6iln4DkXnYl333U/kMzCpdt1ZnUwO27j1YRzjMquwq7OhDCeW9pZXoaSiuDzi5QZMi22yngCFWsbuqdK1Xz97us9TUB1XafPttjgbxvBr5wQcjGAtwC4Xmt9NQAG4A1D/WG7husuPRtXXFTFAfRxwasu6LgbT3PI+0raMikhSAnFBCQT4UxZB6rGs72ZoT0eVDZAvSXkeFdAkhkY0ciKgIfllgvYMcEMOcpAGalwMJzZNmZJZUwRavpgTUJ0EZx32v7zq/e+SM5Y29m12HiGmCzl9Y5nlyukZrNKahvEeG5vxxOo9sjeVGcXP2MgR9v9eM11x3DXF75SOUEHXo+k/iwFiiC3VfN7Dx06jCsvGM5A6XQE6WMEteXreRGV23RoVN1864wnUDeewa9hA3nThCBDEszKVo2nmBjPHuAADhFCOIDDAO7v/yftJggheOGVT63+Rw8zgkxv/+DoAg0sgo0MTLEUiqZISWDh0wEXwxrDeMoAdsVI7pJ0+w+qbcPsSwTt1U2MpzOY6Mt4FtAs7gY/5awypuiZm1j9j+ENhkxjWyZnVGqNNZxdi689pPE0jGdn1JNRKgS8BstmbHFg9J0vvgxnH07woivOXcvPf/W1xwAAJyQLHiSbwpZBASpEEVLviKaHBmd1TzeY51DQ0CqqxjPZY8DoAypzZEgg2Hbrx5IkwXuqzCUKbwAUCJcD6zIbRZ2+TgS/cq31FwH8LwDuBfAAgMe01v9xqD9sF8GTigELD8/d/nK4C1hd1JSe7pOmKNJM1OYW+VqktkLn0B2yQi6qh0xIcafKDEoTiG0HTkcAM4QoQnYPJ8bTGU3USMAOk9ZVxEbk77PZ8eybmwhgLZEqupbaqvTMYFfvTiy89pBdV2Mu1JmDl4S7UduCbYuF+vlHU3zov715bTl6F599CC+6/Bx8OadA4M7wnsI2qCEyeanTc6YLxugvaAAq4xmA9mE8WS1T3bYfRCUXDjvDq7zp9TeeOQmPrTHuwbHX6etEH6ntOQBuAXAFgGMAjhBC3rjk695MCLmTEHLnww8/HP6X7gCEEJCa9Mqhi0Eq0QVT1IQwnqJ2MdVMQKBcD+Pp4JTaMEgB9uv5HDk40oQH/X2nE+z7GPDA13VB18nOTACv3+cgFqyQmJEiisKqDWbHs48EymINkSqGTdHpWQDW4567+NpDBphGVdK5f87DXW1jYDwBIFkzs3PTs56CJ0oWrDKgPT9Lcw1rvv18ydhhapIi4LPa9s7yIhQVwRnBTG6maeuCJGkwa8tU1unPMQRKIsBCDZDK7Zs4bRt9XvnNAD6vtX5Ya10A+B0AN+7/Iq31L2qtr9daX3/BBRf0+HWnP9KEIYMIYiUA1Izn9pfDu8ADZX9m/wh8Zs0tBm88lawaz44iuynkAxikkQwINoGG/fZ/4BuZM5saz06YfeIgFszkQUZQWLWhCh9Pgq3498js1sB42p+ZngnA31zN7Xf0YzzzooAgsjFPWwHKqx3PrPA3F7JsRuSDjL44Y5Yggwh2WV50Jw1qXuvrrcuheELDeJYB2bfEyEIjMF9TLA12QWYqi6PxZCKYtXXx5xgCffZQYXZp+e7Wf31e+b0AXkIIOUyqBYJXADg+zJ+1m5gl1cReBktzxrHjaZo236D3XFbTeM0ENJ+tZ8fTFG4d+2yJlS4GMHX1gGCXDx6DPsxxMa8K94nx7IYJvQ5qRrJxvM9pHT4eKoEyUlgA62E8awMtnVaGNkXogLEFVDY/M4QlKzM3x22S9Gg8jQHIab53aK7H0NWZxT23fB4wpKiv4a4hwoTmeg9RIdgBQQSDOc3CGU+uc5Rk+0MKSUVwRnvikEgwBPrIgamsdjxjNwFdJ/rseP4tgDsAfBjAR+uf9YsD/V07CTOxD2U8iRzJjmd9yMvC78atZGBlZQRgXW39C59WGFaiY/8yTRLkmnm/BgBAUUttI/+cNoGGOfYvrEyRYKbVE1ZDzML3x032Z+zMCSGknkSH794s/f8HAqmbQj0zUtt1/I6mYNMBzbMqqvuQdTGeyQyUaBQBkS1Vgbt9ZmXdMIPkkM8BwJ7Ctghhxw3jOXkJdMLWJAGDZBoR46lZWjmQB7ggcxVHVrOiaXCEULKh19Bnl7aq08XWTZy2iV6vXGv941rrZ2mtr9Zav0lrPfyYeIcwSypXxtA4ABpBALALktQ4wnrGqZSyspbnM4D3sPNvgXTM5KqGBCKokNf1xGtiPBvTGxXwwDf7OHxqPDshZtV7FHK2GGZ5DA1+Sfvt3jQ/aA2PsrIqVEjNeJYBw5YuMJlhjvBoCDv07Bgy0B5KhU3tYW0bM27MrsKe51znlUszQl2/J8bTFVxUg7mQxpOpHAVJALr957nmaeV94bt7rSQ4yigazz6sbYJNNZ7hcuBK8ZFs3cRpm9j+nTLBYla7MobuhDDTeEbe0JjG07dpMzuehKcATyFQIBvY1da4q9KOwitNKHLwoM+KGKlt5AOCTSAR4buHxpCIpVNh1YVUpFCaBA1KirpB6nQ6jQAlSYMD1CEzPKlNPu8a2EhVnc/mepVrMBeiKsNJWmc2BrwGO5joGLw1u9n+zTNXm9nD2jbSmvEMHWJwleMxHAHQL25qDPfttmFXZwLOR6qyeBj8UO+L+hpVEQyEFJ8hRR6UXZvoYiN507IHK0sj2aXdJqbKNyIYV0aEmhHUGUaxZ3YlgbK/JmMurXaM1rDjmeduTqnms1IBRQWR2SS1rZEYJi5Asiwt4zkVVl1IEx5cBNsGfwQFrKQiuPGkco7HUZ1N62A8qcxQQFgZaxki0+8AUzlOsapZCTFZUo6MJws0V5NKQyCHjECWuG7MOEWmw/P+uM7xuK6uxxDXb3MNT4qQbtgBaBCDn0OSZOg/KQxmIO/deFavW0WQ1WwbR+nHetrYrw00noqlwXuoXGVR7NJuE1PjGREqxlME74RUk+T4H+hJ3Sj4Nm153XjSZAbK1+NqaybL3Y1nZRwRMiQgI2GmN4HEGE0FGGqZotfIpCasRsJI7fgawizX7sEjeJ9LKsCDTR9yPK6P1D9oPfuXBUksuxJS5HbBFDV5YKyMM+MZuBNnznC1A4yn2fEMueeAyijliZrxDJE0m8EunQZznUhmhvH0fw5xlaOM5XrmM6SkRF6Uft9nI2EieB1mKOV535RKQ6DYSN60YgIiuPEcR52+TkyVb0RIOcNcJ03wsyfYhqyk+yKtWS7fpq1yta0aT+uqOHTjOXdjdyqpbdj+DpXV7s4uL5cbmKIoZNhiigRTyE9YDUIIcgggoBkxzQUbwfvcZxJNZbZWxpPJDAVJLOMZ6l7e+jt0AUlT5BBh7r6lG+PJe+zppyii2CVbN9J6dYbKsOtR6BwnWSWbDtk9NDJoPq0idCIVAqWmQcobpgsoGgfjSXnV0OS+DLnJGI7AmdcOvTzPYKOI20TzrNksOLaGq2wUdfo6MVW+EcEwnqE5dGOZpFhppGdhlOUSKSnAkhlosh5zIfOw7poSW1l0QFFhJNG7vFxuwcOGEEAz0U/S+Jm4GJCTsKgR01yMQbKnWPjuDVOZlTaug/GkqnJzNfJytQapLVeVjDXU3dfqJGn8AAAgAElEQVQW3h0FaHAkVr2nvwk53LYxq58RoS7LAgUy23iGGUXlmiEV8dcE24Z1IA4YBiURDfxJPdTydsyua84YnMut2szzDM7yAikpNxJrY3Lkg9yDdRzuwdvE1HhGBCvNCZlUyxIMEjICjX4XCEtQaOY90SqNS5+YgZkdT19JSdfvsPLN9iI77eFYWBWgcUxItw4e7sCp8jmUJhBitw9xV+QI2zezkuYRMCeKpmBQgPQ/F5jK8XgtbQzNXuz6+SVN7dmyjt+R1EVNQZMwd9/Ss/EM3NPXERS464Zxqada+l+PsgSHRJ5UDsghqwgqPzXlRTuieZ773TNSaQgdz84y4SaP1NP0y1FivxHUZ4PvYC6za1IbYDzrVS9vxZ0swaCgIrletoXpRIoI5vDrI5EayySlINx798VM11kys4xkObAkzjSeXQHqKafIddiQYFfiBJzAw9hvoNpHy5BgJiaTJheUJEx+aaJukhEwnpZJCxhkcNWYuaxFBqsySJpAmB3PdTWeNK0+a+UfSWCyRrvkaoaV8JXIG6ntLjCetpkB/K/H+j4tkzMBhF0rsqjPxx0OqndFpWAS3p9TXioIlNCRMJ6sHsKWoYxnBJmvJv6n8JSXFzZvegPPKR646jWyOn1dmBrPiJCaCWmPSfVYHugV++IniTMPXyYOWVfFoQ06pGM2pGGnQz4rpoqdt9O2qAtcGjBA0HVhNbkDu6EIzLg0952RiMYMy6T5Xk+yBIW0O57ehZsDeC3JM3FS65Dzinp/snL3DXDcdmQ8bWMaxHjmcTAra0b1jDBGKZ6fRf31UlSNZwg7ruz5OJV5XUiT2izQsyYx0nEVCYNPbcyRb+Npone2f8abKDuTH+2KPDOxXxv4LHiKlBTIAk2cxlKnrwvTiRQRhmA8xyJhygPYFzv15SlYfbiEuP25/I6kQ1ZoPivf5hnYnRw7J1CGArxhWnxQ1u7AUx6qE0oS1owYp1Mxhl3aUOl2/fVPahMTMjzjyVVRBY8bqe3Aag0TVaJ5CknCAs6tgqPrOcIN4xnQeJICiIBZWTdSTjFHoENndqL+IeGNpy7myPTEeLogVGqblbJyUo1EOmkG8qXn+aUjynw1ajbf7FoTObQJF2ej+MjmYSZOuzB4a8NUsUWE6vALzKEzjecIdjwBoAgwXbAPXz6zuwxD70kpx302zijywM+qYj6mHU+DgoQ18CgzZHpiPF1R0jSoGTH3mJgdGfpPGh48zJjCFJxzCMx1EhQk34VKBiuCXRu7YKJKwFLIQHdfeyY7Mp6+zbP5G8kOFF6UEkgS1niaopvNjiDXzLvBBxYVIVOZ1wXBzNA/bGcZkTBYxo3f9/xqVowiYDzr1+AttTWxXxtgbZtd2tDGM47rZVuYTqSIQAipJuJBjWc8rmQuKAIYT3uYsqZ4G3pPyvw84TA1k4EGHpOr2V4UJEwCSsrJPMMHJRVhUSP1wzIdgdQ2uKmrX2MGgQyJ3WsdEgnq+74+o0PzHVfBNp58BklFkLsv9WQ8QyMPunKSTxeoQOl3PjdRUYfr3cMeO/AT49kJQggK4m++ZiLeYlGa8dTk6/oOOtzc/DeBhrX1bZ5P1t+//tdgm2NvEydTp2//fd4mpootMkiagiLABW9kFL6k/uYXe8LN7cR92OLN/LzkULessCQC1Le4M65mk9TWIjT6gchsmuh7QAUynmMaatFAK37beOoEGcSajH9qUx3KUIIFRTG1wRj3IEmDY2W4M+NZ/Xff6K+skDaLeRcQanZlCloxOxTsnl6tIgjMplUEJ1TDcL97JisUBCmiORsbxtNvcCYtW7j9+7IxSAp8DWL9KyGhcmB7H0fwPm8T04kUGazNcqBUbCyT5KB9s2JhGh8o9eqC+XmpQ3SEDCnkrSQ6jp2QGFBdC2HsTE4ECJnyUF0gWRgLRso55kiAEbzPjdtq2PmZIUGmk8El/FrrPbtgeWhsVguyPEdCJAifBTeeTGXQIADrWAUwrK2nNDEvqyzmnWk8A3eOTUGbiEPB1wopT02rCB4IqUkM4xnLwD80I9jshMYQmWV24H3lwjZvOt0k4znevNRtYmo8I4NlwgKlYmN5oJchkuJySeM5cAh7ZcjAkSa882slC3gN9UR1LLu4m0DVwPt/jlTmKMjUwLtCs1lY4ykz5BjH+2xdHb0Lgub8zJAMrqQold4jyQsxV+tCbnLs+AyapVWj6xlwzlSOgqbdQ4aayfN9DaZQG8tzqjdYGANvd+7SQ5UDfMCAlUyMpxckTbwHoFkhIVBG00gkNdvnq9hwdfPfBGzj6bnuIB0z2IcAs3+jn9TWPFdi2KXdJqYTKTKoYFfGcTGekgaYXyzuH9kdo4F3sWqnVOEg31RUgKMElEeWk5ULj6OQ3wSqveawPNSp8XSHYgIJQhjP8TSeZr+n8CwIzPnJxaG68RyYjSxVzXjWjXGoe3kLzF4gSWY2Z66Q7o2n1trdcZtxlGCgnoW6YVZ2pvBKwgbJi+9TQfyN+IDFVYSJ8XRBSdJAxjOPZpBiMoJ9Y45kRJFZJlHAl7VtEgnWL7Xldg/V06ekvq9juV62hanxjAyhOyG6GNcFrZgA154B54sZc1aSPOyelHlYC+bQeJrPyqeAXGRtJwCohhChssApD9UDfAYBz3sOAJVzFGQcLsysJ+OZmJ26gaW2ZrfRMCMFFd5NWxeMPJMmKTRLkSJHVkrn7zeyQel4T5XEv3lWO9Z4kkCX5UUGKsSID6jY6MpcaCrzXBCiYMqLEqKWt8cA27R5DjpkPofSBCKCmKMkDTOONGdLVxTeEDB/o+8ubZHHk5e6TUwnUmwIdMErRvZAVwHNht1zYQ3jOfSeFCnnKJA47Q1qGrCP6xrQvkOQLMxtlakckmz/QTkWaJYiCTAuY2o8kmZjLFEGMp5pehiZ9ne37EJe5OBE2cYzdK+5DYblpcmhKuAcBbLSXY1hMjZdHbdDduJKK4fbjfOPBDKeciHWK3gHXuXTjqcHQgagTSMRx3PINjSe15suTtWZ2N0rRuuGYSy1Z1Nn86Y3wNpyI2n2dd6tTcN25fxbhanxjA2BE1LjADaaxjPA6GSP1b81txi48ZQ5csciW9vPyuN11J9rLDshMaAyQvFn4ipZ4DgaoijAAxh6VNmOxUhcmFk9ifa14m8iYw4HBcl3IZ/vdTMMMlfrgLRZfDMgmWFGCmSFB+NZVrJB5cp4BpirGRZjLM+pvqDcNALh7E1BBZiniRMAsMn12ws6YAAqjcoglkbCrPB4N57zaNjxVKRQmnivOxi/j2QDZ0sjBx5vXuo2sf2rbMJeBDKepX1QRXIAdqAyv/BtPOuv5zPboA+9J0VkhgKOssIQWXT9Gsayi7sJaDaD0Lm3EQrXOeSUh+oObmSofpNkJnOUI2E8rTFFoNvg7NDhOkh+2HPFKFJofb5LKsA846S60MgzZ1b6l3s04CZj05XxDMmcbhrP3Tj/qAhjoOy+mjgc5p4OYxQlQGn8btQxQLGZ9wBU1jt+McSQAAgmLkzmawzseCpYtWfvu+5QNiqBdcOwsr6MpxlUxOAevE1MjWdkIEnYhFSObJKieQqh/SR/dieKiwXGc1i5mpdhTeI/XRzbLu4mUO2jFSiVX+OZ6LyJH5rQCTPs8DXe4TpzM5yJAM0k2q+5NoX+oSNH1tN4Lhr/oG7aAuTlbWieAYcbu/+5+2ed142ndlwDqF6Db0NlnHfH8ZzqCyvB9GU8rVHKoaAGH1ojGdF9GwMUS8E9VxHKorq/oqm7KIcC8VeClVkly46B8eQsTHWywSx785zxdT+XEcXWbBPbv8om7EUg42kuaDGWC7pmPH1YLioXDhYeZuff/Ttyd8MaY5Xv8TeUk6vZAWg+Q0r89tGAuvGcCitnWBbslF9TNiZJs3mgS99JdH1fHjp0GJkOcxFtQ2kHTvXfx1IkA+94ygXVS0jOXFZnbGpnxjP1N4gzLMaOrBqwQMbT7qsdOlRJmr0d4Kuvn85Hd+gAs0AZ284yIXXuq9/1UjGeArMkAsaTU+RIvFdC7NdvYBhtlIW+rKxcGCjtMqbGMzKwQMZT5XMUmkGIkTxo+AyCSOSFe+FiDRaYaKS2AxeITGWQzoynkbW4/w1FLc2ZGs8F8NqB02MfDbIEh5zyUD1g9pAKT6ntmCTNszRFqSm0Z8xSaQd3h1GsYf+yrBlPVjNgivrvuHdBLRjSNI2n+/uQFRXj6doUVrvZfsNDvWPmakIIlJoGuNTPUWpa7buxANfvetBRjuS+jQIBQ39lY5jiuZ5z+LsgkzKefeCUU2Q68c6uJWWGOUR3BvEAMKsCvoynypv7epex/atswh7QgGYGAFR5KprlcCeYIHWPwojpeteMECspGdoZkqnCmfGkAZmrYzOB2ghqB85cejCe9YNV7whzMgRsM+IZzC1GxCynnCJD4p0B10igZiipABtYwl/u222sHIaH3fFc3As0Q4bS47M2cSquTaGqJfJeWaHlbjGe4bLBJgolqPGsf58rez0hLPrGDnsiep6HxByR0pgLbZ/xJIQgJ4m3XNjLn6MveFidbndpx1Knrwm7/eojhDVd8J6kjCssmtjG0/11crUggyVkLZEE1T6bW+NpDYJ8Gk9rADIVBBbGgTP3YDx3TLI3BIyawpfxHNMurSn0vSVQC5NoGSJtdPj5QGM2E9RMdEDVLK+YHVrIM/VlPHOPxlMgRe41MCI7xnjOEjMI8bseTSMgGK2N+Hwzr6vfNzWeHgh4nhvGMyYFU0H8M4KprHc8I2A8ASAn/pFWVGbOiQS9Ud9XJEDJEAuzvE3s9quPECaHzvdBhXJcF7Rp2lwZT611JflbaAqDTBc6kKjc2ZDBPGx8bL/HZgK1CdAAB85NGgmcLjBDLV9XW6Hz0TDLVaEv/M3ZimYSLVm9u6j8do5bf77Zv7SMp4BA4e3k3AYbJ5AesgyMT6yM2fEkjpmEms2qrFAfifyOMZ6zhCGD8Da7QjlHDgHOaLUDjxzwuVbKSRHiC1JHkfgMrXSEA9CS+g/kqcyQIwGPxAG5RNKkGDiCymxz7uuUIgf33kONaZd2mxhHl7JDYAESKaC+oHUcUgkX+LoulkpDoDzQeLKBWQOuc+c4AfMafIxMzNcmEe2EbBvNEMLDbXVqPL3BrPGOZ+OJApqNY1CScoZM+0sbVR2gPuOsybEc0LjMDBKtJI+HOTm3ojRh9oesyZJPw2NcbZ3Zm/o1+JiCWRZjR+5bs6/ma3ZlGgEATWyXTyE+nY/eMM8hrwzgCAcpkiT+jKfKkNMUZAP7kS4I2bP3SiQYACG7tKjr9LEQROvCbr/6CGEaEunJSqCepIzlgqaJX4OdmXDzhaZQ0rp489kN7ECiC2hHWSEPMGsxrma7bqe9COP0aSInXGB2xaY8VHfYjEuPib5S2stwZttIa2ljmARKIK136gB4s6ZtkJaNrBlPPoPwbNo6YWWsadN4BuR4EtdmpXajzoMaz3FcT30xSxjmEP5S20XZYEg2o7kWJqmtM5pVBPcBqI7wfS4Dcl9jy2quWFvfxtMjkWAAFER4GyChHNdK3Lowji5lhyDSFIVmkN7SnCya5XAX0HrH0dXu30zjF01Oqh0jT1OaDgi4G6lYdtqnkC8mxnM/QiSgdmduajydYRtPH8OZIkdC5GiYk1m94+m7H6SLRjGiAyOtun4+0ASPEz5DSkrkhV+WcRvIAsvV5Jl6Sm1RuK8BBDCedMcYT7Pj6btzTOUCe1Nfj14/YxrMeSPECXpx2BMLQlaQmIor87WkKZjy22vefOOZeDfHZME0bJex268+QpgHla80h8h47LBdwLjfDlJeKgiUe9hIVTOePhP3LiQonPdieL2P61PI66KKvUlFPNPFbaORl3uE3dfFwVRYuSOZBbBgJvMzosKqDQkjYY3nQpyAXgPjaZgRm99W75NlPvLyLpQZFAjAkoXG0/1sKvJqyEAdh2KE1zuepfuOJ42wUF8nrNmV57XEVMNAmTMuC2iIpvPRHWbg4uP6TSKUNCsqvM3RuN5s09YFRRPvPVW+4eY5xNyyqdPHQRCtC+PoUnYIZmLva0ZAymxUO57Nvplb4WUZT7aX8RxUriZLcCj3xjOtvk56OPOqiPKyYkET/eD+Pho5FJuYY2cYts1r769+n8dSwBJCKlfHkN0boxgJtMpvQ8N4Vj/byFldFR8uIDKv9gIJsZ+1D0tW1nJg13uKJJXpTe5hLsR0hoIkG8naiwGzpNrx9GY8VYaiLqLNvVec8t+BnxQh7miUN+6fFTF7txENUiRLkWg/tpCruCKzKmdxv/OX67zZz98ASpqChTjvIkHCduP8W4Wp+o0MaaD9OpPjcrU1+5GuzG4uJVKS7zngNUu9d4xa4Tm9TAJ25oyd9q5LLRZhmGMfJs7moSbTrqwrROrvmG3Mv8ZUwJYBjeeeAPWAfN7uP6p2s67fRxIi6+sAWZBnchtw7v4+mH17V6ktSWZgRCMv3Kf+1S5ZPAXuumGl357XEl9gPIPyd63UdjofXRFi7BjjzrKmAgn8Gc+YIrMkS5F4Sm0T7Z5IMATKAHPLSkIfj4nTtjBVv5FhVrsyhu6E0EjssLtgDnnpGPQ+L4zUdqHxtFKvYRpP7dl4CpGi1NRvSFBWE69dl1osojG9cX/g28ZzMmlyhqiltj4NVZGPs/H0zveVjWKErIPxLA0zUv1sZl29h2s82ULjaV6Dj8TTDH64Y7NCrbmaOxPHIpP0rRtmkOw7xKhkg/saTy+prcmNHc99u23w1KzOBDCeEZkLKe7JeMoSHNLZzX8TUAHNc+KRSDAEQnZpqaoVHzuOqfGMDGmdQ+czqQb27oSMAb6yv1yqg+6atdR2KMYzq9kdk+fVhZRT5L7sdGRBzTEgCXDgNLJcPhVWzkjTalDiM9TK5+OT7FXGFJ4FwYIrOAkIku8CkXtjF4inq7cL6GKcQN14+rguqsJPVk3tnr7771hsqHYB1Y6n8N455iqHrItou3vo0eDb+J6J8XSGMfxTHvckVc1edSzQLIVA7p4RXF+bMTWeOkAuLLS7P8cQCJEDM4+c+NMZU/UbGYwZAXyltipDOaIL2jQbrkVwXsep7GEja1fFoVxtzb4VdXxYm2m215CgzJCDT4znApKZvwTUGDpxVwfOCVWmIPwyLk1jROtB0RhQTaL9d2/MjqdtsgdkPEmZoQQDaHXfs4C95i4wtRCgbhpcH8az2Nscd/6+1L955jtWeM2SSsHkK/1e3FcL2T0056P5jCZ0wzKeHs8hqzKISTrJPOui+pzTLJ5rRTNR1XuuzTOqRAK9weZZUX85MFfZTik+VmFqPCPDLKkbz5AJ6YguaF+7/7xUSEmxl400UlsPc4vW3+FppGIdCz0eVNTs4k47nhbNEGLKQ10nEmYyLgP2/kbEeFaTaH8JVIYEgq2L8ayNf2rwxOy4D8d48sU4AcpQgHs9R3ThF3Vi9/QdGyKtdb2HNZ7nVF+YYY8v4ylQQNWNgBmu+TT4pR3MjWdgtG2IgAgiqnLIyKSTmqcQKN2VYPU5t0m2sAvanEHS7RwvpYJAsdnGkwXs0o6sTl8Xpuo3MqS8csHzNiMY2QO9aTbcHsgmTmWRjSRJHWA+EONp9gZdZYUpp8g19ypQicyRQUCw6dYzCDFCUftyESe4IYdoZJ8OGCOzrJhA4tl4mgB1SomVNvru2bdh/27PehjPvWxijqTZQXOAfb2OjSczcVKOA6NC6gPO5Kc7zCCZeXwOQLWvpvdJbX124M2eYiJ2573uizSdQWnidd/HuOJEeIoUubv3hTGiiigSBp6RVs0q1uZeg2IziIDYml06/1Zhqn4jg3lQeU1Ita4az4ikEl1ITePpebAsspGEp4PueJoi0DVOoPqsRGMc4gAiMxTgozGB2gQI97sWAEDXpjfJxHh6ISd+Z4ths8bELCuW+jeeCxIoZtnIARvPBeMfoGnklePgzQX7h48l8ZR4epqrNc7kbg1RVkqkZNcaz4rxZCpzlw1qXbE3NQMVsgMv81OY6wSzhHv/zbuKNGHIwT0bzyK+FSeeVm7TueMZaAa+SUSvw/wtjrVVlpdISblRd2Fd15/Ou7SoDZBiu162gKnxjAxmb9CrYJAFKPRGZQZ9YfPsHFmurJRIkYMuHCw0qaS2gzWemZ+ssJFR+UhtcxQ7FCfgBLuP5sN4Zig1xSyd3ksf+GZcGpZlTA2+ZikYFCBL5+9Z3D1spI0euYkdoCrf23jaHOPhpLb74wR8P2vtueMZtC6xYTnctpFyhkwLEGhAOu6DqRIMyr5PTePpfq2oYiGXdoITGgdi93sm0RkkjUtqa4bzuatjdoSMZ+PK7TjUqmu3jeZNs4pZLqSridPe+3qXMTWekWFWu+CFTKrHNEkmLEGhmfMhX+Q5GNF77OGJbTyH2fFscuz8djx9GqZKmhPXg2rr4P47dbqcY167kE5wh38zUkttx9R4+uZwGsXIfjOXIWWwcu8uWGLl5cP9jmRfFl9BRMW0OaLJJHTMMfY0iMtM4xnRLtm6kTCC3Hzurp91uXcA4NvgA1WTmk3noxeMA7HPcyhG6aQZzpeu8Tt1/RKTczmpX4Nr82zypjfaeNo4P8f609TpO3T+rcJ0KkWGhBHkSEB94gCMK9nILuicuJsoGdnb4uFIkxTUM8C8DU1Eh7urba79pItsx+IEnBDAeKKcTJpC4JtxaYpdMaJdWuvO6Ho9qRIUyhaQTZ7fgBmbKkO5oHSwTduAza3QxR5nypL6fdb2/nN8jhhWwlUuvNSZ/DQHIaSR1jlej9ZkrX6fkpn/zrEu5rXUdmI8XTFLKn8NH0MurgvrPhwLzH2ZO55fprbaaNPWAcvaOjbP5uvoJs+WJMWMFMhdzS3N/T+ilbh1YaraIgMhpCoOQ3ZzRnZBFx67rA0b2TSFzErihineTJHNHBtPYVxCPYwjqp2QuB5UWwchtRGKx+dYVi6kUyyNH6pmxF9+KWbjYTzhy3iaSXTdIBhDliF3PJnee9/bCKGBIlu01lWcwELTKGnqFXDeZI06Pkfq3+Ush6udyXdNamZZaFc/g32ywbQehHjtwJtc2mkw5wzh6fpd1r4Tse3sUes27XZfLquttg1jIumaXVuYxnODud6mwc9cY44idA/eFqZTKUJIKvziADwn1bEg95AUmwKNLyzAm3Bsn92XNhiGw3WfjVLiLWfjOtupHDtX5J4SUFLOkekEs6mw8oIkqRcLZs4WMRsP40l8pdv7FCMzwTHXCZSHi2gXuNorg7UM8kBS21LpA3ECvs8R6im1bSTyPnv6RVS7ZJuAlWK6rpXsi/WaCV4xcT7XSj2Ym02DOWcQQpAT4TwMz0pVx97ENUg2HhWFY11kZKoxRWaZBrJwbOpKzwz2IeDLyvqat53OmKq2CGEn1a5uWSO9oAsP10XjrrmX8RzWfbKRFbq/j5VzpHtxx1UenTQnBvjuHhKZTbE0AZBMeLFghmURI9rxROIptd23I29Mw4ZkPPfnV7LEk5XtgNmfxAHG0+eeqq8L1wEm92uojLkQIipwNwLPQYjZazNrJcZLwMf0ZlpFCINPTRKrWZaN38nD1WTbhjkfXdVsvv4cQ8DIel1ZWXP/kpERROvAdCpFCMVSUChAOboy2uXwcV3QBRHOMlVTAC/ueBo7/6EiCXRANqTvHhXXuxUn4IpKXu4ZS0MSEDLF0vhA0tRTTTFHoRkIG48hFrESUD/G0zQITUzScI3nARMS24wMs5+eFfLA/mSVZ+ropAo0yg1PxtM1c9o0x3THCi/luXNc7MuTThipG09PxlNPjKcvCiJAHYc1JuItNulkM5B3a4hM08Y9Bu7rBkv8nMXLLeRNG8az8HUP3iArGyumxjNCKM/wXHtBRzSxcoGk7uyLbS73xakA7jtGXdBGVujB7kifxtPks0UmzYkBvpLl/bmIE9zgm3FJyqxx5RwJqDD7Qb4SqAXGUyfQA2ZsJthnQsI4SlAvI5M2ZHkBQeSe81FRv8+ayRwSDGCO2Y+ejGdWlEhJYT+fXYGvy7Ipos37ROwOvK8iZFpF8IXPADQrKqktIhsk23xdx/NLWlPFeNYpmrgpt3vGrEmxDTbP1Lqfuz1nGvIkrutlG5hOpQihPXdCjAveRh29BkDp0WzofcVh9f/XjOdAkjjDeKaejSfXrpK+6uti2wmJASX12z2cGs8wKCr8Gk+ZIce43mfqueO0P8euYjw9GaYOCJ0fkOQVSEAHMhdqDGkWGk+eQsDH+CzzMz6r3y9XaWIZoXvmJuC7c9zkSTfPId8deFqvIkzma36onkOujKdESgp3afqGYFg/6eiC3HhbxHNf+qrZTIOabLB5bswtHXdpt5E1GimmxjNCqOAJ6bguaC+Zqg03X3iNvCqS9EDFG8oMc50gFe4Pa0VTcFc5W1046JG5D28CXg08TB7quBqiGKDZrJrSO4LK+XgZz7nn7o3dqaODNp5aayRLdsFyCD8n5xbk9Z4R5U2zollamZ8oN68Avm8PtROUQ4E6N0Sm8NrkHlYU8Nw5tvtqCwPQAu6mN4BpPKcdT1/4qLDmhYJAGd3OsmkgXeN3ZMCK0bphm2fHps74c2wyb9o0x6WjAZKR5Ma0S7stTKdSjPB2wTMT0rgOwC5Ij6bNNpdL9qQG28WqDRl8DGskSyG0oxGUfQ1Tw7QfvtEP3JedmQCgkv35sGBUZihGxnjyxK8gwL798YbxHGagVUh9wPgHqIxMiI/DcAsaV8fFwVwVcJ5L5fQzuPJsPAlBHmIQN7LnVF9Qz0FyI31s3qeC+u3AM1m5fqd8KvF84OMEbXY8YzOLMayfK1uoizmkJhAinnPeJAsox+bZqP5cEwmGAPNsjrdhgBQrplMpRvhKc+yENJ6JlQsU87D7l8uktvX/P9AuViUrTECpu2GN3dd0KQpMIbtjhZcLKiMUH1lgPsXSBEDzFBwKkG7GZUzmKKCPYRgAACAASURBVEb2Ppupt6sEqnEbXGA8tR/D1AYTI3JAautpqNWGpaoXniJFgazobjyl0kjgf0/5rEuUxW5O/G3Eg3Pjacxemud56WF6A1TnY0HTyXzNE8qn8SwVUuTRNZ4mc9mV8VRFlfk6Sxx3uzcA8xpcG0/TZG+y8UyspNlPartJA6RYMTWeEUKbxtPxpivtBT2uhsZn34zsc54EYNlPPVCBSGTuvc/mtY+7r8Cd0KAyvXGXgCYqg4zM1GEU8BxqMZWNTtLsO4k2BZqNr6gZT5+dujZkhURKygO7PSVJvJqJNjQy1oWihs+QIkdWys7vN9EQvo7bVePpdobLLThPxgDLQjvec6bYThae5yUVYB7XI1P5pAgJgI/5WpbnYERHZxZjrhtnJVhxKjpZtsk5djV4a2K/Nke+cM/meFfPv2WI50qbYOH7oGompOO6oJWRqbrAZswtPEw9A8y7YCI6fODXeBoTk6kg2A/FUiQeEtBET3moQTDZY45N2RgL2MTTEbHYt1M3q3c8h2I8rfHPPmak9JSXt0Eu2Z8kfAZGNLK8+3cYVlb5Mp4epmDb2MOKAXYY4PicsnnSs+Z9KomHOgjVKsJ0PvrDp/GUNvYmruuZ2sbTtWmrHZAjMqJKhYDSxLl5bqLwNjfUT2xz7LdLu2vn3zJMjWeEIMK38YxvOdwFmqVIHI1OljKedSE3FDMR5JRqmkiHz0pPjOdK+BqhJLqAnEyavGFYt9zReMd77y8CNPtBjrs3+3ITOaPIkXgxTG2wsS77mJFKPjmQ1LZY0njWvy93CDjPatmg8pQNllSAO7K2tvHcsYk/83ye6/wge6OYx5BClmCQkyIkANVzqHTybDAuzTS21Rmbr+vqtl/vA0fEeKYJ9zN4swZxmztbhOceauMevFvn3zL0utIIIWcTQu4ghHySEHKcEPLVQ/1huwzrTOg5IR3bBa1ZCuEor7SStCVxKkM5Q7KgxrN+6Djsao3VfXgT0DxFitzNCEVX+2j7d+YmdMO78dTZ6HZpfY0plhUEJR2uKSyM8Q/fez77OGh2oZFxNc0KtZ91dwOelwopObiH2vl7aerMxO2XNO8KzAqMKzNiZYMLjKeP6Y1xT/dlrycsZq52117WWyO269ncw66Ds5rxjMmIKk2ol8EbMQ3qBo0bTePps0sLjI8gWgf6Xmn/G4A/0lo/C8C1AI73/5MmMOHngqeKOTLNo1oOd4Fx2NQO00ViGrs9rrZi73/rCapylL7RER47c8U+ZmXCAljlwJmVDo2nLEChp8YzAKZIsixcBxKVj445SUWKUlN3CVTNXCzuR1Yy2KEYTxN1svd9lJ6Zqm1Q+UE2kXp81lkpMQsY5vjs6etlkVg7gFQkyDVzd+gs58g1Q7rgMqrYzP1aKU1s17ju2xjgk7mq7LkR2fVMKQpwZ8aTlHPMITBL4pHaCuYZaSUzzCGADZppWcmsB0FUarrnvt5VBDeehJCzALwcwDsAQGuda62/MtQftsswOwOuO0qVK1mCNKKDwwk8hSAShYP5BWthPF1dFTv/HOXP7tjAdpfGM1ZpTgzgM8wcjVDsex2Zm+AYYM4W58YT+eiYk1k9LXfdDzJsoUj3MkzOGcMdWKV0UCwF8zDUaoMqjatj8zvsc8Ths54Xqo588TubfEzB9I7et1U8j/ByWc4g9jBQigl3P4T6fZ4azwB4MJ6yPDiwigUFuPOOusl89YmRWzcoJXXOsds1T8sMBTacN+1p1KfrOj2mBn9b6HOlXQHgYQC/Qgj5e0LILxFCjuz/IkLImwkhdxJC7nz44Yd7/LrdgW8cQHNBx3NwuMBMF3OHwojJHCU4QBdu2lpWQcthCkSmCm8jFeoRDm4+Tz41ngdAkmoIkWUORayZ6O8YczIEzHS+zN2ktkLnTWTQSGBcaV0dEWU9iV7MsfORkHahzKu/Y//ASVGPZqIDZi8wmTUyruazdpDaBmYSqnpPv3SRyC/b098BpLVZlSvjSeo86cXG08cPwTaeO/Y+D4JaDq/L7nvGemuI+Br83GN/nNRZzT4xcptA4WHwRmSGfNPu6z7GkqgGb7FJmreFPu8AB/ACAP+n1vr5AE4A+NH9X6S1/kWt9fVa6+svuOCCHr9ud2DkUu4T0nk9IR3XJMUUOS77ZlVu476JFiEoSAI6UPHGtX+OHa0f7i5hzdZ5coPOa2OB3T3MHIoz4w48NfDesM2Iy/uMysRJ8fgm+m2oCn3hsapw6sAk2jJ5yqGh6kCzf7n3etWeTs5taOIEms/Kp/HMimrH0zdjWNdZoU672TvKeJpBiHJUMJFyjhzJngxOXa8iuJje2Bi2HXufh4CpSUqHz8o881mE3hoFEc6mi1Xma3zDxZy4R1pRFeDP0ReUIgdv9ku7UGR1Xuq46vR1oE/jeR+A+7TWf1v/7ztQNaITeoKn7gVD9YUZMj0+xhM+jKfOUZKDD9KSDLeLxXUO5cnuGDmby2dV1g+qXXN1dAGx+2jdQwhtY2mmwsoXvhmX6QhNnGYJQ6bdjSl0cdBcQ/kadLRg2Q6p+R2u5mpdMPfE4tnChfvKRsN4ejaerDYFc9jNXupMvgMw16Mz47mMveEevg+2wZ+eM76gwn0VQddO0klsO56oM4I9pLYxZjWXPs3zll5DJQf2dA+eGM/wxlNr/SCALxBCnln/0ysAfGKQv2rH4ZtDh3pCOjbGk9YSFZdDnqtsqQy2HHAXq8qG9CuymX0N3Q2TmgKEV8Iaobg08PXXTIynP7hH4ymlwowUo2NOUpvD6bN7s3cS3eTz9nfMXpnfxqsIIRdztS7YqKaFe4Kn7p91VlQ5nsTzbNJ8hpS4mYLZAm1k11NfmFxYV7MrKjPk2Pes8/ASsAOXZLfe5yFA6/escFBhKTsAje95XhL3uohHmtVcUAGq3AZzTOVbaTwLjwaf1Lu0McXWbAt934HbAPw6IeQjAK4D8D/1/5MmpEntgufISpgLemyMp2ULHWR/XBdLA7ElFUgGajxD9tkaOVv3azAFaIwT0m3Dmt44RD9Yd+AdY06GgM9Qy8qeR/Y+c0oqqaLP7s2+HDvtub/TBtt47tsFMzLVQvZvPMkSx9hEuMfKVI1n7m98Vr+GrPBpPMd1PfWF3Tl2HGIszZPmRiLvUBNMqwjB8HH91mW8gxSfgTzTWZRZzZK4ZwSzFcTEulH47NLa2JpxEUTrQK/8Da31XQCuH+hvmVAjrV3wXKU51C4tj+uCbliu9umiUhqJziGXNIWSisGcIRMU3gHqRj7n0jzbHKdZfBPSbcNKQAsHI5T5KRxGhDb2I4BPxmWWncQhjE/STAhBTgSOukrw6/Nztnh++kgbO6BWMZ4sRUoKPFGUELxn0WSauoUz0uTFuXzWRZGDEe2dSUh4tXv4ZdntRk13mvF03zlmKke+r4i2mazZqe6irVxuZjWhGz5SWxTxXs+SCDBHtpCrHDJCdrxqnt2CMqrXsKXG08cACQIsMhOnbWBcFNmOYMaZlwseVeO8oE2R09W0mf2jZTJYkyPXW66mNQQKgPk9rI1hiEvDZFw2xdQwHUBjeuMutTUs6QR3+DSeRm42Ruak2g9yzz08IIGyVvn9GU973+8LDvcy1OpAFYmwN8dOzNwDzo1ig/quAdSN59yB8WSyjjzYYNZeDPDdOWbq4L6ajwO8aXCn89Ef3MOQCxEznpKl4I5MXMiK0SYgPbKUud5O3nQlaXbfpd24AVKkmBrPCJEmvjsh+SgvaFejk1yqahdqCeOpmIerYhtkAQoN7fkQaXbmug8fVc4x1yPMW90AfIxQyrohitFNMHaIOm7DRfaXz8fb4BdEgHnu3iwynmRAxtOakOx3szau3o6Zqm2opul7Xb/NkMHlszbxOr5RTzRJkRCJLO8ucqnKonTPXDeq57nwaDwPuqs3TJzD7mFhzKzGNzDaNnyeQ43KIL6mTdEEiaPbf6LzxkwtIigqwB3VbElAIsEQKKl7g1/JgTecNRoppsYzQsx4NSHVPhPSET7QG7aw/ZA3Vv/LDkdFBQQKJ1fFNtjcLs/Gs2GQ3KQ5YzSB2gTs7qHD+2im0VNh5Q8Tt+Ey1DJFLh3h+1zJtBwn0bUr+B7G0yOftwvmHBdiL+NpjUwGaDyXTdPtwMDhNZioD99hjs+e/rYMQLYNo2Bydb/kKj+wc2fuwdJhB96ejyMcGG0b1pDL4XwkEccDKeaYQyxLMKgoncsVE85ZyklAIsEQkFR4NJ7Lkxl2EVPjGSEM4+mzEyJH+EBnjkYnRmq77HDUvNqT6tt4GqmZb5yAqA1DXKSLNkB4ZCZQm4CZNLtk3dlcxInx9EaaChSaOZ0tVtI8QhdmSVNncw0iM8z35SDb/bgBGM9m527v+WXcMNfVeJqC2GWA2Rggee54Ou7pA8Y9c/cKr1ltLuS6C5YskQ2aJtLJ9Tsz5+P4BkbbBvcwXyNGyh+hWZaiKRI4sIX1+ear9NoEfOKmEl1Ae65JDQHJUjDH5nisBNE6MFXAEcI8qFxdGbnKUEY4seqCcXftatryUkGgXDpZVHWwdl+prZEVEs8l+5ngmOvEhkm3ojyYFzihgo8RSlMkH+74ygn7IZgZanVfr6aA9TWciQGSuk/LWR0+vrgjTwdkPFflV5rf4eKI3QW2LBKhPi9dAs71iqzRzt9bn5cur4FH6p65bqScItN+jed+B3ef/F0jm07S6Xz0hY+Ciap4dzw1ExAu5199NsXYeGqWIoHbGS62lDdtPEZcwJdI6HcVUwUcIVLjgueYQ8f1QWnOGJDM3JqNvFSrg+yZu51/6++oi2xfxtNkBrrsURFZS/omqe0BJB4SUMOKToWVPzijddSIA+NpGs8RMp6Kpc4FwbIAdcMwuRT6nZAZFAjA9u73WPmkw95eF5YZ0oBySFA3qa0ptD3PP7sT55TFvJuFlxkku0q/K9ng3s/BvM9OsV15GHs9AUhn7uZrtMxRggE0vud51bQ5ZASb58AW2MIu6Lq2Q8drUEpXirgtNM/Vc8bRPXikdfo6MDWeEcK44LkzngcfVGOA675ZXlY7nkubQl7vePZkPG02pCe7k/KqkHeR5BkDEDExngeQeDzwlTVrGV9DFAMyCKd9M7kqBmQEcN5xwnK20DSFQ8hgSbnczZV7sIVdWBoCT+o8U4fPWgfuqzUxSN2vYVt7WNuGGSS7ml0tM9IzslmXQYjMT6HQDGm6e01+Xxjnae2gYKIqR0niNIvR3FEJZu77CFUt2tR7He7kZhVrG5JnnwFnorfDysaIqQKOELOaRXOS5tQxIPulOWMAd3RdzKVcKbUFnw2y49k0nn5FdhMO3v1ZEZkjRzK62JtNwDBMpOwurIysOZ3yUINQELdmxO7SjpHxpI5SM5hJ9N6zxZxNLvE+XSDqoOMs4L7j7oJVbKJrzpwttH0ZT8eGSCrznNq9wotSgpLU0u8uBkrrSt3DlzOeLteKKubTSkcg0oQj09xpkEyXqQxiARNIUXbXRTFnvprhS8dnkeUSKSm2InnWLIVwlAPH6h68DUwnU4QwcjjqIs2xGv0ID44OpHXR0jVdzIpqorV0/7Ke7GW9zYXqiA7PHU+zv+MiZ6sMQOKckG4dNr7CpUg+hUxzpElnlPqEJXBtRsbMLGs+A4MCZNn5tctcRJlPnl8HiMyRLylQrZzXxRG7A3xFUVO45swFMp7WFKzjNVTrEsudyXcBpS2iOz4La1iz930SjmspQKUgypBgNsV2eSOtHYhdVj6YyqONByJJNZDPCtn6dWboTyLc8TQKt67PIqtXFXzXpAZBLQcuu5jl2j14V8+//Zgaz0hRUgHmEoBuXMlGeEEbqW3nREtWO57LguxJMkyciokDYJ5OgEZG5SKLHmve6kZgHhouLqLGpGlyBw5C1Xh2ny3NLu0IG09zHnZdT1ovnUSb/eEhdjyZzJZK8hLLFvZnPJcZ0gDun3UjtfVlPN3cqE3jGaOJySZgmd6u63HF59DswHdfj3piPIORJvXqjIO/Bo85TYC5ZQQbRcey2mrbsI7ZHa8h3+Zr4I458hFH72wD08kUKao4AHfGc4wXNGEJCs2gO9iXvCghiFw60aKW8Wyf7HWhMWTwlNpyhhzcSbo42Wm3gCVQIG57zeU00e+DgridLWbSnIxR0mwHGR2vU5WgSybRPmYuXVhq/INFtnCgxnPJnn/pyHiSwOdI8xo6VCulrA3i4itwNwF7fXVcj3bQse9Z57N7qMs5Mj2djyEwZoEuz6GYzWKIMI1n+9lS5PEayJlGMu8Y/tm86a00nnX9mXfUn0aZOEKCaB2YGs9IUQXTukukxii1BYCcdB/ypbX6P3jT0uQQOFEocjed/SoYuZvvAZwwUoeDd//+seatbgSEOJveVIynmCb6gSipWzNiWDCRHln3nzQ8uB/DtL8gEKmJehogY1MVSyV5lsUaILJFoIDmB3+HdPys7X0X6GqLjt3srDaIG+OAdAi4MvDFilgvu5bisAOv6/NxNilCvEE8DLnYkt3wWGAygrt21M31FuOOJ63Pik7Gc5uvIZmBEo0s77heIjZx2gamkylSlHTm5spYFy0xSiVcUDiYKEmbJ3iwKTSh7GVP1sAwnolnNiQhxHlnbmnW3gQL1/fRxNIINh1fIaiaEXf5ZTobX2yNPQ87G8/lOXZpwup83iGMf7KlAyef7No2KKVX5tiVVIA7fNarskY7wR339Hdcaqsdd9hzs6+271mXiup6dNmBJ6WR2k6MZwgK4rY6k6giWpdmZpu29qimMmLGkzpKba0x5BZeg2mO865ILLtLO846fWhMlVukkMaV0TGHKcblcBfkDiyXYTyXOc6aw6nvnpTdZ5v5Hwwlccto4yv2sCZUKIhwMtQitUkTIZM7cAgkTZG4qCnqZiJZojSIHdaYwpnx3Hvfm+xFF5ORLiwzLwIaVhU9f4eJE1jWeErqFitDVeAOUv31Xe9zJbVdEYm1A3BmPFfEeglWSUBdG885xLQDH4gCArRjWKO1Bo84TYBYczS36y3GzFeampzjjj1V0zxvgXwxA85y3qFEMHW6p3nl6YrJFjJSaJ4CGSqXu5ZiQBenQOAfAxILqmiH9kNeWRnswffB5sj1NAFRZbiDZ0m7H1SAyVudDp5VKEjiZITC5BynJslyMCQTbtljco65TjCj4ytgzQM+n59C6x23Yrcx5RRzCKedui4wXUDSMw/8u3CMk+pCVijMVuTYKSaQ6Mc6f4ZVGvieT/Xv7GKIjLnQWJU5fUEcd45XNZ6cGRM7t7zoTE+MZygKKiA6huGFrGNv2Lkb+qv8YJqwrsazWTGKT9ViFG5djae0rK3/2VIUBe677z7M52FnsH7ay3H8qb+F4okncPz48dVfVxYg3/hbuCQ5t/XrxorZbIZLLrkESeKW2jA1npFijwteS+NZ5nMkaCSnY4OL3b8Nsl8ipTCHTV/G0xSYxsTBByVJneRsHEW0OyExoHQ0valiaabGMxSKpuC66Pw6UmbIicAYWwUziCuyrsZzuQRqlrA6JmkY45+CHXwgW2mYi3t5C7KywFmkXKp6UdQt4JypHBIMjHmWBI67tFlRZe3RHWU8XV27y1qyt0z66Lp7SGWGDEemHc9AVIZc7feMYfBjNYtp6qL2pk3V/10EKL3WDXMPlB3DP2k9QPxJg/vuuw9nnHEGLr/88iAF1anHHsahEwlOnX0lDh1e7YWg5k+APqrxlUOX4exzzvP+PTFDa40vfelLuO+++3DFFVc4fc90MsUK5wlp7egVoUbfBS6xMUbuxpewkUYiInvK1YzBhwhgPJXjzpzQOXSkOyExoHQ01GIyjze4ewTQLK1k/B2gcl5FC4wQpvDq2nFqJFB7Cy8TkzRU46mWDZwoh9LEicVqgzHXWGZcoXgK4TBkYDILyyQ0jGeXM3ldHJIIJX2bgJXYdT7PVxfRBREgDjEfVObIMe3Ah8LFfC0vFQTKaHeWuVWCdTCeuZHaxsd4mhUP2cV4WmLC/2yZz+c477zzgtd2CKnuMa3b41TMfzdffzqBEILzzjvPizU+/d6F0wWOk+Qi256+fQi42P0bq362hNW1OXJ9d7HKOaQmSFP/4ksy0b1HVQcIxzohjQGupjdUZSgm5jgYiqcQcDCckRXjOUYw1ziUuhHYL200O55O8T4dSHSxXGJPCDLitrfXhjZXR81SJMihO7wCmMpRkoB7ysQgdQwP5QoJ6a7AmgV1PM/bZIOu5mtUVYqQaQc+DNLBkCuXlUtzrINk5jiQVxFHZtk1qg5nccPahuZN97pPqGk8289XrfSerz/d4Psenp7vwmkA7ch42sXqEYa8A3Wz0TGRVy2OYINl4RWVBb0I2ItRLgYecrl75oQGrkYoq8xaJjiCzSBQdBqXsRFLmk3hVXYwnkZNsZzxdJM2diFpkeQVEE5RTG0ocuOEuqzxnEGgRKnaP2uus7B7ipDKjKXTIG61hHQXQF0bz8IU0QcZqIJ0q4OA6r6dzsdwuDyHsqLaWfZ2gd4QXJVgushQaopZhAZy3Lh+dwwPbfO8hRrYMp5qdxnPEEzvQqRopDldOyG1NGek5kIu00XrLLnkkDd7Tb1NQOQcOTh4gDypMvDokLOVgeYdOwTlaHrDI85PGwM0T0GhAdl+zVKVowhhwSKAkY51MZ6r4gTMjmffxlPr2oRkxcApJ91xUl2w8swljSfhogo4L9sLo2qYE/ZZFyTpdKO2z6kdldpaprdjkGykkctkg675u1znKKfzMRiKde9FGyfpWNMEDIPZ5cqti1NV9E6E+8CmkVQd94y2rO3m5cKW6XOW2i5nBn/v934PhBB88pOfbP05b3/723HyZMf6SAt+9Vd/Fd/3fd8X/P1DIb6rbQIAdxc8OyGNUCrhAhfzC13W/31JQLrrLmwXSJkhR9iUWNMUDAqQ5eovWuGeOaGBpG67h4meGM9esBEY7RImJrPR7tLy1Ez8OzLg8hUuorQKku/bFOay2gVbNXAq0d20dcE0nksZTz5DihxZIVd+v9YaiS4gA4diBRVgXVnMxfIGf1dgX3fHILlN+uhiegMY9/Rx3rcxQNPuAahxaY71eS4SowTrOFvKDBkSzJL4HJBN3FSXms00niH+HH1B6DA7nrfffjte+tKX4vbbb2/9OX0bz1gwNZ6RgjoGoMe8HO4C5bAfac03lslaHIvoLhCZIydhRiraZR935Hmrm4B2mDQDdR7qxBwHwwy1TMOyCmzEkubE0VzDWPXvX1UghKCgbjt1bcgKiRSrI7FcmrYuyBYZK+EpBJHI8tXstomGCL2nKjfqjkgs+5zazcaTexfRB5/nkjq4p2s9KUJ6woXxzIoSKYk3Hig5ZKKaOthCk/nK42sFzD3QydrWtVW6BfLFNpIdayuopbhkyY7nk08+ife///14xzvegXe9610AACklfviHfxhXX301rrnmGvz8z/88fu7nfg73338/brrpJtx0000AgKNHj9qfc8cdd+DWW28FALznPe/Bi1/8Yjz/+c/HzTffjIceeqjnKx0WU5xKpDAHmi7maFvbNfp3MVbGk6XuMtVlxdtAjCeVGYpQxtOGg2dAenT515TV5xjrgyoGaJZWu4cdqNyBp8IqFOYazOcnIc5a/XVc5zjFWr4gYohadtVV6JvGky+5L12Mz7qQZTnOJHrlwKkgbhnAbWjkmUsaT/NZZ6cALD+bTDTEUuddB5QO6xKWydvRxtOswsh83jrtV8Vqo5SSpeBdzzmZg0JDsek5Ewr7HNIaWCGNNC7NNNJBshCmaWsfyJOyynw9I8LGMxUCUpNuZ/H6niC839nyP7zn4/jE/Y/7fZNWQHESkj4OtkSR95xjZ+LHX/1caz60jPF897vfjVe+8pV4xjOegfPOOw9/93d/hw9+8IO4++67cdddd4FzjkcffRTnnnsu3va2t+F973sfzj///NY/66UvfSk+8IEPgBCCX/qlX8LP/MzP4Gd/9mf9XtsaMTWekcKaY9Q5natgHuhipLszinU7bJK2cHMjKerbeKrAOAEssJgtzEWZZ0gwMZ5tMLLAUqrVu7ZaQ0ScnzYGGMYz77CpT1SOEyN9n+2OU2ecwOqoJkm7mbwuFCZGZIUJiXRgC7tgXkOSLtnxTAy7vfqzzsvaoZOfGfb7qQDrOH9Vy/u8CzCfTZmfag8oqt/HdMn7pKjozt+ti/RJEdIDfNbswC9b70GzOx5rjB11jO8hco4MIkqpbSoYMohO1tY2pluprRzdXPVqxvP222/H93//9wMA3vCGN+D222/H5z//eXzv934vOK9atHPPPdfrr7rvvvvw+te/Hg888ADyPHfO19wUpsYzUnAbB3Cy9UGliznmOkGajPOjrDIFXRnPZVJbtxy5LlCZoQyU2sJBFl1kVcGxq3ECTuCpNUJZ2XiWxh14eh9DQR2aEQBIdDZayV4qUpSaQnVI8GWLFX/pGO/ThnxuHGeXv4+SJuA9XW3N/uSydQuXzzqr99V0IEsmHfb0bSTWSAekfTETHJlOrCx6FXQxR6YTpOLg89xFAjp5CfSHXhwkr2o8s7gZT1srddRFpKwyXzmNL3pHMIonwbub53pPNe0ZH/Tjr36u9/doWYI89FE8Li7Emecfa/lCDaUPmgs9+uij+LM/+zN89KMfBSEEUkoQQvCiF73I6fcv/rzFHM3bbrsNP/iDP4jXvOY1+PM//3O89a1v9Xpd60Z8/PoEAI1DYVdxqMt5vRw+0o+yZjzbcpCs+cZSqW31b33z9qocu8B9Nt49XTRB9nRHCy8n8EPdDpxbnW6eHqCOUSPJiHdpTRwKOsw1ZIsVv1Oh3wHjmrtKYi9p2hkn1YW2OAEj8TR/xzLYxjPwnlJMIFEdr0G2M7+nO8z12BUNQern+bKdO8UczNfq8zF0iDBhMVFg9dnRlrcaBVg1RO+qi4icR5v5yplbpBWRGfJ2HcHa4OpqC62gQbC/v7/jt8sf0AAAIABJREFUjjvwpje9Cffccw/uvvtufOELX8AVV1yBa6+9Fr/wC7+AsqwMKx999FEAwBlnnIEnnnjCfv+FF16I48ePQymF3/3d37X//thjj+Hiiy8GALzzne/s+SqHx0i7ldMfrF6sli0FAwCgrKQSaYRSCSfU5helXO26aHPu2hrPnqwB6xEnQHmzj7sKRpqzLPJgQo0kBScKWd7yoDEP0ul9DIYxoekaagkUUCNt8GcJqxrPjv0gXZxCoRlScXDo5GTm0gFj4LRK6SAdI4TaoKzUdgnjKRyltsiDMwmdnMlbIrF2AeZ67MpVNC6jyxgopx14qwgZ530bBXj3YK7MDYMfp9QWhGAO0cl4VpFZ22naXJBDdDbPdJt503Zns8NcCFXjub/Bv/322/Ha1752z79927d9Gx544AFcdtlluOaaa3DttdfiN37jNwAAb37zm/HKV77Smgv99E//NF71qlfhxhtvxEUXXWR/xlvf+lZ8+7d/O174whd27oNuA+PUZ+4AuGUlugOAM53gcITL4U6wRienkBw9Y+mXMJlBgYLSJZdrzcj0jSTgOkcZaEFv2AxZzFfeUDYvcGqYVsLuHp46BZyz/FrQxcnKpGlHC9ghwBwdXysTp3G+zymneByiU6alitVxAoqlSFBUjoRLdnNc0HXfK4fohi5oB8ZTtkptJc4mBYpgxjNFUqtWVjInO65UmCUVe8M6Gk+zc7f0feQzJCgBJQG6YtBc7jazPATogiHXque5jQeK+HleIAHtGMhXkVlhu92bQEEEqGy/Z7bbeBIokG5XW62hljCe73vf+w586Vve8hb7/7/tbW/b899uu+023HbbbfZ/v+51r8PrXve6Az/jlltuwS233HLg32+99VbrfLtNjLRbOf1hwnC7GM/qQZWMlvF0MTqhqj5Ylj2MKa0P2P6NZ6is0Czyt7EKlvGMdUIaAVyMUEpr1rKbBewQMA6ubfJLoGI8V+VPxo6UU2Q66Ww8dbFa2mgNrHqcLdaEZFXjOYCc18QJLMt+ZMbUpsXd0khtQx239cJu9kq07envAFLOkOmkMxqCyAz5iiJaO6x0WIfPFTvFE7pBkm5FyBjMsgrSXRcxlaOMODKrIAlIh+qkYm239xo0CIiz1DY+SfM2MDWekcKE4XbFAZjF6tlIGU/TQBgTjmVgqmg1/ilJ0tsEJOmRWeiyj9u4Z+5m4eUCa4TS0hCZ6yRWN8ExgDsMtWRZICFytI0CZxQ5EpCOaTladuqamKSOn9ECy4ysuF61YVX7oFwt409E92ed140nDfysNZshJe2NJ9lx05uK8RR2SLAKVK4uos2QtvVnlGbQMZ2PoWgMuVbXJKYu47HueKJiC7tWkLjKom48SyLAulhblYX7cwwADQKgq/HUUKCuHrinPcbZrewA0oQj07yz8aS1NGelC2jkIA5sIes4HEvaPwsv0Tl0oNSWWQfi1Z+VjTyYGqaVcDG9KTrMWiZ0gztIbfN5fT+OmDnJieic+OuychFdGidgmqSuvbwWyMwUqMvfR+Xi6t2FFjbRDLramLasKHsxnuACKQrkbY2nnBjPaue4i4FqKaKtOqjFFKz+nKfzMRzGMChvWXNq5O3xvs+FQw4x1+HeFpuAS5bytllb7SK1XbHjuasYZ7eyAzBmBN3SnDw8BiQCmMls0VIE8w42siQCvOeOp0ARLLVtMldbpDlF/NKcbcPFgdMMKNg00Q+GmHWrKfL5CQDj3hUrHBrPSjEiljOe5rX3YjxN47nieuUp0g5X7y6Qlv3JxEE5UxQZKNHBUU+Ez2qpbZtB3LTj6WJ21bavZoa0bWsphtmeGM9w2FWENsazHiDE/BySDkowruJ2LneJtOJqu7FfGgSkw1yIaA09NZ0WU+MZKYz9elfjydQWF6sHgG3a2hhPXUC2vMaSit7uk0mPHDsjt2mTs9nIg4nxXImGOW7Z8cwit7EfAYz7aSsLNh8/s1wSByVEudpcyCVWoQvmPTby5gNgKQRK5C1NWydk9RqW7cCbz1q1OEXbTMLQe6puntuktlRWeYFL9/R3AGbHsysaom3Iaoe085bBXG4yXcd7324bZi+6TRGirYlTzE1b2tm0VZFZ8daP0qnxDF+TGgIV49khtYWuJbkTgKnxjBYV4+myExK3Rr8LNOluPBOdQ7ZM5RQV/bLwtEbaw0jFsAqypbgzjaeYTQXBKhhZoGyRODWN54pCfkInzP64LtuY5XqXdsSMZ0kFWFecQN20LWM8Ca+HRD0YTztwWtXAJzNQotsjhDpAZYYCy58BIu3eCyx7qghIMoMgEnm++gwe+4C0L4yCqSsagunVz3OX3cMy9nzJEYA7DEDHYJYlaQLeZlymNRIUUBE7l0sq2l8DuuvDdUMT6sB4KmBqPC2mxjNSzBI3V0aucpQRa/S74MIWJjqHammupUOOXCtM9lngPhs3mastDJIus5V5gRMqNLuH3VIyFvFuTexIZ4bxXH22GEkzHbE03EWmZcLHl+3I0wEYT1W/x8scZwGA8Oo8aGOxulA5oS5ftzD3VFvjaQyQVsqBu36/iZ9oYYjGPiDtizShmEN0xn7xljxpl0xWM0TgSzJdJ7jB5TmkR2CW1ZlDrEowqMZELUK4ZARX9eE2XwMB6VyVWM14MsZw3XXX4eqrr/7/2XvbmGu2szzsWrPmY78+NhQjR1HiRvhHQnugNkU4gmIsi0Q2LoEqIERALYoSk0RtpDRqUqV/iPIH5VdSBSqIBX+qBhUpdf6EmKIouIeCqHABudSUBAmEIpH4xCb2Oed99sxaa1Z/rLnXzN57Ztaaj/08a82zLgnh8349+2NmzX3d93VfF77ne74HL1/O7HA78Of//J/HP/7H/xgA8LGPfQyf/exnJ//spz71KfzSL/3S4p/xVV/1Vfh3/+7frX6NQCKewcKYEZRgM1MJwCxWP6XMYCtspuBEESxV2+1fzhDPjSHs1NlcK5spuoKgne2QntEgR5XHGXvzGMjtPtoM8UyS5c2oSmNcNjfJowI25l0xn275nJkLxSqomevRBRt1MkHgmY9hjAN8di+QJp7ThIcyPtc2c+wkbtaZvHlS58mnxqmT2rp2jouZWC+7A5/c0+8KIu3tTGMuhlzaNiuRzynBuvegQ34PHnFTZk3qKSeevjue43TrxYsX+PVf/3X8xm/8BsqyxI//+I9f/L6UctXr+omf+Am8+uqrk7+/lnjugUQ8AwWZEbh2QorAXclcsN3FieKuUcbqf24BXmclCgiodp1BBxV9a41UbPTNTHE3lxeYYEBkcs4IhbrQyaRpPUruNjo5gmTP2fFHN4mbIETcY8LkRPcZVxPXq93bm5GXu5CpGVLXnWls7p5yGSC5fn7hnhDlOm5lzlYUnKHxMHuZU/fYTNZZ93TzHRRpFWE1fKLsbExJ0KTN0ZCnzNeg30OFwrFGVeoG7ZO+Bw/iCQ0fqe23fMu34Ld/+7fxqU99Ct/yLd+C7/zO78Srr74KpRT+5t/8m3j/+9+P9773vfiH//AfAgC01virf/Wv4qu/+qvxp//0n8bnPvc5+2996EMfwqc//WkAwM/+7M/i67/+6/G+970Pf+pP/Sn87u/+Ln78x38cf//v/3183dd9HX7hF34Br7/+Or77u78b73//+/H+978fv/iLvwgA+PznP48Pf/jD+Jqv+Rp87GMf22SER8g3/wsJdwHZr7t2QvIn1rdvRe5Y5KeMubmOVssra+f/olw+URTnbUYBNEGaM2thqkGNEl9eJOI5BZIjzn2O1IUuJ6SLCW5kGUODcvZsoeJ2LRkJAT7dcj6zqjDM511Lv7U0P3/KpIl5ZAC7YEjdBPEkpchMA7OPhlj3XXOPPf28raGK5zvxZIxBssoZDVFo0bspX/8eNWlnpuNEPMvUmFuN0k48Z57ndHYGXHu1roxgO7UNt7moeTn7HvRGf44LfPJvAf/m/1n810rxYHY4y1duf/MP/yfAR/8uGFqnq62UEp/85Cfxbd/2bQCAX/3VX8Vv/MZv4D3veQ8+/vGP48u//MvxK7/yK6jrGt/8zd+MD3/4w/i1X/s1/NZv/RY++9nP4t/+23+LV199FX/hL/yFi3/39ddfxw/+4A/itddew3ve8x584QtfwDvf+U78lb/yV/D2t78df+Nv/A0AwPd///fjr//1v44PfOAD+L3f+z185CMfwW/+5m/i7/ydv4MPfOAD+KEf+iH8zM/8DH7yJ39y8Wd0jUQ8AwXPGBoUzp2QOWlODHDZ/TfSSG3nDhbd2fmvJZ5kT5+tLLKr3ITVzzoQyxqNzlFGmrf6GKAH/tw+mjVrSTtMm9A41BR2shwz8fTYD5pzRPQyGXHAVaDybo90blrowmz2I2OoMR8rQ/fUWsWHT47x0+9hPT2Uh/t6iWmXUVJ5zEm/W2FyaauxXNoEL5Qv3A1Qez8FPC3UvELpM/EM2bk8N0MFaD3qiE2KuKeXC/tMPMdrv4eHB3zd130dADPx/It/8S/il37pl/An/+SfxHve8x4AwM/93M/hM5/5jN3f/OIXv4h/9a/+FV577TV83/d9Hzjn+CN/5I/gW7/1W2/+/V/+5V/GBz/4QftvvfOd7xx9Hf/8n//zi53QL33pS3jzzTfx2muv4ROf+AQA4Nu//dvxFV/xFbPv1QeJeAYMyUpk6ovTf6BVKCCDXg53oScb44VRLVtUTEDOHCy6m3jWSgFYnmlqHTxXHsA+4eBzJiYJBj4xH7oruqqIJaAhQLCyz1YcAe0r5xG7MOu8QolmsmgBgFzXkFOksHJP8lxg6gyBHEU2ft/b/cgZ0uZC3jZQ5fT56Goy0D21dvJBkuQ5czXjPBnvtbQHFK+QKwG0LTB2PbQtSkhg4nPyyWTV4sGsdCTiuRpVWULqbF7B1Jp4oDLkeCBeoYSA1hps5HWq5gEcYWc129pW1sBIfVYLhS9jYp/38NG/u+qv1Z/7HRTiDWR/9L3jf0BrQzwnrhXa8bzGK6/0E1StNX7kR34EH/nIRy7+zD/7Z/9s1WseQ9u2+OVf/mWcHuGZn6rggGFcGecW3Ds31ogf6PQw1RNd3LqT2s52FnmJkpmJ5xrIjaHbNnN1prgzweDLSfFzgu28zsnL5RlnXaBaMdlO6NGwEpma7ob3ubPxTpY1r8DRAu20OcOcYoTe+5ZpJCi/cgLWXG3Djmfu2PMXbH7iiY0OnS4XUK01Cj2/p/8cYN//1HfR/frU9Iaux1niKWucUSYvgQ2g6Ju55xBXNWTgz3PTeBMQanwaR/L+sCeeZI42UR+SG/hTvofOXGh699H42U6ZC/ngIx/5CH7sx34MQhjZ8b/8l/8Sb731Fj74wQ/ip3/6p6GUwu///u/j53/+52/+7jd+4zfitddew+/8zu8AAL7whS8AAN7xjnfgjTfesH/uwx/+MH7kR37E/jeR4Q9+8IP4qZ/6KQDAJz/5SfzBH/zB6vdBSKdTwDA7IXNSifCd1VywOXMTDnJWajvX0RpIbdeAAtT5yjiVqou+mduZy555jp0Xht3NKXQmTafU0d8EyYrZphY5C6/d+wsBtoCfkm5bQjQhbTwRodpi/FNDzBBPGycl1rvaFrqBnnE2dxFPvXHXK3dM4mSrnXv6zwGWeE5cj7b5OtEAtU3ametRd1LbdD6uhzVfm1GEZG0T/vOclGBSjf42Kb14BMRTTuQcbzWG3AcZMmhM887uNzZMxz/2sY/h1Vdfxdd//dfja7/2a/GX//JfhpQSf/bP/ln88T/+x/Hqq6/iB37gB/BN3/RNN3/3Xe96Fz7+8Y/ju77ru/C+970P3/u93wsA+I7v+A78k3/yT6y50D/4B/8An/70p/He974Xr776qnXX/dt/+2/jtddew9d8zdfgE5/4BP7YH/tjq98HIUltA4bkJXKPiWfMxLMik5iJhzFp+GeNfwo6YNcRTyr6+Moiu8q5kdHOFHdMifAfVE8NnkOCz0pAoWpj0pQ6+psgWInKw3CmPMU78bTFiKyB6h23f6CVyGZy7Errsrx+4pnNRJ0AA5nqBnJb6Ab1TNyUK8/UNsxWFqAuCahRrTTPnnja9y/OwMijRjYPKDBtcmd3D2d24CGTe/pW+JivRRFjV1TIWYu6afCO023zi5y013pbPAayzpCsqR9G23eUf5ytHBrsAYpTUVojG3Ou1VSXjt+Tb7755s2vfehDH8KHPvQh+99ZluGHf/iH8cM//MM3f/ZHf/RHR//dT33qU/Z/f/SjH8VHP/rRi9//E3/iT+Azn/nMxa/99E//9M2/85Vf+ZX4uZ/7udGfsRbpdAoYbVbN59DJbaYQIYDxAkJzYEL21wiFExOz+5dZJylZP/E0D5i1RipkBDW3R8XbOvwHVQBoHE7OTNY4o0gmTRuhsnk1hbbuwfEST0ukpgp1yrGbIp5VhVaz+Tw/BzI1Pxnpp4Xrf0ap56eJkrlWNrZNPPt1iQniKRQqNu3W+lygHRPP5kx50uOfU1WeoDSbzWRlsk6KkB0gUMw2QPMIcmnpOppyzJb1WwB61UWIoCzlZiIjWASQN81YBsYwLbXdYeJ5NKTqLWC03JFDF4MrmQcM2Rg/5EXjfo+sOKFkCo2Yz3uaAplibMksdMnZnnuAui8aVs4SeGPSVI6aJST4wzUFo6lKFXFsDU2OJqeJVjEyUegXOWoUmyaexnF2Wmrrk13rQolmds9fOtxU2UaHTmrYTRFPUq2EHD3xKMjnd9hFV1yziedQVXDUKM3EdAJMEfFMpd0WNKyY3YHnOvyJJ51/1NC4BrlQ86Anng7ybP05nnbHEwB0Oz740N3Ek23Y8Twa0icRMNrMTPKmxOOi2ebGGgoEm54Wyq7oy2aKImb3ANYVb3vss0nHgypvZ7L2EiyEI/rBJV1M8INyRY3IM4TmyPOwDTTmQF3wyYxMmnhOnC2nojMN2zCN5I773k4L5+STM5DK7MDPxQmobL6B2UdDrHuOUFNw0plcdMTzCeVwQcCxc9w4imgysZvLZGWqRq1LVHmaeG6Bq5E8F8MUCpjDMVtGEJmVlY730J3tW4YG06ZAnugIpdbzxBMHJp5LP8PjfhIHQG+OMdEhjcGVzAMNpqdc8uzuaGUeAeZz6B0813+OMiuRzRR3uW7QBv6gCgHC4eSciOc+aHk5K+On+J+YJ8u28KonjHtIMTI18bQxSeunkVz7Ec92ZdPMx/W75fMrG4waZmsnkvm8pLl/jeEWuI8Bl2s3TTynJlCMsVl1EGDOx5oVKHi8920IkMz1PA/fpZk76iKKzArZQK5/D+NnOJHntVPb0+mEz3/+89vIpzfxPOY9qbXG5z//+UUxLMlcKGBc7ISMEC/XgyoWiJlpoRTuBXhaLF8b9E4ugVv22Vx7VLmeDgZP6GE+x/npTIql2Y6Wz088mTyjZgVemfwT4YMaUlNSM7sjPzVhKjKcdbF6GgmYyUg7M0ksSco8F3cyg1oovJPNu363WYlcT68hcHWGQDGZNeqEa5LX7XjOqVaeA5iDoFvp40yT1bWKkKkakr0t6oZRCJBZiWrmeV7oBir7Dx7xFS2HbchP1EW0gpBHQTzH7xn7HlbWwO9+97vxr//1v8brr7++7gUCEA9voKj/AOL1DEV5W+O14ozsrc/hXCmc/s36nxMyTqcT3v3ud3v/+UQ8Q4Zr4tlslxmEAMFKZBOHfH+wTBctRLxXS227z3dL50859qhyLdBmcX9PjwFXdq0xaXr7I76iY8JFPE0MSNyNElu0NOPdci3OYJhWU5wKji+iBJ+L93Gg0A1k9uWTv19ZY56VxLOeN6QBzHf9Yua7Jjnw6nZO97OnTMGagyhztiJzTDx9pjcChcNLoE5eAjtAZhW4+uLo77Wt7vaqw/6c+/NvvC6ySq+QiacjI1hZufBKY7SiwHve8551L67D//fz/wj/0f/xX+Mz3/Ez+I/f94Gb3//cr38Sf+h//3P4F//Z/4xv/fB/selnHQVJahsyXB3SOnyNvg/mjE5o/3LuYew6nFzYw0hFZSX4zFShTBNPL7gIvGtnLsEPmnf74xNgB5A0Uyd/qvBSwuEi2u3UzU2YnK9Bi1mJPRmAzEYIzcA6oc405jSvUMBxT235rrtzbepzEiEYgAQA2lebep4rj+e528Suhsie92R5D6hsehWhUS1KyOCltlk5b65GxLMK2LmcznA1YfDW2qnt070H3nkJTE1l+4ZSuJ/zYyMRz4Dh2gmhCz32iadkJfjEw1R1k4B8xi6bpqHt2smErCE0RzVTvLkwO0HS2hiABP6gCgEqq1A4JMsqFVbbkZ9wQjNpXMZVjSZy4mmVEBM7TkTapppaFCQ/F+/jQuFqODGGsy4AOWP0NAO75z+zP6m7IPm2nfiu23pbM4cx1DN7+kSoQs4LfAyQ2dWUdJvc1fNq+nkuXLuHEZjexAA1E2XXuzSH/TnnHdGZashrcUajOaoy3NUVmsaqZvxssVPbJ3Rfz20W81Rszbap7BGRiGfAYI4cOuoCPWW3Zw/MTQv7jtb0TUuF41qDDogzGuSbDBnarJwmnta8I+wHVQgwD/zpSVwqrPaBzVSc2K3ODhD/Q2fGVLfcWvFPFASMsdk1AB+UHiYkZm9v3dlFxklz00SdG+LZqHHzi9xhgOT1OmYmcfIg7utb0ReoExOohqSP089zmU03aYFupzg1ODej5SWKCYJfixYlmzf0CgE0kFBT8TvyjBpl0JmvZPg4FTfVSnOGl08oF+7J8dQeKtXpz7vxNsRm4skY44yxX2OM/dM9XlBCjywnm/pjX9Bz8kp673Pyo3xjFt4e2ZDGOXKCMNH398wLLx+4dg/NBCnsB34U6IomPUHKzBQs7s+ZCvipgkB4SBulQ9rofA0QPcmfgGtvbw7SZ88/P6GCQC0niGfboN34XQtWTO5mywhMTB4DvLsep8xebKzX3PXoiMYpkiJkF7T8NPkcoonnXIRRCCgcxFPLM2oUqPJw50+uuCnajZ9r1twbvRx43gAp5F3ax8YeV9xfA/CbO/w7CVegIOmpHLp2BzfWEDCXKUgHzlxhVXSTjakAcxeYqtFsdErVeYUCEmjV7W+SjC7wB1UIaHmFcmYfrdTbi+SEfq+xnnB8PULubB9VMj/x5A5p49yEaQ7GhEQAjs/R5Bivk9r2TqjTRQ3LK1RMoBZy9Pf3ICuGoI+/B+Xh1vocQBPPKem3trLB6ef53O4hWoU8gt3DGKB5ObkX3XTxQHOGXiGgcBmXybojnuFOPKm2nart6NfLJ5Ta2ufM1FRWuJUMzw2biCdj7N0Avh3AT+zzchKGyAoH8YzAlcwHLZ+WqdpDc+ZhaieeK3exaOK5BX30zchroG5dKgic0LxCMWfShCb4TnMMIBl/M3G2HEHSXFQmDKadKLx6M5f5Qn8u3mcOxoREAMX89era25uD8pl4FtNNBtXqTg687buWWTX5OfUrIXE/p7Yid008pbuIVnMTz+7Zk7wEdkC3Fz2GWipzXwf+HCKiM0WImKpR67AnnpZ4TtV20t14uzecxDNNPG+w9Yr7HwH89wDGNTwAGGN/iTH2acbYp7dk5TxHEKGaCkDX4gylGU4bTHFCQDu310ekba676HD/dSFTzfZsyJksOyo0nnucgA90fkKFZjzQWUnkUKmw2gHMNrXGz5ZC19FPlqsTKSEmrPg9zFzk3ITJgVpIVExCc4fUdsNU1ZLnmaJmroHZyBYntl2+rrICuZ4wAElSWwBAWVZoNZssULWo0WqG00wTYa5JS8+e1JjbDp1XyKEAdasSaIREyZR1pA4VpASbqouYNAZyWRZu5mtVllCaTavZiJA+4XdBBH9yKrtDasLRsJp4Msb+DIDPaa3/77k/p7X+uNb6G7TW3/Cud71r7Y97lsgd+ZS6Ww6vAl4O94HOZ+SVPgeLI+/UhaytIdjGg4uKyxG5WdO5Dz93cw0vdEYoo/toVJwHLnGKAZaMTEhtC91ARU7wq7KC0HyyW07TwnJm4tny+Z26OdioE8fEU7H57NrZv0vkeWYvcK7JQLJBFzl2vg42/TkdRZmzFVXBUaOYjv2SZ5xRoiqnn+d6ZvfQPv8iv2+DgDVfu70vRSTPc9e0MFP19ob7nWEircrJ2o4ps6eKDf4cW9F/ztNSW5OaELeCaE9smXh+M4DvZIz9LoD/FcC3Msb+l11eVQIAdxwAuuXwkF3JfKB5hXJy4ulBPLsH7aQcwwGuGqiNB7AtLkcOH5o0ZI4CNKGPfqjF2K5sIp57IXOoKQrdRD9ZphzOqU50b8U/M2GaiVVwoSGlg+N6NTnG0/LyOfgYzM1NPGupjMJg48RAza5LdJ/zM49TOXXEc+p6ZN3zvOTTZVnLy5kmbff9Bk6IokBOxjxjxDMOBRMv5hvyWVtDbFwxujdyR6QVkzUaPC155jO1H/166CZOj43Vn4TW+n/QWr9ba/1VAP4cgH+htf4vd3tlCdZkYMocA6I+xAWtZx6mrPWfeLKVUtvNOXboi8uxosIn8iDBgBUnZEyjHpnyW8lk+hw3g4xepvbNSgi0G6dgT42qMEULJqJKdNeJnltVcLksz4Gmya6G06xhjAPaY5rYE8/bz6GWLaodoiFmPydJE6JnTjy7Rsjczl2DYlb66KUOSufjZtA925zfuvk9avYE30jm84QoU9vrnsdAg2J08gyQWu2J38OcvwdwmAHRnoibsRwcJJ+alOaoM2p9gAs6P6FkClLe7lNkPlOu7vemAsxd4Dvk2NHEsxkp7qzzZAoQdoLNSECpcA59tyYGuEKvSx2/iVOV89luuRZdJ7qYmzDNuFU7ID0L1Lk4KRdI3jVHPLl9jtxOt+tOaruVeM46k4un38MKAVXBUetiUpJnpjeO5xA/IUc7untIBCN0t9UYQJ9hM/Icsm7YoTdSeA4BPknaeCRZzcb1e0ou3Gw2htwMnkOCT2cxy2MMiPbELp+E1vpTWuuzks00AAAgAElEQVQ/s8e/ldCD3O2mcuiy7oLOA14O9wId8iNSMBszMOe6SBPPlZEExsFzW1E0J2fziTxIMKAH/tjn2E+O0+e4Fbzba5QjjRJojVMEAeku8IyZomSyE107O9F6w/54vws2f71umaoSqStnrPr7BubYxFN1xHMbWaF1iVFTMB+DuGeAU9Htq01OPM/uWK8ZEzu6RpOyZjsoym6sJompkSxQ9M37K+RtHUXmq8B0lnIoU9tZOXCXmpDPSOifG9InETDK7mBr5fhUgqkzBCvBnnCxeg/YaeFIdzFrOw3/3HvMOCT46hD2Qm93dbTEc2Sq4BXyngBgaHozYoSSdmV3Azm5tiOOr9bM7ABEoUExeS54Bag75Gpz6Cee85/jrKu3Az5SW3K3HCOeNpNwI1nReYWSCch2zI2arqfnfd+eugn81LXEVeOWDdrdw9t/o5eApsbcVvCZ51Bv6BX++WhkquNNrbxtoDbGKD0GRDZNPHlbBzG1NeR4Yl0sgD3U0JCIZ8A4lTnOupgMAM58HlQRYE7WYpzX3O/RZOFtIJ4bu2bchoOPFQRu58kEg6x0E/hUWG0HEZWxAtZ2+Q9AFASbLlqYrN2rCkTIVkw8vTI24TCMcYHklTPEkXJKx77rWihUTCDbYeI55UbNkikYgH7neGoyknkU0TZ/d6Yxlxqc20HydDHSrInpeS7YdA5xrrcrvR4Dc++Bt9vXpPaAYOWk1DaIPdTAkIhnwDgV866MPg+qGGAX+Uf2zcwegrtbZArMdcVbocVmB08+E33TBwingsCF3sl5xKSpK7ayVFhtxly4ePNgDDWOsCsm5xpSFEc1N/HckBGsGvNzXUTAyFRXEk8i1TPnV2Gn2yPfdXc2bb6n8tOkG7Ul/gdoZGzBKTc7ntM7dzWEo4jum7S3xDOtIuwHWouRIw1QHdHEU7JpxcceSq/HgDnDp6a2YdTAJot5/DX6Dk+eExLxDBjGHKOcNCPgyv2gigEkRRuLjfHtaElWTHbFXCggNh/A9BAai6fog+pTQeDCnNtqv1uTPsetoImnHmmUxBIX4IM5mZYxpihQzOzeZFsmnp2M2TUZ0XlnYLQCTJ7RIAey6fdA5047Nr2pd1IRdPm7jRqZeCqPdYlnAIpTmZYNuidQrKAYpOnzMU8Nzs3gM3vRbXcWxJBLK2ZIWyyRWcZ8bWJPNZC8aZlNNzi5CmMqGxIS8QwYpyIzHdIp4tk2UAe4oJntLt4+TPO2gfSQg8gZOYYLlW42d+OtS+iILJo6pGUiTE7MOTlLj8zCBD+QcdlYU6uhyckBrtc5x1jakZ8DOSiP7cK60HpK8oxMtYFub0mbC8zD1ZGMh8a+a5robP2uWXFCxQTqZnzimTr+lCs73QjJPZ7n3DY4R87H2q/RkeBGXpn7Xo0ob+x9HcFzSGUl+Bgh0rqLzHp60ubCXNxU3jZoA5ALSzb9nAllDzUkJOIZMFxxALFo9F3Iy5mJp27Qekht5UxXbBatQsHU5ugI2qMay1xtKfLgFP6D6qmRd0XyWKdZ2cIqdfS34tRlBI/J+GlycgTJnmQV+ETRkrXuHXkiZGOFvgtK+knsWV6BM426Wd44M6Ru/ny00+2x77rex6GTzTiTc4/P+TkgyxjEjPTR53lur8eR54w9HyMgRKGjKKeb4TQI4BEoQiYJkRLIoGcl+qFgrnlo5MJPf7bIKYKP49TpeyIRz4BRdYHTUxlGPh3SGGCNeUYKI9+oE5WV4CucIWnvaWs2pHWOHHkPZA5VJQmUE1YWOPI50tSpmImOSPADZQqOqSmIZMVQWLmg+Ewn2sOKfy4myQXtK7HvSFs9srfngs800ZLKke+a5MBb5ets5nNKHf8epkCdKKJbdxHNZ9ZSVDofd0Nxmt6B1zKenWUz8Rypi+gsiOCMb/m063coU1uVVZNTWR6Je/BjIhHPgJFlDA0rJ4lnoRsoHv7B4QK3Yfa3h3yhhddNOxdgPofewXPb51hYwjTyXckzal2gKvJNP+M5oJglnu7oiAQ/lDzroh1ur1eanPADNEramXPBx5iCCNnYJM8Fm7HpIHU9aVtuYOTlmJhP76mSQmOrPHOOoIfiPBkCJKumiSfcskFqYoytIsQkAQ0dc88hex8FQHhcUFk5fv5FRJ41n3gPoD3Vp39OtbxEMTOVTRPPSyTiGTjm4gBicSVzYW6vL/d4GAPmxp/qOM2B3AG3OniWM3I2Cqqfdc9MADD8HEcKK0s8U0d/KxhjhniOnC3CxoDE/zm3fJp4+uzIz02YXKDJiEtiT2qLMWMyF7hq3NNEekaM2P3be2on4jm+px9GyHsIULxCrsef56XH8zyfNb15gNQZTlX8NcFTY24vGhHFA7W8GlWC6S4bPgbn8pZXKDHyHrRGBbF5TWoPzA0+YjFxekykSjhwSFaCTxDPEse4oKceplprlFp4afh1Vq6KJKAIF1Zs+xyrsoTQfPxBpWrUyBPx9MCcxIl+rTzFT4hCQMNKZKNTMEOAjrBLO0c8c107HRFp8jG66+UAnQWlYwK1Rc6baQ/ztSxDg3zUK2CvKRmfax56rks8B6ismpyMlB5FtJ14jjTmdHNODc6dUM5NPCOKB2on6iIZkXO55qfRnGPZGuIZwvegeYVihBwDxxkQ7Yl0QgWOSbdWJcHRBtHt2QprfnFF2oTqOloeN60pMAW01ot+tjjvcwCfCm5iDcaMoGSNBiXymdiGBAPqNGNMsizOqaO/IxqMy/jVgSTNmrrlI+dC4UGI5giVE5L2x+fPlrlpoQuG1LnN16a+a1oN2GouZPf0x4inbtCmiScAo8zhUIC6is9REjkUtONaKWaicXSnrDkVfLfX+1xxIpXCSCM5plxaQ4hu68e9lF6PAl6hhASuXL9roVAxAYQgtc0nspg79+AjDIj2RKqEA8ekWxYdiAe4oCna4Xo/spaqu2ndBwvJMWS7kHiSq+NGB8+qMDtzeoR4si4vMMENKmDHJsdadh39Ih1be8BkvE1PwcojSJrzChwt0N7mZBYeaoqimpY2usBkAwUGZPO73ZklbctduYu29pomTq5sKD9y7MJc7qHZ04//ObUH7LPs+rtQfvLN+d3DM2qUiXjugLLgOOtivAGqGihkzvs6BFBD/hq0TpHFoGopujNaXRI7MmPbqlbbBV39eTP4aM2AKIYmxWMiVXCBQ/Fq3JWRCE4EUgkXynI82qGRLSomoHMPqS2vTI6cXJaFRzl2vNwote0y2thEh9QVeZDQoStQRw210q7srpiS8dN9WBxB0myNda7uS61RwG1M0Rf6KyaeyigdwNj8S9wy8dTCa5o4FeNhz9ydzNXGJsMlktSMYBVKVw1KG8Pl+B6oGTRJPHU6H/cAzxhqlKN70Zk6Q6Jw3tdBIC+NauyKENHEc2vD/VGQj5+PYidjyD2g8xOqscFH99xxKRmeG9IJFTjaqfBcTxlXDChfjEttG9X6a/hz03FqFhNPio7YdgCXPEOjx/eoUoD6AnT7aGMSJ9Z19MskWd4FYiLawe4mHoJ4jhf6lGPnkkCVM7myLmSqhvBQOmTW1Xs58fTdH5pc2aD7bHOO8fgkrm01ymSuYWE/h+tnXWcslTme59WLt43+fYDOxyS13QvNRIZ6pppoGsmaV6ggINQlIbJZzRFMPG1G8FXc1F5rUrsgr1ChQS3U5a9318/WuL6jIVVwgcNkGI0th5PMIICbbiNs3MDVId/I1uxn+ZDr3BywS4mnqmnHaWOOHTPRN9dyEMAE1accO380KJGNdJqZqk0xEEOnOQKoCRk/TcFcpjgxgFlX2ivHWE/CVVUVWs3GTcNcP1s1aDwK1DmnUhd8p4kiqyZWNvZx6JzK321Up1oJYA8rCOTjxNO3iK7KElJno+7pTNY4o0wTz50wFWXH2yaeRnJ+MkowcblqQOZCW2OUHgO96/dlY44irrIAamCWn8CZRl1fXi/UTDzCgGhPpBMqcLR8fGmZbrojXNBZnkNoPko8Kwi/blEndVhMPDsJXb5DZuGUnM0EqMfRIQ0BDcY/xzQ53hcym5fxVwfI8aTzUVxPE7v36DJnq4rc7G6PSRsdyJTffd87lS7/GYX2M65QExNPttPEcypOqhZtMJEHIYBNZKo2td++mlnpGM/fpcZckRQhu2D2eR6JWRbVTvVVRjARohiymjObpXz5Hvo1qad/D9Qwus57bg40INoT6YQKHMaV7NbRi7o/Idx0e2BM1lI3DXLWehFPlleomEQjb01E5qB2DN2WE2YtPnmBCT2MEcrI5DgRz10xJ+M/6wJ5Hr9kj7rhzfmaePqtKpxmTMNc4K3f9VqQodZC4mly7Bqv/SGVFePE09PUxgUyiLshnkoFE3kQBKgAvZ542uf5/HMo5+Z6nPYSSOfjXjDP89t7hrcCKpLPuZ8WXhNPyu995dFf01JkEznH9J6yAPZUrRz4mniew5nKhoREPAPHlAse3YRHuaAbVoK11w/jrjj0eY/djV9fF5gO7BWgDlCHdPxB5czaS7AQ2bgDZ0y7NTFgKlOQdmmPAOqWXxctdvfGJW3MeTdhWjHx9JTYT8lUXail/w78VJ7pXtEQLKc9/avmoaDXeIzn1FZMTTzJa8DneW6icUaIZ1unlY4dISbM13IdTyOZleOEyCq9Tk9P2lygM/zaXMhObQOQCzObxXxNjrs6PYDXGBIS8QwdxcROiGeHNBYI5GDysjCSVh/vLoqy7nNa6gxJbpV7ZBZKVo1OFXJdpxy7BTBGKGOT4zMkSwR+L7S8QoEJyd5BCD4pQq47/iTTchLPIkOtx01GXMg9lQ42x3gsumEGtVDeOccqG/cKyDp55maHzondRcraS+YaBpZYinGHTh8FU8OKyd3DWCSgMWAqyi4mBROZVckr4tlHZoVfP3K7p399htOe6tM3tei+Fufr+7qL6wvgNYaERDxDB5/okB5MajuWMycXdLRIbiEXGnRYI5UdOn8qK5CPPKh88gITeshsnMCnwmpfaF6hHMl4Y6qGOMjEk9yqbzvR3YTJ5SLaxSSN7dQ5f7bnxNMSz4VT1bo5I2PaSxEyOfH0lAM70RHLawkofc4sADlcCKAC9Xq6TdJHXrqdpKdWEcz5mAj+XjDma7fnY6GbaHJpLSG6asi3O9Y99wavpiae+61JbQWfmMraOj2dfxdIxDNwWLOBqw6ptBLRA0QeYDzM3j6MPQqrfuK5kHh2U1aKTdgClVXgI4V8rhu0qSDwhmTlKIH3nSAl+EHnFUpMTMEOItnjNqrkym2Vdm8cTS3jVl2Muiy7kHsWqNVpHfFcEifQ8nK0ycDVTs2cifzdfiUknX9AX6BeO3SqBdObsSYtAORtnc7HHaEmzNcK3USjYCLieR3VFJNzeT5xhlu1WgCqP3rO3BDP5lgDor2QiGfgoE7xTYeU7LAjcCXzwVimoFqQNWULzHqZ1JakYdUuE89y9EFVejpPJhioiQihXNfRdJpjgOYnlCPGZfxAJiX5RLe8z+9dX+g7f7ZngdrHSY0YPc29rgXO5ua7HpuS7bQX2OXv3hDPJhwDkBBARfS19HHJ9GZqFaHQDVRqcO4GNWG+FpOCiZddQ/5Kpgp5Rq1znMrwVyps3JQYlwuHsKdK93U78ZwJYSobEhLxDBz90vLEcngVviuZD8bs/tWC4tCGsC+NJJBnNJqjzPNlf28EmpejcrYCAm3acfLGlNtq0YpUWO0JuiavyEJ2IElzYTMyJ3bqPAv9MXdL589uhRfxZJnZI11qYLQox67LOZbqssmQ6/3kmQIj6xIHWwnZCpLSXjdC+umNW3kztXtYtE00hCgGjMnTVatRIp5cWpJ4XtdFWtaoUUSR+VpUUxNPmto+veov7+7b69dIz50QprIhIfyr7pnDxgFc7ShRt2cPU5wQIMcmnt3B4hNyzHMinksnnjUalMiyjeYaMA+q/FrOpiRyKCAVBN5oeYVibLcGDdo08dwPHfFsrx6WeVsfxsQp74qS6/e4xJhi7cSzgPC+Xht2Oy10QVrHRH/iWV/lHO8pX5/b008TTwNSKN0ST/+du1EJqNbd+RgHIYoBeoR4NrLtiGccz/NepnobJ1WjwKkIPzKL6r9r1R+tJoQgF+6zmCemsgGQ45CQiGfgmNoJiWk53AdjMtXWEk/3wzQ/jReYLrCu87cHWj6yM0eFWCoIvDH6OcJIyZJkeT+wiaYWbxuoSAorF+h8bOXEqoJHU2tKQu/82QuuVxORsZB4LokTyE+GeAp1+cs77p8LVoJdmd7QeRxDUP1jgBrFNzt35DL6wmfiOUI8lUAGnc7HHTH2HGpki4oJ6EgUTNzKVC/PFtY13PMdGu73RtnVdtcZwb0x5NOTOprKXtefpGQ4Sp2+FxLxDBx8Qmob03K4D9rstrtI79FHH59PuAW6wHbcZ9O8QgkBaN3/IrlhJnMNb7S8QnkttdVxSZxigFVTXFnAF7o+jKSZZFj6WgIl/BUjxmV53cTTt0A1MtVl5Jb2tnxWEZCfkDGN+upzKHd06JQjBL2fLB/jObUVVCRfS/KWTG/asWgcaqykvNT9wE83hly1MhFGiITg20bHVV3EuhgltjVG6RFApO46I5hqqxDOloKUNSJcOXBISMQzcNCI/tqMQMszhOaoqmNMJlpe3shU2+5g8SkO14aws7bZL7PQZtn1B+SSLNIEA0vgh2glONrNQfcJPdhE1EhMro0ulKeuIXU98bSmD+6CYGrnePbvtNo7YxNA55y7jNyqBaSO3NGHTQattfmu9yKeI6Y3S1QrzwFlWUHqbEQ2WJvneem+79SYl0D3zIllEhcDdF6hYpeN5Fq0xpAtks/ZkrYR4hmLgVw1MfHsmy1P/13QRHN6KpvOvyES8QwcR9Do+2B84tkRT4+ipZzqijmwq4MnvzVrWeI8mdChkwVeGKF0D5lUWO2Hfn/8euJ5nF3aU1lBaA5MdKJ9mlqKVygWSm0b2U1GPK9XNRIn5fw7C5xQs/x2ZUN25Hg34jmyp2+JZ+r4AwBORYYaxQ3xZPKhM3txP8/N7uFVY647H9NzZj+w3NQFw2lho1pUaKL5nPtJ3OXZEpNzedU1a67N1+yaVABTW6usGSHHQnOcymM8T/dCIp6Bgw6Om3zKiFzJfDC610cPUw8pGbkBarGseMtUDbXbxLN7nQPy29QUJ5AOHm90neZaSPtLdKDH8sCPAXwi2qHQAuogkuaqK/SvG1JU+PvEKGleoRjZOZ5DXTfImPYmniJbLrWl/SGfiSc1GYbfdW2NUvY5m9RI89DuOB1kJWQrqpyb6/GmQDXP84K7i+jxZ2V3fafG3G5gI6sITdOAM93nqwcO21i7Im1ZGw/xLDgzBPPqfCS5cAiwzb+r54x1Dy6OUafvhfRpBA67tHzllsW6iWfJj/EV6ry62aewxaIH2bDOjgsjCXjbQOzk4ElyWjmQLtqJp88eVgKAnlwOH/jpc9wfZLV/7bBZ4jgmTiU3xPPmXKBVBQ9pYzs2YXKgacwZ4NsokWy5gZGd2nqQZzofh7LqWigjJdyJrJh1iSvVyoKp7HOAmXiWdqeTYMxePHfuiHgOJKBaJvfg3WGfQ2/ZX4rtOdQrwS6vN67iicxijEGguCF1hngG8h6s2u36vj4fakC0F9KnETho4nltRkCuZDEsh3uBlzd7fYxuYh+Hze7G1wv3pPiOcQK2uBt8V1TopRw7f7ARCSg5r8bywI8BduJ5TTz1fmTkqZFlzBT0V+eCFgtWFXiFAhJolfvPdmgeiHh6Sm2zAnzpHukCgzlyt5TNQI3RyQb1TiqCsYknrR2kHU+DKuejma1M1Wg8J1C6OIFDA22vCCGjqVgmcTHAriIMnuc2lzaS89E6Xl+RNt7Wu9U9j4GGFX092CELSS7Mcwjwm88ZEZk4PSYS8QwcNg7gZjn8DLGXRDQE5CeUTEKpvrhjCyaeVCizhTueud6PeI5N6kgi7eU8mQCgJ5fiYnLcZRYmqe1u4OR4OJTaKomCqd3ISAho2EhUyQIJlB4xDXP+zMZ/TQCYyGZ0vS5Je6ru/UneERLZDCee7aI9VBfakdxDbXcP0yQOAE4F7ybwl9dSpmoI3+kNJ8OYoSLETOV4mnjuhl5qO3gOkVlgLI2Urml/XReZuicO8gyYuKlr87WsbcIhnoAhmNf3tfRvKD0nJOIZOKryhFazm52QTIV1023GCGmzxaJPYdT9/cXEs93vAOZ24tk/qPrIg1QQ+ILcVi8mnmeSkkXywI8AVk0xOFvs9DOSjr4PBEpkN1b83cTTw8yl3932l/HTZMT3elUrnHNpn90nx84GnA+mN7U0xHOvvWmd37pRs7R7eAHaOb4pUFUN4dkA7RtzA9Mbut6SpHk3cOv63X/OdP/wWBopjPYjL8+ufEel12NAsNsdeK7qoOTCArcGcWxJQ+kZIRHPwHEqOzOCkeVweSDiae3+B1MuphpIcCDzkcPlUMhu5BguGAfPnaS2tiDoDx/VdaVTgLo/rBHKxeSYCqv0Oe4FMqUZ7o/X52W7iTFAjDjGMlWj1n5mLiDyuKCpRderr9JhbFro/iH+agobJD8gno2QqJjcTb6ueYUKAqod5hinfMkhTp250PUEfsnzfOxZaSWgqcG5G8bM1yzxjMil1KwaXJ4tsTmXS1bcnOG8bYKqgRt2O5WNyT34MZGIZ+AgF7wbjX5g3Z6toF2oZtBdzBYuj48dsC7seQDbPaqRB1UIIcexoJ8cD4hnKqx2R2Gzb4cuzHGZZ/hAZiX4VUHApCkIfHZviIRfN/9mf6YtUP0+R83LG3M19w/xz7Hrv+vh3vTO33V+QoUGjexjkNLE8xIFNzvHNwVq62/2QusGQ0WIPR9TY2439DvwA4Jv7+t4nkNi5HqLjniOuH5zHdaeqhzJYs4W3NfPCYl4Bg6S5lzLvLhuIHdyYw0BY9blZnncf491bLLhwp4Onv0e1YB4doVeEdGD6qlB5HKYXWsnSCkPcDeQRFOPmGEdSdIs2W2+5JI4ATthGux6uaAWEs92RWQLUw0Eci9FSE88b41SdvuuczPxrOVgT58iD5K5BoDOoZNVNwVq3tZQ3tfjSCZr4x+tk+CHvLw1dmzpORTRxFOw8qYhv2eM0mNgzPV7zzWpPSCyCtnVa+QHUybuhUQ8A0eVZ6j17U5IbBp9F6y8ctBdzBZKKcb2AFwodjyA7R6VGD6ozPdWnI5TyN8bfGQfTdU0OU6f414g47LhJE+cIzPP8IDMSvB2ZKfO82yhiIphU8wF1Syb0Gt+GyflApNn7xw7Ip76Yp933yaDziucmEAtrohnKrwuIFkB3l7t3C0we7GTuEHMB52VRdrx3A35iOu36uowyg2PAeK68ab1rm7WjwGZVTdneKEbqJ3WpPaAIce3dXqaeN4iEc/AwRgbdWXM2wYqoo6VC9lIF3eJ/AigB/oy4llq0btWbkQ+skdls/ZSJ9ob/ec4MjlOE8/dUJWVMS4bEs8DSppVVt0Y9yzZD7K7280C4imWxYhofmvM4wJTjfcqQtndN8Pv2sozdzqbyLn2el0imWtcQmYVuBqZ3ngW0b2XQH89koQ6j4gQhY6iU4S0IxPPmHJpJSsuVw1oiBFR/WjM1y7Px9Dkwiq7VdbkbY02oKlsKEjEMwIIVoJdSW1Nt+c4FzS3xV3/PpcujxtJnb/UViuBnLW7HcBFV2S2gwKVCr3SI+Q9waDo9pSGskBL4NMO026oivxmf9yaOB1IatvyW5nWkh15aoSIBRNPirrwLlDzCjlr0Up/8rlkFWFs4mmnsjtNt7NOkjyMQeJtDZEdKPZrB6isvMlsLXTjXaDONTjTc2Y/2Oe5uH2eFxEpQmRWXkpAIzT8avmt63ehRVCkbiwSKw9sKhsKEvGMAGZ38fZBFZNG3wVuSVv/MDVyYv+iRY50nOYgdjbXoJ25dlDI6+5/+4S8JxjYmI+RTnOaeO6HgrOb/XHVHG9yorJbx1i+IL93zGTEhbZZ1ihhI4YxLmRqiRPqrTOvFPtGPdHPqM9XqpUDeRHsAVOgXssGBZQnEeAjElC63qpEPHdDMZKh3gpzjsQkab6OaqL3Q7vrMaAdOcNL3eymVtsD5nO+va9DIsehIBHPCCDZrStjibBkBluRV7cP06Uhxyorkbf+EwNrFrLT4VWM7CZC1pA6Q1Ud57u6N2hKpOVQSmau/1RY7QfGGBpcqils7uyBJsuaVyiuZFpm98bvPebWrdrf1ba1u2C+E89bczUXzDTRs5tOz4oB8bTkeKd7iqbkSqxfl3gOUCPX4xKTuz6TdTCJE2fUOkdV5Pu90GcOkqcPiSc16WJShJi6qCdtVqId0cTT7MCHbZDU8ip4OXAoSMQzAtyYY2ht9oEiOjhcGHMyLRZMJYDlIey0i7RXZuGYWYuWNWoUqPJ0q/nCfo5i+Dl2UrI08dwVzZUFfCtMM+ZI7pg6r1BiLMfOU2prTcOWSG276/WF3/U6ls3owqJVBJ5Dgl/kHFNBvdd3bff0z0PVSliRByGg5aWZ3ugu71Rrc316NkDHGpxanlGjxKnwyLxO8EL1gp5Dg9pLxRcPZHbce0JEWc0xkec2r1BA2v9WrTFICqkGbkcM4kqENZUNBakajgA3ElIlkEEH1e3ZijG7/1wL7+IQGJfUzaHZOU6AzFoweA9MmjiBPEtxAr6wRijDTrM4o9EcVZX2xfZEg0vjsiO6YxrjnkGhDyKefvf9qJLB9TPtLpjf59hHtviT26XO5g0u3dFba9i1z3c9JkkuFqpWngM0PyFDC7RdId1K8AXP87FnJcQ5NTh3Rkn37jBRYEF2bihos/KiLhK27onojL+aeDZC4cREUN9Dy6/qz25AdKQ6fS+kUyoCtNc7IZI0+uF0e7ZiLMx+ieECMOgke0JQ528no4Cq4KhR2L1OAIAykQc+QfUJBnYfVl5KlmuUqbDaGZKVFxNPfUD3YM1P4NB9oZ9zuUUAACAASURBVI+VE88FrraQtAvmd7bYOCnhT25zXS8iddfu6Hpnx21yx73Y09cN2jTxvIAtROl8E8ukj6ONOWWUNWniuR/yokCjOaAuG8kAonKEvZaANjFmNfMKJZNA2wIA6gDlwrbBSegGRIjpc34kpCouAsirSZ7NiQyo27MV5YjrYgmxSB/fZrca+zns7eBZ5ZkxaxkUd0w1KcduIRhd18PPUT6gRoGSpyNrT4grNYV1Dz7QLm1vrNOdLbYT7XffV6eRXS8X5DIZP7l6ywXmQvnCVQSBqyZDV0RnOxFPcvocSpLTjtMtbH5i9/nTc8j3WilOtzvwkGfUOk0890aD8mLiySgGJ6La65oQ2RilmFQtOZ0t5lwltdpea1K7ID+hgoBqjbLG3p+ez5nnhHRKRYDrEX7TBUcfceJJxLNtNYqFMoWbjpMD0oa87/M55jzr5GyXOXbSM+Q9oQNjOKMAE8MHfp0mx3fAtXGZjWU40MSTikRrqkGrCgt36vQC4mmu1xzwvF5px10umKoWelljTlzHKuzcwOQjMR/lwtf4LJBfTjxJXu3rMlpVrwC43D3MlFGE5Kkxtysadvk8Z6qGQA5k8UyWNS8vdg+tgVxMe/z55SoC/f8sJGfevEQFgUaaqawgD5GQXmMgSKdUBND5NfHsbrqQuj0bQVEktBvVqBYVlmn4Na9QQaBttfsPo+/87Wmk0qDou6KgrL008VyKGtWFLJClz/EuuMkUlMdzD6YGnY0qWTiNPFUntJotm3iqxkxLPEH7kUv2SJdOExUrrrwC9s3zu9491J1pTiKel2BXE087vfHcuauqTgJ6TYjS+bg7zA58f88w1UBE1kjWvDJN/G7HXdrIrIjqR3uGG5kwZQWHNHxh+Qk5a1E35r4mE6eQXmMoSMQzArS8Mi62HaxGP6aOlQP9Xp855GtpiOeiiWdeooRAo1qvPy+7A2LP6IjrPaqsFZApQH0xBIoLB86sm3gm7As5sj8uNEdVHqeIJSm9jU+Sy5wpaXf7YufY9TMXXq9riGe5MMv52h3dKgp2jpMi4ilbvbh5+BxwLf0WC3fuSp6hvpKAmgZnOh/3hrjagedthJ9zbhryQhniqSLMxM6s67d57aReCWpqexWJJQ44INoLiXjGgPyEHApQxhzDXtAH6qTwPIcYdHEb2S6PjOk09r7Ek1wd82K/A1hexVPwBSHvCT2aqwd+pmqI5I65O9qrjDcmjTvmkSR7dE5SsUI7iN4TzzHTMNfPXEgE8nK5gVEJsciqX7Lq4rvuoyH2Kd6s6U33Oa1pHj4H0PVI0m3rMuo5gcoyZpoaF4SogUzn4+6Q7LJZk8X4PM8rFEyhbsy9T82tPKKsZnuGd7UvOWeHVANbcny+msqGRI4DwXGqiyODX5qtiOZ4WXsALh6mtRComATLFxzyeYUTE6gb5fXHbY7djgewZJd7VFynAPU1uPkcl2QWJnhDXVvAy+NNlvt8SXNuUmHAPAt9M2G63PVygalmkfSRznJfOa9UROr8zy7FL5sMmarRggF8n++7uMrfbSStS4RTHIYAKpapAWLNXhbEW1x7CXB1TufjHSCyqwZoK+J7nnf3HznB2j3+U0wTz454NnTP0J5qOGcLsw3O7jlT7+shciQk4hkDisudEBXgTbcHhlMuYfde/N8juaE2nnI16+C5o7ubkeZcEqYUoL4cIrs0veFtHd8DPwJoXqEYGE8wVR/OhZnOSSpalkqgzITpUkLv/JntssmIlal6kttGqi5AfZnr97DJYIxSSm8DJBf4lYS0FhIVE2E5TwYAaoQ0dnpDskH/z+laEZLrNPG8B673opfe1yEguzJX2zu/9zFgXb+72k41+/tzbAWtvpGpUJ+aEM5rDAWriSdj7D9kjP08Y+yzjLH/lzH21/Z8YQk96MGtmssOaUg33R4QyG1xJ5plBiDmz1YXf9eF3sFzv89RZeXFztzSLNIEAyNxupp4ps9xd7RXTtDZAYknnZNUtDTN8vzehhWLiGfWNpBLpLad6qJt/H5GXTfgTPfRQx64dkc33/WO0206q7vdUSJWSK6OF7CNkHr981xceQnkbQPlmUub4A91tYqQtwIqMs+GfhLXmX5F6FzO7Rluzu4QiSe3U1nzGq2JU0SS5sfClomnBPDfaa1fBfCNAP4bxtir+7yshCGYXazubjorEQ3nptsDwy6utBNP/6KFdbtKvll4NkB9R8mJykrwtp8g5a1IBcEKqKxCri8LqxREvz90frowLstoCnYgUKFP54I4d4qRBWoKgbIPj/dA3jZQCxolvbma58RzoRMqALS8RIE7Tm9s/m63u9gsf43PAZSfSIUpSW6XPM9NDNKAEKUG512gsurC9dtk58b1ObOrjGBKDjhF5Fxuzdc68hxiDXz9nDnqgGgPrCaeWuvf11r/ave/3wDwmwD+6F4vLKFH78rYPagidCXzgRzIVEnDv2R5/PqAdUHfITrCEKb+QVWggY7sQRUCrjvNRYQP/BhgrPYl0Jq96CNKmqk4oQKfOtJLAtTFlSOs82fqZtFkxGaFepLbxsYJLImbOl3k+XHVQOz5XWfcqFa695BcHcdxXaC2ZPayZOJ5dT0ujdZJ8MP1Drwh+HGdj2R6Q7uHkDVqXaAq8id8VcuQX2UE0z1TBESeaUebXmOI5DgU7LLjyRj7KgD/KYD/a49/L+ESdiekOzjusZsYAsTAQY5kcUuIpz1gfZ0huwKp3HFXts2KS+KpG7Rp4rkYil8S+DwVVveBDbPvooXU8Uyc7P4kTZi6pla+YBJ3PWFywUjy/K/XilQXnsTTOqEueA+6k1VTnl+uayi27z3VoHf1tjtOB/Mi2ApqGMsrBdMS5Y26WkVIxPM+uJanFzo+STMRIoqPQ+dcXuXxWLxcNw9tDRzQNJEamTQYau2AKJzXGAo2X3mMsbcD+N8A/Lda6y+N/P5fYox9mjH26ddff33rj3uWuN4JoQs7JlcyH6isdzLtF7OXEM9LOYYT8oxaF8hzvuyFzqDlFfLBVKGAXBR5kGDQZiXKwQN/aWZhgidyMm3oDE708SaeRXXZie53bxYQzxUTzyVEoMg5mkGclAs0TVxivqa7PL9amrgpsze973c9zDGW9fIz/DnAXo/ieudu2fVovQTaFiVkyku9A67N1wodXzwQL83rpXMPskaNAlm2j6nYY6CgHfhuf9zeMwFNPK/v66MOiPbAJuLJGCtgSOc/0lp/YuzPaK0/rrX+Bq31N7zrXe/a8uOeLexitdXod5O6g13QciCvVCvkR3Z3RvhNPFl3AO+Jllc9YdIaJzR9HE6CN246zRCpo38HXFvA5219OEmzzZcU5Ii4XAJ1vevlQrFQkseYcc6Fp4ERmWwssurvco6JeOZ3cNy+VK0sd2t9DqApDU1E1ngNXChCumsmNkIUA/SV+VqhRXS7tHT/kTyVqdqcNRHBqlaoWSOJ1IUzfLGRWN3nrLv/Xx1sQLQHtrjaMgA/CeA3tdZ/b7+XlHCN/GonhLri1YtjXdDDvT4ll0fG8E5qqzxdbe8RHXHxoCJpXtpxWoyLz5EIfOro7w5yjab9cbNLG1dR4kLxgvYnafemU4wsIp6XO8fOn7miUdKwwtvAaE2kFitOyFmLupPclbrevZlzsaff0Gs8VoN0K2hK015NPKsF1+NFNA41WtNzZnfovLJ70VK1KJmITsGUl6ZOpHMvUzXEnm7Wj4C+edhPbc2vh3O2XEditTJNPKewZeL5zQD+KwDfyhj79e7//vOdXlfCAEV3cMhBh7TWeVTL4T4YGvNoO/H0f5guDWE3OXY7H8C8NC6hWlvJRZp4LsfwgU8PGZ0Kq91B+3fkkpq3x9sVq2zRcinTWlIQXGdgumCk4csI/JKsUDtNXPAebNyUbTIs20P1el2DiadaIWl+DjhVJYTm9jo0Kx85qtL/ed7ysr8eu/Nxiew6wQ+aV6jQoFUtGtWa7NzIdjyphqJ6xBDPuN4DNWus+ZpcHrd3b9Dqm75SMuxpXnkUrGYuWuv/E0A8IvGIQTlAdpLXSUTfEdFyuA/arLT7ke0KR7ClxPMuB3BxQgYNtBLN+QEvsMx5MsFAd7JArTUgH8CARZmFCX7IrBO0kW6WWkDxcB7me6Aqu0KfOtErJFDX0m8XSojFE3rBCjstdMFGcCyYJhIxoSZDgf2bDGYX1rwHe4anOJULVDlHjcJej2T28soCr4GWn+z1qOXZFGIBFeFHAStO4EzjLBrUKkMVoWdDTzwNaYuReFY3xLNGgxxlFk4NfEuOawjNcariul4eA+F8awmTIB07FRtMnk13nB2L9w+LO5IpLCms+hB2X+K5LOTdC13RrsXDIPIgFQSLkZ9QMIVGNDb4Gulz3B3keCjInh7HM3Gq8szscsvL/aAlMi29gHiqVqOEgF5I4AUrkXkaGFERueR8pFgTUT+gbfVdDLtUVlrVijXXSB3/C5yKDGeUdgJviugCfIHZi1lFME1a2s9OJk77gyZq9cPLbuIpoiP4Nqqpux/vYSp2b5RFCamzfrof4J5qWV2udECecUaJPCITp8dCIp4RoLjaCclUjSYyjb4PNC/tXl/v9Od/yBfXN74DvK33zbFDP91s6gdLmLLIOqRBgB745wc0547AR/bAjwHUrKH98fKAxNMY9/T7k1qc0WiOqvK/93XeF/ouNI1AydTiiadkhXdky5ocu2zgjt6oFtUd9tVkVlm31V7SfCwvgq04dRNPKxdcU0Tnldl719pOsFODc3/0z/OXqBuFionolDfX5momqzmu98AYu7pnzmj2XpPaCJZ3ZzG9xq6hdLQB0R5IxDMC0MHRu5KdIQLr9uwBnQ8Czrtu8JI9LCpwfEPYebt/ZiE9lJr63Aeop4JgMezneH6wxjfpc9wfnIwn6pediZM45C7tMObDrCqUi3LsNK9QQAKtcv7ZmoLaFxNP/4lnu0JqSw64snlALWl6s28BanYPaV1iuYnTc0BVZKh1Yac3mTovNrmz96hq+vMxmTjtjqH5WhOpiVPfkDdNrXu4WT8GGlba5mGmmvDkwjyHRNYbxB10QLQHEvGMALSLRJO8IG+6HTCUD2lFUjL/brkNE/adeOpmd3MNu0d1fgmRAtRXI+skoE39EqKLjmCpsNoddn9cnPuGTWQdfR80KJCp3phicYA6NT08mlqkdFi62y0XOOf2OXb+5yM54MrmjFoqs0O98z7vhQmTXN48fA6giSdTw+f5wgK1u0fb5iHlpd4RNkO9ebA56rF9zuWJzq5ufUk30UXCAOYMZ50iJNQ91QbloKFUH3JAtAcS8YwAVVVCaQaQ1LYN86bbjLxCySRapfoCL/d/n0W3xO078bxH5y8rejmbdZ5M5hqLwQafIz3wF2UWJniBJmaq6a/XIxJPwUpLPI20cZkEiiYfPjJ+K33Ml933S7JC12Q5U6yJql+iFmbiubfx2UWOMTVK0317gSxjEAMH46ytFytv7CSufrCZrkum3wl+oAaoqM+rG0pPDVt/ULxHW0NF5swLmFUEUoTcY01qDwwbnKGS4xCQiGcEOBU5apS22OCqjlIq4cTgYcqowFsga+k19n7Es9AN2p0PYEs8m3MKUN8AmhLL8wMkZRYmAr87ioGM/8i7tPKKeC4uCOzZ9NL5R/vJyLICVWWlt4HRGoMk22QQZzSiQcHU7rJBI0m+jEGKTZr4GBg2QviK63EoAaXzcUn0WIIfepXASztZjq4BynNjzNNNC4s7mIo9Bi7umbaBCpDUCXbVUDpinb4DEvGMAAU3i9VExmJ0JfMB7fXV5wdANVDIgGxB4g8v0IJ5h7AXd5Cc2AdV/QBVk1w4sgdVALD7aOJsO/p8gdFUgh9s6LUYEM8DXq9iEPORdRPPJaApR93t083+rGadJK/l/lLbNTl2l02G+0wjTQxSA631oHkYX5F7b4istNE5vF2+8sGsUdRLKJp4JhOn3WGfQ/UZsulIT2QTT8BENdH9WEJEmdU8JJ55oDWwYCW4bSjt7yFyFCTiGQGMo1dpD478DruJIYAN7P6ZqiGQA0scwci90jOE3Uw8dyaeAwMPm7WXdpwWg2SBsn456OinwmpvlAPHbGHdMY93vaqsAm97CdRSV8esu/aEx8TT7twtJPBtNpgWOsBkDQEOcP/GXEFxU+Js38feTqiaV6ggUMsWUCZvetEZ/kwgWWmvxzVFdC8BfYAkh+P0nNkdROZl8xLKNpTi+5yH+5ElGhv7FhOGGcF5WwdZA5tIrP41xuYe/FhIxDMSNKwnVLG6krkwjCLJVuY0LSKe2D9OgEimas5QFCeQdm8Ww4ZeN+fewTNNPHeHtdqX50Pv0qpB0cLberGZi5XQe0w8VUPS8GVni8kx9iOekDXEwqltP90e7p/v/F3nhng2UnXmGsnVcQzD63FNI5nblY6XaBs6H1Njbm9Qs0Y1Z3tfx9hItq7ebYsScve65zGg2NU9E+DU1pDjbuKpj1mn74FEPCPBUDtuJnXHKw6HOXNrnXuNHMNPrlZqsfuuA+1RyeahD1A/oHTx3qAiSjUPPYGP8IEfOqqyMy6T54FE9Hif83B/co20cSihd4EmUHxhw2mYY+zCGrkwOeBqUd/NCZUVJ2RMo64bZKpZHBPyXGAcjLtG8ooiun9Wnu1zplqQ6ZrgB3oOteKMVlKzJjzC44JEAd7WvTlahHvXKiuR635PtQ2Q1KmBM3nRNlGaOD0GEvGMBENzjHtIRENAlvfySuP0t7xbLlAgUx5xKlqbHLudCTwRz1ac0VIW6YLIgwQDKvRb8WA7+imIfn9UBUeNEhiQkSOaYbW8skXLmvxePpA2On+WIGn4QiLAqz7H2IE1BknFIEieyHG2s3y9zzF+iUydk6vjBFpe9QXqiud570b9sm9wpvNxd1iVQPPQTzwjVDBRQ57uexbjxDMb3jNh7qnKwWuMNbbmMZCIZyQQA5lBiSZKqYQLfWbWuZPDrZx4tu7iTYoaGdOL4lp8QJlZStSDrL34HlRPjWIgWU6f4/2Q88zs4aleSrZ0UhcDhvmSeVsvL/SrXsngAu2CLTUV03llnGZb5fyza5xQbUNBnu1r3Pu7HsZJrSH4zwXDRki5wmXUKmvqM7Q8Q2mGU5U+671RWnl6PWgoxdeYk1kB3jbWlXvv3e7HQMt71UqJMJ1526xErruoq4MOiPZAIp6RQA204yX2l4iGAF6a96Sas3EEWyGlGGrs51B3Dp7Y+QDunSMfBpEH8R3yT43hdMYSz9TRvwuMcVndu2MekXgO8iWLFbs3w51j588ipcNSaXhOTSv3z8jaFasIJK+T9Wpy7AK7Jp4ByuFCQJsNrscVLqP5wBRMizNqlDgVCxzgE7xAzU4tH9bf1wGAzKzqByKe8b2Hlp+Qd4qQe6xJ7QE1aHAWENAHXInbA4l4RgKZVWbiSRLRCDX6LgzD7LkWUCuktpL5RRI0Zwp53/dzpA6plrXNsasSYVqMckg8ZdphuifIuEwd2R0zr1B2jrH5ik50Mdg5dqFdaSpmZaoeBkZ8TUZclkMhA1N9M2dvoxR+QTzrNPGcgM4rVGiAtsUJDbD0ehw8KyGNe3BVpHJub1T0PBe1jTAqInwOGVdvsTrqKQTQDrzW2kQ2BVgDDw3iSn1MZeIeSCdVJKClZSpqjpiNNiSea62oVScpcaFpKDriTsRTnKFljVoXKPJ0my1F+YII/NkUVrpIHf07gfLRenfM+AorF3R+MhMmrVd1y4vBhMn5s9bGKHWFFOWpzv7RNc7mXdwUVGOnqntPt7OLM/yYsV97wF5/zZvmvxc+h4b5u5BnQzxzvutrTOjNhbSs0cpukhWh1JaMeaiptTTqKQTobge+FgonJoKsgTWvjEGcHRCF9xpDQKqII4HppDR9yHuA3Z6tsFEkol4lhwO6BXTtJp4Ui7B3589O5WQNpmo0yMFSjt1iWFmtNIXVGQUKnj7He8AST5rUHdEMK6/AmYZWAiUatAvPT7oeKZt3DrorUMuFxJPipITHVNVkPy4vakQXN9XvTe/7XQ9zjAudXB0n0RWk+uEPLv7bF8WpV4QwaRyOeZbOx92R5VCamQx1SSqp+Bpz5OptDeQilNoSqavrcJ15dW7IcSubzkMkvNcYAhLxjARkjlGf3zK/EKFUwgWSD2lxRr7StWxouT0HaSUn+3akypyj1gUgu4IgSc1WIS9KSJ0ZAi9rs4eYCPxdIDvjsn4n+YjEkySgL43kduHZYne9PHY87ee4UJKXdeTDxzk31/WqOAHBSmSyJ557y6rJrEjVD6vyKZ8N6Hp8+e8BLG8k98qaB2TqjBrpc74LGDPP8MHqzN6GhI8BY2YlILs9fh6j70R+QskU6gejEgjRIInI8Znq9EQ8R5GIZyTQeTfxvFP+WggoB3K2tTlNivfL3XOQNYW87yw1yxga5ICqAdWkAPUNaNAReHWGWLHvm+AHMuTqTZzi64a7QIV98/JLyLC8E0172q10E0/WFahLjXtIpipq988oVpI6wQpkgzy/vc2FhnFSydVxBhTP85aZeC4lnkNljcm8TufjvdB0KgF0SoYYyYTmNPHs7vsiwuZiR/hffukLAAKNhMlPqCDw5luGeAb5GgNAIp6RoOXGHKO5k0Q0BNiJpzyvcvoDAJ2Vdrl7Drbzd4ddB9Mhbbocu1QQrEXNSjBVg6kGDeLrMscCxTrjMmvidLyzhZQN9RumaFkqbayqEkozQLgds6FqSJ2B8WX3fjaQqbqwNsdOdO6W9F3v7W7Zr0s8BJu1FwKIaIo3DfFcunNXFQVqnUPLM7KV0WMJfmjsc6i79yOUj7e8QgHRu1lHOPGkCScRzyxE9/W8Qs5avPXGFwEAWYSS5sdAIp6xoDPH6EPej3dBk6EMZI1ipV02HbAuyMY8RO7xOVKH1HSi43tIhQKBApmqka3ILEzwh+JGnq5ljbMuUB7QpIQI1kNHPJfKtKoiR43STgpnf5as0axoOPGhU6kDa3PsZFaBq8ZOZfc2vyi6grZtzsFm7YUAajLURDyXmgvxzihK1uBqhcNxgjdoB954NhRAjCsfvESpRW8qFqGqhZo1a++ZxwA9Vx6IHO+8ynUUJOIZC7pOiji/AaA3cTgSSrvjWRu77BWdRT3I65tDn2O3/wEsWIFMnVOA+kY03QN/VXREgjdUVqFoGzBp8gBzfrzHAhUpD2+skzbyjKEmyZ0Lql4lsaccY+mxR1pqscqq3+7Ay/sYdNiJZ3NOro4zoAlnYyeeC42oGLP5uzy5B98VlIGZqTpa5Y3mJr6HnMtj3OMnUte8aUhdiDXwDTmO0D34MXC8CuOo6C5o+aYxI4ixY+VCXhQQmqMVD6iwrrDSvDQFjwN0ABfV/g9swUpkrUiEaSMkK5GpBlwlAn9PkGM2uWMeETRNFG+STGt5QUATJhfWFqh2P9JBPLXWq6eJJpbLTG8UMiDbN6KIXHJl3Z3haeI5CpLgiZemQF1TRJv83TN4W69ygE/wAz2HjPImzvNR5yeUkBC1WTGKMauZzmz5YGSsIar+enLc3dcBvsYQkIhnJKCRffNW1+056AXdoEArzygh13Xj8xNKCEipZv9YLznZv/MnWQmu6jTx3AjaRzOFVSpg7wUinpmqUR/0eqVdbvGWadytkWkZyZ17GrlWYk877sqRFdqotpsmLn8PJm5K3E02SJMU2bxExda9xucAMnVqO1fbNSZPAkYRktyD7wvZNWuyiJ/nLK+QMQ3VKeb2jlF6DFBzRj+YeyZEZ156rqiXiXjOIRHPSEDZUbIrnGLsWPmgYQWy5i1kTIOtWeLv8voaMS+3vVecAAAoIkxarHLmTTAgt9VCp8nxPaF5hQIN2IF3aWmaqKhoWVEQCFaCKbeMn7UN5IrJCBl+tA7iWTcNctaukrHaJoO8z3dNBIrVXzL/P0A5XAiwiqUzTW9eWfxviG4SV+gGbYSGN7FAZRW4NsobEetziM6KblpYLYx6CgE98TRnyz3WpLaCGpztw7Hr9K1IxDMS0MSTLuh7TOpCgECBQpiDBWscwSg24Txv0NHeMTpCZkZqW7R1ClDfACMLbJC3KZbhnqD9nyObOHG6z0mmtXLiyT12PHlbrypQhznGc6gfjFxuDamzxPNOTqi045Q13RmeJp6j4FcEPV/hJG1WOmoTW5MmnndDm5Uo2gZcN1CRSm2v78sqQkJEzUJWmzM8TOLZneFneo3p/BtDIp6RILu6oI/aSWlYiVJ2AcFrjCkohN3hDKm7Xa17SE6MnK1BrkUqCDZAZhXytu4yC49JiIJAXiFHi0K9jFZK5kJhC/2uIFhxfsrO7MqFtTvJ+SDHeA60p7XUIAkwRXSpG/B7NRl4DgGOvCtwk6vjOIquccy7z6lYUUTLzDRCCt2gTQT/blC8BNfCrM5E+hyi+5A3b+CsCxR5fKU/KUJ4Y+TCIdbARDyzM01ljzkg2or4rr5nCurQZ3W8UgkfCFbipDriuaJoob8jHBNPbTML70A8eYmirbscuzgfVCGg7Qj82midBE90ReupfTPawsqForvPqeO/inhmJbh2E898ZaOE9iO1w8BI1JTBuZxs6G4H/p775w0KlMIUhynHbhxUNBeCiujlzyEyiiohoHkinvcCqQRi3qWl+zAXbxg35AgjYWh6SIq4EIknvUZqKJUHrdO3IhHPSEBSMdvtiXA53AeSlXjRvgVgnQEI/R3XxBOyRqsZ8nx/6Uyblci1SDl2G6G6B376HO+MTiXwNvUGJDvm59wX+usnTCqrkLfuHc+8XUs8KcfYNfE0Z9uqHLu86ojn/ZxQG5SouuZhiFl7IYCux0qun97IrEKlH8Cxbt83wQ+aVyjRIG/j9Wyghnyl3liVMRwCaHpI90yIkTD2OSPXN5SeAxLxjAQ0wqfC6XRU4pmVeNsOxFPW88Ubk7XJ5cv2vwV0R5gKLYBEmFbDdJoNgU9SsvuBJmcvvNOMPwAAFsBJREFU1JuH3UmmIsUW+is60YqXfsRTN6sK1Ko0cVKuyBbK+eRr9ofsPu/9ZIOCFXjREc9Vr/EZgBRLpO5Zo7xRWYW3KfOsTMTzfjDZ4MKsfER6PvLBGS8izSIlUkf3TIjOvEV1TY7TxHMMiXhGgv6m6y7ogz7QFSvxDpiH6RoDEEs8HXtSTNV36/yZDqkwEqhUEKyG5hVe4IwCKpmU3BFEPF/By2g7+i6UV4V+uWL3hqTfLuRarDLDyjOG2iMrlHY8+UrztZIpFO35brJBwUq8ool4psJrDNQIeZs2z7pqhblQyyu8rfuc0/l4P5A8PdcCOtLzkRpAL9q3ojWQozP8bW13hgdI6khJQ4236kV45DgEJOIZCcjB623KLIdn/JhfneIlTkwAWNctp2JMOaS2bGXIuw80r3DSZxRMpU70Bmhe4RXdfY/pc7wbqFmTQUMddFeMFCKkplgz8aRdLxeKlRNPxhgECjCHgZGiieeKHDuS3L1Nv3W3/XPJSrwDG8jxM0BV5qh1jgwaZ12gKvjif6PlJV7AXCsptuaOyI1KoEC87upUS71dR0w8qQbW5mwJUcZPBnEvuoZSiOQ4BByTvRwQtNP5in4LTaQHhw+GXfhsRbc86w5YH+J5rwNY55Ulz6kTvR66C70G1jl4JvhhaAATa2HlQlEYGes79Hppoy/x3LKT3DAf4mnOtjVxAkRQvoy9vJvjtsx64pkHGPIeAk4FN9NtADUKlCsayUNDoUQ874hOJfACdbReA3RWvMLizcSmieeX4S00OgfusCa1FaRkeId+C43m4Hn+xK8oTIT3zSWMgvTsb9cv0SDO5XAfDIlnvsLVNrfEc15qa+IE7vQ5DqZzqyJhEgyGZDMVVnfDUNIea2HlAmMMDQrkrAWwzhWcJPQuFFquJvAN3JEtRDzXyFipgfNleIn2TmeTZJX9nEPM2gsBp3xIPNe5jA7v1RCnP0cBPcPfgYdoz8fhfRgt8SSDTaaDHb4QOX4He7ibou4ISMQzEtBNlwV80+0BPZB/5SscweiAdWXhZXeMExiSzdSJ3oAB8UyF1f3AB3KgWAsrH9Rdo6nRHFW5oumUVyg9Jp4VmtXScMEKMDX/M6iptsYJlRQhb2M12jvJqoduuXmKExhFwZktTNc2QIf+AWmX9n6gZ/jbWB3tykcxUB7Emomd5Z35GhDs8GW4WhCre/BjIBHPSDCUhsWq0ffBkHiuKaxI2uUinlzVdySeQ8IU54MqBAxzXBOBvx8uitYDS5rJzbFZm2PXSe60kpN/REqFE1ufOytZiaydn3hSBvEaq/6Lncs7NRnU4N8NMfIgBNAEHsD6ycjwOZOI591wkUUbLfHs30OsWaRATziDrYF5DqXNsyVNPKeRiGckGErD7kWYQsBwbyVfYS6UdwSldThD8vZ+cQJDkpQmdevB8v6aX+NwnOCHCzlkpIWVD6hYqdd2orvPRszI+BvRmb2snniW4I7IFi3WTzwvZNV3ajIMjZVCDHkPBaRcWl1ED66xJGm+H3gR/+pMWR5jj5/UAcEST+xwXz8DJOIZCYqitDKDWDX6PhjuHa0pWujvaMfEM9fN3Tp/wylnIkzrkV0Q+FRY3QsX99mBr1cqBNbm2FFDqT6/nPwz9UNnarbyc5SZP/EsV8hYh7LqezUZhm65IWbthQK6Htc2kocNzjVN2gQ/ZAdQhBSD+zDmyKxenh7ue6Cp7JHr9K1IxDMi2As64JtuK9hGmRYdsE7i2d4vDDobFAFp92Y9hp9jcse8H4bE88juwZJt26mjz6Y5Tztmi+Zl92fXkTqVlcidUlvz+2uynIcE5V7y9a2qlecCez2uLFCH9+oaP4QEP/Ai/tWZYZPqXrvdjwE6u0Mmdc3GhtJzQCKeEYEu6JilEk4UQ+K5/ICsqIh2SG3zlVl7PhjuUa3JIk0w4Bcd/VRY3QsXxPPAE08qVtZ2y6kR0tTTE09xNg2vtRJ7QzwdBkbdjucW8zXzH/cinkNp4nGvp62QneJGrlTeDBtzRWpw3g38olkT5+fMh42wSOXCQH92h2yQZJUMAb/Gp0YinhGBJp4h33RbwTY6mZaexLPU67P2XBjuhOQHLuTvjaHEKU0874fyRU9gjixp3kw8C/fEU9LEc+V932YlcpdzrjwbA4tseUZcPmgy3Gv/nNxWaxTAGhOnZwK6HteufAwbc0VyD74bike4Z+6OLDPZl4jbuZzumZBJnYyAHD81EvGMCLbbE7FUwomOeNZ6XdHCeYZau0PYC4i7TY75BWFKBcFaDDvNyTzjfqiGhdWBJ/RU4K8u9LtrkMjlGJraTCP5SkleyysUej4rlMnaqF9WnI9DJ9y7Ec/uXA018iAU9Nfj2kZIf9+uyaVN8MPw2ZNFPC0kU7V7mYo9BojUtQE78/bEM9zX+NRIxDMiEPGMuWPlAu1QNGx5N59Qo7BytCkU+n7Ec0g2E/Fcj6G8tkgmJXdDVVbWuOzIZlhkerO2W06fDclpxyCbbVLbNitROCaeTNWrSd1wMnYvWbXdhU1xArOg63Htc2jYmFsTrZPgh3zw7OERK29Ed2bEvE6hNqoEHgP0fDn0StxGJOIZEeiCPjbx7Iq7DUWLYAWYY0+qgrjbjtOwQ1oceIJ0bwxJe5kI/N1Q5plp1uDYZljtxoknXY9zE0/VGBnu2s9R8wol5ieemartvv9SDO+ju+2f0xmezDVmQdfjeuLZf5enF4l43gsX90zEpI3ux5j3runs1gFPntXG+/o5IBHPiCCfxcSz65ZvKFoaFMhmpLatalExAdzJ1XZINlOA+noMd2vK0ytP+EqODZ71YfZHNsOiqKZ25X1PDSU1k+NpiefaiWdeoXARz7ZeTeoui+j7NBnI0TcRz3nQ9bj2eU7XY61zVEWSNd8Lw0igIuKJp2TxTzy3qgQeAypNPJ1IxDMiqO5C1hEfHC7YPaq1Ie8wBc8c8Wy64vBeE8+hnK18cdwJ0r1xSTzT53hPkCzyyNJwivlYWxDQ9diKaXMhJcy5s/pz5CeUkEDbTv6RTDXrsx8HZ969mgys+3dTnMA8iHCuJZ50PdYoUOWplLsXLps18TaSqREUrUES+gzSkIcvauN9/RyQTquIYE0IDnxBkynHlm65YAUyNS21pZD3tVl7Lgz3bdZEwiQY0LRYaYZTedxrPgQ0XaOnOHBsDRUCa40piEzOTTzb7vfW5lfqvDv3ZhpnfMPEcxilcK/sxyzvmofJ1XEefJtskK7HBiWyLLkH3wv5hcldvM9zagTFbCBnm4YB18D2+RKwHPipkYhnRKALOmaphAv0MN1CPCUrwWd2PCmH716f45BsJqntetC0uEaJInX07wq634488bSFwMqCgCR3rZghnt3vrc1VpImkrKenqrxt1lv1M2b3ee9VRNNEJRFPB2j6vFJ5QxPPZoM6KMGNYXZnEfH5KLNunSLiyCw7RQy4Brav8cjpExuRqrmIQN2emJfDXaBDcUvR4iKeoivq7hUGTUYPSjMwnoqCtShL6ugXYCkP8K4g4nnoRkl3bq6VQJHkTs8STzOpXJ2rSI6wzTTxzNtm0/lI+7z3KqJJwhuy82QQ6Irntc/zqmuEbDHiS/DAYCc85h1Pxcz9GLMzr97YPHwM2Ne4MlLrOSARz4hABVPMUgkXqGBrN3RxZVYib6elakQ812btuZDvYJCUAFRlgUbz1NF/BJAMqzjwTrKV1m8s9Ocmnlqas2X9xLOLfJmZeOa63kTq7t1koIlnClCfB12PbOVziCbwycTpzhioBGKeeKqOQEediR3B8IXq9CMrE7ciEc+IQJ2UmJfDXSh26JarrASfCWEn4nmvz5HxHEJz+7BKWAfGGBqUKQ/wEUATtCriwsoFq3DYSDwxSzxNw2utGVbWvcZmhngWbbMpQP3esmraHU2ujvOg63H1xHOHtZQEPzRWnh7v+UjGPDG/Bzq7gyZ1VKcHTI6fGol4xoROM37krD0y5lEbok5UViGfCWEXG7P2fNCwAjIRz82oWZEKq0eAyioIzVEd2MSJJktri5a8KKE0g5bTxBNEPFeSOnpt4jxDPCFWR8IAg4nn6T4Tz7wi9+B0386BFDdspYKpLDjOuki7tI+APgMz3vORmvkxT20Rw/AlBnL8xEjEMyYUEdx0G2EjCzY8TFVWopghnn3I+/0+xwZlktruAIEyEc9HgMpK1ChQHtjEKesaTWuljUZyV1pyOYru99Ya91D+p5yJbCl0g3aDcQXJqtdmjbpAExWdzDVmQRPPtd8Dz8z1mCTN94d9BkU8xdJdIyhm4klkLuQamF7jkTOxt2JTlcEY+zbG2G8xxn6bMfa39npRCRPoDr2opRIOkERti0xL8xL5jNRW2siD+32OghUpx24HNCx19B8DKqvQoAA/cCwDt0XL+vu+YQXYTNQJZI1aF8BKM6ysmzirt/795J8ptLBF5BrY++lORTRJeJPUdh7UCMk2ZEM2KCCTidPdIVkJhQzg+VO/lNWg3cMiYgO5jIYvAdfAzE5lw32NT43VxJMxxgH8TwA+CuBVAN/HGHt1rxeWcAvq1B+ZeFY7FC2Sv8A79R8AP/W9wC/8PeB3fxFoXtrfpxy+e0ZHCBTWvjxhPQRLHf3HwOerd+P38Ief+mXcFdwW+usJl0A5SzyZOm8yw9Kv/KH/v707jbGrLAM4/n9m2iltgc5MW0fowlohoCDYsERjSEFsgVhBAogoNhIgkbCoIeAX8QMaiXs0oIFqSxRUIEoIoSqLGhRCC8q+VKR0o2UvBdN2po8fzikMXQDv7bnnTuf/SyZz33PPvef58N7n3Oec930vAHss+CLMnw2L5sEbL71tn1FsIJsoGgc6RtFf4ZfoNxctGsLDElthYNxU1uVI+ned0vB7rI+upkYH6b3p7+h6c57nULWp8BzV6IrbbWDTfOj2vuNZjmQYwqsHV62ZM89hwOLMfBogIq4HZgOPbo/AtKUor4wO5aES72bEyJFsyM6Gf/IAYNHEE1n9wosctfRxxj95GwAD0cnqsfuxYpeDeO31ogit8seg+zu6vOO5HazonMT6kd11h7HDu6NvDn959QQW1R1IhTYNfWpmCNSG6OK1tWv53h+fIHKAzo0b6Mh+OrOfjtzAB159oanFsAbG788n1l3Bxbs/xPQVd9Hz9PkM3HIRS8YdzhMTjuGpnqM4l/VN5ceBjmLBrqru3bx5fvKO5zva2Lsv+62bx7W9ezf8HvNHfIYxPftw2HaMS1vqj+IzM6S/eZUXgqqa290Km37RoZ1vvmwaajuiiZEMO7pmzj2TgKWD2suAwzffKSLOBs4GmDp1ahOHU1/POADGl/93VLfsegrjp81q+PUT9jqIix86h3wl6WENh3Qs5tB4ko+seZKDX7uRnaIYhtvTO357hbyFkV2jYYSJp1kLDryC7tFdHF13IDu4g6d088b6gbrDqFTfhOLz3je+ic/9yJ04et1dzLj7cDojt7rLcyMmNfz2U3pHs2rUnpyzYjIwkwPjGU7ouIfjX/4Hs175OzPyW3TFAD277tLwMcaMGcvAuuqKwrFjdwagdwc/TzVrn4ljmdI7mr0n7tzwezy376kcsNuu2zEqbc2o0WNg49C+kNzT3c3G5fHW6txDUF9vcRF6Ym/79vm+3iLvva+NY6xbZG795PmuL4w4GZiZmWeV7c8Dh2fmedt6zfTp03PhwoUNHU/A4j8Xw0cvehR26as7mqGpfz2segj++zLse0x1x7n1YugaA8dcVt0xJL13GzfCv34NB50KnQ0Om3tyASy5u/hR+c4u6BhRPh5Z/nXB+z8Eux28fWPPhGUL4ZGb4N93wLGXw7QG89fv5sDSe+ErFQ5Oun8+7DMDxk2u7hhSq1x7Ery4GC58sO5IGrdmRfG5P/DEuiNp3JqVcMtFcNLPYKc2vbC1bBHMPRbOfwC6h/fNtohYlJnTt9jeROF5JHBZZn6ybF8KkJnf3tZrLDyblAlrV1t0SpIac89VsPKfcOJVdUciDQ3XnQ4vPgXn3Vd3JBoK1q2FUY2PZNhRbKvwbGao7X3AtIjYC1gOnAac3sT76d1EWHRKkhp3xLl1RyANLYecAWtX1R2FhgqLznfUcOGZmf0RcR6wAOgE5mbmI9stMkmSJKlO+x9XdwTSDqOphe0y81bg1u0UiyRJkiRpB9Tw73hKkiRJkvReWHhKkiRJkipl4SlJkiRJqpSFpyRJkiSpUhaekiRJkqRKWXhKkiRJkipl4SlJkiRJqpSFpyRJkiSpUhaekiRJkqRKWXhKkiRJkipl4SlJkiRJqpSFpyRJkiSpUpGZrTtYxPPAkpYd8P83AXih7iCkkv1R7cT+qHZif1Q7sT+qnbRDf9wjMyduvrGlhWe7i4iFmTm97jgksD+qvdgf1U7sj2on9ke1k3bujw61lSRJkiRVysJTkiRJklQpC8+3+3ndAUiD2B/VTuyPaif2R7UT+6PaSdv2R+d4SpIkSZIq5R1PSZIkSVKlLDxLETEzIp6IiMURcUnd8Wh4iYgpEXFnRDwaEY9ExAXl9t6I+FNEPFX+76k7Vg0fEdEZEQ9ExC1le6+IuLfMk7+JiK66Y9TwEBHdEXFDRDweEY9FxJHmR9UlIi4qz9UPR8R1EbGT+VGtEhFzI2J1RDw8aNtW82EUflz2ywcj4tD6IrfwBIovV8BPgVnAAcBnI+KAeqPSMNMPfDUzDwCOAL5c9sFLgNszcxpwe9mWWuUC4LFB7e8AP8jMfYGXgS/VEpWGox8Bt2Xm/sDBFP3S/KiWi4hJwPnA9Mz8INAJnIb5Ua3zS2DmZtu2lQ9nAdPKv7OBK1sU41ZZeBYOAxZn5tOZuR64Hphdc0waRjJzZWbeXz5+jeJL1SSKfjiv3G0e8Ol6ItRwExGTgeOBq8t2ADOAG8pd7I9qiYgYB3wcuAYgM9dn5iuYH1WfEcDoiBgBjAFWYn5Ui2TmX4GXNtu8rXw4G5ifhXuA7ojYrTWRbsnCszAJWDqovazcJrVcROwJHALcC/Rl5sryqeeAvprC0vDzQ+BiYGPZHg+8kpn9Zds8qVbZC3ge+EU59PvqiBiL+VE1yMzlwHeBZykKzleBRZgfVa9t5cO2qnEsPKU2EhE7AzcCF2bmmsHPZbEEtctQq3IRcQKwOjMX1R2LRHF36VDgysw8BHidzYbVmh/VKuXcudkUF0R2B8ay5bBHqTbtnA8tPAvLgSmD2pPLbVLLRMRIiqLzV5l5U7l51aYhEeX/1XXFp2Hlo8CnIuIZiqkHMyjm2HWXQ8vAPKnWWQYsy8x7y/YNFIWo+VF1OAb4T2Y+n5kbgJsocqb5UXXaVj5sqxrHwrNwHzCtXJGsi2KS+M01x6RhpJw/dw3wWGZ+f9BTNwNnlo/PBP7Q6tg0/GTmpZk5OTP3pMiHd2Tm54A7gZPL3eyPaonMfA5YGhH7lZuOBh7F/Kh6PAscERFjynP3pv5oflSdtpUPbwa+UK5uewTw6qAhuS0Xxd1YRcRxFHOaOoG5mXl5zSFpGImIjwF/Ax7irTl1X6eY5/lbYCqwBDglMzefUC5VJiKOAr6WmSdExN4Ud0B7gQeAMzJzXZ3xaXiIiA9TLHTVBTwNzKG4eG5+VMtFxDeBUylWpH8AOIti3pz5UZWLiOuAo4AJwCrgG8Dv2Uo+LC+O/IRiOPgbwJzMXFhH3GDhKUmSJEmqmENtJUmSJEmVsvCUJEmSJFXKwlOSJEmSVCkLT0mSJElSpSw8JUmSJEmVsvCUJEmSJFXKwlOSJEmSVCkLT0mSJElSpf4HRaFrRFFe/qsAAAAASUVORK5CYII="/>
+          <p:cNvSpPr>
+            <a:spLocks noGrp="1" noChangeAspect="1" noChangeArrowheads="1"/>
+          </p:cNvSpPr>
+          <p:nvPr>
+            <p:ph type="body" idx="1"/>
+          </p:nvPr>
+        </p:nvSpPr>
+        <p:spPr bwMode="auto">
+          <a:xfrm>
+            <a:off x="355152" y="1152475"/>
+            <a:ext cx="8477147" cy="3398977"/>
+          </a:xfrm>
+          <a:prstGeom prst="rect">
+            <a:avLst/>
+          </a:prstGeom>
+          <a:noFill/>
+          <a:extLst>
+            <a:ext uri="{909E8E84-426E-40DD-AFC4-6F175D3DCCD1}">
+              <a14:hiddenFill xmlns:a14="http://schemas.microsoft.com/office/drawing/2010/main">
+                <a:solidFill>
+                  <a:srgbClr val="FFFFFF"/>
+                </a:solidFill>
+              </a14:hiddenFill>
+            </a:ext>
+          </a:extLst>
+        </p:spPr>
+        <p:txBody>
+          <a:bodyPr vert="horz" wrap="square" lIns="91440" tIns="45720" rIns="91440" bIns="45720" numCol="1" anchor="t" anchorCtr="0" compatLnSpc="1">
+            <a:prstTxWarp prst="textNoShape">
+              <a:avLst/>
+            </a:prstTxWarp>
+          </a:bodyPr>
+          <a:lstStyle/>
+          <a:p>
+            <a:endParaRPr lang="hi-IN" dirty="0"/>
+          </a:p>
+        </p:txBody>
+      </p:sp>
+      <p:pic>
+        <p:nvPicPr>
+          <p:cNvPr id="8" name="Picture 7"/>
+          <p:cNvPicPr>
+            <a:picLocks noChangeAspect="1"/>
+          </p:cNvPicPr>
+          <p:nvPr/>
+        </p:nvPicPr>
+        <p:blipFill>
+          <a:blip r:embed="rId2">
+            <a:extLst>
+              <a:ext uri="{28A0092B-C50C-407E-A947-70E740481C1C}">
+                <a14:useLocalDpi xmlns:a14="http://schemas.microsoft.com/office/drawing/2010/main" val="0"/>
+              </a:ext>
+            </a:extLst>
+          </a:blip>
+          <a:stretch>
+            <a:fillRect/>
+          </a:stretch>
+        </p:blipFill>
+        <p:spPr>
+          <a:xfrm>
+            <a:off x="616449" y="1386361"/>
+            <a:ext cx="7603067" cy="2931204"/>
+          </a:xfrm>
+          <a:prstGeom prst="rect">
+            <a:avLst/>
+          </a:prstGeom>
+        </p:spPr>
+      </p:pic>
+    </p:spTree>
+    <p:extLst>
+      <p:ext uri="{BB962C8B-B14F-4D97-AF65-F5344CB8AC3E}">
+        <p14:creationId xmlns:p14="http://schemas.microsoft.com/office/powerpoint/2010/main" val="1718488511"/>
+      </p:ext>
+    </p:extLst>
+  </p:cSld>
+  <p:clrMapOvr>
+    <a:masterClrMapping/>
+  </p:clrMapOvr>
+</p:sld>
+</file>
+
+<file path=ppt/slides/slide31.xml><?xml version="1.0" encoding="utf-8"?>
+<p:sld xmlns:a="http://schemas.openxmlformats.org/drawingml/2006/main" xmlns:r="http://schemas.openxmlformats.org/officeDocument/2006/relationships" xmlns:p="http://schemas.openxmlformats.org/presentationml/2006/main">
+  <p:cSld>
+    <p:spTree>
+      <p:nvGrpSpPr>
+        <p:cNvPr id="1" name=""/>
+        <p:cNvGrpSpPr/>
+        <p:nvPr/>
+      </p:nvGrpSpPr>
+      <p:grpSpPr>
+        <a:xfrm>
+          <a:off x="0" y="0"/>
+          <a:ext cx="0" cy="0"/>
+          <a:chOff x="0" y="0"/>
+          <a:chExt cx="0" cy="0"/>
+        </a:xfrm>
+      </p:grpSpPr>
+      <p:sp>
+        <p:nvSpPr>
+          <p:cNvPr id="2" name="Title 1"/>
+          <p:cNvSpPr>
+            <a:spLocks noGrp="1"/>
+          </p:cNvSpPr>
+          <p:nvPr>
+            <p:ph type="title"/>
+          </p:nvPr>
+        </p:nvSpPr>
+        <p:spPr>
+          <a:xfrm>
+            <a:off x="311700" y="445025"/>
+            <a:ext cx="8520600" cy="725684"/>
+          </a:xfrm>
+        </p:spPr>
+        <p:txBody>
+          <a:bodyPr/>
+          <a:lstStyle/>
+          <a:p>
+            <a:r>
+              <a:rPr lang="en-US" dirty="0">
+                <a:latin typeface="Bahnschrift SemiBold" panose="020B0502040204020203" pitchFamily="34" charset="0"/>
+              </a:rPr>
+              <a:t>Predicting Sales for next six weeks</a:t>
+            </a:r>
+            <a:r>
+              <a:rPr lang="en-IN" altLang="en-US" dirty="0">
+                <a:latin typeface="Bahnschrift SemiBold" panose="020B0502040204020203" pitchFamily="34" charset="0"/>
+              </a:rPr>
+              <a:t>:</a:t>
+            </a:r>
+            <a:r>
+              <a:rPr lang="en-IN" altLang="en-US" dirty="0"/>
+              <a:t/>
+            </a:r>
+            <a:br>
+              <a:rPr lang="en-IN" altLang="en-US" dirty="0"/>
+            </a:br>
+            <a:r>
+              <a:rPr lang="en-US" dirty="0"/>
+              <a:t/>
+            </a:r>
+            <a:br>
+              <a:rPr lang="en-US" dirty="0"/>
+            </a:br>
+            <a:r>
+              <a:rPr lang="en-US" sz="2000" dirty="0">
+                <a:solidFill>
+                  <a:schemeClr val="bg1"/>
+                </a:solidFill>
+                <a:latin typeface="Bahnschrift Light" panose="020B0502040204020203" pitchFamily="34" charset="0"/>
+              </a:rPr>
+              <a:t>Now that we have linear regression models performing well.</a:t>
+            </a:r>
+            <a:br>
+              <a:rPr lang="en-US" sz="2000" dirty="0">
+                <a:solidFill>
+                  <a:schemeClr val="bg1"/>
+                </a:solidFill>
+                <a:latin typeface="Bahnschrift Light" panose="020B0502040204020203" pitchFamily="34" charset="0"/>
+              </a:rPr>
+            </a:br>
+            <a:r>
+              <a:rPr lang="en-US" sz="2000" dirty="0">
+                <a:solidFill>
+                  <a:schemeClr val="bg1"/>
+                </a:solidFill>
+                <a:latin typeface="Bahnschrift Light" panose="020B0502040204020203" pitchFamily="34" charset="0"/>
+              </a:rPr>
+              <a:t>we need to predict Sales for next 6 weeks in Advance.</a:t>
+            </a:r>
+            <a:r>
+              <a:rPr lang="en-IN" sz="2000" dirty="0">
+                <a:solidFill>
+                  <a:schemeClr val="bg1"/>
+                </a:solidFill>
+                <a:latin typeface="Bahnschrift Light" panose="020B0502040204020203" pitchFamily="34" charset="0"/>
+              </a:rPr>
+              <a:t/>
+            </a:r>
+            <a:br>
+              <a:rPr lang="en-IN" sz="2000" dirty="0">
+                <a:solidFill>
+                  <a:schemeClr val="bg1"/>
+                </a:solidFill>
+                <a:latin typeface="Bahnschrift Light" panose="020B0502040204020203" pitchFamily="34" charset="0"/>
+              </a:rPr>
+            </a:br>
+            <a:r>
+              <a:rPr lang="en-IN" altLang="en-US" sz="2000" dirty="0">
+                <a:solidFill>
+                  <a:schemeClr val="bg1"/>
+                </a:solidFill>
+                <a:latin typeface="Bahnschrift Light" panose="020B0502040204020203" pitchFamily="34" charset="0"/>
+              </a:rPr>
+              <a:t>This is what our problem statement states and hence we have considered the last 42 days as our test data.</a:t>
+            </a:r>
+          </a:p>
+        </p:txBody>
+      </p:sp>
+      <p:pic>
+        <p:nvPicPr>
+          <p:cNvPr id="3" name="Picture 2"/>
+          <p:cNvPicPr>
+            <a:picLocks noChangeAspect="1"/>
+          </p:cNvPicPr>
+          <p:nvPr/>
+        </p:nvPicPr>
+        <p:blipFill>
+          <a:blip r:embed="rId2">
+            <a:extLst>
+              <a:ext uri="{28A0092B-C50C-407E-A947-70E740481C1C}">
+                <a14:useLocalDpi xmlns:a14="http://schemas.microsoft.com/office/drawing/2010/main" val="0"/>
+              </a:ext>
+            </a:extLst>
+          </a:blip>
+          <a:stretch>
+            <a:fillRect/>
+          </a:stretch>
+        </p:blipFill>
+        <p:spPr>
+          <a:xfrm>
+            <a:off x="5022273" y="2571750"/>
+            <a:ext cx="3888286" cy="2452313"/>
+          </a:xfrm>
+          <a:prstGeom prst="rect">
+            <a:avLst/>
+          </a:prstGeom>
+        </p:spPr>
+      </p:pic>
     </p:spTree>
   </p:cSld>
   <p:clrMapOvr>
@@ -12048,7 +12814,502 @@
 </p:sld>
 </file>
 
-<file path=ppt/slides/slide31.xml><?xml version="1.0" encoding="utf-8"?>
+<file path=ppt/slides/slide32.xml><?xml version="1.0" encoding="utf-8"?>
+<p:sld xmlns:a="http://schemas.openxmlformats.org/drawingml/2006/main" xmlns:r="http://schemas.openxmlformats.org/officeDocument/2006/relationships" xmlns:p="http://schemas.openxmlformats.org/presentationml/2006/main">
+  <p:cSld>
+    <p:spTree>
+      <p:nvGrpSpPr>
+        <p:cNvPr id="1" name=""/>
+        <p:cNvGrpSpPr/>
+        <p:nvPr/>
+      </p:nvGrpSpPr>
+      <p:grpSpPr>
+        <a:xfrm>
+          <a:off x="0" y="0"/>
+          <a:ext cx="0" cy="0"/>
+          <a:chOff x="0" y="0"/>
+          <a:chExt cx="0" cy="0"/>
+        </a:xfrm>
+      </p:grpSpPr>
+      <p:sp>
+        <p:nvSpPr>
+          <p:cNvPr id="2" name="Title 1"/>
+          <p:cNvSpPr>
+            <a:spLocks noGrp="1"/>
+          </p:cNvSpPr>
+          <p:nvPr>
+            <p:ph type="title"/>
+          </p:nvPr>
+        </p:nvSpPr>
+        <p:spPr/>
+        <p:txBody>
+          <a:bodyPr/>
+          <a:lstStyle/>
+          <a:p>
+            <a:r>
+              <a:rPr lang="en-US" dirty="0">
+                <a:latin typeface="Bahnschrift SemiBold" panose="020B0502040204020203" pitchFamily="34" charset="0"/>
+                <a:sym typeface="+mn-ea"/>
+              </a:rPr>
+              <a:t>Predicting Sales for next six weeks</a:t>
+            </a:r>
+            <a:r>
+              <a:rPr lang="en-IN" altLang="en-US" dirty="0">
+                <a:latin typeface="Bahnschrift SemiBold" panose="020B0502040204020203" pitchFamily="34" charset="0"/>
+                <a:sym typeface="+mn-ea"/>
+              </a:rPr>
+              <a:t>:</a:t>
+            </a:r>
+            <a:br>
+              <a:rPr lang="en-IN" altLang="en-US" dirty="0">
+                <a:latin typeface="Bahnschrift SemiBold" panose="020B0502040204020203" pitchFamily="34" charset="0"/>
+                <a:sym typeface="+mn-ea"/>
+              </a:rPr>
+            </a:br>
+            <a:endParaRPr lang="en-US" dirty="0">
+              <a:latin typeface="Bahnschrift SemiBold" panose="020B0502040204020203" pitchFamily="34" charset="0"/>
+            </a:endParaRPr>
+          </a:p>
+        </p:txBody>
+      </p:sp>
+      <p:pic>
+        <p:nvPicPr>
+          <p:cNvPr id="4" name="Picture 3"/>
+          <p:cNvPicPr>
+            <a:picLocks noChangeAspect="1"/>
+          </p:cNvPicPr>
+          <p:nvPr/>
+        </p:nvPicPr>
+        <p:blipFill>
+          <a:blip r:embed="rId2"/>
+          <a:stretch>
+            <a:fillRect/>
+          </a:stretch>
+        </p:blipFill>
+        <p:spPr>
+          <a:xfrm>
+            <a:off x="311700" y="1205345"/>
+            <a:ext cx="8520600" cy="3699164"/>
+          </a:xfrm>
+          <a:prstGeom prst="rect">
+            <a:avLst/>
+          </a:prstGeom>
+        </p:spPr>
+      </p:pic>
+    </p:spTree>
+  </p:cSld>
+  <p:clrMapOvr>
+    <a:masterClrMapping/>
+  </p:clrMapOvr>
+</p:sld>
+</file>
+
+<file path=ppt/slides/slide33.xml><?xml version="1.0" encoding="utf-8"?>
+<p:sld xmlns:a="http://schemas.openxmlformats.org/drawingml/2006/main" xmlns:r="http://schemas.openxmlformats.org/officeDocument/2006/relationships" xmlns:p="http://schemas.openxmlformats.org/presentationml/2006/main">
+  <p:cSld>
+    <p:spTree>
+      <p:nvGrpSpPr>
+        <p:cNvPr id="1" name=""/>
+        <p:cNvGrpSpPr/>
+        <p:nvPr/>
+      </p:nvGrpSpPr>
+      <p:grpSpPr>
+        <a:xfrm>
+          <a:off x="0" y="0"/>
+          <a:ext cx="0" cy="0"/>
+          <a:chOff x="0" y="0"/>
+          <a:chExt cx="0" cy="0"/>
+        </a:xfrm>
+      </p:grpSpPr>
+      <p:sp>
+        <p:nvSpPr>
+          <p:cNvPr id="2" name="Title 1"/>
+          <p:cNvSpPr>
+            <a:spLocks noGrp="1"/>
+          </p:cNvSpPr>
+          <p:nvPr>
+            <p:ph type="title"/>
+          </p:nvPr>
+        </p:nvSpPr>
+        <p:spPr/>
+        <p:txBody>
+          <a:bodyPr/>
+          <a:lstStyle/>
+          <a:p>
+            <a:r>
+              <a:rPr lang="en-US" dirty="0" smtClean="0"/>
+              <a:t>Challenges:</a:t>
+            </a:r>
+            <a:endParaRPr lang="hi-IN" dirty="0"/>
+          </a:p>
+        </p:txBody>
+      </p:sp>
+      <p:sp>
+        <p:nvSpPr>
+          <p:cNvPr id="3" name="Text Placeholder 2"/>
+          <p:cNvSpPr>
+            <a:spLocks noGrp="1"/>
+          </p:cNvSpPr>
+          <p:nvPr>
+            <p:ph type="body" idx="1"/>
+          </p:nvPr>
+        </p:nvSpPr>
+        <p:spPr>
+          <a:xfrm>
+            <a:off x="311700" y="1152474"/>
+            <a:ext cx="8520600" cy="3635283"/>
+          </a:xfrm>
+        </p:spPr>
+        <p:txBody>
+          <a:bodyPr/>
+          <a:lstStyle/>
+          <a:p>
+            <a:pPr marL="114300" indent="0">
+              <a:buNone/>
+            </a:pPr>
+            <a:r>
+              <a:rPr lang="en-US" dirty="0" smtClean="0">
+                <a:solidFill>
+                  <a:schemeClr val="bg1"/>
+                </a:solidFill>
+              </a:rPr>
+              <a:t>1.Here </a:t>
+            </a:r>
+            <a:r>
+              <a:rPr lang="en-US" dirty="0">
+                <a:solidFill>
+                  <a:schemeClr val="bg1"/>
+                </a:solidFill>
+              </a:rPr>
+              <a:t>we had to deal with the larger </a:t>
+            </a:r>
+            <a:r>
+              <a:rPr lang="en-US" dirty="0" smtClean="0">
+                <a:solidFill>
+                  <a:schemeClr val="bg1"/>
+                </a:solidFill>
+              </a:rPr>
+              <a:t>datasets. We had to </a:t>
+            </a:r>
+            <a:r>
+              <a:rPr lang="en-US" dirty="0" smtClean="0">
+                <a:solidFill>
+                  <a:schemeClr val="bg1"/>
+                </a:solidFill>
+              </a:rPr>
+              <a:t>merge </a:t>
+            </a:r>
+            <a:r>
+              <a:rPr lang="en-US" dirty="0" smtClean="0">
+                <a:solidFill>
+                  <a:schemeClr val="bg1"/>
+                </a:solidFill>
+              </a:rPr>
+              <a:t>two datasets into one to get the meaningful insights from data.</a:t>
+            </a:r>
+          </a:p>
+          <a:p>
+            <a:pPr marL="114300" indent="0">
+              <a:buNone/>
+            </a:pPr>
+            <a:endParaRPr lang="en-US" dirty="0" smtClean="0">
+              <a:solidFill>
+                <a:schemeClr val="bg1"/>
+              </a:solidFill>
+            </a:endParaRPr>
+          </a:p>
+          <a:p>
+            <a:pPr marL="114300" indent="0">
+              <a:buNone/>
+            </a:pPr>
+            <a:r>
+              <a:rPr lang="en-US" dirty="0" smtClean="0">
+                <a:solidFill>
+                  <a:schemeClr val="bg1"/>
+                </a:solidFill>
+              </a:rPr>
+              <a:t>2. We did a lot of feature engineering in order to get useful information from            multiple columns.</a:t>
+            </a:r>
+            <a:endParaRPr lang="en-US" dirty="0" smtClean="0">
+              <a:solidFill>
+                <a:schemeClr val="bg1"/>
+              </a:solidFill>
+            </a:endParaRPr>
+          </a:p>
+          <a:p>
+            <a:pPr marL="114300" indent="0">
+              <a:buNone/>
+            </a:pPr>
+            <a:endParaRPr lang="en-IN" altLang="en-US" dirty="0">
+              <a:solidFill>
+                <a:schemeClr val="bg1"/>
+              </a:solidFill>
+              <a:latin typeface="Bahnschrift Light" panose="020B0502040204020203" pitchFamily="34" charset="0"/>
+            </a:endParaRPr>
+          </a:p>
+          <a:p>
+            <a:pPr marL="114300" indent="0">
+              <a:buNone/>
+            </a:pPr>
+            <a:r>
+              <a:rPr lang="en-IN" altLang="en-US" dirty="0" smtClean="0">
+                <a:solidFill>
+                  <a:schemeClr val="bg1"/>
+                </a:solidFill>
+                <a:latin typeface="Bahnschrift Light" panose="020B0502040204020203" pitchFamily="34" charset="0"/>
+              </a:rPr>
+              <a:t>3</a:t>
+            </a:r>
+            <a:r>
+              <a:rPr lang="en-IN" altLang="en-US" dirty="0" smtClean="0">
+                <a:solidFill>
+                  <a:schemeClr val="bg1"/>
+                </a:solidFill>
+                <a:latin typeface="Bahnschrift Light" panose="020B0502040204020203" pitchFamily="34" charset="0"/>
+              </a:rPr>
+              <a:t>.We also </a:t>
+            </a:r>
+            <a:r>
+              <a:rPr lang="en-IN" altLang="en-US" dirty="0">
+                <a:solidFill>
+                  <a:schemeClr val="bg1"/>
+                </a:solidFill>
+                <a:latin typeface="Bahnschrift Light" panose="020B0502040204020203" pitchFamily="34" charset="0"/>
+              </a:rPr>
+              <a:t>applied log transform to a lot of columns to avoid skewness which helped us to predict our values well</a:t>
+            </a:r>
+            <a:r>
+              <a:rPr lang="en-IN" altLang="en-US" dirty="0" smtClean="0">
+                <a:solidFill>
+                  <a:schemeClr val="bg1"/>
+                </a:solidFill>
+                <a:latin typeface="Bahnschrift Light" panose="020B0502040204020203" pitchFamily="34" charset="0"/>
+              </a:rPr>
+              <a:t>.</a:t>
+            </a:r>
+          </a:p>
+          <a:p>
+            <a:pPr marL="114300" indent="0">
+              <a:buNone/>
+            </a:pPr>
+            <a:endParaRPr lang="en-IN" altLang="en-US" dirty="0" smtClean="0">
+              <a:solidFill>
+                <a:schemeClr val="bg1"/>
+              </a:solidFill>
+              <a:latin typeface="Bahnschrift Light" panose="020B0502040204020203" pitchFamily="34" charset="0"/>
+            </a:endParaRPr>
+          </a:p>
+          <a:p>
+            <a:pPr marL="114300" indent="0">
+              <a:buNone/>
+            </a:pPr>
+            <a:r>
+              <a:rPr lang="en-IN" altLang="en-US" dirty="0" smtClean="0">
+                <a:solidFill>
+                  <a:schemeClr val="bg1"/>
+                </a:solidFill>
+                <a:latin typeface="Bahnschrift Light" panose="020B0502040204020203" pitchFamily="34" charset="0"/>
+              </a:rPr>
+              <a:t>4. We generated the data for next six weeks using the test data which was the complex part in our project.</a:t>
+            </a:r>
+            <a:endParaRPr lang="en-IN" altLang="en-US" dirty="0">
+              <a:solidFill>
+                <a:schemeClr val="bg1"/>
+              </a:solidFill>
+              <a:latin typeface="Bahnschrift Light" panose="020B0502040204020203" pitchFamily="34" charset="0"/>
+            </a:endParaRPr>
+          </a:p>
+          <a:p>
+            <a:pPr marL="114300" indent="0">
+              <a:buNone/>
+            </a:pPr>
+            <a:endParaRPr lang="en-IN" altLang="en-US" dirty="0">
+              <a:solidFill>
+                <a:schemeClr val="bg1"/>
+              </a:solidFill>
+              <a:latin typeface="Bahnschrift Light" panose="020B0502040204020203" pitchFamily="34" charset="0"/>
+            </a:endParaRPr>
+          </a:p>
+        </p:txBody>
+      </p:sp>
+    </p:spTree>
+    <p:extLst>
+      <p:ext uri="{BB962C8B-B14F-4D97-AF65-F5344CB8AC3E}">
+        <p14:creationId xmlns:p14="http://schemas.microsoft.com/office/powerpoint/2010/main" val="31147823"/>
+      </p:ext>
+    </p:extLst>
+  </p:cSld>
+  <p:clrMapOvr>
+    <a:masterClrMapping/>
+  </p:clrMapOvr>
+</p:sld>
+</file>
+
+<file path=ppt/slides/slide34.xml><?xml version="1.0" encoding="utf-8"?>
+<p:sld xmlns:a="http://schemas.openxmlformats.org/drawingml/2006/main" xmlns:r="http://schemas.openxmlformats.org/officeDocument/2006/relationships" xmlns:p="http://schemas.openxmlformats.org/presentationml/2006/main">
+  <p:cSld>
+    <p:spTree>
+      <p:nvGrpSpPr>
+        <p:cNvPr id="1" name=""/>
+        <p:cNvGrpSpPr/>
+        <p:nvPr/>
+      </p:nvGrpSpPr>
+      <p:grpSpPr>
+        <a:xfrm>
+          <a:off x="0" y="0"/>
+          <a:ext cx="0" cy="0"/>
+          <a:chOff x="0" y="0"/>
+          <a:chExt cx="0" cy="0"/>
+        </a:xfrm>
+      </p:grpSpPr>
+      <p:sp>
+        <p:nvSpPr>
+          <p:cNvPr id="2" name="Title 1"/>
+          <p:cNvSpPr>
+            <a:spLocks noGrp="1"/>
+          </p:cNvSpPr>
+          <p:nvPr>
+            <p:ph type="title"/>
+          </p:nvPr>
+        </p:nvSpPr>
+        <p:spPr/>
+        <p:txBody>
+          <a:bodyPr/>
+          <a:lstStyle/>
+          <a:p>
+            <a:r>
+              <a:rPr lang="en-IN" altLang="en-US" dirty="0">
+                <a:latin typeface="Bahnschrift SemiBold" panose="020B0502040204020203" pitchFamily="34" charset="0"/>
+              </a:rPr>
+              <a:t>Conclusion:</a:t>
+            </a:r>
+            <a:endParaRPr lang="en-IN" altLang="en-US" dirty="0"/>
+          </a:p>
+        </p:txBody>
+      </p:sp>
+      <p:sp>
+        <p:nvSpPr>
+          <p:cNvPr id="3" name="Text Placeholder 2"/>
+          <p:cNvSpPr>
+            <a:spLocks noGrp="1"/>
+          </p:cNvSpPr>
+          <p:nvPr>
+            <p:ph type="body" idx="1"/>
+          </p:nvPr>
+        </p:nvSpPr>
+        <p:spPr>
+          <a:noFill/>
+        </p:spPr>
+        <p:txBody>
+          <a:bodyPr/>
+          <a:lstStyle/>
+          <a:p>
+            <a:pPr marL="114300" indent="0">
+              <a:buNone/>
+            </a:pPr>
+            <a:r>
+              <a:rPr lang="en-US" dirty="0" smtClean="0">
+                <a:solidFill>
+                  <a:schemeClr val="bg1"/>
+                </a:solidFill>
+              </a:rPr>
+              <a:t>The </a:t>
+            </a:r>
+            <a:r>
+              <a:rPr lang="en-US" dirty="0" err="1" smtClean="0">
+                <a:solidFill>
+                  <a:schemeClr val="bg1"/>
+                </a:solidFill>
+              </a:rPr>
+              <a:t>Rossmann</a:t>
+            </a:r>
+            <a:r>
+              <a:rPr lang="en-US" dirty="0" smtClean="0">
+                <a:solidFill>
+                  <a:schemeClr val="bg1"/>
+                </a:solidFill>
+              </a:rPr>
+              <a:t> store sales prediction is very engrossing data science problem to solve. We noticed that the problem is more concentrated towards the feature engineering and the feature selection part than on model selection. We had to spend around 60-70% of our time on analyzing data for trends in order to make our feature selection easier.</a:t>
+            </a:r>
+          </a:p>
+          <a:p>
+            <a:pPr marL="114300" indent="0">
+              <a:buNone/>
+            </a:pPr>
+            <a:endParaRPr lang="en-US" dirty="0" smtClean="0">
+              <a:solidFill>
+                <a:schemeClr val="bg1"/>
+              </a:solidFill>
+            </a:endParaRPr>
+          </a:p>
+          <a:p>
+            <a:pPr marL="114300" indent="0">
+              <a:buNone/>
+            </a:pPr>
+            <a:r>
+              <a:rPr lang="en-US" dirty="0" smtClean="0">
+                <a:solidFill>
+                  <a:schemeClr val="bg1"/>
+                </a:solidFill>
+              </a:rPr>
+              <a:t>As we are building a liner regression model we emphasized on the basic 4 assumptions of a liner regression model.</a:t>
+            </a:r>
+          </a:p>
+          <a:p>
+            <a:pPr marL="114300" indent="0">
+              <a:buNone/>
+            </a:pPr>
+            <a:endParaRPr lang="en-US" dirty="0">
+              <a:solidFill>
+                <a:schemeClr val="bg1"/>
+              </a:solidFill>
+            </a:endParaRPr>
+          </a:p>
+          <a:p>
+            <a:pPr marL="114300" indent="0">
+              <a:buNone/>
+            </a:pPr>
+            <a:endParaRPr lang="hi-IN" dirty="0">
+              <a:solidFill>
+                <a:schemeClr val="bg1"/>
+              </a:solidFill>
+            </a:endParaRPr>
+          </a:p>
+        </p:txBody>
+      </p:sp>
+      <p:pic>
+        <p:nvPicPr>
+          <p:cNvPr id="4" name="Picture 3"/>
+          <p:cNvPicPr>
+            <a:picLocks noChangeAspect="1"/>
+          </p:cNvPicPr>
+          <p:nvPr/>
+        </p:nvPicPr>
+        <p:blipFill>
+          <a:blip r:embed="rId2"/>
+          <a:stretch>
+            <a:fillRect/>
+          </a:stretch>
+        </p:blipFill>
+        <p:spPr>
+          <a:xfrm>
+            <a:off x="5826628" y="3650786"/>
+            <a:ext cx="2792210" cy="1335140"/>
+          </a:xfrm>
+          <a:prstGeom prst="rect">
+            <a:avLst/>
+          </a:prstGeom>
+        </p:spPr>
+      </p:pic>
+    </p:spTree>
+  </p:cSld>
+  <p:clrMapOvr>
+    <a:masterClrMapping/>
+  </p:clrMapOvr>
+</p:sld>
+</file>
+
+<file path=ppt/slides/slide35.xml><?xml version="1.0" encoding="utf-8"?>
 <p:sld xmlns:a="http://schemas.openxmlformats.org/drawingml/2006/main" xmlns:r="http://schemas.openxmlformats.org/officeDocument/2006/relationships" xmlns:p="http://schemas.openxmlformats.org/presentationml/2006/main">
   <p:cSld>
     <p:spTree>
@@ -12102,8 +13363,8 @@
         </p:nvSpPr>
         <p:spPr>
           <a:xfrm>
-            <a:off x="-76199" y="983673"/>
-            <a:ext cx="9137072" cy="3442854"/>
+            <a:off x="133563" y="983672"/>
+            <a:ext cx="8927309" cy="4159827"/>
           </a:xfrm>
         </p:spPr>
         <p:txBody>
@@ -12111,63 +13372,120 @@
           <a:lstStyle/>
           <a:p>
             <a:r>
+              <a:rPr lang="en-IN" altLang="en-US" dirty="0" smtClean="0">
+                <a:solidFill>
+                  <a:schemeClr val="bg1"/>
+                </a:solidFill>
+                <a:latin typeface="Bahnschrift Light" panose="020B0502040204020203" pitchFamily="34" charset="0"/>
+              </a:rPr>
+              <a:t>We </a:t>
+            </a:r>
+            <a:r>
+              <a:rPr lang="en-IN" altLang="en-US" dirty="0">
+                <a:solidFill>
+                  <a:schemeClr val="bg1"/>
+                </a:solidFill>
+                <a:latin typeface="Bahnschrift Light" panose="020B0502040204020203" pitchFamily="34" charset="0"/>
+              </a:rPr>
+              <a:t>also </a:t>
+            </a:r>
+            <a:r>
+              <a:rPr lang="en-IN" altLang="en-US" dirty="0" smtClean="0">
+                <a:solidFill>
+                  <a:schemeClr val="bg1"/>
+                </a:solidFill>
+                <a:latin typeface="Bahnschrift Light" panose="020B0502040204020203" pitchFamily="34" charset="0"/>
+              </a:rPr>
+              <a:t>have applied </a:t>
+            </a:r>
+            <a:r>
+              <a:rPr lang="en-IN" altLang="en-US" dirty="0">
+                <a:solidFill>
+                  <a:schemeClr val="bg1"/>
+                </a:solidFill>
+                <a:latin typeface="Bahnschrift Light" panose="020B0502040204020203" pitchFamily="34" charset="0"/>
+              </a:rPr>
+              <a:t>regularization techniques like Lasso, Ridge and Elastic Net to Avoid Overfitting</a:t>
+            </a:r>
+            <a:r>
+              <a:rPr lang="en-IN" altLang="en-US" dirty="0" smtClean="0">
+                <a:solidFill>
+                  <a:schemeClr val="bg1"/>
+                </a:solidFill>
+                <a:latin typeface="Bahnschrift Light" panose="020B0502040204020203" pitchFamily="34" charset="0"/>
+              </a:rPr>
+              <a:t>.</a:t>
+            </a:r>
+          </a:p>
+          <a:p>
+            <a:endParaRPr lang="en-IN" altLang="en-US" dirty="0">
+              <a:solidFill>
+                <a:schemeClr val="bg1"/>
+              </a:solidFill>
+              <a:latin typeface="Bahnschrift Light" panose="020B0502040204020203" pitchFamily="34" charset="0"/>
+            </a:endParaRPr>
+          </a:p>
+          <a:p>
+            <a:r>
+              <a:rPr lang="en-IN" altLang="en-US" dirty="0" smtClean="0">
+                <a:solidFill>
+                  <a:schemeClr val="bg1"/>
+                </a:solidFill>
+                <a:latin typeface="Bahnschrift Light" panose="020B0502040204020203" pitchFamily="34" charset="0"/>
+              </a:rPr>
+              <a:t>We also used Stacking to make predictions that have better performance than any single model.</a:t>
+            </a:r>
+            <a:endParaRPr lang="en-IN" altLang="en-US" dirty="0">
+              <a:solidFill>
+                <a:schemeClr val="bg1"/>
+              </a:solidFill>
+              <a:latin typeface="Bahnschrift Light" panose="020B0502040204020203" pitchFamily="34" charset="0"/>
+            </a:endParaRPr>
+          </a:p>
+          <a:p>
+            <a:endParaRPr lang="en-IN" altLang="en-US" dirty="0" smtClean="0">
+              <a:solidFill>
+                <a:schemeClr val="bg1"/>
+              </a:solidFill>
+              <a:latin typeface="Bahnschrift Light" panose="020B0502040204020203" pitchFamily="34" charset="0"/>
+            </a:endParaRPr>
+          </a:p>
+          <a:p>
+            <a:r>
+              <a:rPr lang="en-IN" altLang="en-US" sz="1800" dirty="0" smtClean="0">
+                <a:solidFill>
+                  <a:schemeClr val="bg1"/>
+                </a:solidFill>
+                <a:latin typeface="Bahnschrift Light" panose="020B0502040204020203" pitchFamily="34" charset="0"/>
+              </a:rPr>
+              <a:t>The graph above </a:t>
+            </a:r>
+            <a:r>
               <a:rPr lang="en-IN" altLang="en-US" sz="1800" dirty="0">
                 <a:solidFill>
                   <a:schemeClr val="bg1"/>
                 </a:solidFill>
                 <a:latin typeface="Bahnschrift Light" panose="020B0502040204020203" pitchFamily="34" charset="0"/>
               </a:rPr>
-              <a:t>In the above project to we applied log transform to a lot of columns to avoid skewness which helped us to predict our values well. We also applied regularization techniques like Lasso, Ridge and Elastic Net to Avoid Overfitting.</a:t>
-            </a:r>
-            <a:br>
+              <a:t>is what our final model looks like at the end. As per our model prediction we can conclude </a:t>
+            </a:r>
+            <a:r>
+              <a:rPr lang="en-IN" altLang="en-US" sz="1800" dirty="0" smtClean="0">
+                <a:solidFill>
+                  <a:schemeClr val="bg1"/>
+                </a:solidFill>
+                <a:latin typeface="Bahnschrift Light" panose="020B0502040204020203" pitchFamily="34" charset="0"/>
+              </a:rPr>
+              <a:t>that the  </a:t>
+            </a:r>
+            <a:r>
               <a:rPr lang="en-IN" altLang="en-US" sz="1800" dirty="0">
                 <a:solidFill>
                   <a:schemeClr val="bg1"/>
                 </a:solidFill>
                 <a:latin typeface="Bahnschrift Light" panose="020B0502040204020203" pitchFamily="34" charset="0"/>
               </a:rPr>
-            </a:br>
-            <a:br>
-              <a:rPr lang="en-IN" altLang="en-US" sz="1800" dirty="0">
-                <a:solidFill>
-                  <a:schemeClr val="bg1"/>
-                </a:solidFill>
-                <a:latin typeface="Bahnschrift Light" panose="020B0502040204020203" pitchFamily="34" charset="0"/>
-              </a:rPr>
-            </a:br>
-            <a:r>
-              <a:rPr lang="en-IN" altLang="en-US" sz="1800" dirty="0">
-                <a:solidFill>
-                  <a:schemeClr val="bg1"/>
-                </a:solidFill>
-                <a:latin typeface="Bahnschrift Light" panose="020B0502040204020203" pitchFamily="34" charset="0"/>
-              </a:rPr>
-              <a:t>As we were doing Logistic Regression we took care of all the 4 assumptions.</a:t>
-            </a:r>
-            <a:br>
-              <a:rPr lang="en-IN" altLang="en-US" sz="1800" dirty="0">
-                <a:solidFill>
-                  <a:schemeClr val="bg1"/>
-                </a:solidFill>
-                <a:latin typeface="Bahnschrift Light" panose="020B0502040204020203" pitchFamily="34" charset="0"/>
-              </a:rPr>
-            </a:br>
-            <a:br>
-              <a:rPr lang="en-IN" altLang="en-US" sz="1800" dirty="0">
-                <a:solidFill>
-                  <a:schemeClr val="bg1"/>
-                </a:solidFill>
-                <a:latin typeface="Bahnschrift Light" panose="020B0502040204020203" pitchFamily="34" charset="0"/>
-              </a:rPr>
-            </a:br>
-            <a:r>
-              <a:rPr lang="en-IN" altLang="en-US" sz="1800" dirty="0">
-                <a:solidFill>
-                  <a:schemeClr val="bg1"/>
-                </a:solidFill>
-                <a:latin typeface="Bahnschrift Light" panose="020B0502040204020203" pitchFamily="34" charset="0"/>
-              </a:rPr>
-              <a:t>The above graph is what our final model looks like at the end. As per our model prediction we can conclude that Total revenue of Predicted Sales in next 6 weeks will be: 250,776,406 euros By 1115 Rossmann stores. </a:t>
+              <a:t>Total revenue of Predicted Sales in next 6 weeks will be: 250,776,406 euros By 1115 Rossmann stores. </a:t>
             </a:r>
             <a:endParaRPr lang="en-US" dirty="0"/>
           </a:p>
@@ -12182,7 +13500,7 @@
           <p:nvPr/>
         </p:nvPicPr>
         <p:blipFill>
-          <a:blip r:embed="rId1">
+          <a:blip r:embed="rId2">
             <a:extLst>
               <a:ext uri="{28A0092B-C50C-407E-A947-70E740481C1C}">
                 <a14:useLocalDpi xmlns:a14="http://schemas.microsoft.com/office/drawing/2010/main" val="0"/>
@@ -12195,8 +13513,8 @@
         </p:blipFill>
         <p:spPr>
           <a:xfrm>
-            <a:off x="6269155" y="3713019"/>
-            <a:ext cx="2791718" cy="1336964"/>
+            <a:off x="6596008" y="3890099"/>
+            <a:ext cx="2464864" cy="1180432"/>
           </a:xfrm>
           <a:prstGeom prst="rect">
             <a:avLst/>
@@ -12249,9 +13567,6 @@
               </a:rPr>
               <a:t>Description of data provided</a:t>
             </a:r>
-            <a:endParaRPr lang="en-IN" altLang="en-US" dirty="0">
-              <a:latin typeface="Bahnschrift SemiBold" panose="020B0502040204020203" pitchFamily="34" charset="0"/>
-            </a:endParaRPr>
           </a:p>
         </p:txBody>
       </p:sp>
@@ -12284,12 +13599,6 @@
               </a:rPr>
               <a:t>We are provided with 2 data sets:</a:t>
             </a:r>
-            <a:endParaRPr lang="en-IN" altLang="en-US" sz="2000" dirty="0">
-              <a:solidFill>
-                <a:schemeClr val="bg1"/>
-              </a:solidFill>
-              <a:latin typeface="Bahnschrift Light SemiCondensed" panose="020B0502040204020203" pitchFamily="34" charset="0"/>
-            </a:endParaRPr>
           </a:p>
           <a:p>
             <a:r>
@@ -12310,12 +13619,6 @@
               </a:rPr>
               <a:t>This dataset includes the historical data including Sales. This dataset contain features like Sales, Customers,</a:t>
             </a:r>
-            <a:endParaRPr lang="en-IN" altLang="en-US" sz="2000" dirty="0">
-              <a:solidFill>
-                <a:schemeClr val="bg1"/>
-              </a:solidFill>
-              <a:latin typeface="Bahnschrift Light SemiCondensed" panose="020B0502040204020203" pitchFamily="34" charset="0"/>
-            </a:endParaRPr>
           </a:p>
           <a:p>
             <a:r>
@@ -12327,12 +13630,6 @@
               </a:rPr>
               <a:t>Open, StateHoliday, SchoolHoliday.</a:t>
             </a:r>
-            <a:endParaRPr lang="en-IN" altLang="en-US" sz="2000" dirty="0">
-              <a:solidFill>
-                <a:schemeClr val="bg1"/>
-              </a:solidFill>
-              <a:latin typeface="Bahnschrift Light SemiCondensed" panose="020B0502040204020203" pitchFamily="34" charset="0"/>
-            </a:endParaRPr>
           </a:p>
           <a:p>
             <a:endParaRPr lang="en-IN" altLang="en-US" sz="2000" dirty="0">
@@ -12380,12 +13677,6 @@
               </a:rPr>
               <a:t>CompetitionDistance, CompetitionOpenSince[Month/Year], Promo, Promo2,</a:t>
             </a:r>
-            <a:endParaRPr lang="en-IN" altLang="en-US" sz="2000" dirty="0">
-              <a:solidFill>
-                <a:schemeClr val="bg1"/>
-              </a:solidFill>
-              <a:latin typeface="Bahnschrift Light SemiCondensed" panose="020B0502040204020203" pitchFamily="34" charset="0"/>
-            </a:endParaRPr>
           </a:p>
           <a:p>
             <a:r>
@@ -12397,12 +13688,6 @@
               </a:rPr>
               <a:t>Promo2Since[Year/Week] </a:t>
             </a:r>
-            <a:endParaRPr lang="en-IN" altLang="en-US" sz="2000" dirty="0">
-              <a:solidFill>
-                <a:schemeClr val="bg1"/>
-              </a:solidFill>
-              <a:latin typeface="Bahnschrift Light SemiCondensed" panose="020B0502040204020203" pitchFamily="34" charset="0"/>
-            </a:endParaRPr>
           </a:p>
         </p:txBody>
       </p:sp>
@@ -12415,7 +13700,7 @@
           <p:nvPr/>
         </p:nvPicPr>
         <p:blipFill>
-          <a:blip r:embed="rId1">
+          <a:blip r:embed="rId2">
             <a:extLst>
               <a:ext uri="{28A0092B-C50C-407E-A947-70E740481C1C}">
                 <a14:useLocalDpi xmlns:a14="http://schemas.microsoft.com/office/drawing/2010/main" val="0"/>
@@ -12487,9 +13772,6 @@
               </a:rPr>
               <a:t>	Missing Values in the Datasets</a:t>
             </a:r>
-            <a:endParaRPr lang="en-US" dirty="0">
-              <a:latin typeface="Bahnschrift SemiBold" panose="020B0502040204020203" pitchFamily="34" charset="0"/>
-            </a:endParaRPr>
           </a:p>
         </p:txBody>
       </p:sp>
@@ -12502,7 +13784,7 @@
           <p:nvPr/>
         </p:nvPicPr>
         <p:blipFill>
-          <a:blip r:embed="rId1"/>
+          <a:blip r:embed="rId2"/>
           <a:stretch>
             <a:fillRect/>
           </a:stretch>
@@ -12568,9 +13850,6 @@
               </a:rPr>
               <a:t>	After filling NaN Values in the Datasets</a:t>
             </a:r>
-            <a:endParaRPr lang="en-US" dirty="0">
-              <a:latin typeface="Bahnschrift SemiBold" panose="020B0502040204020203" pitchFamily="34" charset="0"/>
-            </a:endParaRPr>
           </a:p>
         </p:txBody>
       </p:sp>
@@ -12583,7 +13862,7 @@
           <p:nvPr/>
         </p:nvPicPr>
         <p:blipFill>
-          <a:blip r:embed="rId1"/>
+          <a:blip r:embed="rId2"/>
           <a:stretch>
             <a:fillRect/>
           </a:stretch>
@@ -12649,9 +13928,6 @@
               </a:rPr>
               <a:t>Correlation of variables with each others</a:t>
             </a:r>
-            <a:endParaRPr lang="en-US" dirty="0">
-              <a:latin typeface="Bahnschrift SemiBold" panose="020B0502040204020203" pitchFamily="34" charset="0"/>
-            </a:endParaRPr>
           </a:p>
         </p:txBody>
       </p:sp>
@@ -12664,7 +13940,7 @@
           <p:nvPr/>
         </p:nvPicPr>
         <p:blipFill>
-          <a:blip r:embed="rId1"/>
+          <a:blip r:embed="rId2"/>
           <a:stretch>
             <a:fillRect/>
           </a:stretch>
@@ -12725,9 +14001,6 @@
               </a:rPr>
               <a:t>Plot of all the variables:</a:t>
             </a:r>
-            <a:endParaRPr lang="en-IN" altLang="en-US" dirty="0">
-              <a:latin typeface="Bahnschrift SemiBold" panose="020B0502040204020203" pitchFamily="34" charset="0"/>
-            </a:endParaRPr>
           </a:p>
         </p:txBody>
       </p:sp>
@@ -12740,7 +14013,7 @@
           <p:nvPr/>
         </p:nvPicPr>
         <p:blipFill>
-          <a:blip r:embed="rId1"/>
+          <a:blip r:embed="rId2"/>
           <a:stretch>
             <a:fillRect/>
           </a:stretch>
@@ -12764,7 +14037,7 @@
           <p:nvPr/>
         </p:nvPicPr>
         <p:blipFill>
-          <a:blip r:embed="rId2"/>
+          <a:blip r:embed="rId3"/>
           <a:stretch>
             <a:fillRect/>
           </a:stretch>
@@ -12788,7 +14061,7 @@
           <p:nvPr/>
         </p:nvPicPr>
         <p:blipFill>
-          <a:blip r:embed="rId3"/>
+          <a:blip r:embed="rId4"/>
           <a:stretch>
             <a:fillRect/>
           </a:stretch>
@@ -12812,7 +14085,7 @@
           <p:nvPr/>
         </p:nvPicPr>
         <p:blipFill>
-          <a:blip r:embed="rId4"/>
+          <a:blip r:embed="rId5"/>
           <a:stretch>
             <a:fillRect/>
           </a:stretch>
@@ -12836,7 +14109,7 @@
           <p:nvPr/>
         </p:nvPicPr>
         <p:blipFill>
-          <a:blip r:embed="rId5"/>
+          <a:blip r:embed="rId6"/>
           <a:stretch>
             <a:fillRect/>
           </a:stretch>
@@ -12860,7 +14133,7 @@
           <p:nvPr/>
         </p:nvPicPr>
         <p:blipFill>
-          <a:blip r:embed="rId6"/>
+          <a:blip r:embed="rId7"/>
           <a:stretch>
             <a:fillRect/>
           </a:stretch>
@@ -12884,7 +14157,7 @@
           <p:nvPr/>
         </p:nvPicPr>
         <p:blipFill>
-          <a:blip r:embed="rId7"/>
+          <a:blip r:embed="rId8"/>
           <a:stretch>
             <a:fillRect/>
           </a:stretch>
@@ -12908,7 +14181,7 @@
           <p:nvPr/>
         </p:nvPicPr>
         <p:blipFill>
-          <a:blip r:embed="rId8"/>
+          <a:blip r:embed="rId9"/>
           <a:stretch>
             <a:fillRect/>
           </a:stretch>
@@ -12932,7 +14205,7 @@
           <p:nvPr/>
         </p:nvPicPr>
         <p:blipFill>
-          <a:blip r:embed="rId9"/>
+          <a:blip r:embed="rId10"/>
           <a:stretch>
             <a:fillRect/>
           </a:stretch>
@@ -12956,7 +14229,7 @@
           <p:nvPr/>
         </p:nvPicPr>
         <p:blipFill>
-          <a:blip r:embed="rId10"/>
+          <a:blip r:embed="rId11"/>
           <a:stretch>
             <a:fillRect/>
           </a:stretch>
@@ -13033,7 +14306,7 @@
           <p:nvPr/>
         </p:nvPicPr>
         <p:blipFill>
-          <a:blip r:embed="rId1"/>
+          <a:blip r:embed="rId2"/>
           <a:stretch>
             <a:fillRect/>
           </a:stretch>
@@ -13057,7 +14330,7 @@
           <p:nvPr/>
         </p:nvPicPr>
         <p:blipFill>
-          <a:blip r:embed="rId2"/>
+          <a:blip r:embed="rId3"/>
           <a:stretch>
             <a:fillRect/>
           </a:stretch>
@@ -13081,7 +14354,7 @@
           <p:nvPr/>
         </p:nvPicPr>
         <p:blipFill>
-          <a:blip r:embed="rId3"/>
+          <a:blip r:embed="rId4"/>
           <a:stretch>
             <a:fillRect/>
           </a:stretch>
@@ -13105,7 +14378,7 @@
           <p:nvPr/>
         </p:nvPicPr>
         <p:blipFill>
-          <a:blip r:embed="rId4"/>
+          <a:blip r:embed="rId5"/>
           <a:stretch>
             <a:fillRect/>
           </a:stretch>
@@ -13129,7 +14402,7 @@
           <p:nvPr/>
         </p:nvPicPr>
         <p:blipFill>
-          <a:blip r:embed="rId5"/>
+          <a:blip r:embed="rId6"/>
           <a:stretch>
             <a:fillRect/>
           </a:stretch>
@@ -13153,7 +14426,7 @@
           <p:nvPr/>
         </p:nvPicPr>
         <p:blipFill>
-          <a:blip r:embed="rId6"/>
+          <a:blip r:embed="rId7"/>
           <a:stretch>
             <a:fillRect/>
           </a:stretch>
@@ -13177,7 +14450,7 @@
           <p:nvPr/>
         </p:nvPicPr>
         <p:blipFill>
-          <a:blip r:embed="rId7"/>
+          <a:blip r:embed="rId8"/>
           <a:stretch>
             <a:fillRect/>
           </a:stretch>
@@ -13201,7 +14474,7 @@
           <p:nvPr/>
         </p:nvPicPr>
         <p:blipFill>
-          <a:blip r:embed="rId8"/>
+          <a:blip r:embed="rId9"/>
           <a:stretch>
             <a:fillRect/>
           </a:stretch>
@@ -13225,7 +14498,7 @@
           <p:nvPr/>
         </p:nvPicPr>
         <p:blipFill>
-          <a:blip r:embed="rId9"/>
+          <a:blip r:embed="rId10"/>
           <a:stretch>
             <a:fillRect/>
           </a:stretch>
@@ -13249,7 +14522,7 @@
           <p:nvPr/>
         </p:nvPicPr>
         <p:blipFill>
-          <a:blip r:embed="rId10"/>
+          <a:blip r:embed="rId11"/>
           <a:stretch>
             <a:fillRect/>
           </a:stretch>
@@ -13548,6 +14821,8 @@
       </a:bgFillStyleLst>
     </a:fmtScheme>
   </a:themeElements>
+  <a:objectDefaults/>
+  <a:extraClrSchemeLst/>
   <a:extLst>
     <a:ext uri="{05A4C25C-085E-4340-85A3-A5531E510DB2}">
       <thm15:themeFamily xmlns:thm15="http://schemas.microsoft.com/office/thememl/2012/main" name="Office Theme" id="{62F939B6-93AF-4DB8-9C6B-D6C7DFDC589F}" vid="{4A3C46E8-61CC-4603-A589-7422A47A8E4A}"/>
@@ -13832,6 +15107,8 @@
       </a:bgFillStyleLst>
     </a:fmtScheme>
   </a:themeElements>
+  <a:objectDefaults/>
+  <a:extraClrSchemeLst/>
   <a:extLst>
     <a:ext uri="{05A4C25C-085E-4340-85A3-A5531E510DB2}">
       <thm15:themeFamily xmlns:thm15="http://schemas.microsoft.com/office/thememl/2012/main" name="Office Theme" id="{62F939B6-93AF-4DB8-9C6B-D6C7DFDC589F}" vid="{4A3C46E8-61CC-4603-A589-7422A47A8E4A}"/>
